--- a/02/02.pptx
+++ b/02/02.pptx
@@ -6,10 +6,10 @@
     <p:sldMasterId id="2147483684" r:id="rId2"/>
   </p:sldMasterIdLst>
   <p:notesMasterIdLst>
-    <p:notesMasterId r:id="rId19"/>
+    <p:notesMasterId r:id="rId17"/>
   </p:notesMasterIdLst>
   <p:handoutMasterIdLst>
-    <p:handoutMasterId r:id="rId20"/>
+    <p:handoutMasterId r:id="rId18"/>
   </p:handoutMasterIdLst>
   <p:sldIdLst>
     <p:sldId id="444" r:id="rId3"/>
@@ -25,9 +25,7 @@
     <p:sldId id="496" r:id="rId13"/>
     <p:sldId id="495" r:id="rId14"/>
     <p:sldId id="490" r:id="rId15"/>
-    <p:sldId id="491" r:id="rId16"/>
-    <p:sldId id="492" r:id="rId17"/>
-    <p:sldId id="484" r:id="rId18"/>
+    <p:sldId id="484" r:id="rId16"/>
   </p:sldIdLst>
   <p:sldSz cx="9144000" cy="5143500" type="screen16x9"/>
   <p:notesSz cx="6858000" cy="9144000"/>
@@ -144,8 +142,6 @@
             <p14:sldId id="496"/>
             <p14:sldId id="495"/>
             <p14:sldId id="490"/>
-            <p14:sldId id="491"/>
-            <p14:sldId id="492"/>
             <p14:sldId id="484"/>
           </p14:sldIdLst>
         </p14:section>
@@ -275,7 +271,7 @@
           <a:p>
             <a:fld id="{B5389E1E-C654-E943-9883-792E99AD7287}" type="datetimeFigureOut">
               <a:rPr lang="en-US" smtClean="0"/>
-              <a:t>10/25/2016</a:t>
+              <a:t>2/13/2017</a:t>
             </a:fld>
             <a:endParaRPr lang="en-US"/>
           </a:p>
@@ -441,7 +437,7 @@
           <a:p>
             <a:fld id="{9920D99B-2862-464A-984E-65BFC5FC0BBC}" type="datetimeFigureOut">
               <a:rPr lang="en-US" smtClean="0"/>
-              <a:t>10/25/2016</a:t>
+              <a:t>2/13/2017</a:t>
             </a:fld>
             <a:endParaRPr lang="en-US"/>
           </a:p>
@@ -7064,8 +7060,16 @@
           <a:lstStyle/>
           <a:p>
             <a:r>
+              <a:rPr lang="en-US" sz="3600"/>
+              <a:t>Workshop </a:t>
+            </a:r>
+            <a:r>
+              <a:rPr lang="en-US" sz="3600" smtClean="0"/>
+              <a:t>B </a:t>
+            </a:r>
+            <a:r>
               <a:rPr lang="en-US" sz="3600" dirty="0"/>
-              <a:t>Workshop 2 – Using </a:t>
+              <a:t>– Using </a:t>
             </a:r>
             <a:r>
               <a:rPr lang="en-US" sz="3600" dirty="0" err="1"/>
@@ -7835,9 +7839,15 @@
               <a:rPr lang="en-US" sz="1800" dirty="0">
                 <a:hlinkClick r:id="rId2"/>
               </a:rPr>
-              <a:t>https://github.com/couchbaselabs/workshop/tree/master/connect2016/developer/02</a:t>
-            </a:r>
-            <a:endParaRPr lang="en-US" sz="1800" dirty="0"/>
+              <a:t>https://</a:t>
+            </a:r>
+            <a:r>
+              <a:rPr lang="en-US" sz="1800" dirty="0" smtClean="0">
+                <a:hlinkClick r:id="rId2"/>
+              </a:rPr>
+              <a:t>github.com/couchbaselabs/aspnet-nosql-workshop/tree/master/02</a:t>
+            </a:r>
+            <a:endParaRPr lang="en-US" sz="1800" dirty="0" smtClean="0"/>
           </a:p>
           <a:p>
             <a:pPr marL="342900" indent="-342900">
@@ -7852,10 +7862,13 @@
               <a:buChar char="•"/>
             </a:pPr>
             <a:r>
-              <a:rPr lang="en-US" dirty="0" err="1"/>
-              <a:t>dotnet</a:t>
-            </a:r>
-            <a:endParaRPr lang="en-US" dirty="0"/>
+              <a:rPr lang="en-US" dirty="0" err="1" smtClean="0"/>
+              <a:t>dotnet_workshop</a:t>
+            </a:r>
+            <a:r>
+              <a:rPr lang="en-US" dirty="0" smtClean="0"/>
+              <a:t> (incomplete)</a:t>
+            </a:r>
           </a:p>
           <a:p>
             <a:pPr marL="342900" indent="-342900">
@@ -7863,19 +7876,14 @@
               <a:buChar char="•"/>
             </a:pPr>
             <a:r>
-              <a:rPr lang="en-US" dirty="0"/>
-              <a:t>java</a:t>
-            </a:r>
-          </a:p>
-          <a:p>
-            <a:pPr marL="342900" indent="-342900">
-              <a:buFont typeface="Arial" charset="0"/>
-              <a:buChar char="•"/>
-            </a:pPr>
-            <a:r>
-              <a:rPr lang="en-US" dirty="0"/>
-              <a:t>node</a:t>
-            </a:r>
+              <a:rPr lang="en-US" dirty="0" err="1" smtClean="0"/>
+              <a:t>dotnet</a:t>
+            </a:r>
+            <a:r>
+              <a:rPr lang="en-US" dirty="0" smtClean="0"/>
+              <a:t> (complete)</a:t>
+            </a:r>
+            <a:endParaRPr lang="en-US" dirty="0"/>
           </a:p>
           <a:p>
             <a:pPr marL="342900" indent="-342900">
@@ -7918,13 +7926,8 @@
             </a:pPr>
             <a:r>
               <a:rPr lang="en-US" dirty="0"/>
-              <a:t>Fill in </a:t>
-            </a:r>
-            <a:r>
-              <a:rPr lang="en-US"/>
-              <a:t>the blanks: look for “TODO”</a:t>
-            </a:r>
-            <a:endParaRPr lang="en-US" dirty="0"/>
+              <a:t>Fill in the blanks: look for “TODO”</a:t>
+            </a:r>
           </a:p>
           <a:p>
             <a:endParaRPr lang="en-US" dirty="0"/>
@@ -9161,2870 +9164,6 @@
             <a:spLocks noGrp="1"/>
           </p:cNvSpPr>
           <p:nvPr>
-            <p:ph type="title"/>
-          </p:nvPr>
-        </p:nvSpPr>
-        <p:spPr/>
-        <p:txBody>
-          <a:bodyPr/>
-          <a:lstStyle/>
-          <a:p>
-            <a:r>
-              <a:rPr lang="en-US" dirty="0"/>
-              <a:t>SDK: Node</a:t>
-            </a:r>
-          </a:p>
-        </p:txBody>
-      </p:sp>
-      <p:sp>
-        <p:nvSpPr>
-          <p:cNvPr id="3" name="Content Placeholder 2"/>
-          <p:cNvSpPr txBox="1">
-            <a:spLocks/>
-          </p:cNvSpPr>
-          <p:nvPr/>
-        </p:nvSpPr>
-        <p:spPr>
-          <a:xfrm>
-            <a:off x="609600" y="676275"/>
-            <a:ext cx="8007739" cy="2009775"/>
-          </a:xfrm>
-          <a:prstGeom prst="rect">
-            <a:avLst/>
-          </a:prstGeom>
-        </p:spPr>
-        <p:txBody>
-          <a:bodyPr/>
-          <a:lstStyle>
-            <a:lvl1pPr marL="228600" indent="-228600" algn="l" defTabSz="457200" rtl="0" eaLnBrk="1" latinLnBrk="0" hangingPunct="1">
-              <a:spcBef>
-                <a:spcPts val="0"/>
-              </a:spcBef>
-              <a:buClr>
-                <a:schemeClr val="accent1"/>
-              </a:buClr>
-              <a:buFont typeface="Wingdings" charset="2"/>
-              <a:buChar char="§"/>
-              <a:defRPr sz="2400" kern="1200">
-                <a:solidFill>
-                  <a:schemeClr val="tx1"/>
-                </a:solidFill>
-                <a:latin typeface="+mn-lt"/>
-                <a:ea typeface="+mn-ea"/>
-                <a:cs typeface="+mn-cs"/>
-              </a:defRPr>
-            </a:lvl1pPr>
-            <a:lvl2pPr marL="455613" indent="-227013" algn="l" defTabSz="457200" rtl="0" eaLnBrk="1" latinLnBrk="0" hangingPunct="1">
-              <a:spcBef>
-                <a:spcPts val="0"/>
-              </a:spcBef>
-              <a:buClr>
-                <a:srgbClr val="262626"/>
-              </a:buClr>
-              <a:buFont typeface="Wingdings" charset="2"/>
-              <a:buChar char="§"/>
-              <a:defRPr sz="2000" kern="1200">
-                <a:solidFill>
-                  <a:schemeClr val="tx1"/>
-                </a:solidFill>
-                <a:latin typeface="+mn-lt"/>
-                <a:ea typeface="+mn-ea"/>
-                <a:cs typeface="+mn-cs"/>
-              </a:defRPr>
-            </a:lvl2pPr>
-            <a:lvl3pPr marL="455613" indent="-228600" algn="l" defTabSz="457200" rtl="0" eaLnBrk="1" latinLnBrk="0" hangingPunct="1">
-              <a:spcBef>
-                <a:spcPts val="0"/>
-              </a:spcBef>
-              <a:buClr>
-                <a:srgbClr val="262626"/>
-              </a:buClr>
-              <a:buFont typeface="Wingdings" charset="2"/>
-              <a:buChar char="§"/>
-              <a:defRPr sz="2000" kern="1200">
-                <a:solidFill>
-                  <a:schemeClr val="tx1"/>
-                </a:solidFill>
-                <a:latin typeface="+mn-lt"/>
-                <a:ea typeface="+mn-ea"/>
-                <a:cs typeface="+mn-cs"/>
-              </a:defRPr>
-            </a:lvl3pPr>
-            <a:lvl4pPr marL="455613" indent="-228600" algn="l" defTabSz="457200" rtl="0" eaLnBrk="1" latinLnBrk="0" hangingPunct="1">
-              <a:spcBef>
-                <a:spcPts val="0"/>
-              </a:spcBef>
-              <a:buClr>
-                <a:srgbClr val="262626"/>
-              </a:buClr>
-              <a:buFont typeface="Wingdings" charset="2"/>
-              <a:buChar char="§"/>
-              <a:defRPr sz="2000" kern="1200">
-                <a:solidFill>
-                  <a:schemeClr val="tx1"/>
-                </a:solidFill>
-                <a:latin typeface="+mn-lt"/>
-                <a:ea typeface="+mn-ea"/>
-                <a:cs typeface="+mn-cs"/>
-              </a:defRPr>
-            </a:lvl4pPr>
-            <a:lvl5pPr marL="455613" indent="-228600" algn="l" defTabSz="457200" rtl="0" eaLnBrk="1" latinLnBrk="0" hangingPunct="1">
-              <a:spcBef>
-                <a:spcPts val="200"/>
-              </a:spcBef>
-              <a:buClr>
-                <a:srgbClr val="262626"/>
-              </a:buClr>
-              <a:buFont typeface="Wingdings" charset="2"/>
-              <a:buChar char="§"/>
-              <a:defRPr sz="2000" kern="1200">
-                <a:solidFill>
-                  <a:schemeClr val="tx1"/>
-                </a:solidFill>
-                <a:latin typeface="+mn-lt"/>
-                <a:ea typeface="+mn-ea"/>
-                <a:cs typeface="+mn-cs"/>
-              </a:defRPr>
-            </a:lvl5pPr>
-            <a:lvl6pPr marL="2514600" indent="-228600" algn="l" defTabSz="457200" rtl="0" eaLnBrk="1" latinLnBrk="0" hangingPunct="1">
-              <a:spcBef>
-                <a:spcPct val="20000"/>
-              </a:spcBef>
-              <a:buFont typeface="Arial"/>
-              <a:buChar char="•"/>
-              <a:defRPr sz="2000" kern="1200">
-                <a:solidFill>
-                  <a:schemeClr val="tx1"/>
-                </a:solidFill>
-                <a:latin typeface="+mn-lt"/>
-                <a:ea typeface="+mn-ea"/>
-                <a:cs typeface="+mn-cs"/>
-              </a:defRPr>
-            </a:lvl6pPr>
-            <a:lvl7pPr marL="2971800" indent="-228600" algn="l" defTabSz="457200" rtl="0" eaLnBrk="1" latinLnBrk="0" hangingPunct="1">
-              <a:spcBef>
-                <a:spcPct val="20000"/>
-              </a:spcBef>
-              <a:buFont typeface="Arial"/>
-              <a:buChar char="•"/>
-              <a:defRPr sz="2000" kern="1200">
-                <a:solidFill>
-                  <a:schemeClr val="tx1"/>
-                </a:solidFill>
-                <a:latin typeface="+mn-lt"/>
-                <a:ea typeface="+mn-ea"/>
-                <a:cs typeface="+mn-cs"/>
-              </a:defRPr>
-            </a:lvl7pPr>
-            <a:lvl8pPr marL="3429000" indent="-228600" algn="l" defTabSz="457200" rtl="0" eaLnBrk="1" latinLnBrk="0" hangingPunct="1">
-              <a:spcBef>
-                <a:spcPct val="20000"/>
-              </a:spcBef>
-              <a:buFont typeface="Arial"/>
-              <a:buChar char="•"/>
-              <a:defRPr sz="2000" kern="1200">
-                <a:solidFill>
-                  <a:schemeClr val="tx1"/>
-                </a:solidFill>
-                <a:latin typeface="+mn-lt"/>
-                <a:ea typeface="+mn-ea"/>
-                <a:cs typeface="+mn-cs"/>
-              </a:defRPr>
-            </a:lvl8pPr>
-            <a:lvl9pPr marL="3886200" indent="-228600" algn="l" defTabSz="457200" rtl="0" eaLnBrk="1" latinLnBrk="0" hangingPunct="1">
-              <a:spcBef>
-                <a:spcPct val="20000"/>
-              </a:spcBef>
-              <a:buFont typeface="Arial"/>
-              <a:buChar char="•"/>
-              <a:defRPr sz="2000" kern="1200">
-                <a:solidFill>
-                  <a:schemeClr val="tx1"/>
-                </a:solidFill>
-                <a:latin typeface="+mn-lt"/>
-                <a:ea typeface="+mn-ea"/>
-                <a:cs typeface="+mn-cs"/>
-              </a:defRPr>
-            </a:lvl9pPr>
-          </a:lstStyle>
-          <a:p>
-            <a:pPr marL="342900" indent="-342900">
-              <a:buFont typeface="Arial" charset="0"/>
-              <a:buChar char="•"/>
-            </a:pPr>
-            <a:r>
-              <a:rPr lang="en-US" dirty="0"/>
-              <a:t>How to install</a:t>
-            </a:r>
-          </a:p>
-          <a:p>
-            <a:pPr marL="342900" indent="-342900">
-              <a:buFont typeface="Arial" charset="0"/>
-              <a:buChar char="•"/>
-            </a:pPr>
-            <a:endParaRPr lang="en-US" dirty="0"/>
-          </a:p>
-          <a:p>
-            <a:pPr marL="569913" lvl="1" indent="-342900">
-              <a:buFont typeface="Arial" charset="0"/>
-              <a:buChar char="•"/>
-            </a:pPr>
-            <a:r>
-              <a:rPr lang="en-US" dirty="0" err="1"/>
-              <a:t>npm</a:t>
-            </a:r>
-            <a:r>
-              <a:rPr lang="en-US" dirty="0"/>
-              <a:t> install </a:t>
-            </a:r>
-            <a:r>
-              <a:rPr lang="en-US" dirty="0" err="1"/>
-              <a:t>couchbase</a:t>
-            </a:r>
-            <a:endParaRPr lang="en-US" dirty="0"/>
-          </a:p>
-          <a:p>
-            <a:pPr marL="569913" lvl="1" indent="-342900">
-              <a:buFont typeface="Arial" charset="0"/>
-              <a:buChar char="•"/>
-            </a:pPr>
-            <a:endParaRPr lang="en-US" dirty="0"/>
-          </a:p>
-          <a:p>
-            <a:pPr marL="342900" indent="-342900">
-              <a:buFont typeface="Arial" charset="0"/>
-              <a:buChar char="•"/>
-            </a:pPr>
-            <a:r>
-              <a:rPr lang="en-US" dirty="0"/>
-              <a:t>How to connect to a </a:t>
-            </a:r>
-            <a:r>
-              <a:rPr lang="en-US" dirty="0" err="1"/>
-              <a:t>Couchbase</a:t>
-            </a:r>
-            <a:r>
-              <a:rPr lang="en-US" dirty="0"/>
-              <a:t> cluster</a:t>
-            </a:r>
-          </a:p>
-          <a:p>
-            <a:pPr marL="342900" indent="-342900">
-              <a:buFont typeface="Arial" charset="0"/>
-              <a:buChar char="•"/>
-            </a:pPr>
-            <a:endParaRPr lang="en-US" dirty="0"/>
-          </a:p>
-          <a:p>
-            <a:pPr marL="342900" indent="-342900">
-              <a:buFont typeface="Arial" charset="0"/>
-              <a:buChar char="•"/>
-            </a:pPr>
-            <a:endParaRPr lang="en-US" dirty="0"/>
-          </a:p>
-          <a:p>
-            <a:endParaRPr lang="en-US" dirty="0"/>
-          </a:p>
-        </p:txBody>
-      </p:sp>
-      <p:sp>
-        <p:nvSpPr>
-          <p:cNvPr id="4" name="Shape 1658"/>
-          <p:cNvSpPr txBox="1">
-            <a:spLocks/>
-          </p:cNvSpPr>
-          <p:nvPr/>
-        </p:nvSpPr>
-        <p:spPr>
-          <a:xfrm>
-            <a:off x="1288661" y="2419349"/>
-            <a:ext cx="6236089" cy="2420551"/>
-          </a:xfrm>
-          <a:prstGeom prst="rect">
-            <a:avLst/>
-          </a:prstGeom>
-        </p:spPr>
-        <p:txBody>
-          <a:bodyPr lIns="0" tIns="0" rIns="0" bIns="0">
-            <a:noAutofit/>
-          </a:bodyPr>
-          <a:lstStyle>
-            <a:lvl1pPr marL="228600" indent="-228600" algn="l" defTabSz="457200" rtl="0" eaLnBrk="1" latinLnBrk="0" hangingPunct="1">
-              <a:spcBef>
-                <a:spcPts val="0"/>
-              </a:spcBef>
-              <a:buClr>
-                <a:schemeClr val="accent1"/>
-              </a:buClr>
-              <a:buFont typeface="Wingdings" charset="2"/>
-              <a:buChar char="§"/>
-              <a:defRPr sz="2400" kern="1200">
-                <a:solidFill>
-                  <a:schemeClr val="tx1"/>
-                </a:solidFill>
-                <a:latin typeface="+mn-lt"/>
-                <a:ea typeface="+mn-ea"/>
-                <a:cs typeface="+mn-cs"/>
-              </a:defRPr>
-            </a:lvl1pPr>
-            <a:lvl2pPr marL="455613" indent="-227013" algn="l" defTabSz="457200" rtl="0" eaLnBrk="1" latinLnBrk="0" hangingPunct="1">
-              <a:spcBef>
-                <a:spcPts val="0"/>
-              </a:spcBef>
-              <a:buClr>
-                <a:srgbClr val="262626"/>
-              </a:buClr>
-              <a:buFont typeface="Wingdings" charset="2"/>
-              <a:buChar char="§"/>
-              <a:defRPr sz="2000" kern="1200">
-                <a:solidFill>
-                  <a:schemeClr val="tx1"/>
-                </a:solidFill>
-                <a:latin typeface="+mn-lt"/>
-                <a:ea typeface="+mn-ea"/>
-                <a:cs typeface="+mn-cs"/>
-              </a:defRPr>
-            </a:lvl2pPr>
-            <a:lvl3pPr marL="455613" indent="-228600" algn="l" defTabSz="457200" rtl="0" eaLnBrk="1" latinLnBrk="0" hangingPunct="1">
-              <a:spcBef>
-                <a:spcPts val="0"/>
-              </a:spcBef>
-              <a:buClr>
-                <a:srgbClr val="262626"/>
-              </a:buClr>
-              <a:buFont typeface="Wingdings" charset="2"/>
-              <a:buChar char="§"/>
-              <a:defRPr sz="2000" kern="1200">
-                <a:solidFill>
-                  <a:schemeClr val="tx1"/>
-                </a:solidFill>
-                <a:latin typeface="+mn-lt"/>
-                <a:ea typeface="+mn-ea"/>
-                <a:cs typeface="+mn-cs"/>
-              </a:defRPr>
-            </a:lvl3pPr>
-            <a:lvl4pPr marL="455613" indent="-228600" algn="l" defTabSz="457200" rtl="0" eaLnBrk="1" latinLnBrk="0" hangingPunct="1">
-              <a:spcBef>
-                <a:spcPts val="0"/>
-              </a:spcBef>
-              <a:buClr>
-                <a:srgbClr val="262626"/>
-              </a:buClr>
-              <a:buFont typeface="Wingdings" charset="2"/>
-              <a:buChar char="§"/>
-              <a:defRPr sz="2000" kern="1200">
-                <a:solidFill>
-                  <a:schemeClr val="tx1"/>
-                </a:solidFill>
-                <a:latin typeface="+mn-lt"/>
-                <a:ea typeface="+mn-ea"/>
-                <a:cs typeface="+mn-cs"/>
-              </a:defRPr>
-            </a:lvl4pPr>
-            <a:lvl5pPr marL="455613" indent="-228600" algn="l" defTabSz="457200" rtl="0" eaLnBrk="1" latinLnBrk="0" hangingPunct="1">
-              <a:spcBef>
-                <a:spcPts val="200"/>
-              </a:spcBef>
-              <a:buClr>
-                <a:srgbClr val="262626"/>
-              </a:buClr>
-              <a:buFont typeface="Wingdings" charset="2"/>
-              <a:buChar char="§"/>
-              <a:defRPr sz="2000" kern="1200">
-                <a:solidFill>
-                  <a:schemeClr val="tx1"/>
-                </a:solidFill>
-                <a:latin typeface="+mn-lt"/>
-                <a:ea typeface="+mn-ea"/>
-                <a:cs typeface="+mn-cs"/>
-              </a:defRPr>
-            </a:lvl5pPr>
-            <a:lvl6pPr marL="2514600" indent="-228600" algn="l" defTabSz="457200" rtl="0" eaLnBrk="1" latinLnBrk="0" hangingPunct="1">
-              <a:spcBef>
-                <a:spcPct val="20000"/>
-              </a:spcBef>
-              <a:buFont typeface="Arial"/>
-              <a:buChar char="•"/>
-              <a:defRPr sz="2000" kern="1200">
-                <a:solidFill>
-                  <a:schemeClr val="tx1"/>
-                </a:solidFill>
-                <a:latin typeface="+mn-lt"/>
-                <a:ea typeface="+mn-ea"/>
-                <a:cs typeface="+mn-cs"/>
-              </a:defRPr>
-            </a:lvl6pPr>
-            <a:lvl7pPr marL="2971800" indent="-228600" algn="l" defTabSz="457200" rtl="0" eaLnBrk="1" latinLnBrk="0" hangingPunct="1">
-              <a:spcBef>
-                <a:spcPct val="20000"/>
-              </a:spcBef>
-              <a:buFont typeface="Arial"/>
-              <a:buChar char="•"/>
-              <a:defRPr sz="2000" kern="1200">
-                <a:solidFill>
-                  <a:schemeClr val="tx1"/>
-                </a:solidFill>
-                <a:latin typeface="+mn-lt"/>
-                <a:ea typeface="+mn-ea"/>
-                <a:cs typeface="+mn-cs"/>
-              </a:defRPr>
-            </a:lvl7pPr>
-            <a:lvl8pPr marL="3429000" indent="-228600" algn="l" defTabSz="457200" rtl="0" eaLnBrk="1" latinLnBrk="0" hangingPunct="1">
-              <a:spcBef>
-                <a:spcPct val="20000"/>
-              </a:spcBef>
-              <a:buFont typeface="Arial"/>
-              <a:buChar char="•"/>
-              <a:defRPr sz="2000" kern="1200">
-                <a:solidFill>
-                  <a:schemeClr val="tx1"/>
-                </a:solidFill>
-                <a:latin typeface="+mn-lt"/>
-                <a:ea typeface="+mn-ea"/>
-                <a:cs typeface="+mn-cs"/>
-              </a:defRPr>
-            </a:lvl8pPr>
-            <a:lvl9pPr marL="3886200" indent="-228600" algn="l" defTabSz="457200" rtl="0" eaLnBrk="1" latinLnBrk="0" hangingPunct="1">
-              <a:spcBef>
-                <a:spcPct val="20000"/>
-              </a:spcBef>
-              <a:buFont typeface="Arial"/>
-              <a:buChar char="•"/>
-              <a:defRPr sz="2000" kern="1200">
-                <a:solidFill>
-                  <a:schemeClr val="tx1"/>
-                </a:solidFill>
-                <a:latin typeface="+mn-lt"/>
-                <a:ea typeface="+mn-ea"/>
-                <a:cs typeface="+mn-cs"/>
-              </a:defRPr>
-            </a:lvl9pPr>
-          </a:lstStyle>
-          <a:p>
-            <a:pPr marL="0" indent="0">
-              <a:buNone/>
-              <a:defRPr sz="1800">
-                <a:solidFill>
-                  <a:srgbClr val="000000"/>
-                </a:solidFill>
-              </a:defRPr>
-            </a:pPr>
-            <a:r>
-              <a:rPr lang="en-US" sz="1100" dirty="0">
-                <a:solidFill>
-                  <a:srgbClr val="1BB2E2"/>
-                </a:solidFill>
-                <a:latin typeface="Courier" charset="0"/>
-                <a:ea typeface="Courier" charset="0"/>
-                <a:cs typeface="Courier" charset="0"/>
-                <a:sym typeface="Consolas"/>
-              </a:rPr>
-              <a:t>//including the Node.js dependency</a:t>
-            </a:r>
-          </a:p>
-          <a:p>
-            <a:pPr marL="0" indent="0">
-              <a:buNone/>
-              <a:defRPr sz="1800">
-                <a:solidFill>
-                  <a:srgbClr val="000000"/>
-                </a:solidFill>
-              </a:defRPr>
-            </a:pPr>
-            <a:r>
-              <a:rPr lang="en-US" sz="1100" dirty="0" err="1">
-                <a:solidFill>
-                  <a:srgbClr val="1E1C1C"/>
-                </a:solidFill>
-                <a:latin typeface="Courier" charset="0"/>
-                <a:ea typeface="Courier" charset="0"/>
-                <a:cs typeface="Courier" charset="0"/>
-                <a:sym typeface="Consolas"/>
-              </a:rPr>
-              <a:t>var</a:t>
-            </a:r>
-            <a:r>
-              <a:rPr lang="en-US" sz="1100" dirty="0">
-                <a:solidFill>
-                  <a:srgbClr val="1E1C1C"/>
-                </a:solidFill>
-                <a:latin typeface="Courier" charset="0"/>
-                <a:ea typeface="Courier" charset="0"/>
-                <a:cs typeface="Courier" charset="0"/>
-                <a:sym typeface="Consolas"/>
-              </a:rPr>
-              <a:t> </a:t>
-            </a:r>
-            <a:r>
-              <a:rPr lang="en-US" sz="1100" dirty="0" err="1">
-                <a:solidFill>
-                  <a:srgbClr val="1E1C1C"/>
-                </a:solidFill>
-                <a:latin typeface="Courier" charset="0"/>
-                <a:ea typeface="Courier" charset="0"/>
-                <a:cs typeface="Courier" charset="0"/>
-                <a:sym typeface="Consolas"/>
-              </a:rPr>
-              <a:t>Couchbase</a:t>
-            </a:r>
-            <a:r>
-              <a:rPr lang="en-US" sz="1100" dirty="0">
-                <a:solidFill>
-                  <a:srgbClr val="1E1C1C"/>
-                </a:solidFill>
-                <a:latin typeface="Courier" charset="0"/>
-                <a:ea typeface="Courier" charset="0"/>
-                <a:cs typeface="Courier" charset="0"/>
-                <a:sym typeface="Consolas"/>
-              </a:rPr>
-              <a:t> = require(</a:t>
-            </a:r>
-            <a:r>
-              <a:rPr lang="en-US" sz="1100" dirty="0">
-                <a:solidFill>
-                  <a:srgbClr val="E40121"/>
-                </a:solidFill>
-                <a:latin typeface="Courier" charset="0"/>
-                <a:ea typeface="Courier" charset="0"/>
-                <a:cs typeface="Courier" charset="0"/>
-                <a:sym typeface="Consolas"/>
-              </a:rPr>
-              <a:t>”</a:t>
-            </a:r>
-            <a:r>
-              <a:rPr lang="en-US" sz="1100" dirty="0" err="1">
-                <a:solidFill>
-                  <a:srgbClr val="E40121"/>
-                </a:solidFill>
-                <a:latin typeface="Courier" charset="0"/>
-                <a:ea typeface="Courier" charset="0"/>
-                <a:cs typeface="Courier" charset="0"/>
-                <a:sym typeface="Consolas"/>
-              </a:rPr>
-              <a:t>couchbase</a:t>
-            </a:r>
-            <a:r>
-              <a:rPr lang="en-US" sz="1100" dirty="0">
-                <a:solidFill>
-                  <a:srgbClr val="E40121"/>
-                </a:solidFill>
-                <a:latin typeface="Courier" charset="0"/>
-                <a:ea typeface="Courier" charset="0"/>
-                <a:cs typeface="Courier" charset="0"/>
-                <a:sym typeface="Consolas"/>
-              </a:rPr>
-              <a:t>"</a:t>
-            </a:r>
-            <a:r>
-              <a:rPr lang="en-US" sz="1100" dirty="0">
-                <a:solidFill>
-                  <a:srgbClr val="1E1C1C"/>
-                </a:solidFill>
-                <a:latin typeface="Courier" charset="0"/>
-                <a:ea typeface="Courier" charset="0"/>
-                <a:cs typeface="Courier" charset="0"/>
-                <a:sym typeface="Consolas"/>
-              </a:rPr>
-              <a:t>);</a:t>
-            </a:r>
-          </a:p>
-          <a:p>
-            <a:pPr marL="0" indent="0">
-              <a:buNone/>
-              <a:defRPr sz="1800">
-                <a:solidFill>
-                  <a:srgbClr val="000000"/>
-                </a:solidFill>
-              </a:defRPr>
-            </a:pPr>
-            <a:endParaRPr lang="en-US" sz="1100" dirty="0">
-              <a:solidFill>
-                <a:srgbClr val="1E1C1C"/>
-              </a:solidFill>
-              <a:latin typeface="Courier" charset="0"/>
-              <a:ea typeface="Courier" charset="0"/>
-              <a:cs typeface="Courier" charset="0"/>
-              <a:sym typeface="Consolas"/>
-            </a:endParaRPr>
-          </a:p>
-          <a:p>
-            <a:pPr marL="0" indent="0">
-              <a:buNone/>
-              <a:defRPr sz="1800">
-                <a:solidFill>
-                  <a:srgbClr val="000000"/>
-                </a:solidFill>
-              </a:defRPr>
-            </a:pPr>
-            <a:r>
-              <a:rPr lang="en-US" sz="1100" dirty="0">
-                <a:solidFill>
-                  <a:srgbClr val="1BB2E2"/>
-                </a:solidFill>
-                <a:latin typeface="Courier" charset="0"/>
-                <a:ea typeface="Courier" charset="0"/>
-                <a:cs typeface="Courier" charset="0"/>
-                <a:sym typeface="Consolas"/>
-              </a:rPr>
-              <a:t>//connecting to a </a:t>
-            </a:r>
-            <a:r>
-              <a:rPr lang="en-US" sz="1100" dirty="0" err="1">
-                <a:solidFill>
-                  <a:srgbClr val="1BB2E2"/>
-                </a:solidFill>
-                <a:latin typeface="Courier" charset="0"/>
-                <a:ea typeface="Courier" charset="0"/>
-                <a:cs typeface="Courier" charset="0"/>
-                <a:sym typeface="Consolas"/>
-              </a:rPr>
-              <a:t>Couchbase</a:t>
-            </a:r>
-            <a:r>
-              <a:rPr lang="en-US" sz="1100" dirty="0">
-                <a:solidFill>
-                  <a:srgbClr val="1BB2E2"/>
-                </a:solidFill>
-                <a:latin typeface="Courier" charset="0"/>
-                <a:ea typeface="Courier" charset="0"/>
-                <a:cs typeface="Courier" charset="0"/>
-                <a:sym typeface="Consolas"/>
-              </a:rPr>
-              <a:t> cluster</a:t>
-            </a:r>
-          </a:p>
-          <a:p>
-            <a:pPr marL="0" indent="0">
-              <a:buNone/>
-              <a:defRPr sz="1800">
-                <a:solidFill>
-                  <a:srgbClr val="000000"/>
-                </a:solidFill>
-              </a:defRPr>
-            </a:pPr>
-            <a:r>
-              <a:rPr lang="en-US" sz="1100" dirty="0" err="1">
-                <a:solidFill>
-                  <a:srgbClr val="1E1C1C"/>
-                </a:solidFill>
-                <a:latin typeface="Courier" charset="0"/>
-                <a:ea typeface="Courier" charset="0"/>
-                <a:cs typeface="Courier" charset="0"/>
-                <a:sym typeface="Consolas"/>
-              </a:rPr>
-              <a:t>var</a:t>
-            </a:r>
-            <a:r>
-              <a:rPr lang="en-US" sz="1100" dirty="0">
-                <a:solidFill>
-                  <a:srgbClr val="1E1C1C"/>
-                </a:solidFill>
-                <a:latin typeface="Courier" charset="0"/>
-                <a:ea typeface="Courier" charset="0"/>
-                <a:cs typeface="Courier" charset="0"/>
-                <a:sym typeface="Consolas"/>
-              </a:rPr>
-              <a:t> cluster = new </a:t>
-            </a:r>
-            <a:r>
-              <a:rPr lang="en-US" sz="1100" dirty="0" err="1">
-                <a:solidFill>
-                  <a:srgbClr val="1E1C1C"/>
-                </a:solidFill>
-                <a:latin typeface="Courier" charset="0"/>
-                <a:ea typeface="Courier" charset="0"/>
-                <a:cs typeface="Courier" charset="0"/>
-                <a:sym typeface="Consolas"/>
-              </a:rPr>
-              <a:t>Couchbase.Cluster</a:t>
-            </a:r>
-            <a:r>
-              <a:rPr lang="en-US" sz="1100" dirty="0">
-                <a:solidFill>
-                  <a:srgbClr val="1E1C1C"/>
-                </a:solidFill>
-                <a:latin typeface="Courier" charset="0"/>
-                <a:ea typeface="Courier" charset="0"/>
-                <a:cs typeface="Courier" charset="0"/>
-                <a:sym typeface="Consolas"/>
-              </a:rPr>
-              <a:t>(</a:t>
-            </a:r>
-            <a:r>
-              <a:rPr lang="en-US" sz="1100" dirty="0">
-                <a:solidFill>
-                  <a:srgbClr val="E40121"/>
-                </a:solidFill>
-                <a:latin typeface="Courier" charset="0"/>
-                <a:ea typeface="Courier" charset="0"/>
-                <a:cs typeface="Courier" charset="0"/>
-                <a:sym typeface="Consolas"/>
-              </a:rPr>
-              <a:t>"</a:t>
-            </a:r>
-            <a:r>
-              <a:rPr lang="en-US" sz="1100" dirty="0" err="1">
-                <a:solidFill>
-                  <a:srgbClr val="E40121"/>
-                </a:solidFill>
-                <a:latin typeface="Courier" charset="0"/>
-                <a:ea typeface="Courier" charset="0"/>
-                <a:cs typeface="Courier" charset="0"/>
-                <a:sym typeface="Consolas"/>
-              </a:rPr>
-              <a:t>couchbase</a:t>
-            </a:r>
-            <a:r>
-              <a:rPr lang="en-US" sz="1100" dirty="0">
-                <a:solidFill>
-                  <a:srgbClr val="E40121"/>
-                </a:solidFill>
-                <a:latin typeface="Courier" charset="0"/>
-                <a:ea typeface="Courier" charset="0"/>
-                <a:cs typeface="Courier" charset="0"/>
-                <a:sym typeface="Consolas"/>
-              </a:rPr>
-              <a:t>://localhost:8091"</a:t>
-            </a:r>
-            <a:r>
-              <a:rPr lang="en-US" sz="1100" dirty="0">
-                <a:solidFill>
-                  <a:srgbClr val="1E1C1C"/>
-                </a:solidFill>
-                <a:latin typeface="Courier" charset="0"/>
-                <a:ea typeface="Courier" charset="0"/>
-                <a:cs typeface="Courier" charset="0"/>
-                <a:sym typeface="Consolas"/>
-              </a:rPr>
-              <a:t>);</a:t>
-            </a:r>
-          </a:p>
-          <a:p>
-            <a:pPr marL="0" indent="0">
-              <a:buNone/>
-              <a:defRPr sz="1800">
-                <a:solidFill>
-                  <a:srgbClr val="000000"/>
-                </a:solidFill>
-              </a:defRPr>
-            </a:pPr>
-            <a:endParaRPr lang="en-US" sz="1100" dirty="0">
-              <a:solidFill>
-                <a:srgbClr val="1E1C1C"/>
-              </a:solidFill>
-              <a:latin typeface="Courier" charset="0"/>
-              <a:ea typeface="Courier" charset="0"/>
-              <a:cs typeface="Courier" charset="0"/>
-              <a:sym typeface="Consolas"/>
-            </a:endParaRPr>
-          </a:p>
-          <a:p>
-            <a:pPr marL="0" indent="0">
-              <a:buNone/>
-              <a:defRPr sz="1800">
-                <a:solidFill>
-                  <a:srgbClr val="000000"/>
-                </a:solidFill>
-              </a:defRPr>
-            </a:pPr>
-            <a:r>
-              <a:rPr lang="en-US" sz="1100" dirty="0">
-                <a:solidFill>
-                  <a:srgbClr val="1BB2E2"/>
-                </a:solidFill>
-                <a:latin typeface="Courier" charset="0"/>
-                <a:ea typeface="Courier" charset="0"/>
-                <a:cs typeface="Courier" charset="0"/>
-                <a:sym typeface="Consolas"/>
-              </a:rPr>
-              <a:t>//opening a bucket in the cluster</a:t>
-            </a:r>
-          </a:p>
-          <a:p>
-            <a:pPr marL="0" indent="0">
-              <a:buNone/>
-              <a:defRPr sz="1800">
-                <a:solidFill>
-                  <a:srgbClr val="000000"/>
-                </a:solidFill>
-              </a:defRPr>
-            </a:pPr>
-            <a:r>
-              <a:rPr lang="en-US" sz="1100" dirty="0" err="1">
-                <a:solidFill>
-                  <a:srgbClr val="1E1C1C"/>
-                </a:solidFill>
-                <a:latin typeface="Courier" charset="0"/>
-                <a:ea typeface="Courier" charset="0"/>
-                <a:cs typeface="Courier" charset="0"/>
-                <a:sym typeface="Consolas"/>
-              </a:rPr>
-              <a:t>var</a:t>
-            </a:r>
-            <a:r>
-              <a:rPr lang="en-US" sz="1100" dirty="0">
-                <a:solidFill>
-                  <a:srgbClr val="1E1C1C"/>
-                </a:solidFill>
-                <a:latin typeface="Courier" charset="0"/>
-                <a:ea typeface="Courier" charset="0"/>
-                <a:cs typeface="Courier" charset="0"/>
-                <a:sym typeface="Consolas"/>
-              </a:rPr>
-              <a:t> </a:t>
-            </a:r>
-            <a:r>
-              <a:rPr lang="en-US" sz="1100" dirty="0" err="1">
-                <a:solidFill>
-                  <a:srgbClr val="1E1C1C"/>
-                </a:solidFill>
-                <a:latin typeface="Courier" charset="0"/>
-                <a:ea typeface="Courier" charset="0"/>
-                <a:cs typeface="Courier" charset="0"/>
-                <a:sym typeface="Consolas"/>
-              </a:rPr>
-              <a:t>myBucket</a:t>
-            </a:r>
-            <a:r>
-              <a:rPr lang="en-US" sz="1100" dirty="0">
-                <a:solidFill>
-                  <a:srgbClr val="1E1C1C"/>
-                </a:solidFill>
-                <a:latin typeface="Courier" charset="0"/>
-                <a:ea typeface="Courier" charset="0"/>
-                <a:cs typeface="Courier" charset="0"/>
-                <a:sym typeface="Consolas"/>
-              </a:rPr>
-              <a:t> = </a:t>
-            </a:r>
-            <a:r>
-              <a:rPr lang="en-US" sz="1100" dirty="0" err="1">
-                <a:solidFill>
-                  <a:srgbClr val="1E1C1C"/>
-                </a:solidFill>
-                <a:latin typeface="Courier" charset="0"/>
-                <a:ea typeface="Courier" charset="0"/>
-                <a:cs typeface="Courier" charset="0"/>
-                <a:sym typeface="Consolas"/>
-              </a:rPr>
-              <a:t>cluster.openBucket</a:t>
-            </a:r>
-            <a:r>
-              <a:rPr lang="en-US" sz="1100" dirty="0">
-                <a:solidFill>
-                  <a:srgbClr val="1E1C1C"/>
-                </a:solidFill>
-                <a:latin typeface="Courier" charset="0"/>
-                <a:ea typeface="Courier" charset="0"/>
-                <a:cs typeface="Courier" charset="0"/>
-                <a:sym typeface="Consolas"/>
-              </a:rPr>
-              <a:t>(</a:t>
-            </a:r>
-            <a:r>
-              <a:rPr lang="en-US" sz="1100" dirty="0">
-                <a:solidFill>
-                  <a:srgbClr val="E40121"/>
-                </a:solidFill>
-                <a:latin typeface="Courier" charset="0"/>
-                <a:ea typeface="Courier" charset="0"/>
-                <a:cs typeface="Courier" charset="0"/>
-                <a:sym typeface="Consolas"/>
-              </a:rPr>
-              <a:t>"travel-sample"</a:t>
-            </a:r>
-            <a:r>
-              <a:rPr lang="en-US" sz="1100" dirty="0">
-                <a:solidFill>
-                  <a:srgbClr val="1E1C1C"/>
-                </a:solidFill>
-                <a:latin typeface="Courier" charset="0"/>
-                <a:ea typeface="Courier" charset="0"/>
-                <a:cs typeface="Courier" charset="0"/>
-                <a:sym typeface="Consolas"/>
-              </a:rPr>
-              <a:t>, </a:t>
-            </a:r>
-            <a:r>
-              <a:rPr lang="en-US" sz="1100" dirty="0">
-                <a:solidFill>
-                  <a:srgbClr val="E40121"/>
-                </a:solidFill>
-                <a:latin typeface="Courier" charset="0"/>
-                <a:ea typeface="Courier" charset="0"/>
-                <a:cs typeface="Courier" charset="0"/>
-                <a:sym typeface="Consolas"/>
-              </a:rPr>
-              <a:t>“password"</a:t>
-            </a:r>
-            <a:r>
-              <a:rPr lang="en-US" sz="1100" dirty="0">
-                <a:solidFill>
-                  <a:srgbClr val="1E1C1C"/>
-                </a:solidFill>
-                <a:latin typeface="Courier" charset="0"/>
-                <a:ea typeface="Courier" charset="0"/>
-                <a:cs typeface="Courier" charset="0"/>
-                <a:sym typeface="Consolas"/>
-              </a:rPr>
-              <a:t>);</a:t>
-            </a:r>
-          </a:p>
-          <a:p>
-            <a:pPr marL="0" indent="0">
-              <a:buNone/>
-              <a:defRPr sz="1800">
-                <a:solidFill>
-                  <a:srgbClr val="000000"/>
-                </a:solidFill>
-              </a:defRPr>
-            </a:pPr>
-            <a:endParaRPr lang="en-US" sz="1100" dirty="0">
-              <a:solidFill>
-                <a:srgbClr val="1E1C1C"/>
-              </a:solidFill>
-              <a:latin typeface="Courier" charset="0"/>
-              <a:ea typeface="Courier" charset="0"/>
-              <a:cs typeface="Courier" charset="0"/>
-              <a:sym typeface="Consolas"/>
-            </a:endParaRPr>
-          </a:p>
-          <a:p>
-            <a:pPr marL="0" indent="0">
-              <a:buNone/>
-              <a:defRPr sz="1800">
-                <a:solidFill>
-                  <a:srgbClr val="000000"/>
-                </a:solidFill>
-              </a:defRPr>
-            </a:pPr>
-            <a:r>
-              <a:rPr lang="en-US" sz="1100" dirty="0">
-                <a:solidFill>
-                  <a:srgbClr val="1BB2E2"/>
-                </a:solidFill>
-                <a:latin typeface="Courier" charset="0"/>
-                <a:ea typeface="Courier" charset="0"/>
-                <a:cs typeface="Courier" charset="0"/>
-                <a:sym typeface="Consolas"/>
-              </a:rPr>
-              <a:t>//preparing N1ql</a:t>
-            </a:r>
-          </a:p>
-          <a:p>
-            <a:pPr marL="0" indent="0">
-              <a:buNone/>
-              <a:defRPr sz="1800">
-                <a:solidFill>
-                  <a:srgbClr val="000000"/>
-                </a:solidFill>
-              </a:defRPr>
-            </a:pPr>
-            <a:r>
-              <a:rPr lang="en-US" sz="1100" dirty="0" err="1">
-                <a:solidFill>
-                  <a:srgbClr val="2E2E2C"/>
-                </a:solidFill>
-                <a:latin typeface="Courier" charset="0"/>
-                <a:ea typeface="Courier" charset="0"/>
-                <a:cs typeface="Courier" charset="0"/>
-                <a:sym typeface="Consolas"/>
-              </a:rPr>
-              <a:t>var</a:t>
-            </a:r>
-            <a:r>
-              <a:rPr lang="en-US" sz="1100" dirty="0">
-                <a:solidFill>
-                  <a:srgbClr val="2E2E2C"/>
-                </a:solidFill>
-                <a:latin typeface="Courier" charset="0"/>
-                <a:ea typeface="Courier" charset="0"/>
-                <a:cs typeface="Courier" charset="0"/>
-                <a:sym typeface="Consolas"/>
-              </a:rPr>
-              <a:t> </a:t>
-            </a:r>
-            <a:r>
-              <a:rPr lang="en-US" sz="1100" dirty="0" err="1">
-                <a:solidFill>
-                  <a:srgbClr val="2E2E2C"/>
-                </a:solidFill>
-                <a:latin typeface="Courier" charset="0"/>
-                <a:ea typeface="Courier" charset="0"/>
-                <a:cs typeface="Courier" charset="0"/>
-                <a:sym typeface="Consolas"/>
-              </a:rPr>
-              <a:t>myQuery</a:t>
-            </a:r>
-            <a:r>
-              <a:rPr lang="en-US" sz="1100" dirty="0">
-                <a:solidFill>
-                  <a:srgbClr val="2E2E2C"/>
-                </a:solidFill>
-                <a:latin typeface="Courier" charset="0"/>
-                <a:ea typeface="Courier" charset="0"/>
-                <a:cs typeface="Courier" charset="0"/>
-                <a:sym typeface="Consolas"/>
-              </a:rPr>
-              <a:t> = Couchbase.N1qlQuery();</a:t>
-            </a:r>
-          </a:p>
-          <a:p>
-            <a:pPr marL="0" indent="0">
-              <a:buNone/>
-              <a:defRPr sz="1800">
-                <a:solidFill>
-                  <a:srgbClr val="000000"/>
-                </a:solidFill>
-              </a:defRPr>
-            </a:pPr>
-            <a:endParaRPr lang="en-US" sz="1100" dirty="0">
-              <a:solidFill>
-                <a:srgbClr val="1E1C1C"/>
-              </a:solidFill>
-              <a:latin typeface="Courier" charset="0"/>
-              <a:ea typeface="Courier" charset="0"/>
-              <a:cs typeface="Courier" charset="0"/>
-              <a:sym typeface="Consolas"/>
-            </a:endParaRPr>
-          </a:p>
-          <a:p>
-            <a:pPr marL="0" indent="0">
-              <a:buNone/>
-              <a:defRPr sz="1800">
-                <a:solidFill>
-                  <a:srgbClr val="000000"/>
-                </a:solidFill>
-              </a:defRPr>
-            </a:pPr>
-            <a:r>
-              <a:rPr lang="en-US" sz="1100" dirty="0">
-                <a:solidFill>
-                  <a:srgbClr val="1BB2E2"/>
-                </a:solidFill>
-                <a:latin typeface="Courier" charset="0"/>
-                <a:ea typeface="Courier" charset="0"/>
-                <a:cs typeface="Courier" charset="0"/>
-                <a:sym typeface="Consolas"/>
-              </a:rPr>
-              <a:t>//creating and saving a Document</a:t>
-            </a:r>
-          </a:p>
-          <a:p>
-            <a:pPr marL="0" indent="0">
-              <a:buNone/>
-              <a:defRPr sz="1800">
-                <a:solidFill>
-                  <a:srgbClr val="000000"/>
-                </a:solidFill>
-              </a:defRPr>
-            </a:pPr>
-            <a:r>
-              <a:rPr lang="en-US" sz="1100" dirty="0" err="1">
-                <a:solidFill>
-                  <a:srgbClr val="2E2E2C"/>
-                </a:solidFill>
-                <a:latin typeface="Courier" charset="0"/>
-                <a:ea typeface="Courier" charset="0"/>
-                <a:cs typeface="Courier" charset="0"/>
-                <a:sym typeface="Consolas"/>
-              </a:rPr>
-              <a:t>var</a:t>
-            </a:r>
-            <a:r>
-              <a:rPr lang="en-US" sz="1100" dirty="0">
-                <a:solidFill>
-                  <a:srgbClr val="2E2E2C"/>
-                </a:solidFill>
-                <a:latin typeface="Courier" charset="0"/>
-                <a:ea typeface="Courier" charset="0"/>
-                <a:cs typeface="Courier" charset="0"/>
-                <a:sym typeface="Consolas"/>
-              </a:rPr>
-              <a:t> document = { </a:t>
-            </a:r>
-            <a:r>
-              <a:rPr lang="en-US" sz="1100" dirty="0" err="1">
-                <a:solidFill>
-                  <a:srgbClr val="2E2E2C"/>
-                </a:solidFill>
-                <a:latin typeface="Courier" charset="0"/>
-                <a:ea typeface="Courier" charset="0"/>
-                <a:cs typeface="Courier" charset="0"/>
-                <a:sym typeface="Consolas"/>
-              </a:rPr>
-              <a:t>firstname</a:t>
-            </a:r>
-            <a:r>
-              <a:rPr lang="en-US" sz="1100" dirty="0">
-                <a:solidFill>
-                  <a:srgbClr val="2E2E2C"/>
-                </a:solidFill>
-                <a:latin typeface="Courier" charset="0"/>
-                <a:ea typeface="Courier" charset="0"/>
-                <a:cs typeface="Courier" charset="0"/>
-                <a:sym typeface="Consolas"/>
-              </a:rPr>
-              <a:t>: </a:t>
-            </a:r>
-            <a:r>
-              <a:rPr lang="en-US" sz="1100" dirty="0">
-                <a:solidFill>
-                  <a:srgbClr val="E40121"/>
-                </a:solidFill>
-                <a:latin typeface="Courier" charset="0"/>
-                <a:ea typeface="Courier" charset="0"/>
-                <a:cs typeface="Courier" charset="0"/>
-                <a:sym typeface="Consolas"/>
-              </a:rPr>
-              <a:t>“Matt"</a:t>
-            </a:r>
-            <a:r>
-              <a:rPr lang="en-US" sz="1100" dirty="0">
-                <a:solidFill>
-                  <a:srgbClr val="2E2E2C"/>
-                </a:solidFill>
-                <a:latin typeface="Courier" charset="0"/>
-                <a:ea typeface="Courier" charset="0"/>
-                <a:cs typeface="Courier" charset="0"/>
-                <a:sym typeface="Consolas"/>
-              </a:rPr>
-              <a:t>, </a:t>
-            </a:r>
-            <a:r>
-              <a:rPr lang="en-US" sz="1100" dirty="0" err="1">
-                <a:solidFill>
-                  <a:srgbClr val="2E2E2C"/>
-                </a:solidFill>
-                <a:latin typeface="Courier" charset="0"/>
-                <a:ea typeface="Courier" charset="0"/>
-                <a:cs typeface="Courier" charset="0"/>
-                <a:sym typeface="Consolas"/>
-              </a:rPr>
-              <a:t>lastname</a:t>
-            </a:r>
-            <a:r>
-              <a:rPr lang="en-US" sz="1100" dirty="0">
-                <a:solidFill>
-                  <a:srgbClr val="2E2E2C"/>
-                </a:solidFill>
-                <a:latin typeface="Courier" charset="0"/>
-                <a:ea typeface="Courier" charset="0"/>
-                <a:cs typeface="Courier" charset="0"/>
-                <a:sym typeface="Consolas"/>
-              </a:rPr>
-              <a:t>: </a:t>
-            </a:r>
-            <a:r>
-              <a:rPr lang="en-US" sz="1100" dirty="0">
-                <a:solidFill>
-                  <a:srgbClr val="E40121"/>
-                </a:solidFill>
-                <a:latin typeface="Courier" charset="0"/>
-                <a:ea typeface="Courier" charset="0"/>
-                <a:cs typeface="Courier" charset="0"/>
-                <a:sym typeface="Consolas"/>
-              </a:rPr>
-              <a:t>“Groves“ </a:t>
-            </a:r>
-            <a:r>
-              <a:rPr lang="en-US" sz="1100" dirty="0">
-                <a:solidFill>
-                  <a:srgbClr val="2E2E2C"/>
-                </a:solidFill>
-                <a:latin typeface="Courier" charset="0"/>
-                <a:ea typeface="Courier" charset="0"/>
-                <a:cs typeface="Courier" charset="0"/>
-                <a:sym typeface="Consolas"/>
-              </a:rPr>
-              <a:t>};</a:t>
-            </a:r>
-          </a:p>
-          <a:p>
-            <a:pPr marL="0" indent="0">
-              <a:buNone/>
-              <a:defRPr sz="1800">
-                <a:solidFill>
-                  <a:srgbClr val="000000"/>
-                </a:solidFill>
-              </a:defRPr>
-            </a:pPr>
-            <a:r>
-              <a:rPr lang="en-US" sz="1100" dirty="0" err="1">
-                <a:solidFill>
-                  <a:srgbClr val="2E2E2C"/>
-                </a:solidFill>
-                <a:latin typeface="Courier" charset="0"/>
-                <a:ea typeface="Courier" charset="0"/>
-                <a:cs typeface="Courier" charset="0"/>
-                <a:sym typeface="Consolas"/>
-              </a:rPr>
-              <a:t>myBucket.insert</a:t>
-            </a:r>
-            <a:r>
-              <a:rPr lang="en-US" sz="1100" dirty="0">
-                <a:solidFill>
-                  <a:srgbClr val="2E2E2C"/>
-                </a:solidFill>
-                <a:latin typeface="Courier" charset="0"/>
-                <a:ea typeface="Courier" charset="0"/>
-                <a:cs typeface="Courier" charset="0"/>
-                <a:sym typeface="Consolas"/>
-              </a:rPr>
-              <a:t>(</a:t>
-            </a:r>
-            <a:r>
-              <a:rPr lang="en-US" sz="1100" dirty="0">
-                <a:solidFill>
-                  <a:srgbClr val="E40121"/>
-                </a:solidFill>
-                <a:latin typeface="Courier" charset="0"/>
-                <a:ea typeface="Courier" charset="0"/>
-                <a:cs typeface="Courier" charset="0"/>
-                <a:sym typeface="Consolas"/>
-              </a:rPr>
-              <a:t>"my-key"</a:t>
-            </a:r>
-            <a:r>
-              <a:rPr lang="en-US" sz="1100" dirty="0">
-                <a:solidFill>
-                  <a:srgbClr val="2E2E2C"/>
-                </a:solidFill>
-                <a:latin typeface="Courier" charset="0"/>
-                <a:ea typeface="Courier" charset="0"/>
-                <a:cs typeface="Courier" charset="0"/>
-                <a:sym typeface="Consolas"/>
-              </a:rPr>
-              <a:t>, document, function(error, result) {});</a:t>
-            </a:r>
-          </a:p>
-        </p:txBody>
-      </p:sp>
-    </p:spTree>
-    <p:extLst>
-      <p:ext uri="{BB962C8B-B14F-4D97-AF65-F5344CB8AC3E}">
-        <p14:creationId xmlns:p14="http://schemas.microsoft.com/office/powerpoint/2010/main" val="181234665"/>
-      </p:ext>
-    </p:extLst>
-  </p:cSld>
-  <p:clrMapOvr>
-    <a:masterClrMapping/>
-  </p:clrMapOvr>
-</p:sld>
-</file>
-
-<file path=ppt/slides/slide15.xml><?xml version="1.0" encoding="utf-8"?>
-<p:sld xmlns:a="http://schemas.openxmlformats.org/drawingml/2006/main" xmlns:r="http://schemas.openxmlformats.org/officeDocument/2006/relationships" xmlns:p="http://schemas.openxmlformats.org/presentationml/2006/main">
-  <p:cSld>
-    <p:spTree>
-      <p:nvGrpSpPr>
-        <p:cNvPr id="1" name=""/>
-        <p:cNvGrpSpPr/>
-        <p:nvPr/>
-      </p:nvGrpSpPr>
-      <p:grpSpPr>
-        <a:xfrm>
-          <a:off x="0" y="0"/>
-          <a:ext cx="0" cy="0"/>
-          <a:chOff x="0" y="0"/>
-          <a:chExt cx="0" cy="0"/>
-        </a:xfrm>
-      </p:grpSpPr>
-      <p:sp>
-        <p:nvSpPr>
-          <p:cNvPr id="2" name="Title 1"/>
-          <p:cNvSpPr>
-            <a:spLocks noGrp="1"/>
-          </p:cNvSpPr>
-          <p:nvPr>
-            <p:ph type="title"/>
-          </p:nvPr>
-        </p:nvSpPr>
-        <p:spPr/>
-        <p:txBody>
-          <a:bodyPr/>
-          <a:lstStyle/>
-          <a:p>
-            <a:r>
-              <a:rPr lang="en-US" dirty="0"/>
-              <a:t>SDK: Java</a:t>
-            </a:r>
-          </a:p>
-        </p:txBody>
-      </p:sp>
-      <p:sp>
-        <p:nvSpPr>
-          <p:cNvPr id="3" name="Content Placeholder 2"/>
-          <p:cNvSpPr txBox="1">
-            <a:spLocks/>
-          </p:cNvSpPr>
-          <p:nvPr/>
-        </p:nvSpPr>
-        <p:spPr>
-          <a:xfrm>
-            <a:off x="609600" y="704850"/>
-            <a:ext cx="8007739" cy="3394472"/>
-          </a:xfrm>
-          <a:prstGeom prst="rect">
-            <a:avLst/>
-          </a:prstGeom>
-        </p:spPr>
-        <p:txBody>
-          <a:bodyPr/>
-          <a:lstStyle>
-            <a:lvl1pPr marL="228600" indent="-228600" algn="l" defTabSz="457200" rtl="0" eaLnBrk="1" latinLnBrk="0" hangingPunct="1">
-              <a:spcBef>
-                <a:spcPts val="0"/>
-              </a:spcBef>
-              <a:buClr>
-                <a:schemeClr val="accent1"/>
-              </a:buClr>
-              <a:buFont typeface="Wingdings" charset="2"/>
-              <a:buChar char="§"/>
-              <a:defRPr sz="2400" kern="1200">
-                <a:solidFill>
-                  <a:schemeClr val="tx1"/>
-                </a:solidFill>
-                <a:latin typeface="+mn-lt"/>
-                <a:ea typeface="+mn-ea"/>
-                <a:cs typeface="+mn-cs"/>
-              </a:defRPr>
-            </a:lvl1pPr>
-            <a:lvl2pPr marL="455613" indent="-227013" algn="l" defTabSz="457200" rtl="0" eaLnBrk="1" latinLnBrk="0" hangingPunct="1">
-              <a:spcBef>
-                <a:spcPts val="0"/>
-              </a:spcBef>
-              <a:buClr>
-                <a:srgbClr val="262626"/>
-              </a:buClr>
-              <a:buFont typeface="Wingdings" charset="2"/>
-              <a:buChar char="§"/>
-              <a:defRPr sz="2000" kern="1200">
-                <a:solidFill>
-                  <a:schemeClr val="tx1"/>
-                </a:solidFill>
-                <a:latin typeface="+mn-lt"/>
-                <a:ea typeface="+mn-ea"/>
-                <a:cs typeface="+mn-cs"/>
-              </a:defRPr>
-            </a:lvl2pPr>
-            <a:lvl3pPr marL="455613" indent="-228600" algn="l" defTabSz="457200" rtl="0" eaLnBrk="1" latinLnBrk="0" hangingPunct="1">
-              <a:spcBef>
-                <a:spcPts val="0"/>
-              </a:spcBef>
-              <a:buClr>
-                <a:srgbClr val="262626"/>
-              </a:buClr>
-              <a:buFont typeface="Wingdings" charset="2"/>
-              <a:buChar char="§"/>
-              <a:defRPr sz="2000" kern="1200">
-                <a:solidFill>
-                  <a:schemeClr val="tx1"/>
-                </a:solidFill>
-                <a:latin typeface="+mn-lt"/>
-                <a:ea typeface="+mn-ea"/>
-                <a:cs typeface="+mn-cs"/>
-              </a:defRPr>
-            </a:lvl3pPr>
-            <a:lvl4pPr marL="455613" indent="-228600" algn="l" defTabSz="457200" rtl="0" eaLnBrk="1" latinLnBrk="0" hangingPunct="1">
-              <a:spcBef>
-                <a:spcPts val="0"/>
-              </a:spcBef>
-              <a:buClr>
-                <a:srgbClr val="262626"/>
-              </a:buClr>
-              <a:buFont typeface="Wingdings" charset="2"/>
-              <a:buChar char="§"/>
-              <a:defRPr sz="2000" kern="1200">
-                <a:solidFill>
-                  <a:schemeClr val="tx1"/>
-                </a:solidFill>
-                <a:latin typeface="+mn-lt"/>
-                <a:ea typeface="+mn-ea"/>
-                <a:cs typeface="+mn-cs"/>
-              </a:defRPr>
-            </a:lvl4pPr>
-            <a:lvl5pPr marL="455613" indent="-228600" algn="l" defTabSz="457200" rtl="0" eaLnBrk="1" latinLnBrk="0" hangingPunct="1">
-              <a:spcBef>
-                <a:spcPts val="200"/>
-              </a:spcBef>
-              <a:buClr>
-                <a:srgbClr val="262626"/>
-              </a:buClr>
-              <a:buFont typeface="Wingdings" charset="2"/>
-              <a:buChar char="§"/>
-              <a:defRPr sz="2000" kern="1200">
-                <a:solidFill>
-                  <a:schemeClr val="tx1"/>
-                </a:solidFill>
-                <a:latin typeface="+mn-lt"/>
-                <a:ea typeface="+mn-ea"/>
-                <a:cs typeface="+mn-cs"/>
-              </a:defRPr>
-            </a:lvl5pPr>
-            <a:lvl6pPr marL="2514600" indent="-228600" algn="l" defTabSz="457200" rtl="0" eaLnBrk="1" latinLnBrk="0" hangingPunct="1">
-              <a:spcBef>
-                <a:spcPct val="20000"/>
-              </a:spcBef>
-              <a:buFont typeface="Arial"/>
-              <a:buChar char="•"/>
-              <a:defRPr sz="2000" kern="1200">
-                <a:solidFill>
-                  <a:schemeClr val="tx1"/>
-                </a:solidFill>
-                <a:latin typeface="+mn-lt"/>
-                <a:ea typeface="+mn-ea"/>
-                <a:cs typeface="+mn-cs"/>
-              </a:defRPr>
-            </a:lvl6pPr>
-            <a:lvl7pPr marL="2971800" indent="-228600" algn="l" defTabSz="457200" rtl="0" eaLnBrk="1" latinLnBrk="0" hangingPunct="1">
-              <a:spcBef>
-                <a:spcPct val="20000"/>
-              </a:spcBef>
-              <a:buFont typeface="Arial"/>
-              <a:buChar char="•"/>
-              <a:defRPr sz="2000" kern="1200">
-                <a:solidFill>
-                  <a:schemeClr val="tx1"/>
-                </a:solidFill>
-                <a:latin typeface="+mn-lt"/>
-                <a:ea typeface="+mn-ea"/>
-                <a:cs typeface="+mn-cs"/>
-              </a:defRPr>
-            </a:lvl7pPr>
-            <a:lvl8pPr marL="3429000" indent="-228600" algn="l" defTabSz="457200" rtl="0" eaLnBrk="1" latinLnBrk="0" hangingPunct="1">
-              <a:spcBef>
-                <a:spcPct val="20000"/>
-              </a:spcBef>
-              <a:buFont typeface="Arial"/>
-              <a:buChar char="•"/>
-              <a:defRPr sz="2000" kern="1200">
-                <a:solidFill>
-                  <a:schemeClr val="tx1"/>
-                </a:solidFill>
-                <a:latin typeface="+mn-lt"/>
-                <a:ea typeface="+mn-ea"/>
-                <a:cs typeface="+mn-cs"/>
-              </a:defRPr>
-            </a:lvl8pPr>
-            <a:lvl9pPr marL="3886200" indent="-228600" algn="l" defTabSz="457200" rtl="0" eaLnBrk="1" latinLnBrk="0" hangingPunct="1">
-              <a:spcBef>
-                <a:spcPct val="20000"/>
-              </a:spcBef>
-              <a:buFont typeface="Arial"/>
-              <a:buChar char="•"/>
-              <a:defRPr sz="2000" kern="1200">
-                <a:solidFill>
-                  <a:schemeClr val="tx1"/>
-                </a:solidFill>
-                <a:latin typeface="+mn-lt"/>
-                <a:ea typeface="+mn-ea"/>
-                <a:cs typeface="+mn-cs"/>
-              </a:defRPr>
-            </a:lvl9pPr>
-          </a:lstStyle>
-          <a:p>
-            <a:pPr marL="342900" indent="-342900">
-              <a:buFont typeface="Arial" charset="0"/>
-              <a:buChar char="•"/>
-            </a:pPr>
-            <a:r>
-              <a:rPr lang="en-US" dirty="0"/>
-              <a:t>How to install</a:t>
-            </a:r>
-          </a:p>
-          <a:p>
-            <a:pPr marL="342900" indent="-342900">
-              <a:buFont typeface="Arial" charset="0"/>
-              <a:buChar char="•"/>
-            </a:pPr>
-            <a:endParaRPr lang="en-US" dirty="0"/>
-          </a:p>
-          <a:p>
-            <a:pPr marL="569913" lvl="1" indent="-342900">
-              <a:buFont typeface="Arial" charset="0"/>
-              <a:buChar char="•"/>
-            </a:pPr>
-            <a:r>
-              <a:rPr lang="en-US" dirty="0"/>
-              <a:t>Edit the pom.xml file</a:t>
-            </a:r>
-          </a:p>
-          <a:p>
-            <a:pPr marL="569913" lvl="1" indent="-342900">
-              <a:buFont typeface="Arial" charset="0"/>
-              <a:buChar char="•"/>
-            </a:pPr>
-            <a:endParaRPr lang="en-US" dirty="0"/>
-          </a:p>
-          <a:p>
-            <a:pPr marL="342900" indent="-342900">
-              <a:buFont typeface="Arial" charset="0"/>
-              <a:buChar char="•"/>
-            </a:pPr>
-            <a:r>
-              <a:rPr lang="en-US" dirty="0"/>
-              <a:t>How to connect to a </a:t>
-            </a:r>
-            <a:r>
-              <a:rPr lang="en-US" dirty="0" err="1"/>
-              <a:t>Couchbase</a:t>
-            </a:r>
-            <a:r>
-              <a:rPr lang="en-US" dirty="0"/>
-              <a:t> cluster</a:t>
-            </a:r>
-          </a:p>
-          <a:p>
-            <a:pPr marL="342900" indent="-342900">
-              <a:buFont typeface="Arial" charset="0"/>
-              <a:buChar char="•"/>
-            </a:pPr>
-            <a:endParaRPr lang="en-US" dirty="0"/>
-          </a:p>
-          <a:p>
-            <a:pPr marL="342900" indent="-342900">
-              <a:buFont typeface="Arial" charset="0"/>
-              <a:buChar char="•"/>
-            </a:pPr>
-            <a:endParaRPr lang="en-US" dirty="0"/>
-          </a:p>
-          <a:p>
-            <a:endParaRPr lang="en-US" dirty="0"/>
-          </a:p>
-        </p:txBody>
-      </p:sp>
-      <p:sp>
-        <p:nvSpPr>
-          <p:cNvPr id="4" name="Shape 1658"/>
-          <p:cNvSpPr txBox="1">
-            <a:spLocks/>
-          </p:cNvSpPr>
-          <p:nvPr/>
-        </p:nvSpPr>
-        <p:spPr>
-          <a:xfrm>
-            <a:off x="1288661" y="1812120"/>
-            <a:ext cx="6236089" cy="2855130"/>
-          </a:xfrm>
-          <a:prstGeom prst="rect">
-            <a:avLst/>
-          </a:prstGeom>
-        </p:spPr>
-        <p:txBody>
-          <a:bodyPr lIns="0" tIns="0" rIns="0" bIns="0">
-            <a:noAutofit/>
-          </a:bodyPr>
-          <a:lstStyle>
-            <a:lvl1pPr marL="228600" indent="-228600" algn="l" defTabSz="457200" rtl="0" eaLnBrk="1" latinLnBrk="0" hangingPunct="1">
-              <a:spcBef>
-                <a:spcPts val="0"/>
-              </a:spcBef>
-              <a:buClr>
-                <a:schemeClr val="accent1"/>
-              </a:buClr>
-              <a:buFont typeface="Wingdings" charset="2"/>
-              <a:buChar char="§"/>
-              <a:defRPr sz="2400" kern="1200">
-                <a:solidFill>
-                  <a:schemeClr val="tx1"/>
-                </a:solidFill>
-                <a:latin typeface="+mn-lt"/>
-                <a:ea typeface="+mn-ea"/>
-                <a:cs typeface="+mn-cs"/>
-              </a:defRPr>
-            </a:lvl1pPr>
-            <a:lvl2pPr marL="455613" indent="-227013" algn="l" defTabSz="457200" rtl="0" eaLnBrk="1" latinLnBrk="0" hangingPunct="1">
-              <a:spcBef>
-                <a:spcPts val="0"/>
-              </a:spcBef>
-              <a:buClr>
-                <a:srgbClr val="262626"/>
-              </a:buClr>
-              <a:buFont typeface="Wingdings" charset="2"/>
-              <a:buChar char="§"/>
-              <a:defRPr sz="2000" kern="1200">
-                <a:solidFill>
-                  <a:schemeClr val="tx1"/>
-                </a:solidFill>
-                <a:latin typeface="+mn-lt"/>
-                <a:ea typeface="+mn-ea"/>
-                <a:cs typeface="+mn-cs"/>
-              </a:defRPr>
-            </a:lvl2pPr>
-            <a:lvl3pPr marL="455613" indent="-228600" algn="l" defTabSz="457200" rtl="0" eaLnBrk="1" latinLnBrk="0" hangingPunct="1">
-              <a:spcBef>
-                <a:spcPts val="0"/>
-              </a:spcBef>
-              <a:buClr>
-                <a:srgbClr val="262626"/>
-              </a:buClr>
-              <a:buFont typeface="Wingdings" charset="2"/>
-              <a:buChar char="§"/>
-              <a:defRPr sz="2000" kern="1200">
-                <a:solidFill>
-                  <a:schemeClr val="tx1"/>
-                </a:solidFill>
-                <a:latin typeface="+mn-lt"/>
-                <a:ea typeface="+mn-ea"/>
-                <a:cs typeface="+mn-cs"/>
-              </a:defRPr>
-            </a:lvl3pPr>
-            <a:lvl4pPr marL="455613" indent="-228600" algn="l" defTabSz="457200" rtl="0" eaLnBrk="1" latinLnBrk="0" hangingPunct="1">
-              <a:spcBef>
-                <a:spcPts val="0"/>
-              </a:spcBef>
-              <a:buClr>
-                <a:srgbClr val="262626"/>
-              </a:buClr>
-              <a:buFont typeface="Wingdings" charset="2"/>
-              <a:buChar char="§"/>
-              <a:defRPr sz="2000" kern="1200">
-                <a:solidFill>
-                  <a:schemeClr val="tx1"/>
-                </a:solidFill>
-                <a:latin typeface="+mn-lt"/>
-                <a:ea typeface="+mn-ea"/>
-                <a:cs typeface="+mn-cs"/>
-              </a:defRPr>
-            </a:lvl4pPr>
-            <a:lvl5pPr marL="455613" indent="-228600" algn="l" defTabSz="457200" rtl="0" eaLnBrk="1" latinLnBrk="0" hangingPunct="1">
-              <a:spcBef>
-                <a:spcPts val="200"/>
-              </a:spcBef>
-              <a:buClr>
-                <a:srgbClr val="262626"/>
-              </a:buClr>
-              <a:buFont typeface="Wingdings" charset="2"/>
-              <a:buChar char="§"/>
-              <a:defRPr sz="2000" kern="1200">
-                <a:solidFill>
-                  <a:schemeClr val="tx1"/>
-                </a:solidFill>
-                <a:latin typeface="+mn-lt"/>
-                <a:ea typeface="+mn-ea"/>
-                <a:cs typeface="+mn-cs"/>
-              </a:defRPr>
-            </a:lvl5pPr>
-            <a:lvl6pPr marL="2514600" indent="-228600" algn="l" defTabSz="457200" rtl="0" eaLnBrk="1" latinLnBrk="0" hangingPunct="1">
-              <a:spcBef>
-                <a:spcPct val="20000"/>
-              </a:spcBef>
-              <a:buFont typeface="Arial"/>
-              <a:buChar char="•"/>
-              <a:defRPr sz="2000" kern="1200">
-                <a:solidFill>
-                  <a:schemeClr val="tx1"/>
-                </a:solidFill>
-                <a:latin typeface="+mn-lt"/>
-                <a:ea typeface="+mn-ea"/>
-                <a:cs typeface="+mn-cs"/>
-              </a:defRPr>
-            </a:lvl6pPr>
-            <a:lvl7pPr marL="2971800" indent="-228600" algn="l" defTabSz="457200" rtl="0" eaLnBrk="1" latinLnBrk="0" hangingPunct="1">
-              <a:spcBef>
-                <a:spcPct val="20000"/>
-              </a:spcBef>
-              <a:buFont typeface="Arial"/>
-              <a:buChar char="•"/>
-              <a:defRPr sz="2000" kern="1200">
-                <a:solidFill>
-                  <a:schemeClr val="tx1"/>
-                </a:solidFill>
-                <a:latin typeface="+mn-lt"/>
-                <a:ea typeface="+mn-ea"/>
-                <a:cs typeface="+mn-cs"/>
-              </a:defRPr>
-            </a:lvl7pPr>
-            <a:lvl8pPr marL="3429000" indent="-228600" algn="l" defTabSz="457200" rtl="0" eaLnBrk="1" latinLnBrk="0" hangingPunct="1">
-              <a:spcBef>
-                <a:spcPct val="20000"/>
-              </a:spcBef>
-              <a:buFont typeface="Arial"/>
-              <a:buChar char="•"/>
-              <a:defRPr sz="2000" kern="1200">
-                <a:solidFill>
-                  <a:schemeClr val="tx1"/>
-                </a:solidFill>
-                <a:latin typeface="+mn-lt"/>
-                <a:ea typeface="+mn-ea"/>
-                <a:cs typeface="+mn-cs"/>
-              </a:defRPr>
-            </a:lvl8pPr>
-            <a:lvl9pPr marL="3886200" indent="-228600" algn="l" defTabSz="457200" rtl="0" eaLnBrk="1" latinLnBrk="0" hangingPunct="1">
-              <a:spcBef>
-                <a:spcPct val="20000"/>
-              </a:spcBef>
-              <a:buFont typeface="Arial"/>
-              <a:buChar char="•"/>
-              <a:defRPr sz="2000" kern="1200">
-                <a:solidFill>
-                  <a:schemeClr val="tx1"/>
-                </a:solidFill>
-                <a:latin typeface="+mn-lt"/>
-                <a:ea typeface="+mn-ea"/>
-                <a:cs typeface="+mn-cs"/>
-              </a:defRPr>
-            </a:lvl9pPr>
-          </a:lstStyle>
-          <a:p>
-            <a:pPr marL="0" indent="0">
-              <a:buNone/>
-              <a:defRPr sz="1800">
-                <a:solidFill>
-                  <a:srgbClr val="000000"/>
-                </a:solidFill>
-              </a:defRPr>
-            </a:pPr>
-            <a:endParaRPr lang="en-US" sz="1100" dirty="0">
-              <a:solidFill>
-                <a:srgbClr val="2E2E2C"/>
-              </a:solidFill>
-              <a:latin typeface="Courier" charset="0"/>
-              <a:ea typeface="Courier" charset="0"/>
-              <a:cs typeface="Courier" charset="0"/>
-              <a:sym typeface="Consolas"/>
-            </a:endParaRPr>
-          </a:p>
-        </p:txBody>
-      </p:sp>
-      <p:sp>
-        <p:nvSpPr>
-          <p:cNvPr id="6" name="Rectangle 5"/>
-          <p:cNvSpPr/>
-          <p:nvPr/>
-        </p:nvSpPr>
-        <p:spPr>
-          <a:xfrm>
-            <a:off x="1638883" y="2403872"/>
-            <a:ext cx="6432161" cy="2354491"/>
-          </a:xfrm>
-          <a:prstGeom prst="rect">
-            <a:avLst/>
-          </a:prstGeom>
-        </p:spPr>
-        <p:txBody>
-          <a:bodyPr wrap="square">
-            <a:spAutoFit/>
-          </a:bodyPr>
-          <a:lstStyle/>
-          <a:p>
-            <a:r>
-              <a:rPr lang="en-US" sz="1050" dirty="0">
-                <a:solidFill>
-                  <a:srgbClr val="008000"/>
-                </a:solidFill>
-                <a:highlight>
-                  <a:srgbClr val="FFFFFF"/>
-                </a:highlight>
-                <a:latin typeface="Consolas" panose="020B0609020204030204" pitchFamily="49" charset="0"/>
-              </a:rPr>
-              <a:t>// connecting to a cluster</a:t>
-            </a:r>
-          </a:p>
-          <a:p>
-            <a:r>
-              <a:rPr lang="en-US" sz="1050" dirty="0">
-                <a:solidFill>
-                  <a:srgbClr val="000000"/>
-                </a:solidFill>
-                <a:highlight>
-                  <a:srgbClr val="FFFFFF"/>
-                </a:highlight>
-                <a:latin typeface="Consolas" panose="020B0609020204030204" pitchFamily="49" charset="0"/>
-              </a:rPr>
-              <a:t>Cluster </a:t>
-            </a:r>
-            <a:r>
-              <a:rPr lang="en-US" sz="1050" dirty="0" err="1">
-                <a:solidFill>
-                  <a:srgbClr val="000000"/>
-                </a:solidFill>
-                <a:highlight>
-                  <a:srgbClr val="FFFFFF"/>
-                </a:highlight>
-                <a:latin typeface="Consolas" panose="020B0609020204030204" pitchFamily="49" charset="0"/>
-              </a:rPr>
-              <a:t>cluster</a:t>
-            </a:r>
-            <a:r>
-              <a:rPr lang="en-US" sz="1050" dirty="0">
-                <a:solidFill>
-                  <a:srgbClr val="000000"/>
-                </a:solidFill>
-                <a:highlight>
-                  <a:srgbClr val="FFFFFF"/>
-                </a:highlight>
-                <a:latin typeface="Consolas" panose="020B0609020204030204" pitchFamily="49" charset="0"/>
-              </a:rPr>
-              <a:t> </a:t>
-            </a:r>
-            <a:r>
-              <a:rPr lang="en-US" sz="1050" b="1" dirty="0">
-                <a:solidFill>
-                  <a:srgbClr val="000080"/>
-                </a:solidFill>
-                <a:highlight>
-                  <a:srgbClr val="FFFFFF"/>
-                </a:highlight>
-                <a:latin typeface="Consolas" panose="020B0609020204030204" pitchFamily="49" charset="0"/>
-              </a:rPr>
-              <a:t>=</a:t>
-            </a:r>
-            <a:r>
-              <a:rPr lang="en-US" sz="1050" dirty="0">
-                <a:solidFill>
-                  <a:srgbClr val="000000"/>
-                </a:solidFill>
-                <a:highlight>
-                  <a:srgbClr val="FFFFFF"/>
-                </a:highlight>
-                <a:latin typeface="Consolas" panose="020B0609020204030204" pitchFamily="49" charset="0"/>
-              </a:rPr>
-              <a:t> </a:t>
-            </a:r>
-            <a:r>
-              <a:rPr lang="en-US" sz="1050" dirty="0" err="1">
-                <a:solidFill>
-                  <a:srgbClr val="000000"/>
-                </a:solidFill>
-                <a:highlight>
-                  <a:srgbClr val="FFFFFF"/>
-                </a:highlight>
-                <a:latin typeface="Consolas" panose="020B0609020204030204" pitchFamily="49" charset="0"/>
-              </a:rPr>
-              <a:t>CouchbaseCluster</a:t>
-            </a:r>
-            <a:r>
-              <a:rPr lang="en-US" sz="1050" b="1" dirty="0" err="1">
-                <a:solidFill>
-                  <a:srgbClr val="000080"/>
-                </a:solidFill>
-                <a:highlight>
-                  <a:srgbClr val="FFFFFF"/>
-                </a:highlight>
-                <a:latin typeface="Consolas" panose="020B0609020204030204" pitchFamily="49" charset="0"/>
-              </a:rPr>
-              <a:t>.</a:t>
-            </a:r>
-            <a:r>
-              <a:rPr lang="en-US" sz="1050" dirty="0" err="1">
-                <a:solidFill>
-                  <a:srgbClr val="000000"/>
-                </a:solidFill>
-                <a:highlight>
-                  <a:srgbClr val="FFFFFF"/>
-                </a:highlight>
-                <a:latin typeface="Consolas" panose="020B0609020204030204" pitchFamily="49" charset="0"/>
-              </a:rPr>
-              <a:t>create</a:t>
-            </a:r>
-            <a:r>
-              <a:rPr lang="en-US" sz="1050" b="1" dirty="0">
-                <a:solidFill>
-                  <a:srgbClr val="000080"/>
-                </a:solidFill>
-                <a:highlight>
-                  <a:srgbClr val="FFFFFF"/>
-                </a:highlight>
-                <a:latin typeface="Consolas" panose="020B0609020204030204" pitchFamily="49" charset="0"/>
-              </a:rPr>
-              <a:t>(</a:t>
-            </a:r>
-            <a:r>
-              <a:rPr lang="en-US" sz="1050" dirty="0">
-                <a:solidFill>
-                  <a:srgbClr val="808080"/>
-                </a:solidFill>
-                <a:highlight>
-                  <a:srgbClr val="FFFFFF"/>
-                </a:highlight>
-                <a:latin typeface="Consolas" panose="020B0609020204030204" pitchFamily="49" charset="0"/>
-              </a:rPr>
-              <a:t>"localhost"</a:t>
-            </a:r>
-            <a:r>
-              <a:rPr lang="en-US" sz="1050" b="1" dirty="0">
-                <a:solidFill>
-                  <a:srgbClr val="000080"/>
-                </a:solidFill>
-                <a:highlight>
-                  <a:srgbClr val="FFFFFF"/>
-                </a:highlight>
-                <a:latin typeface="Consolas" panose="020B0609020204030204" pitchFamily="49" charset="0"/>
-              </a:rPr>
-              <a:t>);</a:t>
-            </a:r>
-            <a:endParaRPr lang="en-US" sz="1050" dirty="0">
-              <a:solidFill>
-                <a:srgbClr val="000000"/>
-              </a:solidFill>
-              <a:highlight>
-                <a:srgbClr val="FFFFFF"/>
-              </a:highlight>
-              <a:latin typeface="Consolas" panose="020B0609020204030204" pitchFamily="49" charset="0"/>
-            </a:endParaRPr>
-          </a:p>
-          <a:p>
-            <a:endParaRPr lang="en-US" sz="1050" dirty="0">
-              <a:solidFill>
-                <a:srgbClr val="000000"/>
-              </a:solidFill>
-              <a:highlight>
-                <a:srgbClr val="FFFFFF"/>
-              </a:highlight>
-              <a:latin typeface="Consolas" panose="020B0609020204030204" pitchFamily="49" charset="0"/>
-            </a:endParaRPr>
-          </a:p>
-          <a:p>
-            <a:r>
-              <a:rPr lang="en-US" sz="1050" dirty="0">
-                <a:solidFill>
-                  <a:srgbClr val="008000"/>
-                </a:solidFill>
-                <a:highlight>
-                  <a:srgbClr val="FFFFFF"/>
-                </a:highlight>
-                <a:latin typeface="Consolas" panose="020B0609020204030204" pitchFamily="49" charset="0"/>
-              </a:rPr>
-              <a:t>// opening a bucket in the cluster</a:t>
-            </a:r>
-          </a:p>
-          <a:p>
-            <a:r>
-              <a:rPr lang="en-US" sz="1050" dirty="0">
-                <a:solidFill>
-                  <a:srgbClr val="000000"/>
-                </a:solidFill>
-                <a:highlight>
-                  <a:srgbClr val="FFFFFF"/>
-                </a:highlight>
-                <a:latin typeface="Consolas" panose="020B0609020204030204" pitchFamily="49" charset="0"/>
-              </a:rPr>
-              <a:t>Bucket </a:t>
-            </a:r>
-            <a:r>
-              <a:rPr lang="en-US" sz="1050" dirty="0" err="1">
-                <a:solidFill>
-                  <a:srgbClr val="000000"/>
-                </a:solidFill>
-                <a:highlight>
-                  <a:srgbClr val="FFFFFF"/>
-                </a:highlight>
-                <a:latin typeface="Consolas" panose="020B0609020204030204" pitchFamily="49" charset="0"/>
-              </a:rPr>
-              <a:t>bucket</a:t>
-            </a:r>
-            <a:r>
-              <a:rPr lang="en-US" sz="1050" dirty="0">
-                <a:solidFill>
-                  <a:srgbClr val="000000"/>
-                </a:solidFill>
-                <a:highlight>
-                  <a:srgbClr val="FFFFFF"/>
-                </a:highlight>
-                <a:latin typeface="Consolas" panose="020B0609020204030204" pitchFamily="49" charset="0"/>
-              </a:rPr>
-              <a:t> </a:t>
-            </a:r>
-            <a:r>
-              <a:rPr lang="en-US" sz="1050" b="1" dirty="0">
-                <a:solidFill>
-                  <a:srgbClr val="000080"/>
-                </a:solidFill>
-                <a:highlight>
-                  <a:srgbClr val="FFFFFF"/>
-                </a:highlight>
-                <a:latin typeface="Consolas" panose="020B0609020204030204" pitchFamily="49" charset="0"/>
-              </a:rPr>
-              <a:t>=</a:t>
-            </a:r>
-            <a:r>
-              <a:rPr lang="en-US" sz="1050" dirty="0">
-                <a:solidFill>
-                  <a:srgbClr val="000000"/>
-                </a:solidFill>
-                <a:highlight>
-                  <a:srgbClr val="FFFFFF"/>
-                </a:highlight>
-                <a:latin typeface="Consolas" panose="020B0609020204030204" pitchFamily="49" charset="0"/>
-              </a:rPr>
-              <a:t> </a:t>
-            </a:r>
-            <a:r>
-              <a:rPr lang="en-US" sz="1050" dirty="0" err="1">
-                <a:solidFill>
-                  <a:srgbClr val="000000"/>
-                </a:solidFill>
-                <a:highlight>
-                  <a:srgbClr val="FFFFFF"/>
-                </a:highlight>
-                <a:latin typeface="Consolas" panose="020B0609020204030204" pitchFamily="49" charset="0"/>
-              </a:rPr>
-              <a:t>cluster</a:t>
-            </a:r>
-            <a:r>
-              <a:rPr lang="en-US" sz="1050" b="1" dirty="0" err="1">
-                <a:solidFill>
-                  <a:srgbClr val="000080"/>
-                </a:solidFill>
-                <a:highlight>
-                  <a:srgbClr val="FFFFFF"/>
-                </a:highlight>
-                <a:latin typeface="Consolas" panose="020B0609020204030204" pitchFamily="49" charset="0"/>
-              </a:rPr>
-              <a:t>.</a:t>
-            </a:r>
-            <a:r>
-              <a:rPr lang="en-US" sz="1050" dirty="0" err="1">
-                <a:solidFill>
-                  <a:srgbClr val="000000"/>
-                </a:solidFill>
-                <a:highlight>
-                  <a:srgbClr val="FFFFFF"/>
-                </a:highlight>
-                <a:latin typeface="Consolas" panose="020B0609020204030204" pitchFamily="49" charset="0"/>
-              </a:rPr>
-              <a:t>openBucket</a:t>
-            </a:r>
-            <a:r>
-              <a:rPr lang="en-US" sz="1050" b="1" dirty="0">
-                <a:solidFill>
-                  <a:srgbClr val="000080"/>
-                </a:solidFill>
-                <a:highlight>
-                  <a:srgbClr val="FFFFFF"/>
-                </a:highlight>
-                <a:latin typeface="Consolas" panose="020B0609020204030204" pitchFamily="49" charset="0"/>
-              </a:rPr>
-              <a:t>(</a:t>
-            </a:r>
-            <a:r>
-              <a:rPr lang="en-US" sz="1050" dirty="0">
-                <a:solidFill>
-                  <a:srgbClr val="808080"/>
-                </a:solidFill>
-                <a:highlight>
-                  <a:srgbClr val="FFFFFF"/>
-                </a:highlight>
-                <a:latin typeface="Consolas" panose="020B0609020204030204" pitchFamily="49" charset="0"/>
-              </a:rPr>
-              <a:t>"default"</a:t>
-            </a:r>
-            <a:r>
-              <a:rPr lang="en-US" sz="1050" b="1" dirty="0">
-                <a:solidFill>
-                  <a:srgbClr val="000080"/>
-                </a:solidFill>
-                <a:highlight>
-                  <a:srgbClr val="FFFFFF"/>
-                </a:highlight>
-                <a:latin typeface="Consolas" panose="020B0609020204030204" pitchFamily="49" charset="0"/>
-              </a:rPr>
-              <a:t>);</a:t>
-            </a:r>
-            <a:endParaRPr lang="en-US" sz="1050" dirty="0">
-              <a:solidFill>
-                <a:srgbClr val="000000"/>
-              </a:solidFill>
-              <a:highlight>
-                <a:srgbClr val="FFFFFF"/>
-              </a:highlight>
-              <a:latin typeface="Consolas" panose="020B0609020204030204" pitchFamily="49" charset="0"/>
-            </a:endParaRPr>
-          </a:p>
-          <a:p>
-            <a:endParaRPr lang="en-US" sz="1050" dirty="0">
-              <a:solidFill>
-                <a:srgbClr val="000000"/>
-              </a:solidFill>
-              <a:highlight>
-                <a:srgbClr val="FFFFFF"/>
-              </a:highlight>
-              <a:latin typeface="Consolas" panose="020B0609020204030204" pitchFamily="49" charset="0"/>
-            </a:endParaRPr>
-          </a:p>
-          <a:p>
-            <a:r>
-              <a:rPr lang="en-US" sz="1050" dirty="0">
-                <a:solidFill>
-                  <a:srgbClr val="008000"/>
-                </a:solidFill>
-                <a:highlight>
-                  <a:srgbClr val="FFFFFF"/>
-                </a:highlight>
-                <a:latin typeface="Consolas" panose="020B0609020204030204" pitchFamily="49" charset="0"/>
-              </a:rPr>
-              <a:t>// preparing N1QL</a:t>
-            </a:r>
-          </a:p>
-          <a:p>
-            <a:r>
-              <a:rPr lang="en-US" sz="1050" dirty="0">
-                <a:solidFill>
-                  <a:srgbClr val="000000"/>
-                </a:solidFill>
-                <a:highlight>
-                  <a:srgbClr val="FFFFFF"/>
-                </a:highlight>
-                <a:latin typeface="Consolas" panose="020B0609020204030204" pitchFamily="49" charset="0"/>
-              </a:rPr>
-              <a:t>N1qlQuery query </a:t>
-            </a:r>
-            <a:r>
-              <a:rPr lang="en-US" sz="1050" b="1" dirty="0">
-                <a:solidFill>
-                  <a:srgbClr val="000080"/>
-                </a:solidFill>
-                <a:highlight>
-                  <a:srgbClr val="FFFFFF"/>
-                </a:highlight>
-                <a:latin typeface="Consolas" panose="020B0609020204030204" pitchFamily="49" charset="0"/>
-              </a:rPr>
-              <a:t>=</a:t>
-            </a:r>
-            <a:r>
-              <a:rPr lang="en-US" sz="1050" dirty="0">
-                <a:solidFill>
-                  <a:srgbClr val="000000"/>
-                </a:solidFill>
-                <a:highlight>
-                  <a:srgbClr val="FFFFFF"/>
-                </a:highlight>
-                <a:latin typeface="Consolas" panose="020B0609020204030204" pitchFamily="49" charset="0"/>
-              </a:rPr>
-              <a:t>  N1qlQuery</a:t>
-            </a:r>
-            <a:r>
-              <a:rPr lang="en-US" sz="1050" b="1" dirty="0">
-                <a:solidFill>
-                  <a:srgbClr val="000080"/>
-                </a:solidFill>
-                <a:highlight>
-                  <a:srgbClr val="FFFFFF"/>
-                </a:highlight>
-                <a:latin typeface="Consolas" panose="020B0609020204030204" pitchFamily="49" charset="0"/>
-              </a:rPr>
-              <a:t>.</a:t>
-            </a:r>
-            <a:r>
-              <a:rPr lang="en-US" sz="1050" dirty="0">
-                <a:solidFill>
-                  <a:srgbClr val="000000"/>
-                </a:solidFill>
-                <a:highlight>
-                  <a:srgbClr val="FFFFFF"/>
-                </a:highlight>
-                <a:latin typeface="Consolas" panose="020B0609020204030204" pitchFamily="49" charset="0"/>
-              </a:rPr>
-              <a:t>parameterized</a:t>
-            </a:r>
-            <a:r>
-              <a:rPr lang="en-US" sz="1050" b="1" dirty="0">
-                <a:solidFill>
-                  <a:srgbClr val="000080"/>
-                </a:solidFill>
-                <a:highlight>
-                  <a:srgbClr val="FFFFFF"/>
-                </a:highlight>
-                <a:latin typeface="Consolas" panose="020B0609020204030204" pitchFamily="49" charset="0"/>
-              </a:rPr>
-              <a:t>(</a:t>
-            </a:r>
-            <a:r>
-              <a:rPr lang="en-US" sz="1050" dirty="0">
-                <a:solidFill>
-                  <a:srgbClr val="000000"/>
-                </a:solidFill>
-                <a:highlight>
-                  <a:srgbClr val="FFFFFF"/>
-                </a:highlight>
-                <a:latin typeface="Consolas" panose="020B0609020204030204" pitchFamily="49" charset="0"/>
-              </a:rPr>
-              <a:t>“SELECT </a:t>
-            </a:r>
-            <a:r>
-              <a:rPr lang="en-US" sz="1050" b="1" dirty="0">
-                <a:solidFill>
-                  <a:srgbClr val="000080"/>
-                </a:solidFill>
-                <a:highlight>
-                  <a:srgbClr val="FFFFFF"/>
-                </a:highlight>
-                <a:latin typeface="Consolas" panose="020B0609020204030204" pitchFamily="49" charset="0"/>
-              </a:rPr>
-              <a:t>*</a:t>
-            </a:r>
-            <a:r>
-              <a:rPr lang="en-US" sz="1050" dirty="0">
-                <a:solidFill>
-                  <a:srgbClr val="000000"/>
-                </a:solidFill>
-                <a:highlight>
-                  <a:srgbClr val="FFFFFF"/>
-                </a:highlight>
-                <a:latin typeface="Consolas" panose="020B0609020204030204" pitchFamily="49" charset="0"/>
-              </a:rPr>
-              <a:t> FROM `travel</a:t>
-            </a:r>
-            <a:r>
-              <a:rPr lang="en-US" sz="1050" b="1" dirty="0">
-                <a:solidFill>
-                  <a:srgbClr val="000080"/>
-                </a:solidFill>
-                <a:highlight>
-                  <a:srgbClr val="FFFFFF"/>
-                </a:highlight>
-                <a:latin typeface="Consolas" panose="020B0609020204030204" pitchFamily="49" charset="0"/>
-              </a:rPr>
-              <a:t>-</a:t>
-            </a:r>
-            <a:r>
-              <a:rPr lang="en-US" sz="1050" dirty="0">
-                <a:solidFill>
-                  <a:srgbClr val="000000"/>
-                </a:solidFill>
-                <a:highlight>
-                  <a:srgbClr val="FFFFFF"/>
-                </a:highlight>
-                <a:latin typeface="Consolas" panose="020B0609020204030204" pitchFamily="49" charset="0"/>
-              </a:rPr>
-              <a:t>sample`”</a:t>
-            </a:r>
-            <a:r>
-              <a:rPr lang="en-US" sz="1050" b="1" dirty="0">
-                <a:solidFill>
-                  <a:srgbClr val="000080"/>
-                </a:solidFill>
-                <a:highlight>
-                  <a:srgbClr val="FFFFFF"/>
-                </a:highlight>
-                <a:latin typeface="Consolas" panose="020B0609020204030204" pitchFamily="49" charset="0"/>
-              </a:rPr>
-              <a:t>);</a:t>
-            </a:r>
-            <a:endParaRPr lang="en-US" sz="1050" dirty="0">
-              <a:solidFill>
-                <a:srgbClr val="000000"/>
-              </a:solidFill>
-              <a:highlight>
-                <a:srgbClr val="FFFFFF"/>
-              </a:highlight>
-              <a:latin typeface="Consolas" panose="020B0609020204030204" pitchFamily="49" charset="0"/>
-            </a:endParaRPr>
-          </a:p>
-          <a:p>
-            <a:endParaRPr lang="en-US" sz="1050" dirty="0">
-              <a:solidFill>
-                <a:srgbClr val="000000"/>
-              </a:solidFill>
-              <a:highlight>
-                <a:srgbClr val="FFFFFF"/>
-              </a:highlight>
-              <a:latin typeface="Consolas" panose="020B0609020204030204" pitchFamily="49" charset="0"/>
-            </a:endParaRPr>
-          </a:p>
-          <a:p>
-            <a:r>
-              <a:rPr lang="en-US" sz="1050" dirty="0">
-                <a:solidFill>
-                  <a:srgbClr val="008000"/>
-                </a:solidFill>
-                <a:highlight>
-                  <a:srgbClr val="FFFFFF"/>
-                </a:highlight>
-                <a:latin typeface="Consolas" panose="020B0609020204030204" pitchFamily="49" charset="0"/>
-              </a:rPr>
-              <a:t>// creating and saving a document</a:t>
-            </a:r>
-          </a:p>
-          <a:p>
-            <a:r>
-              <a:rPr lang="en-US" sz="1050" dirty="0" err="1">
-                <a:solidFill>
-                  <a:srgbClr val="000000"/>
-                </a:solidFill>
-                <a:highlight>
-                  <a:srgbClr val="FFFFFF"/>
-                </a:highlight>
-                <a:latin typeface="Consolas" panose="020B0609020204030204" pitchFamily="49" charset="0"/>
-              </a:rPr>
-              <a:t>JsonObject</a:t>
-            </a:r>
-            <a:r>
-              <a:rPr lang="en-US" sz="1050" dirty="0">
-                <a:solidFill>
-                  <a:srgbClr val="000000"/>
-                </a:solidFill>
-                <a:highlight>
-                  <a:srgbClr val="FFFFFF"/>
-                </a:highlight>
-                <a:latin typeface="Consolas" panose="020B0609020204030204" pitchFamily="49" charset="0"/>
-              </a:rPr>
-              <a:t> person </a:t>
-            </a:r>
-            <a:r>
-              <a:rPr lang="en-US" sz="1050" b="1" dirty="0">
-                <a:solidFill>
-                  <a:srgbClr val="000080"/>
-                </a:solidFill>
-                <a:highlight>
-                  <a:srgbClr val="FFFFFF"/>
-                </a:highlight>
-                <a:latin typeface="Consolas" panose="020B0609020204030204" pitchFamily="49" charset="0"/>
-              </a:rPr>
-              <a:t>=</a:t>
-            </a:r>
-            <a:r>
-              <a:rPr lang="en-US" sz="1050" dirty="0">
-                <a:solidFill>
-                  <a:srgbClr val="000000"/>
-                </a:solidFill>
-                <a:highlight>
-                  <a:srgbClr val="FFFFFF"/>
-                </a:highlight>
-                <a:latin typeface="Consolas" panose="020B0609020204030204" pitchFamily="49" charset="0"/>
-              </a:rPr>
-              <a:t> </a:t>
-            </a:r>
-            <a:r>
-              <a:rPr lang="en-US" sz="1050" dirty="0" err="1">
-                <a:solidFill>
-                  <a:srgbClr val="000000"/>
-                </a:solidFill>
-                <a:highlight>
-                  <a:srgbClr val="FFFFFF"/>
-                </a:highlight>
-                <a:latin typeface="Consolas" panose="020B0609020204030204" pitchFamily="49" charset="0"/>
-              </a:rPr>
-              <a:t>JsonObject</a:t>
-            </a:r>
-            <a:r>
-              <a:rPr lang="en-US" sz="1050" b="1" dirty="0" err="1">
-                <a:solidFill>
-                  <a:srgbClr val="000080"/>
-                </a:solidFill>
-                <a:highlight>
-                  <a:srgbClr val="FFFFFF"/>
-                </a:highlight>
-                <a:latin typeface="Consolas" panose="020B0609020204030204" pitchFamily="49" charset="0"/>
-              </a:rPr>
-              <a:t>.</a:t>
-            </a:r>
-            <a:r>
-              <a:rPr lang="en-US" sz="1050" dirty="0" err="1">
-                <a:solidFill>
-                  <a:srgbClr val="000000"/>
-                </a:solidFill>
-                <a:highlight>
-                  <a:srgbClr val="FFFFFF"/>
-                </a:highlight>
-                <a:latin typeface="Consolas" panose="020B0609020204030204" pitchFamily="49" charset="0"/>
-              </a:rPr>
-              <a:t>create</a:t>
-            </a:r>
-            <a:r>
-              <a:rPr lang="en-US" sz="1050" b="1" dirty="0">
-                <a:solidFill>
-                  <a:srgbClr val="000080"/>
-                </a:solidFill>
-                <a:highlight>
-                  <a:srgbClr val="FFFFFF"/>
-                </a:highlight>
-                <a:latin typeface="Consolas" panose="020B0609020204030204" pitchFamily="49" charset="0"/>
-              </a:rPr>
-              <a:t>()</a:t>
-            </a:r>
-            <a:endParaRPr lang="en-US" sz="1050" dirty="0">
-              <a:solidFill>
-                <a:srgbClr val="000000"/>
-              </a:solidFill>
-              <a:highlight>
-                <a:srgbClr val="FFFFFF"/>
-              </a:highlight>
-              <a:latin typeface="Consolas" panose="020B0609020204030204" pitchFamily="49" charset="0"/>
-            </a:endParaRPr>
-          </a:p>
-          <a:p>
-            <a:r>
-              <a:rPr lang="en-US" sz="1050" dirty="0">
-                <a:solidFill>
-                  <a:srgbClr val="000000"/>
-                </a:solidFill>
-                <a:highlight>
-                  <a:srgbClr val="FFFFFF"/>
-                </a:highlight>
-                <a:latin typeface="Consolas" panose="020B0609020204030204" pitchFamily="49" charset="0"/>
-              </a:rPr>
-              <a:t>                </a:t>
-            </a:r>
-            <a:r>
-              <a:rPr lang="en-US" sz="1050" b="1" dirty="0">
-                <a:solidFill>
-                  <a:srgbClr val="000080"/>
-                </a:solidFill>
-                <a:highlight>
-                  <a:srgbClr val="FFFFFF"/>
-                </a:highlight>
-                <a:latin typeface="Consolas" panose="020B0609020204030204" pitchFamily="49" charset="0"/>
-              </a:rPr>
-              <a:t>.</a:t>
-            </a:r>
-            <a:r>
-              <a:rPr lang="en-US" sz="1050" dirty="0">
-                <a:solidFill>
-                  <a:srgbClr val="000000"/>
-                </a:solidFill>
-                <a:highlight>
-                  <a:srgbClr val="FFFFFF"/>
-                </a:highlight>
-                <a:latin typeface="Consolas" panose="020B0609020204030204" pitchFamily="49" charset="0"/>
-              </a:rPr>
-              <a:t>put</a:t>
-            </a:r>
-            <a:r>
-              <a:rPr lang="en-US" sz="1050" b="1" dirty="0">
-                <a:solidFill>
-                  <a:srgbClr val="000080"/>
-                </a:solidFill>
-                <a:highlight>
-                  <a:srgbClr val="FFFFFF"/>
-                </a:highlight>
-                <a:latin typeface="Consolas" panose="020B0609020204030204" pitchFamily="49" charset="0"/>
-              </a:rPr>
-              <a:t>(</a:t>
-            </a:r>
-            <a:r>
-              <a:rPr lang="en-US" sz="1050" dirty="0">
-                <a:solidFill>
-                  <a:srgbClr val="808080"/>
-                </a:solidFill>
-                <a:highlight>
-                  <a:srgbClr val="FFFFFF"/>
-                </a:highlight>
-                <a:latin typeface="Consolas" panose="020B0609020204030204" pitchFamily="49" charset="0"/>
-              </a:rPr>
-              <a:t>"</a:t>
-            </a:r>
-            <a:r>
-              <a:rPr lang="en-US" sz="1050" dirty="0" err="1">
-                <a:solidFill>
-                  <a:srgbClr val="808080"/>
-                </a:solidFill>
-                <a:highlight>
-                  <a:srgbClr val="FFFFFF"/>
-                </a:highlight>
-                <a:latin typeface="Consolas" panose="020B0609020204030204" pitchFamily="49" charset="0"/>
-              </a:rPr>
-              <a:t>firstName</a:t>
-            </a:r>
-            <a:r>
-              <a:rPr lang="en-US" sz="1050" dirty="0">
-                <a:solidFill>
-                  <a:srgbClr val="808080"/>
-                </a:solidFill>
-                <a:highlight>
-                  <a:srgbClr val="FFFFFF"/>
-                </a:highlight>
-                <a:latin typeface="Consolas" panose="020B0609020204030204" pitchFamily="49" charset="0"/>
-              </a:rPr>
-              <a:t>"</a:t>
-            </a:r>
-            <a:r>
-              <a:rPr lang="en-US" sz="1050" b="1" dirty="0">
-                <a:solidFill>
-                  <a:srgbClr val="000080"/>
-                </a:solidFill>
-                <a:highlight>
-                  <a:srgbClr val="FFFFFF"/>
-                </a:highlight>
-                <a:latin typeface="Consolas" panose="020B0609020204030204" pitchFamily="49" charset="0"/>
-              </a:rPr>
-              <a:t>,</a:t>
-            </a:r>
-            <a:r>
-              <a:rPr lang="en-US" sz="1050" dirty="0">
-                <a:solidFill>
-                  <a:srgbClr val="000000"/>
-                </a:solidFill>
-                <a:highlight>
-                  <a:srgbClr val="FFFFFF"/>
-                </a:highlight>
-                <a:latin typeface="Consolas" panose="020B0609020204030204" pitchFamily="49" charset="0"/>
-              </a:rPr>
-              <a:t> </a:t>
-            </a:r>
-            <a:r>
-              <a:rPr lang="en-US" sz="1050" dirty="0">
-                <a:solidFill>
-                  <a:srgbClr val="808080"/>
-                </a:solidFill>
-                <a:highlight>
-                  <a:srgbClr val="FFFFFF"/>
-                </a:highlight>
-                <a:latin typeface="Consolas" panose="020B0609020204030204" pitchFamily="49" charset="0"/>
-              </a:rPr>
-              <a:t>"John"</a:t>
-            </a:r>
-            <a:r>
-              <a:rPr lang="en-US" sz="1050" b="1" dirty="0">
-                <a:solidFill>
-                  <a:srgbClr val="000080"/>
-                </a:solidFill>
-                <a:highlight>
-                  <a:srgbClr val="FFFFFF"/>
-                </a:highlight>
-                <a:latin typeface="Consolas" panose="020B0609020204030204" pitchFamily="49" charset="0"/>
-              </a:rPr>
-              <a:t>)</a:t>
-            </a:r>
-            <a:endParaRPr lang="en-US" sz="1050" dirty="0">
-              <a:solidFill>
-                <a:srgbClr val="000000"/>
-              </a:solidFill>
-              <a:highlight>
-                <a:srgbClr val="FFFFFF"/>
-              </a:highlight>
-              <a:latin typeface="Consolas" panose="020B0609020204030204" pitchFamily="49" charset="0"/>
-            </a:endParaRPr>
-          </a:p>
-          <a:p>
-            <a:r>
-              <a:rPr lang="en-US" sz="1050" dirty="0">
-                <a:solidFill>
-                  <a:srgbClr val="000000"/>
-                </a:solidFill>
-                <a:highlight>
-                  <a:srgbClr val="FFFFFF"/>
-                </a:highlight>
-                <a:latin typeface="Consolas" panose="020B0609020204030204" pitchFamily="49" charset="0"/>
-              </a:rPr>
-              <a:t>                </a:t>
-            </a:r>
-            <a:r>
-              <a:rPr lang="en-US" sz="1050" b="1" dirty="0">
-                <a:solidFill>
-                  <a:srgbClr val="000080"/>
-                </a:solidFill>
-                <a:highlight>
-                  <a:srgbClr val="FFFFFF"/>
-                </a:highlight>
-                <a:latin typeface="Consolas" panose="020B0609020204030204" pitchFamily="49" charset="0"/>
-              </a:rPr>
-              <a:t>.</a:t>
-            </a:r>
-            <a:r>
-              <a:rPr lang="en-US" sz="1050" dirty="0">
-                <a:solidFill>
-                  <a:srgbClr val="000000"/>
-                </a:solidFill>
-                <a:highlight>
-                  <a:srgbClr val="FFFFFF"/>
-                </a:highlight>
-                <a:latin typeface="Consolas" panose="020B0609020204030204" pitchFamily="49" charset="0"/>
-              </a:rPr>
-              <a:t>put</a:t>
-            </a:r>
-            <a:r>
-              <a:rPr lang="en-US" sz="1050" b="1" dirty="0">
-                <a:solidFill>
-                  <a:srgbClr val="000080"/>
-                </a:solidFill>
-                <a:highlight>
-                  <a:srgbClr val="FFFFFF"/>
-                </a:highlight>
-                <a:latin typeface="Consolas" panose="020B0609020204030204" pitchFamily="49" charset="0"/>
-              </a:rPr>
-              <a:t>(</a:t>
-            </a:r>
-            <a:r>
-              <a:rPr lang="en-US" sz="1050" dirty="0">
-                <a:solidFill>
-                  <a:srgbClr val="808080"/>
-                </a:solidFill>
-                <a:highlight>
-                  <a:srgbClr val="FFFFFF"/>
-                </a:highlight>
-                <a:latin typeface="Consolas" panose="020B0609020204030204" pitchFamily="49" charset="0"/>
-              </a:rPr>
-              <a:t>"</a:t>
-            </a:r>
-            <a:r>
-              <a:rPr lang="en-US" sz="1050" dirty="0" err="1">
-                <a:solidFill>
-                  <a:srgbClr val="808080"/>
-                </a:solidFill>
-                <a:highlight>
-                  <a:srgbClr val="FFFFFF"/>
-                </a:highlight>
-                <a:latin typeface="Consolas" panose="020B0609020204030204" pitchFamily="49" charset="0"/>
-              </a:rPr>
-              <a:t>lastName</a:t>
-            </a:r>
-            <a:r>
-              <a:rPr lang="en-US" sz="1050" dirty="0">
-                <a:solidFill>
-                  <a:srgbClr val="808080"/>
-                </a:solidFill>
-                <a:highlight>
-                  <a:srgbClr val="FFFFFF"/>
-                </a:highlight>
-                <a:latin typeface="Consolas" panose="020B0609020204030204" pitchFamily="49" charset="0"/>
-              </a:rPr>
-              <a:t>"</a:t>
-            </a:r>
-            <a:r>
-              <a:rPr lang="en-US" sz="1050" b="1" dirty="0">
-                <a:solidFill>
-                  <a:srgbClr val="000080"/>
-                </a:solidFill>
-                <a:highlight>
-                  <a:srgbClr val="FFFFFF"/>
-                </a:highlight>
-                <a:latin typeface="Consolas" panose="020B0609020204030204" pitchFamily="49" charset="0"/>
-              </a:rPr>
-              <a:t>,</a:t>
-            </a:r>
-            <a:r>
-              <a:rPr lang="en-US" sz="1050" dirty="0">
-                <a:solidFill>
-                  <a:srgbClr val="000000"/>
-                </a:solidFill>
-                <a:highlight>
-                  <a:srgbClr val="FFFFFF"/>
-                </a:highlight>
-                <a:latin typeface="Consolas" panose="020B0609020204030204" pitchFamily="49" charset="0"/>
-              </a:rPr>
-              <a:t> </a:t>
-            </a:r>
-            <a:r>
-              <a:rPr lang="en-US" sz="1050" dirty="0">
-                <a:solidFill>
-                  <a:srgbClr val="808080"/>
-                </a:solidFill>
-                <a:highlight>
-                  <a:srgbClr val="FFFFFF"/>
-                </a:highlight>
-                <a:latin typeface="Consolas" panose="020B0609020204030204" pitchFamily="49" charset="0"/>
-              </a:rPr>
-              <a:t>"Doe"</a:t>
-            </a:r>
-            <a:r>
-              <a:rPr lang="en-US" sz="1050" b="1" dirty="0">
-                <a:solidFill>
-                  <a:srgbClr val="000080"/>
-                </a:solidFill>
-                <a:highlight>
-                  <a:srgbClr val="FFFFFF"/>
-                </a:highlight>
-                <a:latin typeface="Consolas" panose="020B0609020204030204" pitchFamily="49" charset="0"/>
-              </a:rPr>
-              <a:t>);</a:t>
-            </a:r>
-            <a:endParaRPr lang="en-US" sz="1050" dirty="0">
-              <a:solidFill>
-                <a:srgbClr val="000000"/>
-              </a:solidFill>
-              <a:highlight>
-                <a:srgbClr val="FFFFFF"/>
-              </a:highlight>
-              <a:latin typeface="Consolas" panose="020B0609020204030204" pitchFamily="49" charset="0"/>
-            </a:endParaRPr>
-          </a:p>
-          <a:p>
-            <a:r>
-              <a:rPr lang="en-US" sz="1050" dirty="0" err="1">
-                <a:solidFill>
-                  <a:srgbClr val="000000"/>
-                </a:solidFill>
-                <a:highlight>
-                  <a:srgbClr val="FFFFFF"/>
-                </a:highlight>
-                <a:latin typeface="Consolas" panose="020B0609020204030204" pitchFamily="49" charset="0"/>
-              </a:rPr>
-              <a:t>bucket</a:t>
-            </a:r>
-            <a:r>
-              <a:rPr lang="en-US" sz="1050" b="1" dirty="0" err="1">
-                <a:solidFill>
-                  <a:srgbClr val="000080"/>
-                </a:solidFill>
-                <a:highlight>
-                  <a:srgbClr val="FFFFFF"/>
-                </a:highlight>
-                <a:latin typeface="Consolas" panose="020B0609020204030204" pitchFamily="49" charset="0"/>
-              </a:rPr>
-              <a:t>.</a:t>
-            </a:r>
-            <a:r>
-              <a:rPr lang="en-US" sz="1050" dirty="0" err="1">
-                <a:solidFill>
-                  <a:srgbClr val="000000"/>
-                </a:solidFill>
-                <a:highlight>
-                  <a:srgbClr val="FFFFFF"/>
-                </a:highlight>
-                <a:latin typeface="Consolas" panose="020B0609020204030204" pitchFamily="49" charset="0"/>
-              </a:rPr>
-              <a:t>upsert</a:t>
-            </a:r>
-            <a:r>
-              <a:rPr lang="en-US" sz="1050" b="1" dirty="0">
-                <a:solidFill>
-                  <a:srgbClr val="000080"/>
-                </a:solidFill>
-                <a:highlight>
-                  <a:srgbClr val="FFFFFF"/>
-                </a:highlight>
-                <a:latin typeface="Consolas" panose="020B0609020204030204" pitchFamily="49" charset="0"/>
-              </a:rPr>
-              <a:t>(</a:t>
-            </a:r>
-            <a:r>
-              <a:rPr lang="en-US" sz="1050" dirty="0" err="1">
-                <a:solidFill>
-                  <a:srgbClr val="000000"/>
-                </a:solidFill>
-                <a:highlight>
-                  <a:srgbClr val="FFFFFF"/>
-                </a:highlight>
-                <a:latin typeface="Consolas" panose="020B0609020204030204" pitchFamily="49" charset="0"/>
-              </a:rPr>
-              <a:t>JsonDocument</a:t>
-            </a:r>
-            <a:r>
-              <a:rPr lang="en-US" sz="1050" b="1" dirty="0" err="1">
-                <a:solidFill>
-                  <a:srgbClr val="000080"/>
-                </a:solidFill>
-                <a:highlight>
-                  <a:srgbClr val="FFFFFF"/>
-                </a:highlight>
-                <a:latin typeface="Consolas" panose="020B0609020204030204" pitchFamily="49" charset="0"/>
-              </a:rPr>
-              <a:t>.</a:t>
-            </a:r>
-            <a:r>
-              <a:rPr lang="en-US" sz="1050" dirty="0" err="1">
-                <a:solidFill>
-                  <a:srgbClr val="000000"/>
-                </a:solidFill>
-                <a:highlight>
-                  <a:srgbClr val="FFFFFF"/>
-                </a:highlight>
-                <a:latin typeface="Consolas" panose="020B0609020204030204" pitchFamily="49" charset="0"/>
-              </a:rPr>
-              <a:t>create</a:t>
-            </a:r>
-            <a:r>
-              <a:rPr lang="en-US" sz="1050" b="1" dirty="0">
-                <a:solidFill>
-                  <a:srgbClr val="000080"/>
-                </a:solidFill>
-                <a:highlight>
-                  <a:srgbClr val="FFFFFF"/>
-                </a:highlight>
-                <a:latin typeface="Consolas" panose="020B0609020204030204" pitchFamily="49" charset="0"/>
-              </a:rPr>
-              <a:t>(</a:t>
-            </a:r>
-            <a:r>
-              <a:rPr lang="en-US" sz="1050" dirty="0">
-                <a:solidFill>
-                  <a:srgbClr val="000000"/>
-                </a:solidFill>
-                <a:highlight>
-                  <a:srgbClr val="FFFFFF"/>
-                </a:highlight>
-                <a:latin typeface="Consolas" panose="020B0609020204030204" pitchFamily="49" charset="0"/>
-              </a:rPr>
-              <a:t>key</a:t>
-            </a:r>
-            <a:r>
-              <a:rPr lang="en-US" sz="1050" b="1" dirty="0">
-                <a:solidFill>
-                  <a:srgbClr val="000080"/>
-                </a:solidFill>
-                <a:highlight>
-                  <a:srgbClr val="FFFFFF"/>
-                </a:highlight>
-                <a:latin typeface="Consolas" panose="020B0609020204030204" pitchFamily="49" charset="0"/>
-              </a:rPr>
-              <a:t>,</a:t>
-            </a:r>
-            <a:r>
-              <a:rPr lang="en-US" sz="1050" dirty="0">
-                <a:solidFill>
-                  <a:srgbClr val="000000"/>
-                </a:solidFill>
-                <a:highlight>
-                  <a:srgbClr val="FFFFFF"/>
-                </a:highlight>
-                <a:latin typeface="Consolas" panose="020B0609020204030204" pitchFamily="49" charset="0"/>
-              </a:rPr>
-              <a:t> person</a:t>
-            </a:r>
-            <a:r>
-              <a:rPr lang="en-US" sz="1050" b="1" dirty="0">
-                <a:solidFill>
-                  <a:srgbClr val="000080"/>
-                </a:solidFill>
-                <a:highlight>
-                  <a:srgbClr val="FFFFFF"/>
-                </a:highlight>
-                <a:latin typeface="Consolas" panose="020B0609020204030204" pitchFamily="49" charset="0"/>
-              </a:rPr>
-              <a:t>));</a:t>
-            </a:r>
-            <a:endParaRPr lang="en-US" sz="1050" dirty="0">
-              <a:solidFill>
-                <a:srgbClr val="000000"/>
-              </a:solidFill>
-              <a:highlight>
-                <a:srgbClr val="FFFFFF"/>
-              </a:highlight>
-              <a:latin typeface="Consolas" panose="020B0609020204030204" pitchFamily="49" charset="0"/>
-            </a:endParaRPr>
-          </a:p>
-        </p:txBody>
-      </p:sp>
-    </p:spTree>
-    <p:extLst>
-      <p:ext uri="{BB962C8B-B14F-4D97-AF65-F5344CB8AC3E}">
-        <p14:creationId xmlns:p14="http://schemas.microsoft.com/office/powerpoint/2010/main" val="1324995767"/>
-      </p:ext>
-    </p:extLst>
-  </p:cSld>
-  <p:clrMapOvr>
-    <a:masterClrMapping/>
-  </p:clrMapOvr>
-</p:sld>
-</file>
-
-<file path=ppt/slides/slide16.xml><?xml version="1.0" encoding="utf-8"?>
-<p:sld xmlns:a="http://schemas.openxmlformats.org/drawingml/2006/main" xmlns:r="http://schemas.openxmlformats.org/officeDocument/2006/relationships" xmlns:p="http://schemas.openxmlformats.org/presentationml/2006/main">
-  <p:cSld>
-    <p:spTree>
-      <p:nvGrpSpPr>
-        <p:cNvPr id="1" name=""/>
-        <p:cNvGrpSpPr/>
-        <p:nvPr/>
-      </p:nvGrpSpPr>
-      <p:grpSpPr>
-        <a:xfrm>
-          <a:off x="0" y="0"/>
-          <a:ext cx="0" cy="0"/>
-          <a:chOff x="0" y="0"/>
-          <a:chExt cx="0" cy="0"/>
-        </a:xfrm>
-      </p:grpSpPr>
-      <p:sp>
-        <p:nvSpPr>
-          <p:cNvPr id="2" name="Title 1"/>
-          <p:cNvSpPr>
-            <a:spLocks noGrp="1"/>
-          </p:cNvSpPr>
-          <p:nvPr>
             <p:ph type="ctrTitle"/>
           </p:nvPr>
         </p:nvSpPr>
@@ -12143,14 +9282,12 @@
             </a:pPr>
             <a:r>
               <a:rPr lang="en-US" dirty="0"/>
-              <a:t>Using the SDK (.NET / Java / Node)</a:t>
-            </a:r>
-          </a:p>
-          <a:p>
-            <a:pPr marL="342900" indent="-342900">
-              <a:buFont typeface="Arial" charset="0"/>
-              <a:buChar char="•"/>
-            </a:pPr>
+              <a:t>Using the </a:t>
+            </a:r>
+            <a:r>
+              <a:rPr lang="en-US" dirty="0" smtClean="0"/>
+              <a:t>.NET SDK</a:t>
+            </a:r>
             <a:endParaRPr lang="en-US" dirty="0"/>
           </a:p>
           <a:p>
@@ -12265,9 +9402,15 @@
               <a:rPr lang="en-US" dirty="0">
                 <a:hlinkClick r:id="rId3"/>
               </a:rPr>
-              <a:t>https://github.com/couchbaselabs/workshop</a:t>
-            </a:r>
-            <a:endParaRPr lang="en-US" dirty="0"/>
+              <a:t>https://</a:t>
+            </a:r>
+            <a:r>
+              <a:rPr lang="en-US" dirty="0" smtClean="0">
+                <a:hlinkClick r:id="rId3"/>
+              </a:rPr>
+              <a:t>github.com/couchbaselabs/aspnet-nosql-workshop</a:t>
+            </a:r>
+            <a:endParaRPr lang="en-US" dirty="0" smtClean="0"/>
           </a:p>
           <a:p>
             <a:pPr marL="342900" indent="-342900">

--- a/02/02.pptx
+++ b/02/02.pptx
@@ -271,7 +271,7 @@
           <a:p>
             <a:fld id="{B5389E1E-C654-E943-9883-792E99AD7287}" type="datetimeFigureOut">
               <a:rPr lang="en-US" smtClean="0"/>
-              <a:t>2/13/2017</a:t>
+              <a:t>2/17/2017</a:t>
             </a:fld>
             <a:endParaRPr lang="en-US"/>
           </a:p>
@@ -437,7 +437,7 @@
           <a:p>
             <a:fld id="{9920D99B-2862-464A-984E-65BFC5FC0BBC}" type="datetimeFigureOut">
               <a:rPr lang="en-US" smtClean="0"/>
-              <a:t>2/13/2017</a:t>
+              <a:t>2/17/2017</a:t>
             </a:fld>
             <a:endParaRPr lang="en-US"/>
           </a:p>
@@ -1056,6 +1056,90 @@
           <a:bodyPr/>
           <a:lstStyle/>
           <a:p>
+            <a:fld id="{F39351FC-18D6-4741-8EEB-9FDB1F020AAC}" type="slidenum">
+              <a:rPr lang="en-US" smtClean="0"/>
+              <a:t>6</a:t>
+            </a:fld>
+            <a:endParaRPr lang="en-US"/>
+          </a:p>
+        </p:txBody>
+      </p:sp>
+    </p:spTree>
+    <p:extLst>
+      <p:ext uri="{BB962C8B-B14F-4D97-AF65-F5344CB8AC3E}">
+        <p14:creationId xmlns:p14="http://schemas.microsoft.com/office/powerpoint/2010/main" val="739297445"/>
+      </p:ext>
+    </p:extLst>
+  </p:cSld>
+  <p:clrMapOvr>
+    <a:masterClrMapping/>
+  </p:clrMapOvr>
+</p:notes>
+</file>
+
+<file path=ppt/notesSlides/notesSlide5.xml><?xml version="1.0" encoding="utf-8"?>
+<p:notes xmlns:a="http://schemas.openxmlformats.org/drawingml/2006/main" xmlns:r="http://schemas.openxmlformats.org/officeDocument/2006/relationships" xmlns:p="http://schemas.openxmlformats.org/presentationml/2006/main">
+  <p:cSld>
+    <p:spTree>
+      <p:nvGrpSpPr>
+        <p:cNvPr id="1" name=""/>
+        <p:cNvGrpSpPr/>
+        <p:nvPr/>
+      </p:nvGrpSpPr>
+      <p:grpSpPr>
+        <a:xfrm>
+          <a:off x="0" y="0"/>
+          <a:ext cx="0" cy="0"/>
+          <a:chOff x="0" y="0"/>
+          <a:chExt cx="0" cy="0"/>
+        </a:xfrm>
+      </p:grpSpPr>
+      <p:sp>
+        <p:nvSpPr>
+          <p:cNvPr id="2" name="Slide Image Placeholder 1"/>
+          <p:cNvSpPr>
+            <a:spLocks noGrp="1" noRot="1" noChangeAspect="1"/>
+          </p:cNvSpPr>
+          <p:nvPr>
+            <p:ph type="sldImg"/>
+          </p:nvPr>
+        </p:nvSpPr>
+        <p:spPr/>
+      </p:sp>
+      <p:sp>
+        <p:nvSpPr>
+          <p:cNvPr id="3" name="Notes Placeholder 2"/>
+          <p:cNvSpPr>
+            <a:spLocks noGrp="1"/>
+          </p:cNvSpPr>
+          <p:nvPr>
+            <p:ph type="body" idx="1"/>
+          </p:nvPr>
+        </p:nvSpPr>
+        <p:spPr/>
+        <p:txBody>
+          <a:bodyPr/>
+          <a:lstStyle/>
+          <a:p>
+            <a:endParaRPr lang="en-US" dirty="0"/>
+          </a:p>
+        </p:txBody>
+      </p:sp>
+      <p:sp>
+        <p:nvSpPr>
+          <p:cNvPr id="4" name="Slide Number Placeholder 3"/>
+          <p:cNvSpPr>
+            <a:spLocks noGrp="1"/>
+          </p:cNvSpPr>
+          <p:nvPr>
+            <p:ph type="sldNum" sz="quarter" idx="10"/>
+          </p:nvPr>
+        </p:nvSpPr>
+        <p:spPr/>
+        <p:txBody>
+          <a:bodyPr/>
+          <a:lstStyle/>
+          <a:p>
             <a:pPr marL="0" marR="0" lvl="0" indent="0" defTabSz="914400" eaLnBrk="1" fontAlgn="auto" latinLnBrk="0" hangingPunct="1">
               <a:lnSpc>
                 <a:spcPct val="100000"/>
@@ -1131,7 +1215,99 @@
 </p:notes>
 </file>
 
-<file path=ppt/notesSlides/notesSlide5.xml><?xml version="1.0" encoding="utf-8"?>
+<file path=ppt/notesSlides/notesSlide6.xml><?xml version="1.0" encoding="utf-8"?>
+<p:notes xmlns:a="http://schemas.openxmlformats.org/drawingml/2006/main" xmlns:r="http://schemas.openxmlformats.org/officeDocument/2006/relationships" xmlns:p="http://schemas.openxmlformats.org/presentationml/2006/main">
+  <p:cSld>
+    <p:spTree>
+      <p:nvGrpSpPr>
+        <p:cNvPr id="1" name=""/>
+        <p:cNvGrpSpPr/>
+        <p:nvPr/>
+      </p:nvGrpSpPr>
+      <p:grpSpPr>
+        <a:xfrm>
+          <a:off x="0" y="0"/>
+          <a:ext cx="0" cy="0"/>
+          <a:chOff x="0" y="0"/>
+          <a:chExt cx="0" cy="0"/>
+        </a:xfrm>
+      </p:grpSpPr>
+      <p:sp>
+        <p:nvSpPr>
+          <p:cNvPr id="2" name="Slide Image Placeholder 1"/>
+          <p:cNvSpPr>
+            <a:spLocks noGrp="1" noRot="1" noChangeAspect="1"/>
+          </p:cNvSpPr>
+          <p:nvPr>
+            <p:ph type="sldImg"/>
+          </p:nvPr>
+        </p:nvSpPr>
+        <p:spPr/>
+      </p:sp>
+      <p:sp>
+        <p:nvSpPr>
+          <p:cNvPr id="3" name="Notes Placeholder 2"/>
+          <p:cNvSpPr>
+            <a:spLocks noGrp="1"/>
+          </p:cNvSpPr>
+          <p:nvPr>
+            <p:ph type="body" idx="1"/>
+          </p:nvPr>
+        </p:nvSpPr>
+        <p:spPr/>
+        <p:txBody>
+          <a:bodyPr/>
+          <a:lstStyle/>
+          <a:p>
+            <a:r>
+              <a:rPr lang="en-US" dirty="0" smtClean="0"/>
+              <a:t>You</a:t>
+            </a:r>
+            <a:r>
+              <a:rPr lang="en-US" baseline="0" dirty="0" smtClean="0"/>
+              <a:t> will need to use the cluster credentials to execute this</a:t>
+            </a:r>
+            <a:endParaRPr lang="en-US" dirty="0"/>
+          </a:p>
+        </p:txBody>
+      </p:sp>
+      <p:sp>
+        <p:nvSpPr>
+          <p:cNvPr id="4" name="Slide Number Placeholder 3"/>
+          <p:cNvSpPr>
+            <a:spLocks noGrp="1"/>
+          </p:cNvSpPr>
+          <p:nvPr>
+            <p:ph type="sldNum" sz="quarter" idx="10"/>
+          </p:nvPr>
+        </p:nvSpPr>
+        <p:spPr/>
+        <p:txBody>
+          <a:bodyPr/>
+          <a:lstStyle/>
+          <a:p>
+            <a:fld id="{F39351FC-18D6-4741-8EEB-9FDB1F020AAC}" type="slidenum">
+              <a:rPr lang="en-US" smtClean="0"/>
+              <a:t>10</a:t>
+            </a:fld>
+            <a:endParaRPr lang="en-US"/>
+          </a:p>
+        </p:txBody>
+      </p:sp>
+    </p:spTree>
+    <p:extLst>
+      <p:ext uri="{BB962C8B-B14F-4D97-AF65-F5344CB8AC3E}">
+        <p14:creationId xmlns:p14="http://schemas.microsoft.com/office/powerpoint/2010/main" val="696480634"/>
+      </p:ext>
+    </p:extLst>
+  </p:cSld>
+  <p:clrMapOvr>
+    <a:masterClrMapping/>
+  </p:clrMapOvr>
+</p:notes>
+</file>
+
+<file path=ppt/notesSlides/notesSlide7.xml><?xml version="1.0" encoding="utf-8"?>
 <p:notes xmlns:a="http://schemas.openxmlformats.org/drawingml/2006/main" xmlns:r="http://schemas.openxmlformats.org/officeDocument/2006/relationships" xmlns:p="http://schemas.openxmlformats.org/presentationml/2006/main">
   <p:cSld>
     <p:spTree>
@@ -7177,7 +7353,7 @@
             </a:r>
             <a:r>
               <a:rPr lang="en-US" sz="2400" dirty="0">
-                <a:hlinkClick r:id="rId2"/>
+                <a:hlinkClick r:id="rId3"/>
               </a:rPr>
               <a:t>http://localhost:8091/pools/default</a:t>
             </a:r>
@@ -7237,376 +7413,30 @@
           </a:p>
         </p:txBody>
       </p:sp>
-      <p:sp>
-        <p:nvSpPr>
-          <p:cNvPr id="4" name="Rectangle 3"/>
-          <p:cNvSpPr/>
+      <p:pic>
+        <p:nvPicPr>
+          <p:cNvPr id="3" name="Picture 2"/>
+          <p:cNvPicPr>
+            <a:picLocks noChangeAspect="1"/>
+          </p:cNvPicPr>
           <p:nvPr/>
-        </p:nvSpPr>
+        </p:nvPicPr>
+        <p:blipFill>
+          <a:blip r:embed="rId3"/>
+          <a:stretch>
+            <a:fillRect/>
+          </a:stretch>
+        </p:blipFill>
         <p:spPr>
           <a:xfrm>
-            <a:off x="438152" y="677198"/>
-            <a:ext cx="8448674" cy="4154984"/>
+            <a:off x="2360045" y="660086"/>
+            <a:ext cx="3674818" cy="4173998"/>
           </a:xfrm>
           <a:prstGeom prst="rect">
             <a:avLst/>
           </a:prstGeom>
         </p:spPr>
-        <p:txBody>
-          <a:bodyPr wrap="square">
-            <a:spAutoFit/>
-          </a:bodyPr>
-          <a:lstStyle/>
-          <a:p>
-            <a:r>
-              <a:rPr lang="en-US" sz="1100" dirty="0">
-                <a:latin typeface="Consolas" panose="020B0609020204030204" pitchFamily="49" charset="0"/>
-              </a:rPr>
-              <a:t>{</a:t>
-            </a:r>
-          </a:p>
-          <a:p>
-            <a:r>
-              <a:rPr lang="en-US" sz="1100" dirty="0">
-                <a:latin typeface="Consolas" panose="020B0609020204030204" pitchFamily="49" charset="0"/>
-              </a:rPr>
-              <a:t>	"</a:t>
-            </a:r>
-            <a:r>
-              <a:rPr lang="en-US" sz="1100" dirty="0" err="1">
-                <a:latin typeface="Consolas" panose="020B0609020204030204" pitchFamily="49" charset="0"/>
-              </a:rPr>
-              <a:t>storageTotals</a:t>
-            </a:r>
-            <a:r>
-              <a:rPr lang="en-US" sz="1100" dirty="0">
-                <a:latin typeface="Consolas" panose="020B0609020204030204" pitchFamily="49" charset="0"/>
-              </a:rPr>
-              <a:t>": {</a:t>
-            </a:r>
-          </a:p>
-          <a:p>
-            <a:r>
-              <a:rPr lang="en-US" sz="1100" dirty="0">
-                <a:latin typeface="Consolas" panose="020B0609020204030204" pitchFamily="49" charset="0"/>
-              </a:rPr>
-              <a:t>		"ram": {</a:t>
-            </a:r>
-          </a:p>
-          <a:p>
-            <a:r>
-              <a:rPr lang="en-US" sz="1100" dirty="0">
-                <a:latin typeface="Consolas" panose="020B0609020204030204" pitchFamily="49" charset="0"/>
-              </a:rPr>
-              <a:t>			"total": 2061664256,</a:t>
-            </a:r>
-          </a:p>
-          <a:p>
-            <a:r>
-              <a:rPr lang="en-US" sz="1100" dirty="0">
-                <a:latin typeface="Consolas" panose="020B0609020204030204" pitchFamily="49" charset="0"/>
-              </a:rPr>
-              <a:t>			"</a:t>
-            </a:r>
-            <a:r>
-              <a:rPr lang="en-US" sz="1100" dirty="0" err="1">
-                <a:latin typeface="Consolas" panose="020B0609020204030204" pitchFamily="49" charset="0"/>
-              </a:rPr>
-              <a:t>quotaTotal</a:t>
-            </a:r>
-            <a:r>
-              <a:rPr lang="en-US" sz="1100" dirty="0">
-                <a:latin typeface="Consolas" panose="020B0609020204030204" pitchFamily="49" charset="0"/>
-              </a:rPr>
-              <a:t>": 268435456,</a:t>
-            </a:r>
-          </a:p>
-          <a:p>
-            <a:r>
-              <a:rPr lang="en-US" sz="1100" dirty="0">
-                <a:latin typeface="Consolas" panose="020B0609020204030204" pitchFamily="49" charset="0"/>
-              </a:rPr>
-              <a:t>			"</a:t>
-            </a:r>
-            <a:r>
-              <a:rPr lang="en-US" sz="1100" dirty="0" err="1">
-                <a:latin typeface="Consolas" panose="020B0609020204030204" pitchFamily="49" charset="0"/>
-              </a:rPr>
-              <a:t>quotaUsed</a:t>
-            </a:r>
-            <a:r>
-              <a:rPr lang="en-US" sz="1100" dirty="0">
-                <a:latin typeface="Consolas" panose="020B0609020204030204" pitchFamily="49" charset="0"/>
-              </a:rPr>
-              <a:t>": 209715200,</a:t>
-            </a:r>
-          </a:p>
-          <a:p>
-            <a:r>
-              <a:rPr lang="en-US" sz="1100" dirty="0">
-                <a:latin typeface="Consolas" panose="020B0609020204030204" pitchFamily="49" charset="0"/>
-              </a:rPr>
-              <a:t>			"used": 1674903552,</a:t>
-            </a:r>
-          </a:p>
-          <a:p>
-            <a:r>
-              <a:rPr lang="en-US" sz="1100" dirty="0">
-                <a:latin typeface="Consolas" panose="020B0609020204030204" pitchFamily="49" charset="0"/>
-              </a:rPr>
-              <a:t>			"</a:t>
-            </a:r>
-            <a:r>
-              <a:rPr lang="en-US" sz="1100" dirty="0" err="1">
-                <a:latin typeface="Consolas" panose="020B0609020204030204" pitchFamily="49" charset="0"/>
-              </a:rPr>
-              <a:t>usedByData</a:t>
-            </a:r>
-            <a:r>
-              <a:rPr lang="en-US" sz="1100" dirty="0">
-                <a:latin typeface="Consolas" panose="020B0609020204030204" pitchFamily="49" charset="0"/>
-              </a:rPr>
-              <a:t>": 119026504,</a:t>
-            </a:r>
-          </a:p>
-          <a:p>
-            <a:r>
-              <a:rPr lang="en-US" sz="1100" dirty="0">
-                <a:latin typeface="Consolas" panose="020B0609020204030204" pitchFamily="49" charset="0"/>
-              </a:rPr>
-              <a:t>			"</a:t>
-            </a:r>
-            <a:r>
-              <a:rPr lang="en-US" sz="1100" dirty="0" err="1">
-                <a:latin typeface="Consolas" panose="020B0609020204030204" pitchFamily="49" charset="0"/>
-              </a:rPr>
-              <a:t>quotaUsedPeraNode</a:t>
-            </a:r>
-            <a:r>
-              <a:rPr lang="en-US" sz="1100" dirty="0">
-                <a:latin typeface="Consolas" panose="020B0609020204030204" pitchFamily="49" charset="0"/>
-              </a:rPr>
-              <a:t>": 209715200,</a:t>
-            </a:r>
-          </a:p>
-          <a:p>
-            <a:r>
-              <a:rPr lang="en-US" sz="1100" dirty="0">
-                <a:latin typeface="Consolas" panose="020B0609020204030204" pitchFamily="49" charset="0"/>
-              </a:rPr>
-              <a:t>			"</a:t>
-            </a:r>
-            <a:r>
-              <a:rPr lang="en-US" sz="1100" dirty="0" err="1">
-                <a:latin typeface="Consolas" panose="020B0609020204030204" pitchFamily="49" charset="0"/>
-              </a:rPr>
-              <a:t>quotaTotalPerNode</a:t>
-            </a:r>
-            <a:r>
-              <a:rPr lang="en-US" sz="1100" dirty="0">
-                <a:latin typeface="Consolas" panose="020B0609020204030204" pitchFamily="49" charset="0"/>
-              </a:rPr>
-              <a:t>": 268435456</a:t>
-            </a:r>
-          </a:p>
-          <a:p>
-            <a:r>
-              <a:rPr lang="en-US" sz="1100" dirty="0">
-                <a:latin typeface="Consolas" panose="020B0609020204030204" pitchFamily="49" charset="0"/>
-              </a:rPr>
-              <a:t>		},</a:t>
-            </a:r>
-          </a:p>
-          <a:p>
-            <a:r>
-              <a:rPr lang="en-US" sz="1100" dirty="0">
-                <a:latin typeface="Consolas" panose="020B0609020204030204" pitchFamily="49" charset="0"/>
-              </a:rPr>
-              <a:t>		"</a:t>
-            </a:r>
-            <a:r>
-              <a:rPr lang="en-US" sz="1100" dirty="0" err="1">
-                <a:latin typeface="Consolas" panose="020B0609020204030204" pitchFamily="49" charset="0"/>
-              </a:rPr>
-              <a:t>hdd</a:t>
-            </a:r>
-            <a:r>
-              <a:rPr lang="en-US" sz="1100" dirty="0">
-                <a:latin typeface="Consolas" panose="020B0609020204030204" pitchFamily="49" charset="0"/>
-              </a:rPr>
-              <a:t>": {</a:t>
-            </a:r>
-          </a:p>
-          <a:p>
-            <a:r>
-              <a:rPr lang="en-US" sz="1100" dirty="0">
-                <a:latin typeface="Consolas" panose="020B0609020204030204" pitchFamily="49" charset="0"/>
-              </a:rPr>
-              <a:t>			"total": 59151257600,</a:t>
-            </a:r>
-          </a:p>
-          <a:p>
-            <a:r>
-              <a:rPr lang="en-US" sz="1100" dirty="0">
-                <a:latin typeface="Consolas" panose="020B0609020204030204" pitchFamily="49" charset="0"/>
-              </a:rPr>
-              <a:t>			"</a:t>
-            </a:r>
-            <a:r>
-              <a:rPr lang="en-US" sz="1100" dirty="0" err="1">
-                <a:latin typeface="Consolas" panose="020B0609020204030204" pitchFamily="49" charset="0"/>
-              </a:rPr>
-              <a:t>quotaTotal</a:t>
-            </a:r>
-            <a:r>
-              <a:rPr lang="en-US" sz="1100" dirty="0">
-                <a:latin typeface="Consolas" panose="020B0609020204030204" pitchFamily="49" charset="0"/>
-              </a:rPr>
-              <a:t>": 59151257600,</a:t>
-            </a:r>
-          </a:p>
-          <a:p>
-            <a:r>
-              <a:rPr lang="en-US" sz="1100" dirty="0">
-                <a:latin typeface="Consolas" panose="020B0609020204030204" pitchFamily="49" charset="0"/>
-              </a:rPr>
-              <a:t>			"used": 1183025152,</a:t>
-            </a:r>
-          </a:p>
-          <a:p>
-            <a:r>
-              <a:rPr lang="en-US" sz="1100" dirty="0">
-                <a:latin typeface="Consolas" panose="020B0609020204030204" pitchFamily="49" charset="0"/>
-              </a:rPr>
-              <a:t>			"</a:t>
-            </a:r>
-            <a:r>
-              <a:rPr lang="en-US" sz="1100" dirty="0" err="1">
-                <a:latin typeface="Consolas" panose="020B0609020204030204" pitchFamily="49" charset="0"/>
-              </a:rPr>
-              <a:t>usedByData</a:t>
-            </a:r>
-            <a:r>
-              <a:rPr lang="en-US" sz="1100" dirty="0">
-                <a:latin typeface="Consolas" panose="020B0609020204030204" pitchFamily="49" charset="0"/>
-              </a:rPr>
-              <a:t>": 130504611,</a:t>
-            </a:r>
-          </a:p>
-          <a:p>
-            <a:r>
-              <a:rPr lang="en-US" sz="1100" dirty="0">
-                <a:latin typeface="Consolas" panose="020B0609020204030204" pitchFamily="49" charset="0"/>
-              </a:rPr>
-              <a:t>			"free": 57968232448</a:t>
-            </a:r>
-          </a:p>
-          <a:p>
-            <a:r>
-              <a:rPr lang="en-US" sz="1100" dirty="0">
-                <a:latin typeface="Consolas" panose="020B0609020204030204" pitchFamily="49" charset="0"/>
-              </a:rPr>
-              <a:t>		}</a:t>
-            </a:r>
-          </a:p>
-          <a:p>
-            <a:r>
-              <a:rPr lang="en-US" sz="1100" dirty="0">
-                <a:latin typeface="Consolas" panose="020B0609020204030204" pitchFamily="49" charset="0"/>
-              </a:rPr>
-              <a:t>	},</a:t>
-            </a:r>
-          </a:p>
-          <a:p>
-            <a:r>
-              <a:rPr lang="en-US" sz="1100" dirty="0">
-                <a:latin typeface="Consolas" panose="020B0609020204030204" pitchFamily="49" charset="0"/>
-              </a:rPr>
-              <a:t>	"</a:t>
-            </a:r>
-            <a:r>
-              <a:rPr lang="en-US" sz="1100" dirty="0" err="1">
-                <a:latin typeface="Consolas" panose="020B0609020204030204" pitchFamily="49" charset="0"/>
-              </a:rPr>
-              <a:t>ftsMemoryQuota</a:t>
-            </a:r>
-            <a:r>
-              <a:rPr lang="en-US" sz="1100" dirty="0">
-                <a:latin typeface="Consolas" panose="020B0609020204030204" pitchFamily="49" charset="0"/>
-              </a:rPr>
-              <a:t>": 256,</a:t>
-            </a:r>
-          </a:p>
-          <a:p>
-            <a:r>
-              <a:rPr lang="en-US" sz="1100" dirty="0">
-                <a:latin typeface="Consolas" panose="020B0609020204030204" pitchFamily="49" charset="0"/>
-              </a:rPr>
-              <a:t>	"</a:t>
-            </a:r>
-            <a:r>
-              <a:rPr lang="en-US" sz="1100" dirty="0" err="1">
-                <a:latin typeface="Consolas" panose="020B0609020204030204" pitchFamily="49" charset="0"/>
-              </a:rPr>
-              <a:t>indexMemoryQuota</a:t>
-            </a:r>
-            <a:r>
-              <a:rPr lang="en-US" sz="1100" dirty="0">
-                <a:latin typeface="Consolas" panose="020B0609020204030204" pitchFamily="49" charset="0"/>
-              </a:rPr>
-              <a:t>": 512,</a:t>
-            </a:r>
-          </a:p>
-          <a:p>
-            <a:r>
-              <a:rPr lang="en-US" sz="1100" dirty="0">
-                <a:latin typeface="Consolas" panose="020B0609020204030204" pitchFamily="49" charset="0"/>
-              </a:rPr>
-              <a:t>	"</a:t>
-            </a:r>
-            <a:r>
-              <a:rPr lang="en-US" sz="1100" dirty="0" err="1">
-                <a:latin typeface="Consolas" panose="020B0609020204030204" pitchFamily="49" charset="0"/>
-              </a:rPr>
-              <a:t>memoryQuota</a:t>
-            </a:r>
-            <a:r>
-              <a:rPr lang="en-US" sz="1100" dirty="0">
-                <a:latin typeface="Consolas" panose="020B0609020204030204" pitchFamily="49" charset="0"/>
-              </a:rPr>
-              <a:t>": 256,</a:t>
-            </a:r>
-          </a:p>
-          <a:p>
-            <a:r>
-              <a:rPr lang="en-US" sz="1100" dirty="0">
-                <a:latin typeface="Consolas" panose="020B0609020204030204" pitchFamily="49" charset="0"/>
-              </a:rPr>
-              <a:t>	"name": "default",</a:t>
-            </a:r>
-          </a:p>
-          <a:p>
-            <a:r>
-              <a:rPr lang="en-US" sz="1100" dirty="0">
-                <a:latin typeface="Consolas" panose="020B0609020204030204" pitchFamily="49" charset="0"/>
-              </a:rPr>
-              <a:t>	"alerts": [],				// </a:t>
-            </a:r>
-            <a:r>
-              <a:rPr lang="en-US" sz="1100" dirty="0" err="1">
-                <a:latin typeface="Consolas" panose="020B0609020204030204" pitchFamily="49" charset="0"/>
-              </a:rPr>
-              <a:t>etc</a:t>
-            </a:r>
-            <a:r>
-              <a:rPr lang="en-US" sz="1100" dirty="0">
-                <a:latin typeface="Consolas" panose="020B0609020204030204" pitchFamily="49" charset="0"/>
-              </a:rPr>
-              <a:t>…..</a:t>
-            </a:r>
-          </a:p>
-        </p:txBody>
-      </p:sp>
+      </p:pic>
     </p:spTree>
     <p:extLst>
       <p:ext uri="{BB962C8B-B14F-4D97-AF65-F5344CB8AC3E}">
@@ -10229,11 +10059,17 @@
             </a:r>
             <a:r>
               <a:rPr lang="en-US" dirty="0">
-                <a:hlinkClick r:id="rId2"/>
+                <a:hlinkClick r:id="rId3"/>
               </a:rPr>
-              <a:t>http://developer.couchbase.com/documentation/server/4.5/rest-api/rest-intro.html</a:t>
-            </a:r>
-            <a:endParaRPr lang="en-US" dirty="0"/>
+              <a:t>https://</a:t>
+            </a:r>
+            <a:r>
+              <a:rPr lang="en-US" dirty="0" smtClean="0">
+                <a:hlinkClick r:id="rId3"/>
+              </a:rPr>
+              <a:t>developer.couchbase.com/documentation/server/current/rest-api/rest-intro.html</a:t>
+            </a:r>
+            <a:endParaRPr lang="en-US" dirty="0" smtClean="0"/>
           </a:p>
           <a:p>
             <a:pPr marL="342900" indent="-342900">
@@ -10253,7 +10089,7 @@
             </a:r>
             <a:r>
               <a:rPr lang="en-US" dirty="0">
-                <a:hlinkClick r:id="rId3"/>
+                <a:hlinkClick r:id="rId4"/>
               </a:rPr>
               <a:t>http://localhost:8091/pools/default</a:t>
             </a:r>

--- a/02/02.pptx
+++ b/02/02.pptx
@@ -6,10 +6,10 @@
     <p:sldMasterId id="2147483684" r:id="rId2"/>
   </p:sldMasterIdLst>
   <p:notesMasterIdLst>
-    <p:notesMasterId r:id="rId17"/>
+    <p:notesMasterId r:id="rId22"/>
   </p:notesMasterIdLst>
   <p:handoutMasterIdLst>
-    <p:handoutMasterId r:id="rId18"/>
+    <p:handoutMasterId r:id="rId23"/>
   </p:handoutMasterIdLst>
   <p:sldIdLst>
     <p:sldId id="444" r:id="rId3"/>
@@ -23,9 +23,14 @@
     <p:sldId id="498" r:id="rId11"/>
     <p:sldId id="497" r:id="rId12"/>
     <p:sldId id="496" r:id="rId13"/>
-    <p:sldId id="495" r:id="rId14"/>
+    <p:sldId id="505" r:id="rId14"/>
     <p:sldId id="490" r:id="rId15"/>
-    <p:sldId id="484" r:id="rId16"/>
+    <p:sldId id="500" r:id="rId16"/>
+    <p:sldId id="501" r:id="rId17"/>
+    <p:sldId id="503" r:id="rId18"/>
+    <p:sldId id="502" r:id="rId19"/>
+    <p:sldId id="504" r:id="rId20"/>
+    <p:sldId id="484" r:id="rId21"/>
   </p:sldIdLst>
   <p:sldSz cx="9144000" cy="5143500" type="screen16x9"/>
   <p:notesSz cx="6858000" cy="9144000"/>
@@ -140,8 +145,13 @@
             <p14:sldId id="498"/>
             <p14:sldId id="497"/>
             <p14:sldId id="496"/>
-            <p14:sldId id="495"/>
+            <p14:sldId id="505"/>
             <p14:sldId id="490"/>
+            <p14:sldId id="500"/>
+            <p14:sldId id="501"/>
+            <p14:sldId id="503"/>
+            <p14:sldId id="502"/>
+            <p14:sldId id="504"/>
             <p14:sldId id="484"/>
           </p14:sldIdLst>
         </p14:section>
@@ -271,7 +281,7 @@
           <a:p>
             <a:fld id="{B5389E1E-C654-E943-9883-792E99AD7287}" type="datetimeFigureOut">
               <a:rPr lang="en-US" smtClean="0"/>
-              <a:t>2/17/2017</a:t>
+              <a:t>3/16/2017</a:t>
             </a:fld>
             <a:endParaRPr lang="en-US"/>
           </a:p>
@@ -437,7 +447,7 @@
           <a:p>
             <a:fld id="{9920D99B-2862-464A-984E-65BFC5FC0BBC}" type="datetimeFigureOut">
               <a:rPr lang="en-US" smtClean="0"/>
-              <a:t>2/17/2017</a:t>
+              <a:t>3/16/2017</a:t>
             </a:fld>
             <a:endParaRPr lang="en-US"/>
           </a:p>
@@ -813,6 +823,400 @@
 </p:notes>
 </file>
 
+<file path=ppt/notesSlides/notesSlide10.xml><?xml version="1.0" encoding="utf-8"?>
+<p:notes xmlns:a="http://schemas.openxmlformats.org/drawingml/2006/main" xmlns:r="http://schemas.openxmlformats.org/officeDocument/2006/relationships" xmlns:p="http://schemas.openxmlformats.org/presentationml/2006/main">
+  <p:cSld>
+    <p:spTree>
+      <p:nvGrpSpPr>
+        <p:cNvPr id="1" name=""/>
+        <p:cNvGrpSpPr/>
+        <p:nvPr/>
+      </p:nvGrpSpPr>
+      <p:grpSpPr>
+        <a:xfrm>
+          <a:off x="0" y="0"/>
+          <a:ext cx="0" cy="0"/>
+          <a:chOff x="0" y="0"/>
+          <a:chExt cx="0" cy="0"/>
+        </a:xfrm>
+      </p:grpSpPr>
+      <p:sp>
+        <p:nvSpPr>
+          <p:cNvPr id="2" name="Slide Image Placeholder 1"/>
+          <p:cNvSpPr>
+            <a:spLocks noGrp="1" noRot="1" noChangeAspect="1"/>
+          </p:cNvSpPr>
+          <p:nvPr>
+            <p:ph type="sldImg"/>
+          </p:nvPr>
+        </p:nvSpPr>
+        <p:spPr/>
+      </p:sp>
+      <p:sp>
+        <p:nvSpPr>
+          <p:cNvPr id="3" name="Notes Placeholder 2"/>
+          <p:cNvSpPr>
+            <a:spLocks noGrp="1"/>
+          </p:cNvSpPr>
+          <p:nvPr>
+            <p:ph type="body" idx="1"/>
+          </p:nvPr>
+        </p:nvSpPr>
+        <p:spPr/>
+        <p:txBody>
+          <a:bodyPr/>
+          <a:lstStyle/>
+          <a:p>
+            <a:r>
+              <a:rPr lang="en-US" dirty="0"/>
+              <a:t>Insert creates a new document, fails if it already exists.</a:t>
+            </a:r>
+          </a:p>
+          <a:p>
+            <a:r>
+              <a:rPr lang="en-US" dirty="0" err="1"/>
+              <a:t>Upsert</a:t>
+            </a:r>
+            <a:r>
+              <a:rPr lang="en-US" dirty="0"/>
+              <a:t> creates a new document, or updates existing document if it already exists</a:t>
+            </a:r>
+          </a:p>
+          <a:p>
+            <a:r>
+              <a:rPr lang="en-US" dirty="0"/>
+              <a:t>Replace updates existing document, fails if it doesn’t exist.</a:t>
+            </a:r>
+          </a:p>
+          <a:p>
+            <a:endParaRPr lang="en-US" dirty="0"/>
+          </a:p>
+          <a:p>
+            <a:r>
+              <a:rPr lang="en-US" dirty="0"/>
+              <a:t>There are also </a:t>
+            </a:r>
+            <a:r>
+              <a:rPr lang="en-US" dirty="0" err="1"/>
+              <a:t>async</a:t>
+            </a:r>
+            <a:r>
+              <a:rPr lang="en-US" dirty="0"/>
+              <a:t> versions</a:t>
+            </a:r>
+          </a:p>
+          <a:p>
+            <a:r>
+              <a:rPr lang="en-US" dirty="0"/>
+              <a:t>And with </a:t>
+            </a:r>
+            <a:r>
+              <a:rPr lang="en-US" dirty="0" err="1"/>
+              <a:t>async</a:t>
+            </a:r>
+            <a:r>
+              <a:rPr lang="en-US" dirty="0"/>
+              <a:t> you can perform the operation on multiple documents</a:t>
+            </a:r>
+          </a:p>
+        </p:txBody>
+      </p:sp>
+      <p:sp>
+        <p:nvSpPr>
+          <p:cNvPr id="4" name="Slide Number Placeholder 3"/>
+          <p:cNvSpPr>
+            <a:spLocks noGrp="1"/>
+          </p:cNvSpPr>
+          <p:nvPr>
+            <p:ph type="sldNum" sz="quarter" idx="10"/>
+          </p:nvPr>
+        </p:nvSpPr>
+        <p:spPr/>
+        <p:txBody>
+          <a:bodyPr/>
+          <a:lstStyle/>
+          <a:p>
+            <a:fld id="{F39351FC-18D6-4741-8EEB-9FDB1F020AAC}" type="slidenum">
+              <a:rPr lang="en-US" smtClean="0"/>
+              <a:t>16</a:t>
+            </a:fld>
+            <a:endParaRPr lang="en-US"/>
+          </a:p>
+        </p:txBody>
+      </p:sp>
+    </p:spTree>
+    <p:extLst>
+      <p:ext uri="{BB962C8B-B14F-4D97-AF65-F5344CB8AC3E}">
+        <p14:creationId xmlns:p14="http://schemas.microsoft.com/office/powerpoint/2010/main" val="1225975531"/>
+      </p:ext>
+    </p:extLst>
+  </p:cSld>
+  <p:clrMapOvr>
+    <a:masterClrMapping/>
+  </p:clrMapOvr>
+</p:notes>
+</file>
+
+<file path=ppt/notesSlides/notesSlide11.xml><?xml version="1.0" encoding="utf-8"?>
+<p:notes xmlns:a="http://schemas.openxmlformats.org/drawingml/2006/main" xmlns:r="http://schemas.openxmlformats.org/officeDocument/2006/relationships" xmlns:p="http://schemas.openxmlformats.org/presentationml/2006/main">
+  <p:cSld>
+    <p:spTree>
+      <p:nvGrpSpPr>
+        <p:cNvPr id="1" name=""/>
+        <p:cNvGrpSpPr/>
+        <p:nvPr/>
+      </p:nvGrpSpPr>
+      <p:grpSpPr>
+        <a:xfrm>
+          <a:off x="0" y="0"/>
+          <a:ext cx="0" cy="0"/>
+          <a:chOff x="0" y="0"/>
+          <a:chExt cx="0" cy="0"/>
+        </a:xfrm>
+      </p:grpSpPr>
+      <p:sp>
+        <p:nvSpPr>
+          <p:cNvPr id="2" name="Slide Image Placeholder 1"/>
+          <p:cNvSpPr>
+            <a:spLocks noGrp="1" noRot="1" noChangeAspect="1"/>
+          </p:cNvSpPr>
+          <p:nvPr>
+            <p:ph type="sldImg"/>
+          </p:nvPr>
+        </p:nvSpPr>
+        <p:spPr/>
+      </p:sp>
+      <p:sp>
+        <p:nvSpPr>
+          <p:cNvPr id="3" name="Notes Placeholder 2"/>
+          <p:cNvSpPr>
+            <a:spLocks noGrp="1"/>
+          </p:cNvSpPr>
+          <p:nvPr>
+            <p:ph type="body" idx="1"/>
+          </p:nvPr>
+        </p:nvSpPr>
+        <p:spPr/>
+        <p:txBody>
+          <a:bodyPr/>
+          <a:lstStyle/>
+          <a:p>
+            <a:r>
+              <a:rPr lang="en-US" dirty="0"/>
+              <a:t>Use the Get&lt;T&gt; to get a document by key. It will be serialized into an object of they type you specify.</a:t>
+            </a:r>
+          </a:p>
+          <a:p>
+            <a:r>
+              <a:rPr lang="en-US" dirty="0"/>
+              <a:t>I’m using dynamic to be lazy</a:t>
+            </a:r>
+          </a:p>
+          <a:p>
+            <a:endParaRPr lang="en-US" dirty="0"/>
+          </a:p>
+          <a:p>
+            <a:r>
+              <a:rPr lang="en-US" dirty="0"/>
+              <a:t>You can also get multiple documents at once by specifying multiple keys. The result will be a Dictionary of key and object.</a:t>
+            </a:r>
+          </a:p>
+          <a:p>
+            <a:endParaRPr lang="en-US" dirty="0"/>
+          </a:p>
+        </p:txBody>
+      </p:sp>
+      <p:sp>
+        <p:nvSpPr>
+          <p:cNvPr id="4" name="Slide Number Placeholder 3"/>
+          <p:cNvSpPr>
+            <a:spLocks noGrp="1"/>
+          </p:cNvSpPr>
+          <p:nvPr>
+            <p:ph type="sldNum" sz="quarter" idx="10"/>
+          </p:nvPr>
+        </p:nvSpPr>
+        <p:spPr/>
+        <p:txBody>
+          <a:bodyPr/>
+          <a:lstStyle/>
+          <a:p>
+            <a:fld id="{F39351FC-18D6-4741-8EEB-9FDB1F020AAC}" type="slidenum">
+              <a:rPr lang="en-US" smtClean="0"/>
+              <a:t>17</a:t>
+            </a:fld>
+            <a:endParaRPr lang="en-US"/>
+          </a:p>
+        </p:txBody>
+      </p:sp>
+    </p:spTree>
+    <p:extLst>
+      <p:ext uri="{BB962C8B-B14F-4D97-AF65-F5344CB8AC3E}">
+        <p14:creationId xmlns:p14="http://schemas.microsoft.com/office/powerpoint/2010/main" val="3668588615"/>
+      </p:ext>
+    </p:extLst>
+  </p:cSld>
+  <p:clrMapOvr>
+    <a:masterClrMapping/>
+  </p:clrMapOvr>
+</p:notes>
+</file>
+
+<file path=ppt/notesSlides/notesSlide12.xml><?xml version="1.0" encoding="utf-8"?>
+<p:notes xmlns:a="http://schemas.openxmlformats.org/drawingml/2006/main" xmlns:r="http://schemas.openxmlformats.org/officeDocument/2006/relationships" xmlns:p="http://schemas.openxmlformats.org/presentationml/2006/main">
+  <p:cSld>
+    <p:spTree>
+      <p:nvGrpSpPr>
+        <p:cNvPr id="1" name=""/>
+        <p:cNvGrpSpPr/>
+        <p:nvPr/>
+      </p:nvGrpSpPr>
+      <p:grpSpPr>
+        <a:xfrm>
+          <a:off x="0" y="0"/>
+          <a:ext cx="0" cy="0"/>
+          <a:chOff x="0" y="0"/>
+          <a:chExt cx="0" cy="0"/>
+        </a:xfrm>
+      </p:grpSpPr>
+      <p:sp>
+        <p:nvSpPr>
+          <p:cNvPr id="2" name="Slide Image Placeholder 1"/>
+          <p:cNvSpPr>
+            <a:spLocks noGrp="1" noRot="1" noChangeAspect="1"/>
+          </p:cNvSpPr>
+          <p:nvPr>
+            <p:ph type="sldImg"/>
+          </p:nvPr>
+        </p:nvSpPr>
+        <p:spPr/>
+      </p:sp>
+      <p:sp>
+        <p:nvSpPr>
+          <p:cNvPr id="3" name="Notes Placeholder 2"/>
+          <p:cNvSpPr>
+            <a:spLocks noGrp="1"/>
+          </p:cNvSpPr>
+          <p:nvPr>
+            <p:ph type="body" idx="1"/>
+          </p:nvPr>
+        </p:nvSpPr>
+        <p:spPr/>
+        <p:txBody>
+          <a:bodyPr/>
+          <a:lstStyle/>
+          <a:p>
+            <a:r>
+              <a:rPr lang="en-US" dirty="0"/>
+              <a:t>These are results of the operations.</a:t>
+            </a:r>
+          </a:p>
+          <a:p>
+            <a:r>
+              <a:rPr lang="en-US" dirty="0"/>
+              <a:t>In this lab we’re not going to use all of these. I’ve also omitted some properties to make things a little simpler.</a:t>
+            </a:r>
+          </a:p>
+          <a:p>
+            <a:endParaRPr lang="en-US" dirty="0"/>
+          </a:p>
+          <a:p>
+            <a:r>
+              <a:rPr lang="en-US" dirty="0" err="1"/>
+              <a:t>IResult</a:t>
+            </a:r>
+            <a:r>
+              <a:rPr lang="en-US" dirty="0"/>
+              <a:t> is the base interface for all results. </a:t>
+            </a:r>
+            <a:r>
+              <a:rPr lang="en-US" dirty="0" err="1"/>
+              <a:t>Success,Message,Exception</a:t>
+            </a:r>
+            <a:r>
+              <a:rPr lang="en-US" dirty="0"/>
+              <a:t> can be examined to see what went wrong, if anything</a:t>
+            </a:r>
+          </a:p>
+          <a:p>
+            <a:endParaRPr lang="en-US" dirty="0"/>
+          </a:p>
+          <a:p>
+            <a:r>
+              <a:rPr lang="en-US" dirty="0" err="1"/>
+              <a:t>IDocumentResult</a:t>
+            </a:r>
+            <a:r>
+              <a:rPr lang="en-US" dirty="0"/>
+              <a:t> isn’t terribly interesting, except for maybe Status</a:t>
+            </a:r>
+          </a:p>
+          <a:p>
+            <a:endParaRPr lang="en-US" dirty="0"/>
+          </a:p>
+          <a:p>
+            <a:r>
+              <a:rPr lang="en-US" dirty="0"/>
+              <a:t>For gets, again the Status might be useful. The Cas value is “check and set”, this is useful for locking. “Cas” might be a </a:t>
+            </a:r>
+            <a:r>
+              <a:rPr lang="en-US" dirty="0" err="1"/>
+              <a:t>couchbase</a:t>
+            </a:r>
+            <a:r>
+              <a:rPr lang="en-US" dirty="0"/>
+              <a:t> specific name, but other </a:t>
+            </a:r>
+            <a:r>
+              <a:rPr lang="en-US" dirty="0" err="1"/>
+              <a:t>nosql</a:t>
+            </a:r>
+            <a:r>
+              <a:rPr lang="en-US" dirty="0"/>
+              <a:t> database usually have something similar.</a:t>
+            </a:r>
+          </a:p>
+          <a:p>
+            <a:endParaRPr lang="en-US" dirty="0"/>
+          </a:p>
+        </p:txBody>
+      </p:sp>
+      <p:sp>
+        <p:nvSpPr>
+          <p:cNvPr id="4" name="Slide Number Placeholder 3"/>
+          <p:cNvSpPr>
+            <a:spLocks noGrp="1"/>
+          </p:cNvSpPr>
+          <p:nvPr>
+            <p:ph type="sldNum" sz="quarter" idx="10"/>
+          </p:nvPr>
+        </p:nvSpPr>
+        <p:spPr/>
+        <p:txBody>
+          <a:bodyPr/>
+          <a:lstStyle/>
+          <a:p>
+            <a:fld id="{F39351FC-18D6-4741-8EEB-9FDB1F020AAC}" type="slidenum">
+              <a:rPr lang="en-US" smtClean="0"/>
+              <a:t>18</a:t>
+            </a:fld>
+            <a:endParaRPr lang="en-US"/>
+          </a:p>
+        </p:txBody>
+      </p:sp>
+    </p:spTree>
+    <p:extLst>
+      <p:ext uri="{BB962C8B-B14F-4D97-AF65-F5344CB8AC3E}">
+        <p14:creationId xmlns:p14="http://schemas.microsoft.com/office/powerpoint/2010/main" val="2698174761"/>
+      </p:ext>
+    </p:extLst>
+  </p:cSld>
+  <p:clrMapOvr>
+    <a:masterClrMapping/>
+  </p:clrMapOvr>
+</p:notes>
+</file>
+
 <file path=ppt/notesSlides/notesSlide2.xml><?xml version="1.0" encoding="utf-8"?>
 <p:notes xmlns:a="http://schemas.openxmlformats.org/drawingml/2006/main" xmlns:r="http://schemas.openxmlformats.org/officeDocument/2006/relationships" xmlns:p="http://schemas.openxmlformats.org/presentationml/2006/main">
   <p:cSld>
@@ -1260,11 +1664,11 @@
           <a:lstStyle/>
           <a:p>
             <a:r>
-              <a:rPr lang="en-US" dirty="0" smtClean="0"/>
+              <a:rPr lang="en-US" dirty="0"/>
               <a:t>You</a:t>
             </a:r>
             <a:r>
-              <a:rPr lang="en-US" baseline="0" dirty="0" smtClean="0"/>
+              <a:rPr lang="en-US" baseline="0" dirty="0"/>
               <a:t> will need to use the cluster credentials to execute this</a:t>
             </a:r>
             <a:endParaRPr lang="en-US" dirty="0"/>
@@ -1385,6 +1789,228 @@
     <p:extLst>
       <p:ext uri="{BB962C8B-B14F-4D97-AF65-F5344CB8AC3E}">
         <p14:creationId xmlns:p14="http://schemas.microsoft.com/office/powerpoint/2010/main" val="3217261693"/>
+      </p:ext>
+    </p:extLst>
+  </p:cSld>
+  <p:clrMapOvr>
+    <a:masterClrMapping/>
+  </p:clrMapOvr>
+</p:notes>
+</file>
+
+<file path=ppt/notesSlides/notesSlide8.xml><?xml version="1.0" encoding="utf-8"?>
+<p:notes xmlns:a="http://schemas.openxmlformats.org/drawingml/2006/main" xmlns:r="http://schemas.openxmlformats.org/officeDocument/2006/relationships" xmlns:p="http://schemas.openxmlformats.org/presentationml/2006/main">
+  <p:cSld>
+    <p:spTree>
+      <p:nvGrpSpPr>
+        <p:cNvPr id="1" name=""/>
+        <p:cNvGrpSpPr/>
+        <p:nvPr/>
+      </p:nvGrpSpPr>
+      <p:grpSpPr>
+        <a:xfrm>
+          <a:off x="0" y="0"/>
+          <a:ext cx="0" cy="0"/>
+          <a:chOff x="0" y="0"/>
+          <a:chExt cx="0" cy="0"/>
+        </a:xfrm>
+      </p:grpSpPr>
+      <p:sp>
+        <p:nvSpPr>
+          <p:cNvPr id="2" name="Slide Image Placeholder 1"/>
+          <p:cNvSpPr>
+            <a:spLocks noGrp="1" noRot="1" noChangeAspect="1"/>
+          </p:cNvSpPr>
+          <p:nvPr>
+            <p:ph type="sldImg"/>
+          </p:nvPr>
+        </p:nvSpPr>
+        <p:spPr/>
+      </p:sp>
+      <p:sp>
+        <p:nvSpPr>
+          <p:cNvPr id="3" name="Notes Placeholder 2"/>
+          <p:cNvSpPr>
+            <a:spLocks noGrp="1"/>
+          </p:cNvSpPr>
+          <p:nvPr>
+            <p:ph type="body" idx="1"/>
+          </p:nvPr>
+        </p:nvSpPr>
+        <p:spPr/>
+        <p:txBody>
+          <a:bodyPr/>
+          <a:lstStyle/>
+          <a:p>
+            <a:r>
+              <a:rPr lang="en-US" dirty="0"/>
+              <a:t>Connect to one or more nodes</a:t>
+            </a:r>
+          </a:p>
+          <a:p>
+            <a:endParaRPr lang="en-US" dirty="0"/>
+          </a:p>
+          <a:p>
+            <a:r>
+              <a:rPr lang="en-US" dirty="0"/>
+              <a:t>Get the bucket by name, password if you set one</a:t>
+            </a:r>
+          </a:p>
+        </p:txBody>
+      </p:sp>
+      <p:sp>
+        <p:nvSpPr>
+          <p:cNvPr id="4" name="Slide Number Placeholder 3"/>
+          <p:cNvSpPr>
+            <a:spLocks noGrp="1"/>
+          </p:cNvSpPr>
+          <p:nvPr>
+            <p:ph type="sldNum" sz="quarter" idx="10"/>
+          </p:nvPr>
+        </p:nvSpPr>
+        <p:spPr/>
+        <p:txBody>
+          <a:bodyPr/>
+          <a:lstStyle/>
+          <a:p>
+            <a:fld id="{F39351FC-18D6-4741-8EEB-9FDB1F020AAC}" type="slidenum">
+              <a:rPr lang="en-US" smtClean="0"/>
+              <a:t>14</a:t>
+            </a:fld>
+            <a:endParaRPr lang="en-US"/>
+          </a:p>
+        </p:txBody>
+      </p:sp>
+    </p:spTree>
+    <p:extLst>
+      <p:ext uri="{BB962C8B-B14F-4D97-AF65-F5344CB8AC3E}">
+        <p14:creationId xmlns:p14="http://schemas.microsoft.com/office/powerpoint/2010/main" val="1072237571"/>
+      </p:ext>
+    </p:extLst>
+  </p:cSld>
+  <p:clrMapOvr>
+    <a:masterClrMapping/>
+  </p:clrMapOvr>
+</p:notes>
+</file>
+
+<file path=ppt/notesSlides/notesSlide9.xml><?xml version="1.0" encoding="utf-8"?>
+<p:notes xmlns:a="http://schemas.openxmlformats.org/drawingml/2006/main" xmlns:r="http://schemas.openxmlformats.org/officeDocument/2006/relationships" xmlns:p="http://schemas.openxmlformats.org/presentationml/2006/main">
+  <p:cSld>
+    <p:spTree>
+      <p:nvGrpSpPr>
+        <p:cNvPr id="1" name=""/>
+        <p:cNvGrpSpPr/>
+        <p:nvPr/>
+      </p:nvGrpSpPr>
+      <p:grpSpPr>
+        <a:xfrm>
+          <a:off x="0" y="0"/>
+          <a:ext cx="0" cy="0"/>
+          <a:chOff x="0" y="0"/>
+          <a:chExt cx="0" cy="0"/>
+        </a:xfrm>
+      </p:grpSpPr>
+      <p:sp>
+        <p:nvSpPr>
+          <p:cNvPr id="2" name="Slide Image Placeholder 1"/>
+          <p:cNvSpPr>
+            <a:spLocks noGrp="1" noRot="1" noChangeAspect="1"/>
+          </p:cNvSpPr>
+          <p:nvPr>
+            <p:ph type="sldImg"/>
+          </p:nvPr>
+        </p:nvSpPr>
+        <p:spPr/>
+      </p:sp>
+      <p:sp>
+        <p:nvSpPr>
+          <p:cNvPr id="3" name="Notes Placeholder 2"/>
+          <p:cNvSpPr>
+            <a:spLocks noGrp="1"/>
+          </p:cNvSpPr>
+          <p:nvPr>
+            <p:ph type="body" idx="1"/>
+          </p:nvPr>
+        </p:nvSpPr>
+        <p:spPr/>
+        <p:txBody>
+          <a:bodyPr/>
+          <a:lstStyle/>
+          <a:p>
+            <a:r>
+              <a:rPr lang="en-US" dirty="0"/>
+              <a:t>Create a new Document object. You can use any type, I’m using dynamic to be lazy.</a:t>
+            </a:r>
+          </a:p>
+          <a:p>
+            <a:endParaRPr lang="en-US" dirty="0"/>
+          </a:p>
+          <a:p>
+            <a:r>
+              <a:rPr lang="en-US" dirty="0"/>
+              <a:t>Specify an Id, it can be any string, must be unique within the bucket. I’m using </a:t>
+            </a:r>
+            <a:r>
+              <a:rPr lang="en-US" dirty="0" err="1"/>
+              <a:t>Guid</a:t>
+            </a:r>
+            <a:r>
+              <a:rPr lang="en-US" dirty="0"/>
+              <a:t> to be lazy</a:t>
+            </a:r>
+          </a:p>
+          <a:p>
+            <a:endParaRPr lang="en-US" dirty="0"/>
+          </a:p>
+          <a:p>
+            <a:r>
+              <a:rPr lang="en-US" dirty="0"/>
+              <a:t>Content is an instance of the type specified in the Document. It will be serialized to JSON. I’m using anonymous object to be lazy</a:t>
+            </a:r>
+          </a:p>
+          <a:p>
+            <a:endParaRPr lang="en-US" dirty="0"/>
+          </a:p>
+          <a:p>
+            <a:r>
+              <a:rPr lang="en-US" dirty="0" err="1"/>
+              <a:t>bucket.Insert</a:t>
+            </a:r>
+            <a:r>
+              <a:rPr lang="en-US" dirty="0"/>
+              <a:t> to save new document. </a:t>
+            </a:r>
+          </a:p>
+        </p:txBody>
+      </p:sp>
+      <p:sp>
+        <p:nvSpPr>
+          <p:cNvPr id="4" name="Slide Number Placeholder 3"/>
+          <p:cNvSpPr>
+            <a:spLocks noGrp="1"/>
+          </p:cNvSpPr>
+          <p:nvPr>
+            <p:ph type="sldNum" sz="quarter" idx="10"/>
+          </p:nvPr>
+        </p:nvSpPr>
+        <p:spPr/>
+        <p:txBody>
+          <a:bodyPr/>
+          <a:lstStyle/>
+          <a:p>
+            <a:fld id="{F39351FC-18D6-4741-8EEB-9FDB1F020AAC}" type="slidenum">
+              <a:rPr lang="en-US" smtClean="0"/>
+              <a:t>15</a:t>
+            </a:fld>
+            <a:endParaRPr lang="en-US"/>
+          </a:p>
+        </p:txBody>
+      </p:sp>
+    </p:spTree>
+    <p:extLst>
+      <p:ext uri="{BB962C8B-B14F-4D97-AF65-F5344CB8AC3E}">
+        <p14:creationId xmlns:p14="http://schemas.microsoft.com/office/powerpoint/2010/main" val="3720936079"/>
       </p:ext>
     </p:extLst>
   </p:cSld>
@@ -7237,11 +7863,7 @@
           <a:p>
             <a:r>
               <a:rPr lang="en-US" sz="3600"/>
-              <a:t>Workshop </a:t>
-            </a:r>
-            <a:r>
-              <a:rPr lang="en-US" sz="3600" smtClean="0"/>
-              <a:t>B </a:t>
+              <a:t>Workshop B </a:t>
             </a:r>
             <a:r>
               <a:rPr lang="en-US" sz="3600" dirty="0"/>
@@ -7661,113 +8283,428 @@
             </a:lvl9pPr>
           </a:lstStyle>
           <a:p>
-            <a:pPr marL="342900" indent="-342900">
+            <a:pPr marL="342900" marR="0" lvl="0" indent="-342900" algn="l" defTabSz="457200" rtl="0" eaLnBrk="1" fontAlgn="auto" latinLnBrk="0" hangingPunct="1">
+              <a:lnSpc>
+                <a:spcPct val="100000"/>
+              </a:lnSpc>
+              <a:spcBef>
+                <a:spcPts val="0"/>
+              </a:spcBef>
+              <a:spcAft>
+                <a:spcPts val="0"/>
+              </a:spcAft>
+              <a:buClr>
+                <a:srgbClr val="178ADB"/>
+              </a:buClr>
+              <a:buSzTx/>
               <a:buFont typeface="Arial" charset="0"/>
               <a:buChar char="•"/>
+              <a:tabLst/>
+              <a:defRPr/>
             </a:pPr>
             <a:r>
-              <a:rPr lang="en-US" sz="1800" dirty="0">
+              <a:rPr kumimoji="0" lang="en-US" sz="1800" b="0" i="0" u="none" strike="noStrike" kern="1200" cap="none" spc="0" normalizeH="0" baseline="0" noProof="0" dirty="0">
+                <a:ln>
+                  <a:noFill/>
+                </a:ln>
+                <a:solidFill>
+                  <a:srgbClr val="1E1C1C"/>
+                </a:solidFill>
+                <a:effectLst/>
+                <a:uLnTx/>
+                <a:uFillTx/>
+                <a:latin typeface="Corbel"/>
+                <a:ea typeface="+mn-ea"/>
+                <a:cs typeface="+mn-cs"/>
                 <a:hlinkClick r:id="rId2"/>
               </a:rPr>
-              <a:t>https://</a:t>
-            </a:r>
-            <a:r>
-              <a:rPr lang="en-US" sz="1800" dirty="0" smtClean="0">
-                <a:hlinkClick r:id="rId2"/>
-              </a:rPr>
-              <a:t>github.com/couchbaselabs/aspnet-nosql-workshop/tree/master/02</a:t>
-            </a:r>
-            <a:endParaRPr lang="en-US" sz="1800" dirty="0" smtClean="0"/>
-          </a:p>
-          <a:p>
-            <a:pPr marL="342900" indent="-342900">
+              <a:t>https://github.com/couchbaselabs/aspnet-nosql-workshop/tree/master/02</a:t>
+            </a:r>
+            <a:endParaRPr kumimoji="0" lang="en-US" sz="1800" b="0" i="0" u="none" strike="noStrike" kern="1200" cap="none" spc="0" normalizeH="0" baseline="0" noProof="0" dirty="0">
+              <a:ln>
+                <a:noFill/>
+              </a:ln>
+              <a:solidFill>
+                <a:srgbClr val="1E1C1C"/>
+              </a:solidFill>
+              <a:effectLst/>
+              <a:uLnTx/>
+              <a:uFillTx/>
+              <a:latin typeface="Corbel"/>
+              <a:ea typeface="+mn-ea"/>
+              <a:cs typeface="+mn-cs"/>
+            </a:endParaRPr>
+          </a:p>
+          <a:p>
+            <a:pPr marL="342900" marR="0" lvl="0" indent="-342900" algn="l" defTabSz="457200" rtl="0" eaLnBrk="1" fontAlgn="auto" latinLnBrk="0" hangingPunct="1">
+              <a:lnSpc>
+                <a:spcPct val="100000"/>
+              </a:lnSpc>
+              <a:spcBef>
+                <a:spcPts val="0"/>
+              </a:spcBef>
+              <a:spcAft>
+                <a:spcPts val="0"/>
+              </a:spcAft>
+              <a:buClr>
+                <a:srgbClr val="178ADB"/>
+              </a:buClr>
+              <a:buSzTx/>
               <a:buFont typeface="Arial" charset="0"/>
               <a:buChar char="•"/>
+              <a:tabLst/>
+              <a:defRPr/>
             </a:pPr>
-            <a:endParaRPr lang="en-US" dirty="0"/>
-          </a:p>
-          <a:p>
-            <a:pPr marL="342900" indent="-342900">
+            <a:endParaRPr kumimoji="0" lang="en-US" sz="2400" b="0" i="0" u="none" strike="noStrike" kern="1200" cap="none" spc="0" normalizeH="0" baseline="0" noProof="0" dirty="0">
+              <a:ln>
+                <a:noFill/>
+              </a:ln>
+              <a:solidFill>
+                <a:srgbClr val="1E1C1C"/>
+              </a:solidFill>
+              <a:effectLst/>
+              <a:uLnTx/>
+              <a:uFillTx/>
+              <a:latin typeface="Corbel"/>
+              <a:ea typeface="+mn-ea"/>
+              <a:cs typeface="+mn-cs"/>
+            </a:endParaRPr>
+          </a:p>
+          <a:p>
+            <a:pPr marL="342900" marR="0" lvl="0" indent="-342900" algn="l" defTabSz="457200" rtl="0" eaLnBrk="1" fontAlgn="auto" latinLnBrk="0" hangingPunct="1">
+              <a:lnSpc>
+                <a:spcPct val="100000"/>
+              </a:lnSpc>
+              <a:spcBef>
+                <a:spcPts val="0"/>
+              </a:spcBef>
+              <a:spcAft>
+                <a:spcPts val="0"/>
+              </a:spcAft>
+              <a:buClr>
+                <a:srgbClr val="178ADB"/>
+              </a:buClr>
+              <a:buSzTx/>
               <a:buFont typeface="Arial" charset="0"/>
               <a:buChar char="•"/>
+              <a:tabLst/>
+              <a:defRPr/>
             </a:pPr>
             <a:r>
-              <a:rPr lang="en-US" dirty="0" err="1" smtClean="0"/>
+              <a:rPr kumimoji="0" lang="en-US" sz="2400" b="0" i="0" u="none" strike="noStrike" kern="1200" cap="none" spc="0" normalizeH="0" baseline="0" noProof="0" dirty="0" err="1">
+                <a:ln>
+                  <a:noFill/>
+                </a:ln>
+                <a:solidFill>
+                  <a:srgbClr val="1E1C1C"/>
+                </a:solidFill>
+                <a:effectLst/>
+                <a:uLnTx/>
+                <a:uFillTx/>
+                <a:latin typeface="Corbel"/>
+                <a:ea typeface="+mn-ea"/>
+                <a:cs typeface="+mn-cs"/>
+              </a:rPr>
               <a:t>dotnet_workshop</a:t>
             </a:r>
             <a:r>
-              <a:rPr lang="en-US" dirty="0" smtClean="0"/>
+              <a:rPr kumimoji="0" lang="en-US" sz="2400" b="0" i="0" u="none" strike="noStrike" kern="1200" cap="none" spc="0" normalizeH="0" baseline="0" noProof="0" dirty="0">
+                <a:ln>
+                  <a:noFill/>
+                </a:ln>
+                <a:solidFill>
+                  <a:srgbClr val="1E1C1C"/>
+                </a:solidFill>
+                <a:effectLst/>
+                <a:uLnTx/>
+                <a:uFillTx/>
+                <a:latin typeface="Corbel"/>
+                <a:ea typeface="+mn-ea"/>
+                <a:cs typeface="+mn-cs"/>
+              </a:rPr>
               <a:t> (incomplete)</a:t>
             </a:r>
           </a:p>
           <a:p>
-            <a:pPr marL="342900" indent="-342900">
+            <a:pPr marL="342900" marR="0" lvl="0" indent="-342900" algn="l" defTabSz="457200" rtl="0" eaLnBrk="1" fontAlgn="auto" latinLnBrk="0" hangingPunct="1">
+              <a:lnSpc>
+                <a:spcPct val="100000"/>
+              </a:lnSpc>
+              <a:spcBef>
+                <a:spcPts val="0"/>
+              </a:spcBef>
+              <a:spcAft>
+                <a:spcPts val="0"/>
+              </a:spcAft>
+              <a:buClr>
+                <a:srgbClr val="178ADB"/>
+              </a:buClr>
+              <a:buSzTx/>
               <a:buFont typeface="Arial" charset="0"/>
               <a:buChar char="•"/>
+              <a:tabLst/>
+              <a:defRPr/>
             </a:pPr>
             <a:r>
-              <a:rPr lang="en-US" dirty="0" err="1" smtClean="0"/>
+              <a:rPr kumimoji="0" lang="en-US" sz="2400" b="0" i="0" u="none" strike="noStrike" kern="1200" cap="none" spc="0" normalizeH="0" baseline="0" noProof="0" dirty="0" err="1">
+                <a:ln>
+                  <a:noFill/>
+                </a:ln>
+                <a:solidFill>
+                  <a:srgbClr val="1E1C1C"/>
+                </a:solidFill>
+                <a:effectLst/>
+                <a:uLnTx/>
+                <a:uFillTx/>
+                <a:latin typeface="Corbel"/>
+                <a:ea typeface="+mn-ea"/>
+                <a:cs typeface="+mn-cs"/>
+              </a:rPr>
               <a:t>dotnet</a:t>
             </a:r>
             <a:r>
-              <a:rPr lang="en-US" dirty="0" smtClean="0"/>
+              <a:rPr kumimoji="0" lang="en-US" sz="2400" b="0" i="0" u="none" strike="noStrike" kern="1200" cap="none" spc="0" normalizeH="0" baseline="0" noProof="0" dirty="0">
+                <a:ln>
+                  <a:noFill/>
+                </a:ln>
+                <a:solidFill>
+                  <a:srgbClr val="1E1C1C"/>
+                </a:solidFill>
+                <a:effectLst/>
+                <a:uLnTx/>
+                <a:uFillTx/>
+                <a:latin typeface="Corbel"/>
+                <a:ea typeface="+mn-ea"/>
+                <a:cs typeface="+mn-cs"/>
+              </a:rPr>
               <a:t> (complete)</a:t>
             </a:r>
-            <a:endParaRPr lang="en-US" dirty="0"/>
-          </a:p>
-          <a:p>
-            <a:pPr marL="342900" indent="-342900">
+          </a:p>
+          <a:p>
+            <a:pPr marL="342900" marR="0" lvl="0" indent="-342900" algn="l" defTabSz="457200" rtl="0" eaLnBrk="1" fontAlgn="auto" latinLnBrk="0" hangingPunct="1">
+              <a:lnSpc>
+                <a:spcPct val="100000"/>
+              </a:lnSpc>
+              <a:spcBef>
+                <a:spcPts val="0"/>
+              </a:spcBef>
+              <a:spcAft>
+                <a:spcPts val="0"/>
+              </a:spcAft>
+              <a:buClr>
+                <a:srgbClr val="178ADB"/>
+              </a:buClr>
+              <a:buSzTx/>
               <a:buFont typeface="Arial" charset="0"/>
               <a:buChar char="•"/>
+              <a:tabLst/>
+              <a:defRPr/>
             </a:pPr>
-            <a:endParaRPr lang="en-US" dirty="0"/>
-          </a:p>
-          <a:p>
-            <a:pPr marL="342900" indent="-342900">
+            <a:endParaRPr kumimoji="0" lang="en-US" sz="2400" b="0" i="0" u="none" strike="noStrike" kern="1200" cap="none" spc="0" normalizeH="0" baseline="0" noProof="0" dirty="0">
+              <a:ln>
+                <a:noFill/>
+              </a:ln>
+              <a:solidFill>
+                <a:srgbClr val="1E1C1C"/>
+              </a:solidFill>
+              <a:effectLst/>
+              <a:uLnTx/>
+              <a:uFillTx/>
+              <a:latin typeface="Corbel"/>
+              <a:ea typeface="+mn-ea"/>
+              <a:cs typeface="+mn-cs"/>
+            </a:endParaRPr>
+          </a:p>
+          <a:p>
+            <a:pPr marL="342900" marR="0" lvl="0" indent="-342900" algn="l" defTabSz="457200" rtl="0" eaLnBrk="1" fontAlgn="auto" latinLnBrk="0" hangingPunct="1">
+              <a:lnSpc>
+                <a:spcPct val="100000"/>
+              </a:lnSpc>
+              <a:spcBef>
+                <a:spcPts val="0"/>
+              </a:spcBef>
+              <a:spcAft>
+                <a:spcPts val="0"/>
+              </a:spcAft>
+              <a:buClr>
+                <a:srgbClr val="178ADB"/>
+              </a:buClr>
+              <a:buSzTx/>
               <a:buFont typeface="Arial" charset="0"/>
               <a:buChar char="•"/>
+              <a:tabLst/>
+              <a:defRPr/>
             </a:pPr>
             <a:r>
-              <a:rPr lang="en-US" dirty="0"/>
+              <a:rPr kumimoji="0" lang="en-US" sz="2400" b="0" i="0" u="none" strike="noStrike" kern="1200" cap="none" spc="0" normalizeH="0" baseline="0" noProof="0" dirty="0">
+                <a:ln>
+                  <a:noFill/>
+                </a:ln>
+                <a:solidFill>
+                  <a:srgbClr val="1E1C1C"/>
+                </a:solidFill>
+                <a:effectLst/>
+                <a:uLnTx/>
+                <a:uFillTx/>
+                <a:latin typeface="Corbel"/>
+                <a:ea typeface="+mn-ea"/>
+                <a:cs typeface="+mn-cs"/>
+              </a:rPr>
               <a:t>Insert document(s)</a:t>
             </a:r>
           </a:p>
           <a:p>
-            <a:pPr marL="342900" indent="-342900">
+            <a:pPr marL="342900" marR="0" lvl="0" indent="-342900" algn="l" defTabSz="457200" rtl="0" eaLnBrk="1" fontAlgn="auto" latinLnBrk="0" hangingPunct="1">
+              <a:lnSpc>
+                <a:spcPct val="100000"/>
+              </a:lnSpc>
+              <a:spcBef>
+                <a:spcPts val="0"/>
+              </a:spcBef>
+              <a:spcAft>
+                <a:spcPts val="0"/>
+              </a:spcAft>
+              <a:buClr>
+                <a:srgbClr val="178ADB"/>
+              </a:buClr>
+              <a:buSzTx/>
               <a:buFont typeface="Arial" charset="0"/>
               <a:buChar char="•"/>
+              <a:tabLst/>
+              <a:defRPr/>
             </a:pPr>
             <a:r>
-              <a:rPr lang="en-US" dirty="0"/>
+              <a:rPr kumimoji="0" lang="en-US" sz="2400" b="0" i="0" u="none" strike="noStrike" kern="1200" cap="none" spc="0" normalizeH="0" baseline="0" noProof="0" dirty="0">
+                <a:ln>
+                  <a:noFill/>
+                </a:ln>
+                <a:solidFill>
+                  <a:srgbClr val="1E1C1C"/>
+                </a:solidFill>
+                <a:effectLst/>
+                <a:uLnTx/>
+                <a:uFillTx/>
+                <a:latin typeface="Corbel"/>
+                <a:ea typeface="+mn-ea"/>
+                <a:cs typeface="+mn-cs"/>
+              </a:rPr>
               <a:t>Select documents with N1QL</a:t>
             </a:r>
           </a:p>
           <a:p>
-            <a:pPr marL="342900" indent="-342900">
+            <a:pPr marL="342900" marR="0" lvl="0" indent="-342900" algn="l" defTabSz="457200" rtl="0" eaLnBrk="1" fontAlgn="auto" latinLnBrk="0" hangingPunct="1">
+              <a:lnSpc>
+                <a:spcPct val="100000"/>
+              </a:lnSpc>
+              <a:spcBef>
+                <a:spcPts val="0"/>
+              </a:spcBef>
+              <a:spcAft>
+                <a:spcPts val="0"/>
+              </a:spcAft>
+              <a:buClr>
+                <a:srgbClr val="178ADB"/>
+              </a:buClr>
+              <a:buSzTx/>
               <a:buFont typeface="Arial" charset="0"/>
               <a:buChar char="•"/>
+              <a:tabLst/>
+              <a:defRPr/>
             </a:pPr>
-            <a:endParaRPr lang="en-US" dirty="0"/>
-          </a:p>
-          <a:p>
-            <a:pPr marL="342900" indent="-342900">
+            <a:endParaRPr kumimoji="0" lang="en-US" sz="2400" b="0" i="0" u="none" strike="noStrike" kern="1200" cap="none" spc="0" normalizeH="0" baseline="0" noProof="0" dirty="0">
+              <a:ln>
+                <a:noFill/>
+              </a:ln>
+              <a:solidFill>
+                <a:srgbClr val="1E1C1C"/>
+              </a:solidFill>
+              <a:effectLst/>
+              <a:uLnTx/>
+              <a:uFillTx/>
+              <a:latin typeface="Corbel"/>
+              <a:ea typeface="+mn-ea"/>
+              <a:cs typeface="+mn-cs"/>
+            </a:endParaRPr>
+          </a:p>
+          <a:p>
+            <a:pPr marL="342900" marR="0" lvl="0" indent="-342900" algn="l" defTabSz="457200" rtl="0" eaLnBrk="1" fontAlgn="auto" latinLnBrk="0" hangingPunct="1">
+              <a:lnSpc>
+                <a:spcPct val="100000"/>
+              </a:lnSpc>
+              <a:spcBef>
+                <a:spcPts val="0"/>
+              </a:spcBef>
+              <a:spcAft>
+                <a:spcPts val="0"/>
+              </a:spcAft>
+              <a:buClr>
+                <a:srgbClr val="178ADB"/>
+              </a:buClr>
+              <a:buSzTx/>
               <a:buFont typeface="Arial" charset="0"/>
               <a:buChar char="•"/>
+              <a:tabLst/>
+              <a:defRPr/>
             </a:pPr>
             <a:r>
-              <a:rPr lang="en-US" dirty="0"/>
+              <a:rPr kumimoji="0" lang="en-US" sz="2400" b="0" i="0" u="none" strike="noStrike" kern="1200" cap="none" spc="0" normalizeH="0" baseline="0" noProof="0" dirty="0">
+                <a:ln>
+                  <a:noFill/>
+                </a:ln>
+                <a:solidFill>
+                  <a:srgbClr val="1E1C1C"/>
+                </a:solidFill>
+                <a:effectLst/>
+                <a:uLnTx/>
+                <a:uFillTx/>
+                <a:latin typeface="Corbel"/>
+                <a:ea typeface="+mn-ea"/>
+                <a:cs typeface="+mn-cs"/>
+              </a:rPr>
               <a:t>Fill in the blanks: look for “TODO”</a:t>
             </a:r>
           </a:p>
           <a:p>
-            <a:endParaRPr lang="en-US" dirty="0"/>
+            <a:pPr marL="228600" marR="0" lvl="0" indent="-228600" algn="l" defTabSz="457200" rtl="0" eaLnBrk="1" fontAlgn="auto" latinLnBrk="0" hangingPunct="1">
+              <a:lnSpc>
+                <a:spcPct val="100000"/>
+              </a:lnSpc>
+              <a:spcBef>
+                <a:spcPts val="0"/>
+              </a:spcBef>
+              <a:spcAft>
+                <a:spcPts val="0"/>
+              </a:spcAft>
+              <a:buClr>
+                <a:srgbClr val="178ADB"/>
+              </a:buClr>
+              <a:buSzTx/>
+              <a:buFont typeface="Wingdings" charset="2"/>
+              <a:buChar char="§"/>
+              <a:tabLst/>
+              <a:defRPr/>
+            </a:pPr>
+            <a:endParaRPr kumimoji="0" lang="en-US" sz="2400" b="0" i="0" u="none" strike="noStrike" kern="1200" cap="none" spc="0" normalizeH="0" baseline="0" noProof="0" dirty="0">
+              <a:ln>
+                <a:noFill/>
+              </a:ln>
+              <a:solidFill>
+                <a:srgbClr val="1E1C1C"/>
+              </a:solidFill>
+              <a:effectLst/>
+              <a:uLnTx/>
+              <a:uFillTx/>
+              <a:latin typeface="Corbel"/>
+              <a:ea typeface="+mn-ea"/>
+              <a:cs typeface="+mn-cs"/>
+            </a:endParaRPr>
           </a:p>
         </p:txBody>
       </p:sp>
     </p:spTree>
     <p:extLst>
       <p:ext uri="{BB962C8B-B14F-4D97-AF65-F5344CB8AC3E}">
-        <p14:creationId xmlns:p14="http://schemas.microsoft.com/office/powerpoint/2010/main" val="3386954043"/>
+        <p14:creationId xmlns:p14="http://schemas.microsoft.com/office/powerpoint/2010/main" val="2683114293"/>
       </p:ext>
     </p:extLst>
   </p:cSld>
@@ -7804,14 +8741,19 @@
             <p:ph type="title"/>
           </p:nvPr>
         </p:nvSpPr>
-        <p:spPr/>
+        <p:spPr>
+          <a:xfrm>
+            <a:off x="198157" y="47334"/>
+            <a:ext cx="7998595" cy="537337"/>
+          </a:xfrm>
+        </p:spPr>
         <p:txBody>
           <a:bodyPr/>
           <a:lstStyle/>
           <a:p>
             <a:r>
               <a:rPr lang="en-US" dirty="0"/>
-              <a:t>SDK: .NET</a:t>
+              <a:t>How to install .NET SDK</a:t>
             </a:r>
           </a:p>
         </p:txBody>
@@ -7988,14 +8930,22 @@
             </a:lvl9pPr>
           </a:lstStyle>
           <a:p>
-            <a:pPr marL="342900" indent="-342900">
-              <a:buFont typeface="Arial" charset="0"/>
-              <a:buChar char="•"/>
+            <a:pPr marL="0" indent="0">
+              <a:buNone/>
             </a:pPr>
             <a:r>
-              <a:rPr lang="en-US" sz="2000" dirty="0"/>
-              <a:t>How to install </a:t>
-            </a:r>
+              <a:rPr lang="en-US" sz="2200" dirty="0" err="1"/>
+              <a:t>NuGet</a:t>
+            </a:r>
+            <a:r>
+              <a:rPr lang="en-US" sz="2200" dirty="0"/>
+              <a:t>: Install-Package </a:t>
+            </a:r>
+            <a:r>
+              <a:rPr lang="en-US" sz="2200" dirty="0" err="1"/>
+              <a:t>CouchbaseNetClient</a:t>
+            </a:r>
+            <a:endParaRPr lang="en-US" sz="2200" dirty="0"/>
           </a:p>
           <a:p>
             <a:pPr marL="569913" lvl="1" indent="-342900">
@@ -8005,23 +8955,10 @@
             <a:endParaRPr lang="en-US" sz="1800" dirty="0"/>
           </a:p>
           <a:p>
-            <a:pPr marL="569913" lvl="1" indent="-342900">
-              <a:buFont typeface="Arial" charset="0"/>
-              <a:buChar char="•"/>
+            <a:pPr marL="0" indent="0">
+              <a:buNone/>
             </a:pPr>
-            <a:r>
-              <a:rPr lang="en-US" sz="1800" dirty="0" err="1"/>
-              <a:t>NuGet</a:t>
-            </a:r>
-            <a:r>
-              <a:rPr lang="en-US" sz="1800" dirty="0"/>
-              <a:t>: Install-Package </a:t>
-            </a:r>
-            <a:r>
-              <a:rPr lang="en-US" sz="1800" dirty="0" err="1"/>
-              <a:t>CouchbaseNetClient</a:t>
-            </a:r>
-            <a:endParaRPr lang="en-US" sz="1800" dirty="0"/>
+            <a:endParaRPr lang="en-US" sz="2000" dirty="0"/>
           </a:p>
           <a:p>
             <a:pPr marL="569913" lvl="1" indent="-342900">
@@ -8031,22 +8968,17 @@
             <a:endParaRPr lang="en-US" sz="1800" dirty="0"/>
           </a:p>
           <a:p>
-            <a:pPr marL="342900" indent="-342900">
+            <a:pPr marL="0" indent="0">
+              <a:buNone/>
+            </a:pPr>
+            <a:endParaRPr lang="en-US" sz="1400" dirty="0"/>
+          </a:p>
+          <a:p>
+            <a:pPr marL="569913" lvl="1" indent="-342900">
               <a:buFont typeface="Arial" charset="0"/>
               <a:buChar char="•"/>
             </a:pPr>
-            <a:r>
-              <a:rPr lang="en-US" sz="2000" dirty="0"/>
-              <a:t>How to connect to a </a:t>
-            </a:r>
-            <a:r>
-              <a:rPr lang="en-US" sz="2000" dirty="0" err="1"/>
-              <a:t>Couchbase</a:t>
-            </a:r>
-            <a:r>
-              <a:rPr lang="en-US" sz="2000" dirty="0"/>
-              <a:t> cluster</a:t>
-            </a:r>
+            <a:endParaRPr lang="en-US" sz="1800" dirty="0"/>
           </a:p>
           <a:p>
             <a:pPr marL="342900" indent="-342900">
@@ -8056,904 +8988,7 @@
             <a:endParaRPr lang="en-US" sz="2000" dirty="0"/>
           </a:p>
           <a:p>
-            <a:pPr marL="569913" lvl="1" indent="-342900">
-              <a:buFont typeface="Arial" charset="0"/>
-              <a:buChar char="•"/>
-            </a:pPr>
-            <a:endParaRPr lang="en-US" sz="1800" dirty="0"/>
-          </a:p>
-          <a:p>
-            <a:pPr marL="0" indent="0">
-              <a:buNone/>
-            </a:pPr>
-            <a:endParaRPr lang="en-US" sz="1400" dirty="0"/>
-          </a:p>
-          <a:p>
-            <a:pPr marL="569913" lvl="1" indent="-342900">
-              <a:buFont typeface="Arial" charset="0"/>
-              <a:buChar char="•"/>
-            </a:pPr>
-            <a:endParaRPr lang="en-US" sz="1800" dirty="0"/>
-          </a:p>
-          <a:p>
-            <a:pPr marL="342900" indent="-342900">
-              <a:buFont typeface="Arial" charset="0"/>
-              <a:buChar char="•"/>
-            </a:pPr>
             <a:endParaRPr lang="en-US" sz="2000" dirty="0"/>
-          </a:p>
-          <a:p>
-            <a:endParaRPr lang="en-US" sz="2000" dirty="0"/>
-          </a:p>
-        </p:txBody>
-      </p:sp>
-      <p:sp>
-        <p:nvSpPr>
-          <p:cNvPr id="5" name="Shape 1658"/>
-          <p:cNvSpPr txBox="1">
-            <a:spLocks/>
-          </p:cNvSpPr>
-          <p:nvPr/>
-        </p:nvSpPr>
-        <p:spPr>
-          <a:xfrm>
-            <a:off x="1546418" y="2409825"/>
-            <a:ext cx="6854631" cy="2409825"/>
-          </a:xfrm>
-          <a:prstGeom prst="rect">
-            <a:avLst/>
-          </a:prstGeom>
-        </p:spPr>
-        <p:txBody>
-          <a:bodyPr lIns="0" tIns="0" rIns="0" bIns="0">
-            <a:noAutofit/>
-          </a:bodyPr>
-          <a:lstStyle>
-            <a:lvl1pPr marL="228600" indent="-228600" algn="l" defTabSz="457200" rtl="0" eaLnBrk="1" latinLnBrk="0" hangingPunct="1">
-              <a:spcBef>
-                <a:spcPts val="0"/>
-              </a:spcBef>
-              <a:buClr>
-                <a:schemeClr val="accent1"/>
-              </a:buClr>
-              <a:buFont typeface="Wingdings" charset="2"/>
-              <a:buChar char="§"/>
-              <a:defRPr sz="2400" kern="1200">
-                <a:solidFill>
-                  <a:schemeClr val="tx1"/>
-                </a:solidFill>
-                <a:latin typeface="+mn-lt"/>
-                <a:ea typeface="+mn-ea"/>
-                <a:cs typeface="+mn-cs"/>
-              </a:defRPr>
-            </a:lvl1pPr>
-            <a:lvl2pPr marL="455613" indent="-227013" algn="l" defTabSz="457200" rtl="0" eaLnBrk="1" latinLnBrk="0" hangingPunct="1">
-              <a:spcBef>
-                <a:spcPts val="0"/>
-              </a:spcBef>
-              <a:buClr>
-                <a:srgbClr val="262626"/>
-              </a:buClr>
-              <a:buFont typeface="Wingdings" charset="2"/>
-              <a:buChar char="§"/>
-              <a:defRPr sz="2000" kern="1200">
-                <a:solidFill>
-                  <a:schemeClr val="tx1"/>
-                </a:solidFill>
-                <a:latin typeface="+mn-lt"/>
-                <a:ea typeface="+mn-ea"/>
-                <a:cs typeface="+mn-cs"/>
-              </a:defRPr>
-            </a:lvl2pPr>
-            <a:lvl3pPr marL="455613" indent="-228600" algn="l" defTabSz="457200" rtl="0" eaLnBrk="1" latinLnBrk="0" hangingPunct="1">
-              <a:spcBef>
-                <a:spcPts val="0"/>
-              </a:spcBef>
-              <a:buClr>
-                <a:srgbClr val="262626"/>
-              </a:buClr>
-              <a:buFont typeface="Wingdings" charset="2"/>
-              <a:buChar char="§"/>
-              <a:defRPr sz="2000" kern="1200">
-                <a:solidFill>
-                  <a:schemeClr val="tx1"/>
-                </a:solidFill>
-                <a:latin typeface="+mn-lt"/>
-                <a:ea typeface="+mn-ea"/>
-                <a:cs typeface="+mn-cs"/>
-              </a:defRPr>
-            </a:lvl3pPr>
-            <a:lvl4pPr marL="455613" indent="-228600" algn="l" defTabSz="457200" rtl="0" eaLnBrk="1" latinLnBrk="0" hangingPunct="1">
-              <a:spcBef>
-                <a:spcPts val="0"/>
-              </a:spcBef>
-              <a:buClr>
-                <a:srgbClr val="262626"/>
-              </a:buClr>
-              <a:buFont typeface="Wingdings" charset="2"/>
-              <a:buChar char="§"/>
-              <a:defRPr sz="2000" kern="1200">
-                <a:solidFill>
-                  <a:schemeClr val="tx1"/>
-                </a:solidFill>
-                <a:latin typeface="+mn-lt"/>
-                <a:ea typeface="+mn-ea"/>
-                <a:cs typeface="+mn-cs"/>
-              </a:defRPr>
-            </a:lvl4pPr>
-            <a:lvl5pPr marL="455613" indent="-228600" algn="l" defTabSz="457200" rtl="0" eaLnBrk="1" latinLnBrk="0" hangingPunct="1">
-              <a:spcBef>
-                <a:spcPts val="200"/>
-              </a:spcBef>
-              <a:buClr>
-                <a:srgbClr val="262626"/>
-              </a:buClr>
-              <a:buFont typeface="Wingdings" charset="2"/>
-              <a:buChar char="§"/>
-              <a:defRPr sz="2000" kern="1200">
-                <a:solidFill>
-                  <a:schemeClr val="tx1"/>
-                </a:solidFill>
-                <a:latin typeface="+mn-lt"/>
-                <a:ea typeface="+mn-ea"/>
-                <a:cs typeface="+mn-cs"/>
-              </a:defRPr>
-            </a:lvl5pPr>
-            <a:lvl6pPr marL="2514600" indent="-228600" algn="l" defTabSz="457200" rtl="0" eaLnBrk="1" latinLnBrk="0" hangingPunct="1">
-              <a:spcBef>
-                <a:spcPct val="20000"/>
-              </a:spcBef>
-              <a:buFont typeface="Arial"/>
-              <a:buChar char="•"/>
-              <a:defRPr sz="2000" kern="1200">
-                <a:solidFill>
-                  <a:schemeClr val="tx1"/>
-                </a:solidFill>
-                <a:latin typeface="+mn-lt"/>
-                <a:ea typeface="+mn-ea"/>
-                <a:cs typeface="+mn-cs"/>
-              </a:defRPr>
-            </a:lvl6pPr>
-            <a:lvl7pPr marL="2971800" indent="-228600" algn="l" defTabSz="457200" rtl="0" eaLnBrk="1" latinLnBrk="0" hangingPunct="1">
-              <a:spcBef>
-                <a:spcPct val="20000"/>
-              </a:spcBef>
-              <a:buFont typeface="Arial"/>
-              <a:buChar char="•"/>
-              <a:defRPr sz="2000" kern="1200">
-                <a:solidFill>
-                  <a:schemeClr val="tx1"/>
-                </a:solidFill>
-                <a:latin typeface="+mn-lt"/>
-                <a:ea typeface="+mn-ea"/>
-                <a:cs typeface="+mn-cs"/>
-              </a:defRPr>
-            </a:lvl7pPr>
-            <a:lvl8pPr marL="3429000" indent="-228600" algn="l" defTabSz="457200" rtl="0" eaLnBrk="1" latinLnBrk="0" hangingPunct="1">
-              <a:spcBef>
-                <a:spcPct val="20000"/>
-              </a:spcBef>
-              <a:buFont typeface="Arial"/>
-              <a:buChar char="•"/>
-              <a:defRPr sz="2000" kern="1200">
-                <a:solidFill>
-                  <a:schemeClr val="tx1"/>
-                </a:solidFill>
-                <a:latin typeface="+mn-lt"/>
-                <a:ea typeface="+mn-ea"/>
-                <a:cs typeface="+mn-cs"/>
-              </a:defRPr>
-            </a:lvl8pPr>
-            <a:lvl9pPr marL="3886200" indent="-228600" algn="l" defTabSz="457200" rtl="0" eaLnBrk="1" latinLnBrk="0" hangingPunct="1">
-              <a:spcBef>
-                <a:spcPct val="20000"/>
-              </a:spcBef>
-              <a:buFont typeface="Arial"/>
-              <a:buChar char="•"/>
-              <a:defRPr sz="2000" kern="1200">
-                <a:solidFill>
-                  <a:schemeClr val="tx1"/>
-                </a:solidFill>
-                <a:latin typeface="+mn-lt"/>
-                <a:ea typeface="+mn-ea"/>
-                <a:cs typeface="+mn-cs"/>
-              </a:defRPr>
-            </a:lvl9pPr>
-          </a:lstStyle>
-          <a:p>
-            <a:pPr marL="0" indent="0">
-              <a:buNone/>
-              <a:defRPr sz="1800">
-                <a:solidFill>
-                  <a:srgbClr val="000000"/>
-                </a:solidFill>
-              </a:defRPr>
-            </a:pPr>
-            <a:r>
-              <a:rPr lang="en-US" sz="1100" dirty="0">
-                <a:solidFill>
-                  <a:srgbClr val="1BB2E2"/>
-                </a:solidFill>
-                <a:latin typeface="Courier" charset="0"/>
-                <a:ea typeface="Courier" charset="0"/>
-                <a:cs typeface="Courier" charset="0"/>
-                <a:sym typeface="Consolas"/>
-              </a:rPr>
-              <a:t>//connecting to a </a:t>
-            </a:r>
-            <a:r>
-              <a:rPr lang="en-US" sz="1100" dirty="0" err="1">
-                <a:solidFill>
-                  <a:srgbClr val="1BB2E2"/>
-                </a:solidFill>
-                <a:latin typeface="Courier" charset="0"/>
-                <a:ea typeface="Courier" charset="0"/>
-                <a:cs typeface="Courier" charset="0"/>
-                <a:sym typeface="Consolas"/>
-              </a:rPr>
-              <a:t>Couchbase</a:t>
-            </a:r>
-            <a:r>
-              <a:rPr lang="en-US" sz="1100" dirty="0">
-                <a:solidFill>
-                  <a:srgbClr val="1BB2E2"/>
-                </a:solidFill>
-                <a:latin typeface="Courier" charset="0"/>
-                <a:ea typeface="Courier" charset="0"/>
-                <a:cs typeface="Courier" charset="0"/>
-                <a:sym typeface="Consolas"/>
-              </a:rPr>
-              <a:t> cluster</a:t>
-            </a:r>
-          </a:p>
-          <a:p>
-            <a:pPr marL="0" indent="0">
-              <a:buNone/>
-              <a:defRPr sz="1800">
-                <a:solidFill>
-                  <a:srgbClr val="000000"/>
-                </a:solidFill>
-              </a:defRPr>
-            </a:pPr>
-            <a:r>
-              <a:rPr lang="en-US" sz="1100" dirty="0" err="1">
-                <a:solidFill>
-                  <a:srgbClr val="1E1C1C"/>
-                </a:solidFill>
-                <a:latin typeface="Courier" charset="0"/>
-                <a:ea typeface="Courier" charset="0"/>
-                <a:cs typeface="Courier" charset="0"/>
-                <a:sym typeface="Consolas"/>
-              </a:rPr>
-              <a:t>var</a:t>
-            </a:r>
-            <a:r>
-              <a:rPr lang="en-US" sz="1100" dirty="0">
-                <a:solidFill>
-                  <a:srgbClr val="1E1C1C"/>
-                </a:solidFill>
-                <a:latin typeface="Courier" charset="0"/>
-                <a:ea typeface="Courier" charset="0"/>
-                <a:cs typeface="Courier" charset="0"/>
-                <a:sym typeface="Consolas"/>
-              </a:rPr>
-              <a:t> </a:t>
-            </a:r>
-            <a:r>
-              <a:rPr lang="en-US" sz="1100" dirty="0" err="1">
-                <a:solidFill>
-                  <a:srgbClr val="1E1C1C"/>
-                </a:solidFill>
-                <a:latin typeface="Courier" charset="0"/>
-                <a:ea typeface="Courier" charset="0"/>
-                <a:cs typeface="Courier" charset="0"/>
-                <a:sym typeface="Consolas"/>
-              </a:rPr>
-              <a:t>config</a:t>
-            </a:r>
-            <a:r>
-              <a:rPr lang="en-US" sz="1100" dirty="0">
-                <a:solidFill>
-                  <a:srgbClr val="1E1C1C"/>
-                </a:solidFill>
-                <a:latin typeface="Courier" charset="0"/>
-                <a:ea typeface="Courier" charset="0"/>
-                <a:cs typeface="Courier" charset="0"/>
-                <a:sym typeface="Consolas"/>
-              </a:rPr>
-              <a:t> = new </a:t>
-            </a:r>
-            <a:r>
-              <a:rPr lang="en-US" sz="1100" dirty="0" err="1">
-                <a:solidFill>
-                  <a:srgbClr val="1E1C1C"/>
-                </a:solidFill>
-                <a:latin typeface="Courier" charset="0"/>
-                <a:ea typeface="Courier" charset="0"/>
-                <a:cs typeface="Courier" charset="0"/>
-                <a:sym typeface="Consolas"/>
-              </a:rPr>
-              <a:t>ClientConfiguration</a:t>
-            </a:r>
-            <a:r>
-              <a:rPr lang="en-US" sz="1100" dirty="0">
-                <a:solidFill>
-                  <a:srgbClr val="1E1C1C"/>
-                </a:solidFill>
-                <a:latin typeface="Courier" charset="0"/>
-                <a:ea typeface="Courier" charset="0"/>
-                <a:cs typeface="Courier" charset="0"/>
-                <a:sym typeface="Consolas"/>
-              </a:rPr>
-              <a:t>();</a:t>
-            </a:r>
-          </a:p>
-          <a:p>
-            <a:pPr marL="0" indent="0">
-              <a:buNone/>
-              <a:defRPr sz="1800">
-                <a:solidFill>
-                  <a:srgbClr val="000000"/>
-                </a:solidFill>
-              </a:defRPr>
-            </a:pPr>
-            <a:r>
-              <a:rPr lang="en-US" sz="1100" dirty="0" err="1">
-                <a:solidFill>
-                  <a:srgbClr val="1E1C1C"/>
-                </a:solidFill>
-                <a:latin typeface="Courier" charset="0"/>
-                <a:ea typeface="Courier" charset="0"/>
-                <a:cs typeface="Courier" charset="0"/>
-                <a:sym typeface="Consolas"/>
-              </a:rPr>
-              <a:t>config.Services</a:t>
-            </a:r>
-            <a:r>
-              <a:rPr lang="en-US" sz="1100" dirty="0">
-                <a:solidFill>
-                  <a:srgbClr val="1E1C1C"/>
-                </a:solidFill>
-                <a:latin typeface="Courier" charset="0"/>
-                <a:ea typeface="Courier" charset="0"/>
-                <a:cs typeface="Courier" charset="0"/>
-                <a:sym typeface="Consolas"/>
-              </a:rPr>
-              <a:t> = new List&lt;Uri&gt; { “</a:t>
-            </a:r>
-            <a:r>
-              <a:rPr lang="en-US" sz="1100" dirty="0" err="1">
-                <a:solidFill>
-                  <a:srgbClr val="1E1C1C"/>
-                </a:solidFill>
-                <a:latin typeface="Courier" charset="0"/>
-                <a:ea typeface="Courier" charset="0"/>
-                <a:cs typeface="Courier" charset="0"/>
-                <a:sym typeface="Consolas"/>
-              </a:rPr>
-              <a:t>couchbase</a:t>
-            </a:r>
-            <a:r>
-              <a:rPr lang="en-US" sz="1100" dirty="0">
-                <a:solidFill>
-                  <a:srgbClr val="1E1C1C"/>
-                </a:solidFill>
-                <a:latin typeface="Courier" charset="0"/>
-                <a:ea typeface="Courier" charset="0"/>
-                <a:cs typeface="Courier" charset="0"/>
-                <a:sym typeface="Consolas"/>
-              </a:rPr>
-              <a:t>://localhost” };</a:t>
-            </a:r>
-          </a:p>
-          <a:p>
-            <a:pPr marL="0" indent="0">
-              <a:buNone/>
-              <a:defRPr sz="1800">
-                <a:solidFill>
-                  <a:srgbClr val="000000"/>
-                </a:solidFill>
-              </a:defRPr>
-            </a:pPr>
-            <a:r>
-              <a:rPr lang="en-US" sz="1100" dirty="0" err="1">
-                <a:solidFill>
-                  <a:srgbClr val="1E1C1C"/>
-                </a:solidFill>
-                <a:latin typeface="Courier" charset="0"/>
-                <a:ea typeface="Courier" charset="0"/>
-                <a:cs typeface="Courier" charset="0"/>
-                <a:sym typeface="Consolas"/>
-              </a:rPr>
-              <a:t>ClusterHelper.Initialize</a:t>
-            </a:r>
-            <a:r>
-              <a:rPr lang="en-US" sz="1100" dirty="0">
-                <a:solidFill>
-                  <a:srgbClr val="1E1C1C"/>
-                </a:solidFill>
-                <a:latin typeface="Courier" charset="0"/>
-                <a:ea typeface="Courier" charset="0"/>
-                <a:cs typeface="Courier" charset="0"/>
-                <a:sym typeface="Consolas"/>
-              </a:rPr>
-              <a:t>(</a:t>
-            </a:r>
-            <a:r>
-              <a:rPr lang="en-US" sz="1100" dirty="0" err="1">
-                <a:solidFill>
-                  <a:srgbClr val="1E1C1C"/>
-                </a:solidFill>
-                <a:latin typeface="Courier" charset="0"/>
-                <a:ea typeface="Courier" charset="0"/>
-                <a:cs typeface="Courier" charset="0"/>
-                <a:sym typeface="Consolas"/>
-              </a:rPr>
-              <a:t>config</a:t>
-            </a:r>
-            <a:r>
-              <a:rPr lang="en-US" sz="1100" dirty="0">
-                <a:solidFill>
-                  <a:srgbClr val="1E1C1C"/>
-                </a:solidFill>
-                <a:latin typeface="Courier" charset="0"/>
-                <a:ea typeface="Courier" charset="0"/>
-                <a:cs typeface="Courier" charset="0"/>
-                <a:sym typeface="Consolas"/>
-              </a:rPr>
-              <a:t>);</a:t>
-            </a:r>
-          </a:p>
-          <a:p>
-            <a:pPr marL="0" indent="0">
-              <a:buNone/>
-              <a:defRPr sz="1800">
-                <a:solidFill>
-                  <a:srgbClr val="000000"/>
-                </a:solidFill>
-              </a:defRPr>
-            </a:pPr>
-            <a:endParaRPr lang="en-US" sz="1100" dirty="0">
-              <a:solidFill>
-                <a:srgbClr val="1E1C1C"/>
-              </a:solidFill>
-              <a:latin typeface="Courier" charset="0"/>
-              <a:ea typeface="Courier" charset="0"/>
-              <a:cs typeface="Courier" charset="0"/>
-              <a:sym typeface="Consolas"/>
-            </a:endParaRPr>
-          </a:p>
-          <a:p>
-            <a:pPr marL="0" indent="0">
-              <a:buNone/>
-              <a:defRPr sz="1800">
-                <a:solidFill>
-                  <a:srgbClr val="000000"/>
-                </a:solidFill>
-              </a:defRPr>
-            </a:pPr>
-            <a:r>
-              <a:rPr lang="en-US" sz="1100" dirty="0">
-                <a:solidFill>
-                  <a:srgbClr val="1BB2E2"/>
-                </a:solidFill>
-                <a:latin typeface="Courier" charset="0"/>
-                <a:ea typeface="Courier" charset="0"/>
-                <a:cs typeface="Courier" charset="0"/>
-                <a:sym typeface="Consolas"/>
-              </a:rPr>
-              <a:t>//opening a bucket in the cluster</a:t>
-            </a:r>
-          </a:p>
-          <a:p>
-            <a:pPr marL="0" indent="0">
-              <a:buNone/>
-              <a:defRPr sz="1800">
-                <a:solidFill>
-                  <a:srgbClr val="000000"/>
-                </a:solidFill>
-              </a:defRPr>
-            </a:pPr>
-            <a:r>
-              <a:rPr lang="en-US" sz="1100" dirty="0">
-                <a:solidFill>
-                  <a:srgbClr val="1E1C1C"/>
-                </a:solidFill>
-                <a:latin typeface="Courier" charset="0"/>
-                <a:ea typeface="Courier" charset="0"/>
-                <a:cs typeface="Courier" charset="0"/>
-                <a:sym typeface="Consolas"/>
-              </a:rPr>
-              <a:t>_bucket = </a:t>
-            </a:r>
-            <a:r>
-              <a:rPr lang="en-US" sz="1100" dirty="0" err="1">
-                <a:solidFill>
-                  <a:srgbClr val="1E1C1C"/>
-                </a:solidFill>
-                <a:latin typeface="Courier" charset="0"/>
-                <a:ea typeface="Courier" charset="0"/>
-                <a:cs typeface="Courier" charset="0"/>
-                <a:sym typeface="Consolas"/>
-              </a:rPr>
-              <a:t>ClusterHelper.GetBucket</a:t>
-            </a:r>
-            <a:r>
-              <a:rPr lang="en-US" sz="1100" dirty="0">
-                <a:solidFill>
-                  <a:srgbClr val="1E1C1C"/>
-                </a:solidFill>
-                <a:latin typeface="Courier" charset="0"/>
-                <a:ea typeface="Courier" charset="0"/>
-                <a:cs typeface="Courier" charset="0"/>
-                <a:sym typeface="Consolas"/>
-              </a:rPr>
-              <a:t>(</a:t>
-            </a:r>
-            <a:r>
-              <a:rPr lang="en-US" sz="1100" dirty="0">
-                <a:solidFill>
-                  <a:srgbClr val="E40121"/>
-                </a:solidFill>
-                <a:latin typeface="Courier" charset="0"/>
-                <a:ea typeface="Courier" charset="0"/>
-                <a:cs typeface="Courier" charset="0"/>
-                <a:sym typeface="Consolas"/>
-              </a:rPr>
-              <a:t>"travel-sample"</a:t>
-            </a:r>
-            <a:r>
-              <a:rPr lang="en-US" sz="1100" dirty="0">
-                <a:solidFill>
-                  <a:srgbClr val="1E1C1C"/>
-                </a:solidFill>
-                <a:latin typeface="Courier" charset="0"/>
-                <a:ea typeface="Courier" charset="0"/>
-                <a:cs typeface="Courier" charset="0"/>
-                <a:sym typeface="Consolas"/>
-              </a:rPr>
-              <a:t>, </a:t>
-            </a:r>
-            <a:r>
-              <a:rPr lang="en-US" sz="1100" dirty="0">
-                <a:solidFill>
-                  <a:srgbClr val="E40121"/>
-                </a:solidFill>
-                <a:latin typeface="Courier" charset="0"/>
-                <a:ea typeface="Courier" charset="0"/>
-                <a:cs typeface="Courier" charset="0"/>
-                <a:sym typeface="Consolas"/>
-              </a:rPr>
-              <a:t>“password"</a:t>
-            </a:r>
-            <a:r>
-              <a:rPr lang="en-US" sz="1100" dirty="0">
-                <a:solidFill>
-                  <a:srgbClr val="1E1C1C"/>
-                </a:solidFill>
-                <a:latin typeface="Courier" charset="0"/>
-                <a:ea typeface="Courier" charset="0"/>
-                <a:cs typeface="Courier" charset="0"/>
-                <a:sym typeface="Consolas"/>
-              </a:rPr>
-              <a:t>);</a:t>
-            </a:r>
-          </a:p>
-          <a:p>
-            <a:pPr marL="0" indent="0">
-              <a:buNone/>
-              <a:defRPr sz="1800">
-                <a:solidFill>
-                  <a:srgbClr val="000000"/>
-                </a:solidFill>
-              </a:defRPr>
-            </a:pPr>
-            <a:endParaRPr lang="en-US" sz="1100" dirty="0">
-              <a:solidFill>
-                <a:srgbClr val="1E1C1C"/>
-              </a:solidFill>
-              <a:latin typeface="Courier" charset="0"/>
-              <a:ea typeface="Courier" charset="0"/>
-              <a:cs typeface="Courier" charset="0"/>
-              <a:sym typeface="Consolas"/>
-            </a:endParaRPr>
-          </a:p>
-          <a:p>
-            <a:pPr marL="0" indent="0">
-              <a:buNone/>
-              <a:defRPr sz="1800">
-                <a:solidFill>
-                  <a:srgbClr val="000000"/>
-                </a:solidFill>
-              </a:defRPr>
-            </a:pPr>
-            <a:r>
-              <a:rPr lang="en-US" sz="1100" dirty="0">
-                <a:solidFill>
-                  <a:srgbClr val="1BB2E2"/>
-                </a:solidFill>
-                <a:latin typeface="Courier" charset="0"/>
-                <a:ea typeface="Courier" charset="0"/>
-                <a:cs typeface="Courier" charset="0"/>
-                <a:sym typeface="Consolas"/>
-              </a:rPr>
-              <a:t>//preparing N1ql</a:t>
-            </a:r>
-          </a:p>
-          <a:p>
-            <a:pPr marL="0" indent="0">
-              <a:buNone/>
-              <a:defRPr sz="1800">
-                <a:solidFill>
-                  <a:srgbClr val="000000"/>
-                </a:solidFill>
-              </a:defRPr>
-            </a:pPr>
-            <a:r>
-              <a:rPr lang="en-US" sz="1100" dirty="0" err="1">
-                <a:solidFill>
-                  <a:srgbClr val="2E2E2C"/>
-                </a:solidFill>
-                <a:latin typeface="Courier" charset="0"/>
-                <a:ea typeface="Courier" charset="0"/>
-                <a:cs typeface="Courier" charset="0"/>
-                <a:sym typeface="Consolas"/>
-              </a:rPr>
-              <a:t>var</a:t>
-            </a:r>
-            <a:r>
-              <a:rPr lang="en-US" sz="1100" dirty="0">
-                <a:solidFill>
-                  <a:srgbClr val="2E2E2C"/>
-                </a:solidFill>
-                <a:latin typeface="Courier" charset="0"/>
-                <a:ea typeface="Courier" charset="0"/>
-                <a:cs typeface="Courier" charset="0"/>
-                <a:sym typeface="Consolas"/>
-              </a:rPr>
-              <a:t> </a:t>
-            </a:r>
-            <a:r>
-              <a:rPr lang="en-US" sz="1100" dirty="0" err="1">
-                <a:solidFill>
-                  <a:srgbClr val="2E2E2C"/>
-                </a:solidFill>
-                <a:latin typeface="Courier" charset="0"/>
-                <a:ea typeface="Courier" charset="0"/>
-                <a:cs typeface="Courier" charset="0"/>
-                <a:sym typeface="Consolas"/>
-              </a:rPr>
-              <a:t>myQuery</a:t>
-            </a:r>
-            <a:r>
-              <a:rPr lang="en-US" sz="1100" dirty="0">
-                <a:solidFill>
-                  <a:srgbClr val="2E2E2C"/>
-                </a:solidFill>
-                <a:latin typeface="Courier" charset="0"/>
-                <a:ea typeface="Courier" charset="0"/>
-                <a:cs typeface="Courier" charset="0"/>
-                <a:sym typeface="Consolas"/>
-              </a:rPr>
-              <a:t> = </a:t>
-            </a:r>
-            <a:r>
-              <a:rPr lang="en-US" sz="1100" dirty="0" err="1">
-                <a:solidFill>
-                  <a:srgbClr val="2E2E2C"/>
-                </a:solidFill>
-                <a:latin typeface="Courier" charset="0"/>
-                <a:ea typeface="Courier" charset="0"/>
-                <a:cs typeface="Courier" charset="0"/>
-                <a:sym typeface="Consolas"/>
-              </a:rPr>
-              <a:t>QueryRequest.Create</a:t>
-            </a:r>
-            <a:r>
-              <a:rPr lang="en-US" sz="1100" dirty="0">
-                <a:solidFill>
-                  <a:srgbClr val="2E2E2C"/>
-                </a:solidFill>
-                <a:latin typeface="Courier" charset="0"/>
-                <a:ea typeface="Courier" charset="0"/>
-                <a:cs typeface="Courier" charset="0"/>
-                <a:sym typeface="Consolas"/>
-              </a:rPr>
-              <a:t>(</a:t>
-            </a:r>
-            <a:r>
-              <a:rPr lang="en-US" sz="1100" dirty="0">
-                <a:solidFill>
-                  <a:srgbClr val="E40121"/>
-                </a:solidFill>
-                <a:latin typeface="Courier" charset="0"/>
-                <a:ea typeface="Courier" charset="0"/>
-                <a:cs typeface="Courier" charset="0"/>
-                <a:sym typeface="Consolas"/>
-              </a:rPr>
-              <a:t>“SELECT * FROM `travel-sample`“</a:t>
-            </a:r>
-            <a:r>
-              <a:rPr lang="en-US" sz="1100" dirty="0">
-                <a:solidFill>
-                  <a:srgbClr val="2E2E2C"/>
-                </a:solidFill>
-                <a:latin typeface="Courier" charset="0"/>
-                <a:ea typeface="Courier" charset="0"/>
-                <a:cs typeface="Courier" charset="0"/>
-                <a:sym typeface="Consolas"/>
-              </a:rPr>
-              <a:t>);</a:t>
-            </a:r>
-          </a:p>
-          <a:p>
-            <a:pPr marL="0" indent="0">
-              <a:buNone/>
-              <a:defRPr sz="1800">
-                <a:solidFill>
-                  <a:srgbClr val="000000"/>
-                </a:solidFill>
-              </a:defRPr>
-            </a:pPr>
-            <a:endParaRPr lang="en-US" sz="1100" dirty="0">
-              <a:solidFill>
-                <a:srgbClr val="1E1C1C"/>
-              </a:solidFill>
-              <a:latin typeface="Courier" charset="0"/>
-              <a:ea typeface="Courier" charset="0"/>
-              <a:cs typeface="Courier" charset="0"/>
-              <a:sym typeface="Consolas"/>
-            </a:endParaRPr>
-          </a:p>
-          <a:p>
-            <a:pPr marL="0" indent="0">
-              <a:buNone/>
-              <a:defRPr sz="1800">
-                <a:solidFill>
-                  <a:srgbClr val="000000"/>
-                </a:solidFill>
-              </a:defRPr>
-            </a:pPr>
-            <a:r>
-              <a:rPr lang="en-US" sz="1100" dirty="0">
-                <a:solidFill>
-                  <a:srgbClr val="1BB2E2"/>
-                </a:solidFill>
-                <a:latin typeface="Courier" charset="0"/>
-                <a:ea typeface="Courier" charset="0"/>
-                <a:cs typeface="Courier" charset="0"/>
-                <a:sym typeface="Consolas"/>
-              </a:rPr>
-              <a:t>//creating and saving a Document</a:t>
-            </a:r>
-          </a:p>
-          <a:p>
-            <a:pPr marL="0" indent="0">
-              <a:buNone/>
-              <a:defRPr sz="1800">
-                <a:solidFill>
-                  <a:srgbClr val="000000"/>
-                </a:solidFill>
-              </a:defRPr>
-            </a:pPr>
-            <a:r>
-              <a:rPr lang="en-US" sz="1100" dirty="0" err="1">
-                <a:solidFill>
-                  <a:srgbClr val="2E2E2C"/>
-                </a:solidFill>
-                <a:latin typeface="Courier" charset="0"/>
-                <a:ea typeface="Courier" charset="0"/>
-                <a:cs typeface="Courier" charset="0"/>
-                <a:sym typeface="Consolas"/>
-              </a:rPr>
-              <a:t>var</a:t>
-            </a:r>
-            <a:r>
-              <a:rPr lang="en-US" sz="1100" dirty="0">
-                <a:solidFill>
-                  <a:srgbClr val="2E2E2C"/>
-                </a:solidFill>
-                <a:latin typeface="Courier" charset="0"/>
-                <a:ea typeface="Courier" charset="0"/>
-                <a:cs typeface="Courier" charset="0"/>
-                <a:sym typeface="Consolas"/>
-              </a:rPr>
-              <a:t> document = new Document&lt;</a:t>
-            </a:r>
-            <a:r>
-              <a:rPr lang="en-US" sz="1100" dirty="0" err="1">
-                <a:solidFill>
-                  <a:srgbClr val="2E2E2C"/>
-                </a:solidFill>
-                <a:latin typeface="Courier" charset="0"/>
-                <a:ea typeface="Courier" charset="0"/>
-                <a:cs typeface="Courier" charset="0"/>
-                <a:sym typeface="Consolas"/>
-              </a:rPr>
-              <a:t>MyType</a:t>
-            </a:r>
-            <a:r>
-              <a:rPr lang="en-US" sz="1100" dirty="0">
-                <a:solidFill>
-                  <a:srgbClr val="2E2E2C"/>
-                </a:solidFill>
-                <a:latin typeface="Courier" charset="0"/>
-                <a:ea typeface="Courier" charset="0"/>
-                <a:cs typeface="Courier" charset="0"/>
-                <a:sym typeface="Consolas"/>
-              </a:rPr>
-              <a:t>&gt; { Id = “123”, Content = new </a:t>
-            </a:r>
-            <a:r>
-              <a:rPr lang="en-US" sz="1100" dirty="0" err="1">
-                <a:solidFill>
-                  <a:srgbClr val="2E2E2C"/>
-                </a:solidFill>
-                <a:latin typeface="Courier" charset="0"/>
-                <a:ea typeface="Courier" charset="0"/>
-                <a:cs typeface="Courier" charset="0"/>
-                <a:sym typeface="Consolas"/>
-              </a:rPr>
-              <a:t>MyType</a:t>
-            </a:r>
-            <a:r>
-              <a:rPr lang="en-US" sz="1100" dirty="0">
-                <a:solidFill>
-                  <a:srgbClr val="2E2E2C"/>
-                </a:solidFill>
-                <a:latin typeface="Courier" charset="0"/>
-                <a:ea typeface="Courier" charset="0"/>
-                <a:cs typeface="Courier" charset="0"/>
-                <a:sym typeface="Consolas"/>
-              </a:rPr>
-              <a:t>() };</a:t>
-            </a:r>
-          </a:p>
-          <a:p>
-            <a:pPr marL="0" indent="0">
-              <a:buNone/>
-              <a:defRPr sz="1800">
-                <a:solidFill>
-                  <a:srgbClr val="000000"/>
-                </a:solidFill>
-              </a:defRPr>
-            </a:pPr>
-            <a:r>
-              <a:rPr lang="en-US" sz="1100" dirty="0">
-                <a:solidFill>
-                  <a:srgbClr val="2E2E2C"/>
-                </a:solidFill>
-                <a:latin typeface="Courier" charset="0"/>
-                <a:ea typeface="Courier" charset="0"/>
-                <a:cs typeface="Courier" charset="0"/>
-                <a:sym typeface="Consolas"/>
-              </a:rPr>
-              <a:t>_</a:t>
-            </a:r>
-            <a:r>
-              <a:rPr lang="en-US" sz="1100" dirty="0" err="1">
-                <a:solidFill>
-                  <a:srgbClr val="2E2E2C"/>
-                </a:solidFill>
-                <a:latin typeface="Courier" charset="0"/>
-                <a:ea typeface="Courier" charset="0"/>
-                <a:cs typeface="Courier" charset="0"/>
-                <a:sym typeface="Consolas"/>
-              </a:rPr>
-              <a:t>bucket.Insert</a:t>
-            </a:r>
-            <a:r>
-              <a:rPr lang="en-US" sz="1100" dirty="0">
-                <a:solidFill>
-                  <a:srgbClr val="2E2E2C"/>
-                </a:solidFill>
-                <a:latin typeface="Courier" charset="0"/>
-                <a:ea typeface="Courier" charset="0"/>
-                <a:cs typeface="Courier" charset="0"/>
-                <a:sym typeface="Consolas"/>
-              </a:rPr>
-              <a:t>(document);</a:t>
-            </a:r>
           </a:p>
         </p:txBody>
       </p:sp>
@@ -8971,6 +9006,3700 @@
 </file>
 
 <file path=ppt/slides/slide14.xml><?xml version="1.0" encoding="utf-8"?>
+<p:sld xmlns:a="http://schemas.openxmlformats.org/drawingml/2006/main" xmlns:r="http://schemas.openxmlformats.org/officeDocument/2006/relationships" xmlns:p="http://schemas.openxmlformats.org/presentationml/2006/main">
+  <p:cSld>
+    <p:spTree>
+      <p:nvGrpSpPr>
+        <p:cNvPr id="1" name=""/>
+        <p:cNvGrpSpPr/>
+        <p:nvPr/>
+      </p:nvGrpSpPr>
+      <p:grpSpPr>
+        <a:xfrm>
+          <a:off x="0" y="0"/>
+          <a:ext cx="0" cy="0"/>
+          <a:chOff x="0" y="0"/>
+          <a:chExt cx="0" cy="0"/>
+        </a:xfrm>
+      </p:grpSpPr>
+      <p:sp>
+        <p:nvSpPr>
+          <p:cNvPr id="2" name="Title 1"/>
+          <p:cNvSpPr>
+            <a:spLocks noGrp="1"/>
+          </p:cNvSpPr>
+          <p:nvPr>
+            <p:ph type="title"/>
+          </p:nvPr>
+        </p:nvSpPr>
+        <p:spPr/>
+        <p:txBody>
+          <a:bodyPr/>
+          <a:lstStyle/>
+          <a:p>
+            <a:r>
+              <a:rPr lang="en-US" dirty="0"/>
+              <a:t>Connect to </a:t>
+            </a:r>
+            <a:r>
+              <a:rPr lang="en-US" dirty="0" err="1"/>
+              <a:t>Couchbase</a:t>
+            </a:r>
+            <a:endParaRPr lang="en-US" dirty="0"/>
+          </a:p>
+        </p:txBody>
+      </p:sp>
+      <p:sp>
+        <p:nvSpPr>
+          <p:cNvPr id="5" name="Rectangle 4"/>
+          <p:cNvSpPr/>
+          <p:nvPr/>
+        </p:nvSpPr>
+        <p:spPr>
+          <a:xfrm>
+            <a:off x="962025" y="1186160"/>
+            <a:ext cx="7048500" cy="2862322"/>
+          </a:xfrm>
+          <a:prstGeom prst="rect">
+            <a:avLst/>
+          </a:prstGeom>
+        </p:spPr>
+        <p:txBody>
+          <a:bodyPr wrap="square">
+            <a:spAutoFit/>
+          </a:bodyPr>
+          <a:lstStyle/>
+          <a:p>
+            <a:r>
+              <a:rPr lang="en-US" sz="2000" dirty="0" err="1">
+                <a:solidFill>
+                  <a:srgbClr val="0000FF"/>
+                </a:solidFill>
+                <a:latin typeface="Consolas" panose="020B0609020204030204" pitchFamily="49" charset="0"/>
+              </a:rPr>
+              <a:t>var</a:t>
+            </a:r>
+            <a:r>
+              <a:rPr lang="en-US" sz="2000" dirty="0">
+                <a:solidFill>
+                  <a:srgbClr val="000000"/>
+                </a:solidFill>
+                <a:latin typeface="Consolas" panose="020B0609020204030204" pitchFamily="49" charset="0"/>
+              </a:rPr>
+              <a:t> config = </a:t>
+            </a:r>
+            <a:r>
+              <a:rPr lang="en-US" sz="2000" dirty="0">
+                <a:solidFill>
+                  <a:srgbClr val="0000FF"/>
+                </a:solidFill>
+                <a:latin typeface="Consolas" panose="020B0609020204030204" pitchFamily="49" charset="0"/>
+              </a:rPr>
+              <a:t>new</a:t>
+            </a:r>
+            <a:r>
+              <a:rPr lang="en-US" sz="2000" dirty="0">
+                <a:solidFill>
+                  <a:srgbClr val="000000"/>
+                </a:solidFill>
+                <a:latin typeface="Consolas" panose="020B0609020204030204" pitchFamily="49" charset="0"/>
+              </a:rPr>
+              <a:t> </a:t>
+            </a:r>
+            <a:r>
+              <a:rPr lang="en-US" sz="2000" dirty="0" err="1">
+                <a:solidFill>
+                  <a:srgbClr val="2B91AF"/>
+                </a:solidFill>
+                <a:latin typeface="Consolas" panose="020B0609020204030204" pitchFamily="49" charset="0"/>
+              </a:rPr>
+              <a:t>ClientConfiguration</a:t>
+            </a:r>
+            <a:r>
+              <a:rPr lang="en-US" sz="2000" dirty="0">
+                <a:solidFill>
+                  <a:srgbClr val="000000"/>
+                </a:solidFill>
+                <a:latin typeface="Consolas" panose="020B0609020204030204" pitchFamily="49" charset="0"/>
+              </a:rPr>
+              <a:t>();</a:t>
+            </a:r>
+          </a:p>
+          <a:p>
+            <a:endParaRPr lang="en-US" sz="2000" dirty="0">
+              <a:solidFill>
+                <a:srgbClr val="000000"/>
+              </a:solidFill>
+              <a:latin typeface="Consolas" panose="020B0609020204030204" pitchFamily="49" charset="0"/>
+            </a:endParaRPr>
+          </a:p>
+          <a:p>
+            <a:r>
+              <a:rPr lang="en-US" sz="2000" dirty="0" err="1">
+                <a:solidFill>
+                  <a:srgbClr val="000000"/>
+                </a:solidFill>
+                <a:latin typeface="Consolas" panose="020B0609020204030204" pitchFamily="49" charset="0"/>
+              </a:rPr>
+              <a:t>config.Servers</a:t>
+            </a:r>
+            <a:r>
+              <a:rPr lang="en-US" sz="2000" dirty="0">
+                <a:solidFill>
+                  <a:srgbClr val="000000"/>
+                </a:solidFill>
+                <a:latin typeface="Consolas" panose="020B0609020204030204" pitchFamily="49" charset="0"/>
+              </a:rPr>
+              <a:t> = </a:t>
+            </a:r>
+            <a:r>
+              <a:rPr lang="en-US" sz="2000" dirty="0">
+                <a:solidFill>
+                  <a:srgbClr val="0000FF"/>
+                </a:solidFill>
+                <a:latin typeface="Consolas" panose="020B0609020204030204" pitchFamily="49" charset="0"/>
+              </a:rPr>
+              <a:t>new</a:t>
+            </a:r>
+            <a:r>
+              <a:rPr lang="en-US" sz="2000" dirty="0">
+                <a:solidFill>
+                  <a:srgbClr val="000000"/>
+                </a:solidFill>
+                <a:latin typeface="Consolas" panose="020B0609020204030204" pitchFamily="49" charset="0"/>
+              </a:rPr>
+              <a:t> </a:t>
+            </a:r>
+            <a:r>
+              <a:rPr lang="en-US" sz="2000" dirty="0">
+                <a:solidFill>
+                  <a:srgbClr val="2B91AF"/>
+                </a:solidFill>
+                <a:latin typeface="Consolas" panose="020B0609020204030204" pitchFamily="49" charset="0"/>
+              </a:rPr>
+              <a:t>List</a:t>
+            </a:r>
+            <a:r>
+              <a:rPr lang="en-US" sz="2000" dirty="0">
+                <a:solidFill>
+                  <a:srgbClr val="000000"/>
+                </a:solidFill>
+                <a:latin typeface="Consolas" panose="020B0609020204030204" pitchFamily="49" charset="0"/>
+              </a:rPr>
+              <a:t>&lt;</a:t>
+            </a:r>
+            <a:r>
+              <a:rPr lang="en-US" sz="2000" dirty="0">
+                <a:solidFill>
+                  <a:srgbClr val="2B91AF"/>
+                </a:solidFill>
+                <a:latin typeface="Consolas" panose="020B0609020204030204" pitchFamily="49" charset="0"/>
+              </a:rPr>
+              <a:t>Uri</a:t>
+            </a:r>
+            <a:r>
+              <a:rPr lang="en-US" sz="2000" dirty="0">
+                <a:solidFill>
+                  <a:srgbClr val="000000"/>
+                </a:solidFill>
+                <a:latin typeface="Consolas" panose="020B0609020204030204" pitchFamily="49" charset="0"/>
+              </a:rPr>
+              <a:t>&gt; {</a:t>
+            </a:r>
+          </a:p>
+          <a:p>
+            <a:r>
+              <a:rPr lang="en-US" sz="2000" dirty="0">
+                <a:solidFill>
+                  <a:srgbClr val="000000"/>
+                </a:solidFill>
+                <a:latin typeface="Consolas" panose="020B0609020204030204" pitchFamily="49" charset="0"/>
+              </a:rPr>
+              <a:t>    </a:t>
+            </a:r>
+            <a:r>
+              <a:rPr lang="en-US" sz="2000" dirty="0">
+                <a:solidFill>
+                  <a:srgbClr val="0000FF"/>
+                </a:solidFill>
+                <a:latin typeface="Consolas" panose="020B0609020204030204" pitchFamily="49" charset="0"/>
+              </a:rPr>
+              <a:t>new</a:t>
+            </a:r>
+            <a:r>
+              <a:rPr lang="en-US" sz="2000" dirty="0">
+                <a:solidFill>
+                  <a:srgbClr val="000000"/>
+                </a:solidFill>
+                <a:latin typeface="Consolas" panose="020B0609020204030204" pitchFamily="49" charset="0"/>
+              </a:rPr>
+              <a:t> </a:t>
+            </a:r>
+            <a:r>
+              <a:rPr lang="en-US" sz="2000" dirty="0">
+                <a:solidFill>
+                  <a:srgbClr val="2B91AF"/>
+                </a:solidFill>
+                <a:latin typeface="Consolas" panose="020B0609020204030204" pitchFamily="49" charset="0"/>
+              </a:rPr>
+              <a:t>Uri</a:t>
+            </a:r>
+            <a:r>
+              <a:rPr lang="en-US" sz="2000" dirty="0">
+                <a:solidFill>
+                  <a:srgbClr val="000000"/>
+                </a:solidFill>
+                <a:latin typeface="Consolas" panose="020B0609020204030204" pitchFamily="49" charset="0"/>
+              </a:rPr>
+              <a:t>(</a:t>
+            </a:r>
+            <a:r>
+              <a:rPr lang="en-US" sz="2000" dirty="0">
+                <a:solidFill>
+                  <a:srgbClr val="A31515"/>
+                </a:solidFill>
+                <a:latin typeface="Consolas" panose="020B0609020204030204" pitchFamily="49" charset="0"/>
+              </a:rPr>
+              <a:t>"</a:t>
+            </a:r>
+            <a:r>
+              <a:rPr lang="en-US" sz="2000" dirty="0" err="1">
+                <a:solidFill>
+                  <a:srgbClr val="A31515"/>
+                </a:solidFill>
+                <a:latin typeface="Consolas" panose="020B0609020204030204" pitchFamily="49" charset="0"/>
+              </a:rPr>
+              <a:t>couchbase</a:t>
+            </a:r>
+            <a:r>
+              <a:rPr lang="en-US" sz="2000" dirty="0">
+                <a:solidFill>
+                  <a:srgbClr val="A31515"/>
+                </a:solidFill>
+                <a:latin typeface="Consolas" panose="020B0609020204030204" pitchFamily="49" charset="0"/>
+              </a:rPr>
+              <a:t>://localhost"</a:t>
+            </a:r>
+            <a:r>
+              <a:rPr lang="en-US" sz="2000" dirty="0">
+                <a:solidFill>
+                  <a:srgbClr val="000000"/>
+                </a:solidFill>
+                <a:latin typeface="Consolas" panose="020B0609020204030204" pitchFamily="49" charset="0"/>
+              </a:rPr>
+              <a:t>)</a:t>
+            </a:r>
+          </a:p>
+          <a:p>
+            <a:r>
+              <a:rPr lang="en-US" sz="2000" dirty="0">
+                <a:solidFill>
+                  <a:srgbClr val="000000"/>
+                </a:solidFill>
+                <a:latin typeface="Consolas" panose="020B0609020204030204" pitchFamily="49" charset="0"/>
+              </a:rPr>
+              <a:t>};</a:t>
+            </a:r>
+          </a:p>
+          <a:p>
+            <a:endParaRPr lang="en-US" sz="2000" dirty="0">
+              <a:solidFill>
+                <a:srgbClr val="000000"/>
+              </a:solidFill>
+              <a:latin typeface="Consolas" panose="020B0609020204030204" pitchFamily="49" charset="0"/>
+            </a:endParaRPr>
+          </a:p>
+          <a:p>
+            <a:r>
+              <a:rPr lang="en-US" sz="2000" dirty="0" err="1">
+                <a:solidFill>
+                  <a:srgbClr val="2B91AF"/>
+                </a:solidFill>
+                <a:latin typeface="Consolas" panose="020B0609020204030204" pitchFamily="49" charset="0"/>
+              </a:rPr>
+              <a:t>ClusterHelper</a:t>
+            </a:r>
+            <a:r>
+              <a:rPr lang="en-US" sz="2000" dirty="0" err="1">
+                <a:solidFill>
+                  <a:srgbClr val="000000"/>
+                </a:solidFill>
+                <a:latin typeface="Consolas" panose="020B0609020204030204" pitchFamily="49" charset="0"/>
+              </a:rPr>
+              <a:t>.Initialize</a:t>
+            </a:r>
+            <a:r>
+              <a:rPr lang="en-US" sz="2000" dirty="0">
+                <a:solidFill>
+                  <a:srgbClr val="000000"/>
+                </a:solidFill>
+                <a:latin typeface="Consolas" panose="020B0609020204030204" pitchFamily="49" charset="0"/>
+              </a:rPr>
+              <a:t>(config);</a:t>
+            </a:r>
+          </a:p>
+          <a:p>
+            <a:endParaRPr lang="en-US" sz="2000" dirty="0">
+              <a:solidFill>
+                <a:srgbClr val="000000"/>
+              </a:solidFill>
+              <a:latin typeface="Consolas" panose="020B0609020204030204" pitchFamily="49" charset="0"/>
+            </a:endParaRPr>
+          </a:p>
+          <a:p>
+            <a:r>
+              <a:rPr lang="en-US" sz="2000" dirty="0">
+                <a:solidFill>
+                  <a:srgbClr val="000000"/>
+                </a:solidFill>
+                <a:latin typeface="Consolas" panose="020B0609020204030204" pitchFamily="49" charset="0"/>
+              </a:rPr>
+              <a:t>_bucket = </a:t>
+            </a:r>
+            <a:r>
+              <a:rPr lang="en-US" sz="2000" dirty="0" err="1">
+                <a:solidFill>
+                  <a:srgbClr val="2B91AF"/>
+                </a:solidFill>
+                <a:latin typeface="Consolas" panose="020B0609020204030204" pitchFamily="49" charset="0"/>
+              </a:rPr>
+              <a:t>ClusterHelper</a:t>
+            </a:r>
+            <a:r>
+              <a:rPr lang="en-US" sz="2000" dirty="0" err="1">
+                <a:solidFill>
+                  <a:srgbClr val="000000"/>
+                </a:solidFill>
+                <a:latin typeface="Consolas" panose="020B0609020204030204" pitchFamily="49" charset="0"/>
+              </a:rPr>
+              <a:t>.GetBucket</a:t>
+            </a:r>
+            <a:r>
+              <a:rPr lang="en-US" sz="2000" dirty="0">
+                <a:solidFill>
+                  <a:srgbClr val="000000"/>
+                </a:solidFill>
+                <a:latin typeface="Consolas" panose="020B0609020204030204" pitchFamily="49" charset="0"/>
+              </a:rPr>
+              <a:t>(</a:t>
+            </a:r>
+            <a:r>
+              <a:rPr lang="en-US" sz="2000" dirty="0">
+                <a:solidFill>
+                  <a:srgbClr val="A31515"/>
+                </a:solidFill>
+                <a:latin typeface="Consolas" panose="020B0609020204030204" pitchFamily="49" charset="0"/>
+              </a:rPr>
+              <a:t>"default"</a:t>
+            </a:r>
+            <a:r>
+              <a:rPr lang="en-US" sz="2000" dirty="0">
+                <a:solidFill>
+                  <a:srgbClr val="000000"/>
+                </a:solidFill>
+                <a:latin typeface="Consolas" panose="020B0609020204030204" pitchFamily="49" charset="0"/>
+              </a:rPr>
+              <a:t>);</a:t>
+            </a:r>
+            <a:endParaRPr lang="en-US" sz="4800" dirty="0"/>
+          </a:p>
+        </p:txBody>
+      </p:sp>
+    </p:spTree>
+    <p:extLst>
+      <p:ext uri="{BB962C8B-B14F-4D97-AF65-F5344CB8AC3E}">
+        <p14:creationId xmlns:p14="http://schemas.microsoft.com/office/powerpoint/2010/main" val="630782189"/>
+      </p:ext>
+    </p:extLst>
+  </p:cSld>
+  <p:clrMapOvr>
+    <a:masterClrMapping/>
+  </p:clrMapOvr>
+</p:sld>
+</file>
+
+<file path=ppt/slides/slide15.xml><?xml version="1.0" encoding="utf-8"?>
+<p:sld xmlns:a="http://schemas.openxmlformats.org/drawingml/2006/main" xmlns:r="http://schemas.openxmlformats.org/officeDocument/2006/relationships" xmlns:p="http://schemas.openxmlformats.org/presentationml/2006/main">
+  <p:cSld>
+    <p:spTree>
+      <p:nvGrpSpPr>
+        <p:cNvPr id="1" name=""/>
+        <p:cNvGrpSpPr/>
+        <p:nvPr/>
+      </p:nvGrpSpPr>
+      <p:grpSpPr>
+        <a:xfrm>
+          <a:off x="0" y="0"/>
+          <a:ext cx="0" cy="0"/>
+          <a:chOff x="0" y="0"/>
+          <a:chExt cx="0" cy="0"/>
+        </a:xfrm>
+      </p:grpSpPr>
+      <p:sp>
+        <p:nvSpPr>
+          <p:cNvPr id="2" name="Title 1"/>
+          <p:cNvSpPr>
+            <a:spLocks noGrp="1"/>
+          </p:cNvSpPr>
+          <p:nvPr>
+            <p:ph type="title"/>
+          </p:nvPr>
+        </p:nvSpPr>
+        <p:spPr/>
+        <p:txBody>
+          <a:bodyPr/>
+          <a:lstStyle/>
+          <a:p>
+            <a:r>
+              <a:rPr lang="en-US" dirty="0"/>
+              <a:t>Insert a document</a:t>
+            </a:r>
+          </a:p>
+        </p:txBody>
+      </p:sp>
+      <p:sp>
+        <p:nvSpPr>
+          <p:cNvPr id="4" name="Rectangle 3"/>
+          <p:cNvSpPr/>
+          <p:nvPr/>
+        </p:nvSpPr>
+        <p:spPr>
+          <a:xfrm>
+            <a:off x="123825" y="890202"/>
+            <a:ext cx="8896350" cy="769441"/>
+          </a:xfrm>
+          <a:prstGeom prst="rect">
+            <a:avLst/>
+          </a:prstGeom>
+        </p:spPr>
+        <p:txBody>
+          <a:bodyPr wrap="square">
+            <a:spAutoFit/>
+          </a:bodyPr>
+          <a:lstStyle/>
+          <a:p>
+            <a:endParaRPr lang="en-US" sz="4400" dirty="0"/>
+          </a:p>
+        </p:txBody>
+      </p:sp>
+      <p:sp>
+        <p:nvSpPr>
+          <p:cNvPr id="6" name="Rectangle 5"/>
+          <p:cNvSpPr/>
+          <p:nvPr/>
+        </p:nvSpPr>
+        <p:spPr>
+          <a:xfrm>
+            <a:off x="1647824" y="900665"/>
+            <a:ext cx="5981701" cy="3693319"/>
+          </a:xfrm>
+          <a:prstGeom prst="rect">
+            <a:avLst/>
+          </a:prstGeom>
+        </p:spPr>
+        <p:txBody>
+          <a:bodyPr wrap="square">
+            <a:spAutoFit/>
+          </a:bodyPr>
+          <a:lstStyle/>
+          <a:p>
+            <a:r>
+              <a:rPr lang="fr-FR" dirty="0" err="1">
+                <a:solidFill>
+                  <a:srgbClr val="2B91AF"/>
+                </a:solidFill>
+                <a:latin typeface="Consolas" panose="020B0609020204030204" pitchFamily="49" charset="0"/>
+              </a:rPr>
+              <a:t>IDocument</a:t>
+            </a:r>
+            <a:r>
+              <a:rPr lang="fr-FR" dirty="0">
+                <a:solidFill>
+                  <a:srgbClr val="000000"/>
+                </a:solidFill>
+                <a:latin typeface="Consolas" panose="020B0609020204030204" pitchFamily="49" charset="0"/>
+              </a:rPr>
+              <a:t>&lt;</a:t>
+            </a:r>
+            <a:r>
+              <a:rPr lang="fr-FR" dirty="0" err="1">
+                <a:solidFill>
+                  <a:srgbClr val="0000FF"/>
+                </a:solidFill>
+                <a:latin typeface="Consolas" panose="020B0609020204030204" pitchFamily="49" charset="0"/>
+              </a:rPr>
+              <a:t>dynamic</a:t>
+            </a:r>
+            <a:r>
+              <a:rPr lang="fr-FR" dirty="0">
+                <a:solidFill>
+                  <a:srgbClr val="000000"/>
+                </a:solidFill>
+                <a:latin typeface="Consolas" panose="020B0609020204030204" pitchFamily="49" charset="0"/>
+              </a:rPr>
+              <a:t>&gt; doc = </a:t>
+            </a:r>
+            <a:r>
+              <a:rPr lang="fr-FR" dirty="0">
+                <a:solidFill>
+                  <a:srgbClr val="0000FF"/>
+                </a:solidFill>
+                <a:latin typeface="Consolas" panose="020B0609020204030204" pitchFamily="49" charset="0"/>
+              </a:rPr>
+              <a:t>new</a:t>
+            </a:r>
+            <a:r>
+              <a:rPr lang="fr-FR" dirty="0">
+                <a:solidFill>
+                  <a:srgbClr val="000000"/>
+                </a:solidFill>
+                <a:latin typeface="Consolas" panose="020B0609020204030204" pitchFamily="49" charset="0"/>
+              </a:rPr>
+              <a:t> </a:t>
+            </a:r>
+            <a:r>
+              <a:rPr lang="fr-FR" dirty="0">
+                <a:solidFill>
+                  <a:srgbClr val="2B91AF"/>
+                </a:solidFill>
+                <a:latin typeface="Consolas" panose="020B0609020204030204" pitchFamily="49" charset="0"/>
+              </a:rPr>
+              <a:t>Document</a:t>
+            </a:r>
+            <a:r>
+              <a:rPr lang="fr-FR" dirty="0">
+                <a:solidFill>
+                  <a:srgbClr val="000000"/>
+                </a:solidFill>
+                <a:latin typeface="Consolas" panose="020B0609020204030204" pitchFamily="49" charset="0"/>
+              </a:rPr>
+              <a:t>&lt;</a:t>
+            </a:r>
+            <a:r>
+              <a:rPr lang="fr-FR" dirty="0" err="1">
+                <a:solidFill>
+                  <a:srgbClr val="0000FF"/>
+                </a:solidFill>
+                <a:latin typeface="Consolas" panose="020B0609020204030204" pitchFamily="49" charset="0"/>
+              </a:rPr>
+              <a:t>dynamic</a:t>
+            </a:r>
+            <a:r>
+              <a:rPr lang="fr-FR" dirty="0">
+                <a:solidFill>
+                  <a:srgbClr val="000000"/>
+                </a:solidFill>
+                <a:latin typeface="Consolas" panose="020B0609020204030204" pitchFamily="49" charset="0"/>
+              </a:rPr>
+              <a:t>&gt;</a:t>
+            </a:r>
+          </a:p>
+          <a:p>
+            <a:r>
+              <a:rPr lang="en-US" dirty="0">
+                <a:solidFill>
+                  <a:srgbClr val="000000"/>
+                </a:solidFill>
+                <a:latin typeface="Consolas" panose="020B0609020204030204" pitchFamily="49" charset="0"/>
+              </a:rPr>
+              <a:t>{</a:t>
+            </a:r>
+          </a:p>
+          <a:p>
+            <a:r>
+              <a:rPr lang="en-US" dirty="0">
+                <a:solidFill>
+                  <a:srgbClr val="000000"/>
+                </a:solidFill>
+                <a:latin typeface="Consolas" panose="020B0609020204030204" pitchFamily="49" charset="0"/>
+              </a:rPr>
+              <a:t>    Id = </a:t>
+            </a:r>
+            <a:r>
+              <a:rPr lang="en-US" dirty="0" err="1">
+                <a:solidFill>
+                  <a:srgbClr val="2B91AF"/>
+                </a:solidFill>
+                <a:latin typeface="Consolas" panose="020B0609020204030204" pitchFamily="49" charset="0"/>
+              </a:rPr>
+              <a:t>Guid</a:t>
+            </a:r>
+            <a:r>
+              <a:rPr lang="en-US" dirty="0" err="1">
+                <a:solidFill>
+                  <a:srgbClr val="000000"/>
+                </a:solidFill>
+                <a:latin typeface="Consolas" panose="020B0609020204030204" pitchFamily="49" charset="0"/>
+              </a:rPr>
+              <a:t>.NewGuid</a:t>
+            </a:r>
+            <a:r>
+              <a:rPr lang="en-US" dirty="0">
+                <a:solidFill>
+                  <a:srgbClr val="000000"/>
+                </a:solidFill>
+                <a:latin typeface="Consolas" panose="020B0609020204030204" pitchFamily="49" charset="0"/>
+              </a:rPr>
+              <a:t>().</a:t>
+            </a:r>
+            <a:r>
+              <a:rPr lang="en-US" dirty="0" err="1">
+                <a:solidFill>
+                  <a:srgbClr val="000000"/>
+                </a:solidFill>
+                <a:latin typeface="Consolas" panose="020B0609020204030204" pitchFamily="49" charset="0"/>
+              </a:rPr>
+              <a:t>ToString</a:t>
+            </a:r>
+            <a:r>
+              <a:rPr lang="en-US" dirty="0">
+                <a:solidFill>
+                  <a:srgbClr val="000000"/>
+                </a:solidFill>
+                <a:latin typeface="Consolas" panose="020B0609020204030204" pitchFamily="49" charset="0"/>
+              </a:rPr>
+              <a:t>(),</a:t>
+            </a:r>
+          </a:p>
+          <a:p>
+            <a:r>
+              <a:rPr lang="en-US" dirty="0">
+                <a:solidFill>
+                  <a:srgbClr val="000000"/>
+                </a:solidFill>
+                <a:latin typeface="Consolas" panose="020B0609020204030204" pitchFamily="49" charset="0"/>
+              </a:rPr>
+              <a:t>    Content = </a:t>
+            </a:r>
+            <a:r>
+              <a:rPr lang="en-US" dirty="0">
+                <a:solidFill>
+                  <a:srgbClr val="0000FF"/>
+                </a:solidFill>
+                <a:latin typeface="Consolas" panose="020B0609020204030204" pitchFamily="49" charset="0"/>
+              </a:rPr>
+              <a:t>new</a:t>
+            </a:r>
+            <a:endParaRPr lang="en-US" dirty="0">
+              <a:solidFill>
+                <a:srgbClr val="000000"/>
+              </a:solidFill>
+              <a:latin typeface="Consolas" panose="020B0609020204030204" pitchFamily="49" charset="0"/>
+            </a:endParaRPr>
+          </a:p>
+          <a:p>
+            <a:r>
+              <a:rPr lang="en-US" dirty="0">
+                <a:solidFill>
+                  <a:srgbClr val="000000"/>
+                </a:solidFill>
+                <a:latin typeface="Consolas" panose="020B0609020204030204" pitchFamily="49" charset="0"/>
+              </a:rPr>
+              <a:t>    {</a:t>
+            </a:r>
+          </a:p>
+          <a:p>
+            <a:r>
+              <a:rPr lang="en-US" dirty="0">
+                <a:solidFill>
+                  <a:srgbClr val="000000"/>
+                </a:solidFill>
+                <a:latin typeface="Consolas" panose="020B0609020204030204" pitchFamily="49" charset="0"/>
+              </a:rPr>
+              <a:t>        </a:t>
+            </a:r>
+            <a:r>
+              <a:rPr lang="en-US" dirty="0" err="1">
+                <a:solidFill>
+                  <a:srgbClr val="000000"/>
+                </a:solidFill>
+                <a:latin typeface="Consolas" panose="020B0609020204030204" pitchFamily="49" charset="0"/>
+              </a:rPr>
+              <a:t>firstName</a:t>
+            </a:r>
+            <a:r>
+              <a:rPr lang="en-US" dirty="0">
+                <a:solidFill>
+                  <a:srgbClr val="000000"/>
+                </a:solidFill>
+                <a:latin typeface="Consolas" panose="020B0609020204030204" pitchFamily="49" charset="0"/>
+              </a:rPr>
+              <a:t> = </a:t>
+            </a:r>
+            <a:r>
+              <a:rPr lang="en-US" dirty="0">
+                <a:solidFill>
+                  <a:srgbClr val="A31515"/>
+                </a:solidFill>
+                <a:latin typeface="Consolas" panose="020B0609020204030204" pitchFamily="49" charset="0"/>
+              </a:rPr>
+              <a:t>"Connie"</a:t>
+            </a:r>
+            <a:r>
+              <a:rPr lang="en-US" dirty="0">
+                <a:solidFill>
+                  <a:srgbClr val="000000"/>
+                </a:solidFill>
+                <a:latin typeface="Consolas" panose="020B0609020204030204" pitchFamily="49" charset="0"/>
+              </a:rPr>
+              <a:t>,</a:t>
+            </a:r>
+          </a:p>
+          <a:p>
+            <a:r>
+              <a:rPr lang="en-US" dirty="0">
+                <a:solidFill>
+                  <a:srgbClr val="000000"/>
+                </a:solidFill>
+                <a:latin typeface="Consolas" panose="020B0609020204030204" pitchFamily="49" charset="0"/>
+              </a:rPr>
+              <a:t>        </a:t>
+            </a:r>
+            <a:r>
+              <a:rPr lang="en-US" dirty="0" err="1">
+                <a:solidFill>
+                  <a:srgbClr val="000000"/>
+                </a:solidFill>
+                <a:latin typeface="Consolas" panose="020B0609020204030204" pitchFamily="49" charset="0"/>
+              </a:rPr>
+              <a:t>lastName</a:t>
+            </a:r>
+            <a:r>
+              <a:rPr lang="en-US" dirty="0">
+                <a:solidFill>
+                  <a:srgbClr val="000000"/>
+                </a:solidFill>
+                <a:latin typeface="Consolas" panose="020B0609020204030204" pitchFamily="49" charset="0"/>
+              </a:rPr>
+              <a:t> = </a:t>
+            </a:r>
+            <a:r>
+              <a:rPr lang="en-US" dirty="0">
+                <a:solidFill>
+                  <a:srgbClr val="A31515"/>
+                </a:solidFill>
+                <a:latin typeface="Consolas" panose="020B0609020204030204" pitchFamily="49" charset="0"/>
+              </a:rPr>
+              <a:t>"James"</a:t>
+            </a:r>
+            <a:r>
+              <a:rPr lang="en-US" dirty="0">
+                <a:solidFill>
+                  <a:srgbClr val="000000"/>
+                </a:solidFill>
+                <a:latin typeface="Consolas" panose="020B0609020204030204" pitchFamily="49" charset="0"/>
+              </a:rPr>
+              <a:t>,</a:t>
+            </a:r>
+          </a:p>
+          <a:p>
+            <a:r>
+              <a:rPr lang="en-US" dirty="0">
+                <a:solidFill>
+                  <a:srgbClr val="000000"/>
+                </a:solidFill>
+                <a:latin typeface="Consolas" panose="020B0609020204030204" pitchFamily="49" charset="0"/>
+              </a:rPr>
+              <a:t>        city = </a:t>
+            </a:r>
+            <a:r>
+              <a:rPr lang="en-US" dirty="0">
+                <a:solidFill>
+                  <a:srgbClr val="A31515"/>
+                </a:solidFill>
+                <a:latin typeface="Consolas" panose="020B0609020204030204" pitchFamily="49" charset="0"/>
+              </a:rPr>
+              <a:t>"Columbus, Ohio"</a:t>
+            </a:r>
+            <a:r>
+              <a:rPr lang="en-US" dirty="0">
+                <a:solidFill>
+                  <a:srgbClr val="000000"/>
+                </a:solidFill>
+                <a:latin typeface="Consolas" panose="020B0609020204030204" pitchFamily="49" charset="0"/>
+              </a:rPr>
+              <a:t>,</a:t>
+            </a:r>
+          </a:p>
+          <a:p>
+            <a:r>
+              <a:rPr lang="en-US" dirty="0">
+                <a:solidFill>
+                  <a:srgbClr val="000000"/>
+                </a:solidFill>
+                <a:latin typeface="Consolas" panose="020B0609020204030204" pitchFamily="49" charset="0"/>
+              </a:rPr>
+              <a:t>        country = </a:t>
+            </a:r>
+            <a:r>
+              <a:rPr lang="en-US" dirty="0">
+                <a:solidFill>
+                  <a:srgbClr val="A31515"/>
+                </a:solidFill>
+                <a:latin typeface="Consolas" panose="020B0609020204030204" pitchFamily="49" charset="0"/>
+              </a:rPr>
+              <a:t>"USA"</a:t>
+            </a:r>
+            <a:r>
+              <a:rPr lang="en-US" dirty="0">
+                <a:solidFill>
+                  <a:srgbClr val="000000"/>
+                </a:solidFill>
+                <a:latin typeface="Consolas" panose="020B0609020204030204" pitchFamily="49" charset="0"/>
+              </a:rPr>
+              <a:t>,</a:t>
+            </a:r>
+          </a:p>
+          <a:p>
+            <a:r>
+              <a:rPr lang="en-US" dirty="0">
+                <a:solidFill>
+                  <a:srgbClr val="000000"/>
+                </a:solidFill>
+                <a:latin typeface="Consolas" panose="020B0609020204030204" pitchFamily="49" charset="0"/>
+              </a:rPr>
+              <a:t>        type = </a:t>
+            </a:r>
+            <a:r>
+              <a:rPr lang="en-US" dirty="0">
+                <a:solidFill>
+                  <a:srgbClr val="A31515"/>
+                </a:solidFill>
+                <a:latin typeface="Consolas" panose="020B0609020204030204" pitchFamily="49" charset="0"/>
+              </a:rPr>
+              <a:t>"person"</a:t>
+            </a:r>
+            <a:endParaRPr lang="en-US" dirty="0">
+              <a:solidFill>
+                <a:srgbClr val="000000"/>
+              </a:solidFill>
+              <a:latin typeface="Consolas" panose="020B0609020204030204" pitchFamily="49" charset="0"/>
+            </a:endParaRPr>
+          </a:p>
+          <a:p>
+            <a:r>
+              <a:rPr lang="en-US" dirty="0">
+                <a:solidFill>
+                  <a:srgbClr val="000000"/>
+                </a:solidFill>
+                <a:latin typeface="Consolas" panose="020B0609020204030204" pitchFamily="49" charset="0"/>
+              </a:rPr>
+              <a:t>    }</a:t>
+            </a:r>
+          </a:p>
+          <a:p>
+            <a:r>
+              <a:rPr lang="en-US" dirty="0">
+                <a:solidFill>
+                  <a:srgbClr val="000000"/>
+                </a:solidFill>
+                <a:latin typeface="Consolas" panose="020B0609020204030204" pitchFamily="49" charset="0"/>
+              </a:rPr>
+              <a:t>};</a:t>
+            </a:r>
+          </a:p>
+          <a:p>
+            <a:r>
+              <a:rPr lang="en-US" dirty="0">
+                <a:solidFill>
+                  <a:srgbClr val="000000"/>
+                </a:solidFill>
+                <a:latin typeface="Consolas" panose="020B0609020204030204" pitchFamily="49" charset="0"/>
+              </a:rPr>
+              <a:t>_</a:t>
+            </a:r>
+            <a:r>
+              <a:rPr lang="en-US" dirty="0" err="1">
+                <a:solidFill>
+                  <a:srgbClr val="000000"/>
+                </a:solidFill>
+                <a:latin typeface="Consolas" panose="020B0609020204030204" pitchFamily="49" charset="0"/>
+              </a:rPr>
+              <a:t>bucket.Insert</a:t>
+            </a:r>
+            <a:r>
+              <a:rPr lang="en-US" dirty="0">
+                <a:solidFill>
+                  <a:srgbClr val="000000"/>
+                </a:solidFill>
+                <a:latin typeface="Consolas" panose="020B0609020204030204" pitchFamily="49" charset="0"/>
+              </a:rPr>
+              <a:t>(document);</a:t>
+            </a:r>
+            <a:endParaRPr lang="en-US" sz="4400" dirty="0"/>
+          </a:p>
+        </p:txBody>
+      </p:sp>
+    </p:spTree>
+    <p:extLst>
+      <p:ext uri="{BB962C8B-B14F-4D97-AF65-F5344CB8AC3E}">
+        <p14:creationId xmlns:p14="http://schemas.microsoft.com/office/powerpoint/2010/main" val="556648621"/>
+      </p:ext>
+    </p:extLst>
+  </p:cSld>
+  <p:clrMapOvr>
+    <a:masterClrMapping/>
+  </p:clrMapOvr>
+</p:sld>
+</file>
+
+<file path=ppt/slides/slide16.xml><?xml version="1.0" encoding="utf-8"?>
+<p:sld xmlns:a="http://schemas.openxmlformats.org/drawingml/2006/main" xmlns:r="http://schemas.openxmlformats.org/officeDocument/2006/relationships" xmlns:p="http://schemas.openxmlformats.org/presentationml/2006/main">
+  <p:cSld>
+    <p:spTree>
+      <p:nvGrpSpPr>
+        <p:cNvPr id="1" name=""/>
+        <p:cNvGrpSpPr/>
+        <p:nvPr/>
+      </p:nvGrpSpPr>
+      <p:grpSpPr>
+        <a:xfrm>
+          <a:off x="0" y="0"/>
+          <a:ext cx="0" cy="0"/>
+          <a:chOff x="0" y="0"/>
+          <a:chExt cx="0" cy="0"/>
+        </a:xfrm>
+      </p:grpSpPr>
+      <p:sp>
+        <p:nvSpPr>
+          <p:cNvPr id="2" name="Title 1"/>
+          <p:cNvSpPr>
+            <a:spLocks noGrp="1"/>
+          </p:cNvSpPr>
+          <p:nvPr>
+            <p:ph type="title"/>
+          </p:nvPr>
+        </p:nvSpPr>
+        <p:spPr/>
+        <p:txBody>
+          <a:bodyPr/>
+          <a:lstStyle/>
+          <a:p>
+            <a:r>
+              <a:rPr lang="en-US" dirty="0"/>
+              <a:t>Insert, Replace, </a:t>
+            </a:r>
+            <a:r>
+              <a:rPr lang="en-US" dirty="0" err="1"/>
+              <a:t>Upsert</a:t>
+            </a:r>
+            <a:endParaRPr lang="en-US" dirty="0"/>
+          </a:p>
+        </p:txBody>
+      </p:sp>
+      <p:sp>
+        <p:nvSpPr>
+          <p:cNvPr id="3" name="Rectangle 2"/>
+          <p:cNvSpPr/>
+          <p:nvPr/>
+        </p:nvSpPr>
+        <p:spPr>
+          <a:xfrm>
+            <a:off x="352424" y="936710"/>
+            <a:ext cx="8391525" cy="923330"/>
+          </a:xfrm>
+          <a:prstGeom prst="rect">
+            <a:avLst/>
+          </a:prstGeom>
+        </p:spPr>
+        <p:txBody>
+          <a:bodyPr wrap="square">
+            <a:spAutoFit/>
+          </a:bodyPr>
+          <a:lstStyle/>
+          <a:p>
+            <a:r>
+              <a:rPr lang="en-US" dirty="0" err="1">
+                <a:solidFill>
+                  <a:srgbClr val="2B91AF"/>
+                </a:solidFill>
+                <a:latin typeface="Consolas" panose="020B0609020204030204" pitchFamily="49" charset="0"/>
+              </a:rPr>
+              <a:t>IDocumentResult</a:t>
+            </a:r>
+            <a:r>
+              <a:rPr lang="en-US" dirty="0">
+                <a:solidFill>
+                  <a:srgbClr val="000000"/>
+                </a:solidFill>
+                <a:latin typeface="Consolas" panose="020B0609020204030204" pitchFamily="49" charset="0"/>
+              </a:rPr>
+              <a:t>&lt;</a:t>
+            </a:r>
+            <a:r>
+              <a:rPr lang="en-US" dirty="0">
+                <a:solidFill>
+                  <a:srgbClr val="0000FF"/>
+                </a:solidFill>
+                <a:latin typeface="Consolas" panose="020B0609020204030204" pitchFamily="49" charset="0"/>
+              </a:rPr>
+              <a:t>dynamic</a:t>
+            </a:r>
+            <a:r>
+              <a:rPr lang="en-US" dirty="0">
+                <a:solidFill>
+                  <a:srgbClr val="000000"/>
+                </a:solidFill>
+                <a:latin typeface="Consolas" panose="020B0609020204030204" pitchFamily="49" charset="0"/>
+              </a:rPr>
+              <a:t>&gt; result1 = _</a:t>
+            </a:r>
+            <a:r>
+              <a:rPr lang="en-US" dirty="0" err="1">
+                <a:solidFill>
+                  <a:srgbClr val="000000"/>
+                </a:solidFill>
+                <a:latin typeface="Consolas" panose="020B0609020204030204" pitchFamily="49" charset="0"/>
+              </a:rPr>
+              <a:t>bucket.Insert</a:t>
+            </a:r>
+            <a:r>
+              <a:rPr lang="en-US" dirty="0">
+                <a:solidFill>
+                  <a:srgbClr val="000000"/>
+                </a:solidFill>
+                <a:latin typeface="Consolas" panose="020B0609020204030204" pitchFamily="49" charset="0"/>
+              </a:rPr>
+              <a:t>(document);</a:t>
+            </a:r>
+          </a:p>
+          <a:p>
+            <a:r>
+              <a:rPr lang="en-US" dirty="0" err="1">
+                <a:solidFill>
+                  <a:srgbClr val="2B91AF"/>
+                </a:solidFill>
+                <a:latin typeface="Consolas" panose="020B0609020204030204" pitchFamily="49" charset="0"/>
+              </a:rPr>
+              <a:t>IDocumentResult</a:t>
+            </a:r>
+            <a:r>
+              <a:rPr lang="en-US" dirty="0">
+                <a:solidFill>
+                  <a:srgbClr val="000000"/>
+                </a:solidFill>
+                <a:latin typeface="Consolas" panose="020B0609020204030204" pitchFamily="49" charset="0"/>
+              </a:rPr>
+              <a:t>&lt;</a:t>
+            </a:r>
+            <a:r>
+              <a:rPr lang="en-US" dirty="0">
+                <a:solidFill>
+                  <a:srgbClr val="0000FF"/>
+                </a:solidFill>
+                <a:latin typeface="Consolas" panose="020B0609020204030204" pitchFamily="49" charset="0"/>
+              </a:rPr>
+              <a:t>dynamic</a:t>
+            </a:r>
+            <a:r>
+              <a:rPr lang="en-US" dirty="0">
+                <a:solidFill>
+                  <a:srgbClr val="000000"/>
+                </a:solidFill>
+                <a:latin typeface="Consolas" panose="020B0609020204030204" pitchFamily="49" charset="0"/>
+              </a:rPr>
+              <a:t>&gt; result2 = _</a:t>
+            </a:r>
+            <a:r>
+              <a:rPr lang="en-US" dirty="0" err="1">
+                <a:solidFill>
+                  <a:srgbClr val="000000"/>
+                </a:solidFill>
+                <a:latin typeface="Consolas" panose="020B0609020204030204" pitchFamily="49" charset="0"/>
+              </a:rPr>
+              <a:t>bucket.Upsert</a:t>
+            </a:r>
+            <a:r>
+              <a:rPr lang="en-US" dirty="0">
+                <a:solidFill>
+                  <a:srgbClr val="000000"/>
+                </a:solidFill>
+                <a:latin typeface="Consolas" panose="020B0609020204030204" pitchFamily="49" charset="0"/>
+              </a:rPr>
+              <a:t>(document);</a:t>
+            </a:r>
+          </a:p>
+          <a:p>
+            <a:r>
+              <a:rPr lang="en-US" dirty="0" err="1">
+                <a:solidFill>
+                  <a:srgbClr val="2B91AF"/>
+                </a:solidFill>
+                <a:latin typeface="Consolas" panose="020B0609020204030204" pitchFamily="49" charset="0"/>
+              </a:rPr>
+              <a:t>IDocumentResult</a:t>
+            </a:r>
+            <a:r>
+              <a:rPr lang="en-US" dirty="0">
+                <a:solidFill>
+                  <a:srgbClr val="000000"/>
+                </a:solidFill>
+                <a:latin typeface="Consolas" panose="020B0609020204030204" pitchFamily="49" charset="0"/>
+              </a:rPr>
+              <a:t>&lt;</a:t>
+            </a:r>
+            <a:r>
+              <a:rPr lang="en-US" dirty="0">
+                <a:solidFill>
+                  <a:srgbClr val="0000FF"/>
+                </a:solidFill>
+                <a:latin typeface="Consolas" panose="020B0609020204030204" pitchFamily="49" charset="0"/>
+              </a:rPr>
+              <a:t>dynamic</a:t>
+            </a:r>
+            <a:r>
+              <a:rPr lang="en-US" dirty="0">
+                <a:solidFill>
+                  <a:srgbClr val="000000"/>
+                </a:solidFill>
+                <a:latin typeface="Consolas" panose="020B0609020204030204" pitchFamily="49" charset="0"/>
+              </a:rPr>
+              <a:t>&gt; result3 = _</a:t>
+            </a:r>
+            <a:r>
+              <a:rPr lang="en-US" dirty="0" err="1">
+                <a:solidFill>
+                  <a:srgbClr val="000000"/>
+                </a:solidFill>
+                <a:latin typeface="Consolas" panose="020B0609020204030204" pitchFamily="49" charset="0"/>
+              </a:rPr>
+              <a:t>bucket.Replace</a:t>
+            </a:r>
+            <a:r>
+              <a:rPr lang="en-US" dirty="0">
+                <a:solidFill>
+                  <a:srgbClr val="000000"/>
+                </a:solidFill>
+                <a:latin typeface="Consolas" panose="020B0609020204030204" pitchFamily="49" charset="0"/>
+              </a:rPr>
+              <a:t>(document);</a:t>
+            </a:r>
+          </a:p>
+        </p:txBody>
+      </p:sp>
+      <p:sp>
+        <p:nvSpPr>
+          <p:cNvPr id="4" name="Rectangle 3"/>
+          <p:cNvSpPr/>
+          <p:nvPr/>
+        </p:nvSpPr>
+        <p:spPr>
+          <a:xfrm>
+            <a:off x="352423" y="2002529"/>
+            <a:ext cx="8391525" cy="2446824"/>
+          </a:xfrm>
+          <a:prstGeom prst="rect">
+            <a:avLst/>
+          </a:prstGeom>
+        </p:spPr>
+        <p:txBody>
+          <a:bodyPr wrap="square">
+            <a:spAutoFit/>
+          </a:bodyPr>
+          <a:lstStyle/>
+          <a:p>
+            <a:r>
+              <a:rPr lang="en-US" sz="1600" dirty="0">
+                <a:solidFill>
+                  <a:srgbClr val="2B91AF"/>
+                </a:solidFill>
+                <a:latin typeface="Consolas" panose="020B0609020204030204" pitchFamily="49" charset="0"/>
+              </a:rPr>
+              <a:t>Task</a:t>
+            </a:r>
+            <a:r>
+              <a:rPr lang="en-US" sz="1600" dirty="0">
+                <a:solidFill>
+                  <a:srgbClr val="000000"/>
+                </a:solidFill>
+                <a:latin typeface="Consolas" panose="020B0609020204030204" pitchFamily="49" charset="0"/>
+              </a:rPr>
+              <a:t>&lt;</a:t>
+            </a:r>
+            <a:r>
+              <a:rPr lang="en-US" sz="1600" dirty="0" err="1">
+                <a:solidFill>
+                  <a:srgbClr val="2B91AF"/>
+                </a:solidFill>
+                <a:latin typeface="Consolas" panose="020B0609020204030204" pitchFamily="49" charset="0"/>
+              </a:rPr>
+              <a:t>IDocumentResult</a:t>
+            </a:r>
+            <a:r>
+              <a:rPr lang="en-US" sz="1600" dirty="0">
+                <a:solidFill>
+                  <a:srgbClr val="000000"/>
+                </a:solidFill>
+                <a:latin typeface="Consolas" panose="020B0609020204030204" pitchFamily="49" charset="0"/>
+              </a:rPr>
+              <a:t>&lt;</a:t>
+            </a:r>
+            <a:r>
+              <a:rPr lang="en-US" sz="1600" dirty="0">
+                <a:solidFill>
+                  <a:srgbClr val="0000FF"/>
+                </a:solidFill>
+                <a:latin typeface="Consolas" panose="020B0609020204030204" pitchFamily="49" charset="0"/>
+              </a:rPr>
+              <a:t>dynamic</a:t>
+            </a:r>
+            <a:r>
+              <a:rPr lang="en-US" sz="1600" dirty="0">
+                <a:solidFill>
+                  <a:srgbClr val="000000"/>
+                </a:solidFill>
+                <a:latin typeface="Consolas" panose="020B0609020204030204" pitchFamily="49" charset="0"/>
+              </a:rPr>
+              <a:t>&gt;&gt; result4 = _</a:t>
+            </a:r>
+            <a:r>
+              <a:rPr lang="en-US" sz="1600" dirty="0" err="1">
+                <a:solidFill>
+                  <a:srgbClr val="000000"/>
+                </a:solidFill>
+                <a:latin typeface="Consolas" panose="020B0609020204030204" pitchFamily="49" charset="0"/>
+              </a:rPr>
+              <a:t>bucket.InsertAsync</a:t>
+            </a:r>
+            <a:r>
+              <a:rPr lang="en-US" sz="1600" dirty="0">
+                <a:solidFill>
+                  <a:srgbClr val="000000"/>
+                </a:solidFill>
+                <a:latin typeface="Consolas" panose="020B0609020204030204" pitchFamily="49" charset="0"/>
+              </a:rPr>
+              <a:t>(document);</a:t>
+            </a:r>
+          </a:p>
+          <a:p>
+            <a:r>
+              <a:rPr lang="en-US" sz="1600" dirty="0">
+                <a:solidFill>
+                  <a:srgbClr val="2B91AF"/>
+                </a:solidFill>
+                <a:latin typeface="Consolas" panose="020B0609020204030204" pitchFamily="49" charset="0"/>
+              </a:rPr>
+              <a:t>Task</a:t>
+            </a:r>
+            <a:r>
+              <a:rPr lang="en-US" sz="1600" dirty="0">
+                <a:solidFill>
+                  <a:srgbClr val="000000"/>
+                </a:solidFill>
+                <a:latin typeface="Consolas" panose="020B0609020204030204" pitchFamily="49" charset="0"/>
+              </a:rPr>
+              <a:t>&lt;</a:t>
+            </a:r>
+            <a:r>
+              <a:rPr lang="en-US" sz="1600" dirty="0" err="1">
+                <a:solidFill>
+                  <a:srgbClr val="2B91AF"/>
+                </a:solidFill>
+                <a:latin typeface="Consolas" panose="020B0609020204030204" pitchFamily="49" charset="0"/>
+              </a:rPr>
+              <a:t>IDocumentResult</a:t>
+            </a:r>
+            <a:r>
+              <a:rPr lang="en-US" sz="1600" dirty="0">
+                <a:solidFill>
+                  <a:srgbClr val="000000"/>
+                </a:solidFill>
+                <a:latin typeface="Consolas" panose="020B0609020204030204" pitchFamily="49" charset="0"/>
+              </a:rPr>
+              <a:t>&lt;</a:t>
+            </a:r>
+            <a:r>
+              <a:rPr lang="en-US" sz="1600" dirty="0">
+                <a:solidFill>
+                  <a:srgbClr val="0000FF"/>
+                </a:solidFill>
+                <a:latin typeface="Consolas" panose="020B0609020204030204" pitchFamily="49" charset="0"/>
+              </a:rPr>
+              <a:t>dynamic</a:t>
+            </a:r>
+            <a:r>
+              <a:rPr lang="en-US" sz="1600" dirty="0">
+                <a:solidFill>
+                  <a:srgbClr val="000000"/>
+                </a:solidFill>
+                <a:latin typeface="Consolas" panose="020B0609020204030204" pitchFamily="49" charset="0"/>
+              </a:rPr>
+              <a:t>&gt;&gt; result5 = _</a:t>
+            </a:r>
+            <a:r>
+              <a:rPr lang="en-US" sz="1600" dirty="0" err="1">
+                <a:solidFill>
+                  <a:srgbClr val="000000"/>
+                </a:solidFill>
+                <a:latin typeface="Consolas" panose="020B0609020204030204" pitchFamily="49" charset="0"/>
+              </a:rPr>
+              <a:t>bucket.UpsertAsync</a:t>
+            </a:r>
+            <a:r>
+              <a:rPr lang="en-US" sz="1600" dirty="0">
+                <a:solidFill>
+                  <a:srgbClr val="000000"/>
+                </a:solidFill>
+                <a:latin typeface="Consolas" panose="020B0609020204030204" pitchFamily="49" charset="0"/>
+              </a:rPr>
+              <a:t>(document);</a:t>
+            </a:r>
+          </a:p>
+          <a:p>
+            <a:r>
+              <a:rPr lang="en-US" sz="1600" dirty="0">
+                <a:solidFill>
+                  <a:srgbClr val="2B91AF"/>
+                </a:solidFill>
+                <a:latin typeface="Consolas" panose="020B0609020204030204" pitchFamily="49" charset="0"/>
+              </a:rPr>
+              <a:t>Task</a:t>
+            </a:r>
+            <a:r>
+              <a:rPr lang="en-US" sz="1600" dirty="0">
+                <a:solidFill>
+                  <a:srgbClr val="000000"/>
+                </a:solidFill>
+                <a:latin typeface="Consolas" panose="020B0609020204030204" pitchFamily="49" charset="0"/>
+              </a:rPr>
+              <a:t>&lt;</a:t>
+            </a:r>
+            <a:r>
+              <a:rPr lang="en-US" sz="1600" dirty="0" err="1">
+                <a:solidFill>
+                  <a:srgbClr val="2B91AF"/>
+                </a:solidFill>
+                <a:latin typeface="Consolas" panose="020B0609020204030204" pitchFamily="49" charset="0"/>
+              </a:rPr>
+              <a:t>IDocumentResult</a:t>
+            </a:r>
+            <a:r>
+              <a:rPr lang="en-US" sz="1600" dirty="0">
+                <a:solidFill>
+                  <a:srgbClr val="000000"/>
+                </a:solidFill>
+                <a:latin typeface="Consolas" panose="020B0609020204030204" pitchFamily="49" charset="0"/>
+              </a:rPr>
+              <a:t>&lt;</a:t>
+            </a:r>
+            <a:r>
+              <a:rPr lang="en-US" sz="1600" dirty="0">
+                <a:solidFill>
+                  <a:srgbClr val="0000FF"/>
+                </a:solidFill>
+                <a:latin typeface="Consolas" panose="020B0609020204030204" pitchFamily="49" charset="0"/>
+              </a:rPr>
+              <a:t>dynamic</a:t>
+            </a:r>
+            <a:r>
+              <a:rPr lang="en-US" sz="1600" dirty="0">
+                <a:solidFill>
+                  <a:srgbClr val="000000"/>
+                </a:solidFill>
+                <a:latin typeface="Consolas" panose="020B0609020204030204" pitchFamily="49" charset="0"/>
+              </a:rPr>
+              <a:t>&gt;&gt; result6 = _</a:t>
+            </a:r>
+            <a:r>
+              <a:rPr lang="en-US" sz="1600" dirty="0" err="1">
+                <a:solidFill>
+                  <a:srgbClr val="000000"/>
+                </a:solidFill>
+                <a:latin typeface="Consolas" panose="020B0609020204030204" pitchFamily="49" charset="0"/>
+              </a:rPr>
+              <a:t>bucket.ReplaceAsync</a:t>
+            </a:r>
+            <a:r>
+              <a:rPr lang="en-US" sz="1600" dirty="0">
+                <a:solidFill>
+                  <a:srgbClr val="000000"/>
+                </a:solidFill>
+                <a:latin typeface="Consolas" panose="020B0609020204030204" pitchFamily="49" charset="0"/>
+              </a:rPr>
+              <a:t>(document);</a:t>
+            </a:r>
+          </a:p>
+          <a:p>
+            <a:endParaRPr lang="en-US" sz="900" dirty="0">
+              <a:solidFill>
+                <a:srgbClr val="000000"/>
+              </a:solidFill>
+              <a:latin typeface="Consolas" panose="020B0609020204030204" pitchFamily="49" charset="0"/>
+            </a:endParaRPr>
+          </a:p>
+          <a:p>
+            <a:r>
+              <a:rPr lang="en-US" sz="1600" dirty="0">
+                <a:solidFill>
+                  <a:srgbClr val="2B91AF"/>
+                </a:solidFill>
+                <a:latin typeface="Consolas" panose="020B0609020204030204" pitchFamily="49" charset="0"/>
+              </a:rPr>
+              <a:t>Task</a:t>
+            </a:r>
+            <a:r>
+              <a:rPr lang="en-US" sz="1600" dirty="0">
+                <a:solidFill>
+                  <a:srgbClr val="000000"/>
+                </a:solidFill>
+                <a:latin typeface="Consolas" panose="020B0609020204030204" pitchFamily="49" charset="0"/>
+              </a:rPr>
+              <a:t>&lt;</a:t>
+            </a:r>
+            <a:r>
+              <a:rPr lang="en-US" sz="1600" dirty="0" err="1">
+                <a:solidFill>
+                  <a:srgbClr val="2B91AF"/>
+                </a:solidFill>
+                <a:latin typeface="Consolas" panose="020B0609020204030204" pitchFamily="49" charset="0"/>
+              </a:rPr>
+              <a:t>IDocumentResult</a:t>
+            </a:r>
+            <a:r>
+              <a:rPr lang="en-US" sz="1600" dirty="0">
+                <a:solidFill>
+                  <a:srgbClr val="000000"/>
+                </a:solidFill>
+                <a:latin typeface="Consolas" panose="020B0609020204030204" pitchFamily="49" charset="0"/>
+              </a:rPr>
+              <a:t>&lt;</a:t>
+            </a:r>
+            <a:r>
+              <a:rPr lang="en-US" sz="1600" dirty="0">
+                <a:solidFill>
+                  <a:srgbClr val="0000FF"/>
+                </a:solidFill>
+                <a:latin typeface="Consolas" panose="020B0609020204030204" pitchFamily="49" charset="0"/>
+              </a:rPr>
+              <a:t>dynamic</a:t>
+            </a:r>
+            <a:r>
+              <a:rPr lang="en-US" sz="1600" dirty="0">
+                <a:solidFill>
+                  <a:srgbClr val="000000"/>
+                </a:solidFill>
+                <a:latin typeface="Consolas" panose="020B0609020204030204" pitchFamily="49" charset="0"/>
+              </a:rPr>
+              <a:t>&gt;[]&gt; result7 = _</a:t>
+            </a:r>
+            <a:r>
+              <a:rPr lang="en-US" sz="1600" dirty="0" err="1">
+                <a:solidFill>
+                  <a:srgbClr val="000000"/>
+                </a:solidFill>
+                <a:latin typeface="Consolas" panose="020B0609020204030204" pitchFamily="49" charset="0"/>
+              </a:rPr>
+              <a:t>bucket.InsertAsync</a:t>
+            </a:r>
+            <a:r>
+              <a:rPr lang="en-US" sz="1600" dirty="0">
+                <a:solidFill>
+                  <a:srgbClr val="000000"/>
+                </a:solidFill>
+                <a:latin typeface="Consolas" panose="020B0609020204030204" pitchFamily="49" charset="0"/>
+              </a:rPr>
+              <a:t>(</a:t>
+            </a:r>
+          </a:p>
+          <a:p>
+            <a:r>
+              <a:rPr lang="en-US" sz="1600" dirty="0">
+                <a:solidFill>
+                  <a:srgbClr val="0000FF"/>
+                </a:solidFill>
+                <a:latin typeface="Consolas" panose="020B0609020204030204" pitchFamily="49" charset="0"/>
+              </a:rPr>
+              <a:t>	new</a:t>
+            </a:r>
+            <a:r>
+              <a:rPr lang="en-US" sz="1600" dirty="0">
+                <a:solidFill>
+                  <a:srgbClr val="000000"/>
+                </a:solidFill>
+                <a:latin typeface="Consolas" panose="020B0609020204030204" pitchFamily="49" charset="0"/>
+              </a:rPr>
+              <a:t> </a:t>
+            </a:r>
+            <a:r>
+              <a:rPr lang="en-US" sz="1600" dirty="0">
+                <a:solidFill>
+                  <a:srgbClr val="2B91AF"/>
+                </a:solidFill>
+                <a:latin typeface="Consolas" panose="020B0609020204030204" pitchFamily="49" charset="0"/>
+              </a:rPr>
+              <a:t>List</a:t>
+            </a:r>
+            <a:r>
+              <a:rPr lang="en-US" sz="1600" dirty="0">
+                <a:solidFill>
+                  <a:srgbClr val="000000"/>
+                </a:solidFill>
+                <a:latin typeface="Consolas" panose="020B0609020204030204" pitchFamily="49" charset="0"/>
+              </a:rPr>
+              <a:t>&lt;</a:t>
+            </a:r>
+            <a:r>
+              <a:rPr lang="en-US" sz="1600" dirty="0" err="1">
+                <a:solidFill>
+                  <a:srgbClr val="2B91AF"/>
+                </a:solidFill>
+                <a:latin typeface="Consolas" panose="020B0609020204030204" pitchFamily="49" charset="0"/>
+              </a:rPr>
+              <a:t>IDocument</a:t>
+            </a:r>
+            <a:r>
+              <a:rPr lang="en-US" sz="1600" dirty="0">
+                <a:solidFill>
+                  <a:srgbClr val="000000"/>
+                </a:solidFill>
+                <a:latin typeface="Consolas" panose="020B0609020204030204" pitchFamily="49" charset="0"/>
+              </a:rPr>
+              <a:t>&lt;</a:t>
+            </a:r>
+            <a:r>
+              <a:rPr lang="en-US" sz="1600" dirty="0">
+                <a:solidFill>
+                  <a:srgbClr val="0000FF"/>
+                </a:solidFill>
+                <a:latin typeface="Consolas" panose="020B0609020204030204" pitchFamily="49" charset="0"/>
+              </a:rPr>
+              <a:t>dynamic</a:t>
+            </a:r>
+            <a:r>
+              <a:rPr lang="en-US" sz="1600" dirty="0">
+                <a:solidFill>
+                  <a:srgbClr val="000000"/>
+                </a:solidFill>
+                <a:latin typeface="Consolas" panose="020B0609020204030204" pitchFamily="49" charset="0"/>
+              </a:rPr>
+              <a:t>&gt;&gt; { document, document2 });</a:t>
+            </a:r>
+          </a:p>
+          <a:p>
+            <a:r>
+              <a:rPr lang="en-US" sz="1600" dirty="0">
+                <a:solidFill>
+                  <a:srgbClr val="2B91AF"/>
+                </a:solidFill>
+                <a:latin typeface="Consolas" panose="020B0609020204030204" pitchFamily="49" charset="0"/>
+              </a:rPr>
+              <a:t>Task</a:t>
+            </a:r>
+            <a:r>
+              <a:rPr lang="en-US" sz="1600" dirty="0">
+                <a:solidFill>
+                  <a:srgbClr val="000000"/>
+                </a:solidFill>
+                <a:latin typeface="Consolas" panose="020B0609020204030204" pitchFamily="49" charset="0"/>
+              </a:rPr>
+              <a:t>&lt;</a:t>
+            </a:r>
+            <a:r>
+              <a:rPr lang="en-US" sz="1600" dirty="0" err="1">
+                <a:solidFill>
+                  <a:srgbClr val="2B91AF"/>
+                </a:solidFill>
+                <a:latin typeface="Consolas" panose="020B0609020204030204" pitchFamily="49" charset="0"/>
+              </a:rPr>
+              <a:t>IDocumentResult</a:t>
+            </a:r>
+            <a:r>
+              <a:rPr lang="en-US" sz="1600" dirty="0">
+                <a:solidFill>
+                  <a:srgbClr val="000000"/>
+                </a:solidFill>
+                <a:latin typeface="Consolas" panose="020B0609020204030204" pitchFamily="49" charset="0"/>
+              </a:rPr>
+              <a:t>&lt;</a:t>
+            </a:r>
+            <a:r>
+              <a:rPr lang="en-US" sz="1600" dirty="0">
+                <a:solidFill>
+                  <a:srgbClr val="0000FF"/>
+                </a:solidFill>
+                <a:latin typeface="Consolas" panose="020B0609020204030204" pitchFamily="49" charset="0"/>
+              </a:rPr>
+              <a:t>dynamic</a:t>
+            </a:r>
+            <a:r>
+              <a:rPr lang="en-US" sz="1600" dirty="0">
+                <a:solidFill>
+                  <a:srgbClr val="000000"/>
+                </a:solidFill>
+                <a:latin typeface="Consolas" panose="020B0609020204030204" pitchFamily="49" charset="0"/>
+              </a:rPr>
+              <a:t>&gt;[]&gt; result8 = _</a:t>
+            </a:r>
+            <a:r>
+              <a:rPr lang="en-US" sz="1600" dirty="0" err="1">
+                <a:solidFill>
+                  <a:srgbClr val="000000"/>
+                </a:solidFill>
+                <a:latin typeface="Consolas" panose="020B0609020204030204" pitchFamily="49" charset="0"/>
+              </a:rPr>
+              <a:t>bucket.UpsertAsync</a:t>
+            </a:r>
+            <a:r>
+              <a:rPr lang="en-US" sz="1600" dirty="0">
+                <a:solidFill>
+                  <a:srgbClr val="000000"/>
+                </a:solidFill>
+                <a:latin typeface="Consolas" panose="020B0609020204030204" pitchFamily="49" charset="0"/>
+              </a:rPr>
+              <a:t>(</a:t>
+            </a:r>
+          </a:p>
+          <a:p>
+            <a:r>
+              <a:rPr lang="en-US" sz="1600" dirty="0">
+                <a:solidFill>
+                  <a:srgbClr val="0000FF"/>
+                </a:solidFill>
+                <a:latin typeface="Consolas" panose="020B0609020204030204" pitchFamily="49" charset="0"/>
+              </a:rPr>
+              <a:t>	new</a:t>
+            </a:r>
+            <a:r>
+              <a:rPr lang="en-US" sz="1600" dirty="0">
+                <a:solidFill>
+                  <a:srgbClr val="000000"/>
+                </a:solidFill>
+                <a:latin typeface="Consolas" panose="020B0609020204030204" pitchFamily="49" charset="0"/>
+              </a:rPr>
+              <a:t> </a:t>
+            </a:r>
+            <a:r>
+              <a:rPr lang="en-US" sz="1600" dirty="0">
+                <a:solidFill>
+                  <a:srgbClr val="2B91AF"/>
+                </a:solidFill>
+                <a:latin typeface="Consolas" panose="020B0609020204030204" pitchFamily="49" charset="0"/>
+              </a:rPr>
+              <a:t>List</a:t>
+            </a:r>
+            <a:r>
+              <a:rPr lang="en-US" sz="1600" dirty="0">
+                <a:solidFill>
+                  <a:srgbClr val="000000"/>
+                </a:solidFill>
+                <a:latin typeface="Consolas" panose="020B0609020204030204" pitchFamily="49" charset="0"/>
+              </a:rPr>
+              <a:t>&lt;</a:t>
+            </a:r>
+            <a:r>
+              <a:rPr lang="en-US" sz="1600" dirty="0" err="1">
+                <a:solidFill>
+                  <a:srgbClr val="2B91AF"/>
+                </a:solidFill>
+                <a:latin typeface="Consolas" panose="020B0609020204030204" pitchFamily="49" charset="0"/>
+              </a:rPr>
+              <a:t>IDocument</a:t>
+            </a:r>
+            <a:r>
+              <a:rPr lang="en-US" sz="1600" dirty="0">
+                <a:solidFill>
+                  <a:srgbClr val="000000"/>
+                </a:solidFill>
+                <a:latin typeface="Consolas" panose="020B0609020204030204" pitchFamily="49" charset="0"/>
+              </a:rPr>
+              <a:t>&lt;</a:t>
+            </a:r>
+            <a:r>
+              <a:rPr lang="en-US" sz="1600" dirty="0">
+                <a:solidFill>
+                  <a:srgbClr val="0000FF"/>
+                </a:solidFill>
+                <a:latin typeface="Consolas" panose="020B0609020204030204" pitchFamily="49" charset="0"/>
+              </a:rPr>
+              <a:t>dynamic</a:t>
+            </a:r>
+            <a:r>
+              <a:rPr lang="en-US" sz="1600" dirty="0">
+                <a:solidFill>
+                  <a:srgbClr val="000000"/>
+                </a:solidFill>
+                <a:latin typeface="Consolas" panose="020B0609020204030204" pitchFamily="49" charset="0"/>
+              </a:rPr>
+              <a:t>&gt;&gt; { document, document2 });</a:t>
+            </a:r>
+          </a:p>
+          <a:p>
+            <a:r>
+              <a:rPr lang="en-US" sz="1600" dirty="0">
+                <a:solidFill>
+                  <a:srgbClr val="2B91AF"/>
+                </a:solidFill>
+                <a:latin typeface="Consolas" panose="020B0609020204030204" pitchFamily="49" charset="0"/>
+              </a:rPr>
+              <a:t>Task</a:t>
+            </a:r>
+            <a:r>
+              <a:rPr lang="en-US" sz="1600" dirty="0">
+                <a:solidFill>
+                  <a:srgbClr val="000000"/>
+                </a:solidFill>
+                <a:latin typeface="Consolas" panose="020B0609020204030204" pitchFamily="49" charset="0"/>
+              </a:rPr>
+              <a:t>&lt;</a:t>
+            </a:r>
+            <a:r>
+              <a:rPr lang="en-US" sz="1600" dirty="0" err="1">
+                <a:solidFill>
+                  <a:srgbClr val="2B91AF"/>
+                </a:solidFill>
+                <a:latin typeface="Consolas" panose="020B0609020204030204" pitchFamily="49" charset="0"/>
+              </a:rPr>
+              <a:t>IDocumentResult</a:t>
+            </a:r>
+            <a:r>
+              <a:rPr lang="en-US" sz="1600" dirty="0">
+                <a:solidFill>
+                  <a:srgbClr val="000000"/>
+                </a:solidFill>
+                <a:latin typeface="Consolas" panose="020B0609020204030204" pitchFamily="49" charset="0"/>
+              </a:rPr>
+              <a:t>&lt;</a:t>
+            </a:r>
+            <a:r>
+              <a:rPr lang="en-US" sz="1600" dirty="0">
+                <a:solidFill>
+                  <a:srgbClr val="0000FF"/>
+                </a:solidFill>
+                <a:latin typeface="Consolas" panose="020B0609020204030204" pitchFamily="49" charset="0"/>
+              </a:rPr>
+              <a:t>dynamic</a:t>
+            </a:r>
+            <a:r>
+              <a:rPr lang="en-US" sz="1600" dirty="0">
+                <a:solidFill>
+                  <a:srgbClr val="000000"/>
+                </a:solidFill>
+                <a:latin typeface="Consolas" panose="020B0609020204030204" pitchFamily="49" charset="0"/>
+              </a:rPr>
+              <a:t>&gt;[]&gt; result9 = _</a:t>
+            </a:r>
+            <a:r>
+              <a:rPr lang="en-US" sz="1600" dirty="0" err="1">
+                <a:solidFill>
+                  <a:srgbClr val="000000"/>
+                </a:solidFill>
+                <a:latin typeface="Consolas" panose="020B0609020204030204" pitchFamily="49" charset="0"/>
+              </a:rPr>
+              <a:t>bucket.ReplaceAsync</a:t>
+            </a:r>
+            <a:r>
+              <a:rPr lang="en-US" sz="1600" dirty="0">
+                <a:solidFill>
+                  <a:srgbClr val="000000"/>
+                </a:solidFill>
+                <a:latin typeface="Consolas" panose="020B0609020204030204" pitchFamily="49" charset="0"/>
+              </a:rPr>
+              <a:t>(</a:t>
+            </a:r>
+          </a:p>
+          <a:p>
+            <a:r>
+              <a:rPr lang="en-US" sz="1600" dirty="0">
+                <a:solidFill>
+                  <a:srgbClr val="0000FF"/>
+                </a:solidFill>
+                <a:latin typeface="Consolas" panose="020B0609020204030204" pitchFamily="49" charset="0"/>
+              </a:rPr>
+              <a:t>	new</a:t>
+            </a:r>
+            <a:r>
+              <a:rPr lang="en-US" sz="1600" dirty="0">
+                <a:solidFill>
+                  <a:srgbClr val="000000"/>
+                </a:solidFill>
+                <a:latin typeface="Consolas" panose="020B0609020204030204" pitchFamily="49" charset="0"/>
+              </a:rPr>
+              <a:t> </a:t>
+            </a:r>
+            <a:r>
+              <a:rPr lang="en-US" sz="1600" dirty="0">
+                <a:solidFill>
+                  <a:srgbClr val="2B91AF"/>
+                </a:solidFill>
+                <a:latin typeface="Consolas" panose="020B0609020204030204" pitchFamily="49" charset="0"/>
+              </a:rPr>
+              <a:t>List</a:t>
+            </a:r>
+            <a:r>
+              <a:rPr lang="en-US" sz="1600" dirty="0">
+                <a:solidFill>
+                  <a:srgbClr val="000000"/>
+                </a:solidFill>
+                <a:latin typeface="Consolas" panose="020B0609020204030204" pitchFamily="49" charset="0"/>
+              </a:rPr>
+              <a:t>&lt;</a:t>
+            </a:r>
+            <a:r>
+              <a:rPr lang="en-US" sz="1600" dirty="0" err="1">
+                <a:solidFill>
+                  <a:srgbClr val="2B91AF"/>
+                </a:solidFill>
+                <a:latin typeface="Consolas" panose="020B0609020204030204" pitchFamily="49" charset="0"/>
+              </a:rPr>
+              <a:t>IDocument</a:t>
+            </a:r>
+            <a:r>
+              <a:rPr lang="en-US" sz="1600" dirty="0">
+                <a:solidFill>
+                  <a:srgbClr val="000000"/>
+                </a:solidFill>
+                <a:latin typeface="Consolas" panose="020B0609020204030204" pitchFamily="49" charset="0"/>
+              </a:rPr>
+              <a:t>&lt;</a:t>
+            </a:r>
+            <a:r>
+              <a:rPr lang="en-US" sz="1600" dirty="0">
+                <a:solidFill>
+                  <a:srgbClr val="0000FF"/>
+                </a:solidFill>
+                <a:latin typeface="Consolas" panose="020B0609020204030204" pitchFamily="49" charset="0"/>
+              </a:rPr>
+              <a:t>dynamic</a:t>
+            </a:r>
+            <a:r>
+              <a:rPr lang="en-US" sz="1600" dirty="0">
+                <a:solidFill>
+                  <a:srgbClr val="000000"/>
+                </a:solidFill>
+                <a:latin typeface="Consolas" panose="020B0609020204030204" pitchFamily="49" charset="0"/>
+              </a:rPr>
+              <a:t>&gt;&gt; { document, document2 });</a:t>
+            </a:r>
+          </a:p>
+        </p:txBody>
+      </p:sp>
+    </p:spTree>
+    <p:extLst>
+      <p:ext uri="{BB962C8B-B14F-4D97-AF65-F5344CB8AC3E}">
+        <p14:creationId xmlns:p14="http://schemas.microsoft.com/office/powerpoint/2010/main" val="337283719"/>
+      </p:ext>
+    </p:extLst>
+  </p:cSld>
+  <p:clrMapOvr>
+    <a:masterClrMapping/>
+  </p:clrMapOvr>
+</p:sld>
+</file>
+
+<file path=ppt/slides/slide17.xml><?xml version="1.0" encoding="utf-8"?>
+<p:sld xmlns:a="http://schemas.openxmlformats.org/drawingml/2006/main" xmlns:r="http://schemas.openxmlformats.org/officeDocument/2006/relationships" xmlns:p="http://schemas.openxmlformats.org/presentationml/2006/main">
+  <p:cSld>
+    <p:spTree>
+      <p:nvGrpSpPr>
+        <p:cNvPr id="1" name=""/>
+        <p:cNvGrpSpPr/>
+        <p:nvPr/>
+      </p:nvGrpSpPr>
+      <p:grpSpPr>
+        <a:xfrm>
+          <a:off x="0" y="0"/>
+          <a:ext cx="0" cy="0"/>
+          <a:chOff x="0" y="0"/>
+          <a:chExt cx="0" cy="0"/>
+        </a:xfrm>
+      </p:grpSpPr>
+      <p:sp>
+        <p:nvSpPr>
+          <p:cNvPr id="2" name="Title 1"/>
+          <p:cNvSpPr>
+            <a:spLocks noGrp="1"/>
+          </p:cNvSpPr>
+          <p:nvPr>
+            <p:ph type="title"/>
+          </p:nvPr>
+        </p:nvSpPr>
+        <p:spPr>
+          <a:xfrm>
+            <a:off x="198157" y="47334"/>
+            <a:ext cx="7998595" cy="537337"/>
+          </a:xfrm>
+        </p:spPr>
+        <p:txBody>
+          <a:bodyPr/>
+          <a:lstStyle/>
+          <a:p>
+            <a:r>
+              <a:rPr lang="en-US" dirty="0"/>
+              <a:t>Getting document(s) by key(s)</a:t>
+            </a:r>
+          </a:p>
+        </p:txBody>
+      </p:sp>
+      <p:sp>
+        <p:nvSpPr>
+          <p:cNvPr id="4" name="Rectangle 3"/>
+          <p:cNvSpPr/>
+          <p:nvPr/>
+        </p:nvSpPr>
+        <p:spPr>
+          <a:xfrm>
+            <a:off x="198157" y="1538584"/>
+            <a:ext cx="8869643" cy="1985159"/>
+          </a:xfrm>
+          <a:prstGeom prst="rect">
+            <a:avLst/>
+          </a:prstGeom>
+        </p:spPr>
+        <p:txBody>
+          <a:bodyPr wrap="square">
+            <a:spAutoFit/>
+          </a:bodyPr>
+          <a:lstStyle/>
+          <a:p>
+            <a:r>
+              <a:rPr lang="en-US" dirty="0" err="1">
+                <a:solidFill>
+                  <a:srgbClr val="2B91AF"/>
+                </a:solidFill>
+                <a:latin typeface="Consolas" panose="020B0609020204030204" pitchFamily="49" charset="0"/>
+              </a:rPr>
+              <a:t>IOperationResult</a:t>
+            </a:r>
+            <a:r>
+              <a:rPr lang="en-US" dirty="0">
+                <a:solidFill>
+                  <a:srgbClr val="000000"/>
+                </a:solidFill>
+                <a:latin typeface="Consolas" panose="020B0609020204030204" pitchFamily="49" charset="0"/>
+              </a:rPr>
+              <a:t>&lt;</a:t>
+            </a:r>
+            <a:r>
+              <a:rPr lang="en-US" dirty="0">
+                <a:solidFill>
+                  <a:srgbClr val="0000FF"/>
+                </a:solidFill>
+                <a:latin typeface="Consolas" panose="020B0609020204030204" pitchFamily="49" charset="0"/>
+              </a:rPr>
+              <a:t>dynamic</a:t>
+            </a:r>
+            <a:r>
+              <a:rPr lang="en-US" dirty="0">
+                <a:solidFill>
+                  <a:srgbClr val="000000"/>
+                </a:solidFill>
+                <a:latin typeface="Consolas" panose="020B0609020204030204" pitchFamily="49" charset="0"/>
+              </a:rPr>
+              <a:t>&gt; </a:t>
+            </a:r>
+            <a:r>
+              <a:rPr lang="en-US" dirty="0" err="1">
+                <a:solidFill>
+                  <a:srgbClr val="000000"/>
+                </a:solidFill>
+                <a:latin typeface="Consolas" panose="020B0609020204030204" pitchFamily="49" charset="0"/>
+              </a:rPr>
+              <a:t>aDocument</a:t>
+            </a:r>
+            <a:r>
+              <a:rPr lang="en-US" dirty="0">
+                <a:solidFill>
+                  <a:srgbClr val="000000"/>
+                </a:solidFill>
+                <a:latin typeface="Consolas" panose="020B0609020204030204" pitchFamily="49" charset="0"/>
+              </a:rPr>
+              <a:t> = _</a:t>
+            </a:r>
+            <a:r>
+              <a:rPr lang="en-US" dirty="0" err="1">
+                <a:solidFill>
+                  <a:srgbClr val="000000"/>
+                </a:solidFill>
+                <a:latin typeface="Consolas" panose="020B0609020204030204" pitchFamily="49" charset="0"/>
+              </a:rPr>
+              <a:t>bucket.Get</a:t>
+            </a:r>
+            <a:r>
+              <a:rPr lang="en-US" dirty="0">
+                <a:solidFill>
+                  <a:srgbClr val="000000"/>
+                </a:solidFill>
+                <a:latin typeface="Consolas" panose="020B0609020204030204" pitchFamily="49" charset="0"/>
+              </a:rPr>
+              <a:t>&lt;</a:t>
+            </a:r>
+            <a:r>
+              <a:rPr lang="en-US" dirty="0">
+                <a:solidFill>
+                  <a:srgbClr val="0000FF"/>
+                </a:solidFill>
+                <a:latin typeface="Consolas" panose="020B0609020204030204" pitchFamily="49" charset="0"/>
+              </a:rPr>
+              <a:t>dynamic</a:t>
+            </a:r>
+            <a:r>
+              <a:rPr lang="en-US" dirty="0">
+                <a:solidFill>
+                  <a:srgbClr val="000000"/>
+                </a:solidFill>
+                <a:latin typeface="Consolas" panose="020B0609020204030204" pitchFamily="49" charset="0"/>
+              </a:rPr>
+              <a:t>&gt;(</a:t>
+            </a:r>
+            <a:r>
+              <a:rPr lang="en-US" dirty="0">
+                <a:solidFill>
+                  <a:srgbClr val="A31515"/>
+                </a:solidFill>
+                <a:latin typeface="Consolas" panose="020B0609020204030204" pitchFamily="49" charset="0"/>
+              </a:rPr>
+              <a:t>"key"</a:t>
+            </a:r>
+            <a:r>
+              <a:rPr lang="en-US" dirty="0">
+                <a:solidFill>
+                  <a:srgbClr val="000000"/>
+                </a:solidFill>
+                <a:latin typeface="Consolas" panose="020B0609020204030204" pitchFamily="49" charset="0"/>
+              </a:rPr>
+              <a:t>);</a:t>
+            </a:r>
+          </a:p>
+          <a:p>
+            <a:endParaRPr lang="en-US" sz="900" dirty="0">
+              <a:solidFill>
+                <a:srgbClr val="000000"/>
+              </a:solidFill>
+              <a:latin typeface="Consolas" panose="020B0609020204030204" pitchFamily="49" charset="0"/>
+            </a:endParaRPr>
+          </a:p>
+          <a:p>
+            <a:endParaRPr lang="en-US" sz="900" dirty="0">
+              <a:solidFill>
+                <a:srgbClr val="000000"/>
+              </a:solidFill>
+              <a:latin typeface="Consolas" panose="020B0609020204030204" pitchFamily="49" charset="0"/>
+            </a:endParaRPr>
+          </a:p>
+          <a:p>
+            <a:endParaRPr lang="en-US" sz="900" dirty="0">
+              <a:solidFill>
+                <a:srgbClr val="000000"/>
+              </a:solidFill>
+              <a:latin typeface="Consolas" panose="020B0609020204030204" pitchFamily="49" charset="0"/>
+            </a:endParaRPr>
+          </a:p>
+          <a:p>
+            <a:endParaRPr lang="en-US" sz="900" dirty="0">
+              <a:solidFill>
+                <a:srgbClr val="000000"/>
+              </a:solidFill>
+              <a:latin typeface="Consolas" panose="020B0609020204030204" pitchFamily="49" charset="0"/>
+            </a:endParaRPr>
+          </a:p>
+          <a:p>
+            <a:endParaRPr lang="en-US" sz="900" dirty="0">
+              <a:solidFill>
+                <a:srgbClr val="000000"/>
+              </a:solidFill>
+              <a:latin typeface="Consolas" panose="020B0609020204030204" pitchFamily="49" charset="0"/>
+            </a:endParaRPr>
+          </a:p>
+          <a:p>
+            <a:endParaRPr lang="en-US" sz="900" dirty="0">
+              <a:solidFill>
+                <a:srgbClr val="000000"/>
+              </a:solidFill>
+              <a:latin typeface="Consolas" panose="020B0609020204030204" pitchFamily="49" charset="0"/>
+            </a:endParaRPr>
+          </a:p>
+          <a:p>
+            <a:endParaRPr lang="en-US" sz="900" dirty="0">
+              <a:solidFill>
+                <a:srgbClr val="000000"/>
+              </a:solidFill>
+              <a:latin typeface="Consolas" panose="020B0609020204030204" pitchFamily="49" charset="0"/>
+            </a:endParaRPr>
+          </a:p>
+          <a:p>
+            <a:r>
+              <a:rPr lang="en-US" sz="1400" dirty="0" err="1">
+                <a:solidFill>
+                  <a:srgbClr val="2B91AF"/>
+                </a:solidFill>
+                <a:latin typeface="Consolas" panose="020B0609020204030204" pitchFamily="49" charset="0"/>
+              </a:rPr>
+              <a:t>IDictionary</a:t>
+            </a:r>
+            <a:r>
+              <a:rPr lang="en-US" sz="1400" dirty="0">
+                <a:solidFill>
+                  <a:srgbClr val="000000"/>
+                </a:solidFill>
+                <a:latin typeface="Consolas" panose="020B0609020204030204" pitchFamily="49" charset="0"/>
+              </a:rPr>
+              <a:t>&lt;</a:t>
+            </a:r>
+            <a:r>
+              <a:rPr lang="en-US" sz="1400" dirty="0">
+                <a:solidFill>
+                  <a:srgbClr val="0000FF"/>
+                </a:solidFill>
+                <a:latin typeface="Consolas" panose="020B0609020204030204" pitchFamily="49" charset="0"/>
+              </a:rPr>
+              <a:t>string</a:t>
+            </a:r>
+            <a:r>
+              <a:rPr lang="en-US" sz="1400" dirty="0">
+                <a:solidFill>
+                  <a:srgbClr val="000000"/>
+                </a:solidFill>
+                <a:latin typeface="Consolas" panose="020B0609020204030204" pitchFamily="49" charset="0"/>
+              </a:rPr>
+              <a:t>, </a:t>
+            </a:r>
+            <a:r>
+              <a:rPr lang="en-US" sz="1400" dirty="0" err="1">
+                <a:solidFill>
+                  <a:srgbClr val="2B91AF"/>
+                </a:solidFill>
+                <a:latin typeface="Consolas" panose="020B0609020204030204" pitchFamily="49" charset="0"/>
+              </a:rPr>
+              <a:t>IOperationResult</a:t>
+            </a:r>
+            <a:r>
+              <a:rPr lang="en-US" sz="1400" dirty="0">
+                <a:solidFill>
+                  <a:srgbClr val="000000"/>
+                </a:solidFill>
+                <a:latin typeface="Consolas" panose="020B0609020204030204" pitchFamily="49" charset="0"/>
+              </a:rPr>
+              <a:t>&lt;</a:t>
+            </a:r>
+            <a:r>
+              <a:rPr lang="en-US" sz="1400" dirty="0">
+                <a:solidFill>
+                  <a:srgbClr val="0000FF"/>
+                </a:solidFill>
+                <a:latin typeface="Consolas" panose="020B0609020204030204" pitchFamily="49" charset="0"/>
+              </a:rPr>
+              <a:t>dynamic</a:t>
+            </a:r>
+            <a:r>
+              <a:rPr lang="en-US" sz="1400" dirty="0">
+                <a:solidFill>
+                  <a:srgbClr val="000000"/>
+                </a:solidFill>
+                <a:latin typeface="Consolas" panose="020B0609020204030204" pitchFamily="49" charset="0"/>
+              </a:rPr>
+              <a:t>&gt;&gt; </a:t>
+            </a:r>
+            <a:r>
+              <a:rPr lang="en-US" sz="1400" dirty="0" err="1">
+                <a:solidFill>
+                  <a:srgbClr val="000000"/>
+                </a:solidFill>
+                <a:latin typeface="Consolas" panose="020B0609020204030204" pitchFamily="49" charset="0"/>
+              </a:rPr>
+              <a:t>multipleDocuments</a:t>
+            </a:r>
+            <a:r>
+              <a:rPr lang="en-US" sz="1400" dirty="0">
+                <a:solidFill>
+                  <a:srgbClr val="000000"/>
+                </a:solidFill>
+                <a:latin typeface="Consolas" panose="020B0609020204030204" pitchFamily="49" charset="0"/>
+              </a:rPr>
+              <a:t> = _</a:t>
+            </a:r>
+            <a:r>
+              <a:rPr lang="en-US" sz="1400" dirty="0" err="1">
+                <a:solidFill>
+                  <a:srgbClr val="000000"/>
+                </a:solidFill>
+                <a:latin typeface="Consolas" panose="020B0609020204030204" pitchFamily="49" charset="0"/>
+              </a:rPr>
+              <a:t>bucket.Get</a:t>
+            </a:r>
+            <a:r>
+              <a:rPr lang="en-US" sz="1400" dirty="0">
+                <a:solidFill>
+                  <a:srgbClr val="000000"/>
+                </a:solidFill>
+                <a:latin typeface="Consolas" panose="020B0609020204030204" pitchFamily="49" charset="0"/>
+              </a:rPr>
+              <a:t>&lt;</a:t>
+            </a:r>
+            <a:r>
+              <a:rPr lang="en-US" sz="1400" dirty="0">
+                <a:solidFill>
+                  <a:srgbClr val="0000FF"/>
+                </a:solidFill>
+                <a:latin typeface="Consolas" panose="020B0609020204030204" pitchFamily="49" charset="0"/>
+              </a:rPr>
+              <a:t>dynamic</a:t>
+            </a:r>
+            <a:r>
+              <a:rPr lang="en-US" sz="1400" dirty="0">
+                <a:solidFill>
+                  <a:srgbClr val="000000"/>
+                </a:solidFill>
+                <a:latin typeface="Consolas" panose="020B0609020204030204" pitchFamily="49" charset="0"/>
+              </a:rPr>
+              <a:t>&gt;(</a:t>
+            </a:r>
+          </a:p>
+          <a:p>
+            <a:r>
+              <a:rPr lang="en-US" sz="1400" dirty="0">
+                <a:solidFill>
+                  <a:srgbClr val="000000"/>
+                </a:solidFill>
+                <a:latin typeface="Consolas" panose="020B0609020204030204" pitchFamily="49" charset="0"/>
+              </a:rPr>
+              <a:t>    </a:t>
+            </a:r>
+            <a:r>
+              <a:rPr lang="en-US" sz="1400" dirty="0">
+                <a:solidFill>
+                  <a:srgbClr val="0000FF"/>
+                </a:solidFill>
+                <a:latin typeface="Consolas" panose="020B0609020204030204" pitchFamily="49" charset="0"/>
+              </a:rPr>
+              <a:t>new</a:t>
+            </a:r>
+            <a:r>
+              <a:rPr lang="en-US" sz="1400" dirty="0">
+                <a:solidFill>
+                  <a:srgbClr val="000000"/>
+                </a:solidFill>
+                <a:latin typeface="Consolas" panose="020B0609020204030204" pitchFamily="49" charset="0"/>
+              </a:rPr>
+              <a:t> </a:t>
+            </a:r>
+            <a:r>
+              <a:rPr lang="en-US" sz="1400" dirty="0">
+                <a:solidFill>
+                  <a:srgbClr val="2B91AF"/>
+                </a:solidFill>
+                <a:latin typeface="Consolas" panose="020B0609020204030204" pitchFamily="49" charset="0"/>
+              </a:rPr>
+              <a:t>List</a:t>
+            </a:r>
+            <a:r>
+              <a:rPr lang="en-US" sz="1400" dirty="0">
+                <a:solidFill>
+                  <a:srgbClr val="000000"/>
+                </a:solidFill>
+                <a:latin typeface="Consolas" panose="020B0609020204030204" pitchFamily="49" charset="0"/>
+              </a:rPr>
+              <a:t>&lt;</a:t>
+            </a:r>
+            <a:r>
+              <a:rPr lang="en-US" sz="1400" dirty="0">
+                <a:solidFill>
+                  <a:srgbClr val="0000FF"/>
+                </a:solidFill>
+                <a:latin typeface="Consolas" panose="020B0609020204030204" pitchFamily="49" charset="0"/>
+              </a:rPr>
+              <a:t>string</a:t>
+            </a:r>
+            <a:r>
+              <a:rPr lang="en-US" sz="1400" dirty="0">
+                <a:solidFill>
+                  <a:srgbClr val="000000"/>
+                </a:solidFill>
+                <a:latin typeface="Consolas" panose="020B0609020204030204" pitchFamily="49" charset="0"/>
+              </a:rPr>
+              <a:t>&gt; {</a:t>
+            </a:r>
+            <a:r>
+              <a:rPr lang="en-US" sz="1400" dirty="0">
+                <a:solidFill>
+                  <a:srgbClr val="A31515"/>
+                </a:solidFill>
+                <a:latin typeface="Consolas" panose="020B0609020204030204" pitchFamily="49" charset="0"/>
+              </a:rPr>
+              <a:t>"key1"</a:t>
+            </a:r>
+            <a:r>
+              <a:rPr lang="en-US" sz="1400" dirty="0">
+                <a:solidFill>
+                  <a:srgbClr val="000000"/>
+                </a:solidFill>
+                <a:latin typeface="Consolas" panose="020B0609020204030204" pitchFamily="49" charset="0"/>
+              </a:rPr>
+              <a:t>, </a:t>
+            </a:r>
+            <a:r>
+              <a:rPr lang="en-US" sz="1400" dirty="0">
+                <a:solidFill>
+                  <a:srgbClr val="A31515"/>
+                </a:solidFill>
+                <a:latin typeface="Consolas" panose="020B0609020204030204" pitchFamily="49" charset="0"/>
+              </a:rPr>
+              <a:t>"key2"</a:t>
+            </a:r>
+            <a:r>
+              <a:rPr lang="en-US" sz="1400" dirty="0">
+                <a:solidFill>
+                  <a:srgbClr val="000000"/>
+                </a:solidFill>
+                <a:latin typeface="Consolas" panose="020B0609020204030204" pitchFamily="49" charset="0"/>
+              </a:rPr>
+              <a:t>, </a:t>
+            </a:r>
+            <a:r>
+              <a:rPr lang="en-US" sz="1400" dirty="0">
+                <a:solidFill>
+                  <a:srgbClr val="A31515"/>
+                </a:solidFill>
+                <a:latin typeface="Consolas" panose="020B0609020204030204" pitchFamily="49" charset="0"/>
+              </a:rPr>
+              <a:t>"key3"</a:t>
+            </a:r>
+            <a:r>
+              <a:rPr lang="en-US" sz="1400" dirty="0">
+                <a:solidFill>
+                  <a:srgbClr val="000000"/>
+                </a:solidFill>
+                <a:latin typeface="Consolas" panose="020B0609020204030204" pitchFamily="49" charset="0"/>
+              </a:rPr>
+              <a:t>}</a:t>
+            </a:r>
+          </a:p>
+          <a:p>
+            <a:r>
+              <a:rPr lang="en-US" sz="1400" dirty="0">
+                <a:solidFill>
+                  <a:srgbClr val="000000"/>
+                </a:solidFill>
+                <a:latin typeface="Consolas" panose="020B0609020204030204" pitchFamily="49" charset="0"/>
+              </a:rPr>
+              <a:t>);</a:t>
+            </a:r>
+            <a:endParaRPr lang="en-US" sz="3600" dirty="0"/>
+          </a:p>
+        </p:txBody>
+      </p:sp>
+    </p:spTree>
+    <p:extLst>
+      <p:ext uri="{BB962C8B-B14F-4D97-AF65-F5344CB8AC3E}">
+        <p14:creationId xmlns:p14="http://schemas.microsoft.com/office/powerpoint/2010/main" val="298608506"/>
+      </p:ext>
+    </p:extLst>
+  </p:cSld>
+  <p:clrMapOvr>
+    <a:masterClrMapping/>
+  </p:clrMapOvr>
+</p:sld>
+</file>
+
+<file path=ppt/slides/slide18.xml><?xml version="1.0" encoding="utf-8"?>
+<p:sld xmlns:a="http://schemas.openxmlformats.org/drawingml/2006/main" xmlns:r="http://schemas.openxmlformats.org/officeDocument/2006/relationships" xmlns:p="http://schemas.openxmlformats.org/presentationml/2006/main">
+  <p:cSld>
+    <p:spTree>
+      <p:nvGrpSpPr>
+        <p:cNvPr id="1" name=""/>
+        <p:cNvGrpSpPr/>
+        <p:nvPr/>
+      </p:nvGrpSpPr>
+      <p:grpSpPr>
+        <a:xfrm>
+          <a:off x="0" y="0"/>
+          <a:ext cx="0" cy="0"/>
+          <a:chOff x="0" y="0"/>
+          <a:chExt cx="0" cy="0"/>
+        </a:xfrm>
+      </p:grpSpPr>
+      <p:sp>
+        <p:nvSpPr>
+          <p:cNvPr id="2" name="Title 1"/>
+          <p:cNvSpPr>
+            <a:spLocks noGrp="1"/>
+          </p:cNvSpPr>
+          <p:nvPr>
+            <p:ph type="title"/>
+          </p:nvPr>
+        </p:nvSpPr>
+        <p:spPr/>
+        <p:txBody>
+          <a:bodyPr/>
+          <a:lstStyle/>
+          <a:p>
+            <a:r>
+              <a:rPr lang="en-US" dirty="0"/>
+              <a:t>Results</a:t>
+            </a:r>
+          </a:p>
+        </p:txBody>
+      </p:sp>
+      <p:sp>
+        <p:nvSpPr>
+          <p:cNvPr id="3" name="Rectangle 2"/>
+          <p:cNvSpPr/>
+          <p:nvPr/>
+        </p:nvSpPr>
+        <p:spPr>
+          <a:xfrm>
+            <a:off x="2657836" y="814685"/>
+            <a:ext cx="3971924" cy="1384995"/>
+          </a:xfrm>
+          <a:prstGeom prst="rect">
+            <a:avLst/>
+          </a:prstGeom>
+          <a:ln w="15875">
+            <a:solidFill>
+              <a:schemeClr val="accent1"/>
+            </a:solidFill>
+          </a:ln>
+        </p:spPr>
+        <p:txBody>
+          <a:bodyPr wrap="square">
+            <a:spAutoFit/>
+          </a:bodyPr>
+          <a:lstStyle/>
+          <a:p>
+            <a:r>
+              <a:rPr lang="en-US" sz="1400" dirty="0">
+                <a:solidFill>
+                  <a:srgbClr val="0000FF"/>
+                </a:solidFill>
+                <a:latin typeface="Consolas" panose="020B0609020204030204" pitchFamily="49" charset="0"/>
+              </a:rPr>
+              <a:t>public</a:t>
+            </a:r>
+            <a:r>
+              <a:rPr lang="en-US" sz="1400" dirty="0">
+                <a:solidFill>
+                  <a:srgbClr val="000000"/>
+                </a:solidFill>
+                <a:latin typeface="Consolas" panose="020B0609020204030204" pitchFamily="49" charset="0"/>
+              </a:rPr>
+              <a:t> </a:t>
+            </a:r>
+            <a:r>
+              <a:rPr lang="en-US" sz="1400" dirty="0">
+                <a:solidFill>
+                  <a:srgbClr val="0000FF"/>
+                </a:solidFill>
+                <a:latin typeface="Consolas" panose="020B0609020204030204" pitchFamily="49" charset="0"/>
+              </a:rPr>
+              <a:t>interface</a:t>
+            </a:r>
+            <a:r>
+              <a:rPr lang="en-US" sz="1400" dirty="0">
+                <a:solidFill>
+                  <a:srgbClr val="000000"/>
+                </a:solidFill>
+                <a:latin typeface="Consolas" panose="020B0609020204030204" pitchFamily="49" charset="0"/>
+              </a:rPr>
+              <a:t> </a:t>
+            </a:r>
+            <a:r>
+              <a:rPr lang="en-US" sz="1400" dirty="0" err="1">
+                <a:solidFill>
+                  <a:srgbClr val="2B91AF"/>
+                </a:solidFill>
+                <a:latin typeface="Consolas" panose="020B0609020204030204" pitchFamily="49" charset="0"/>
+              </a:rPr>
+              <a:t>IResult</a:t>
+            </a:r>
+            <a:endParaRPr lang="en-US" sz="1400" dirty="0">
+              <a:solidFill>
+                <a:srgbClr val="000000"/>
+              </a:solidFill>
+              <a:latin typeface="Consolas" panose="020B0609020204030204" pitchFamily="49" charset="0"/>
+            </a:endParaRPr>
+          </a:p>
+          <a:p>
+            <a:r>
+              <a:rPr lang="en-US" sz="1400" dirty="0">
+                <a:solidFill>
+                  <a:srgbClr val="000000"/>
+                </a:solidFill>
+                <a:latin typeface="Consolas" panose="020B0609020204030204" pitchFamily="49" charset="0"/>
+              </a:rPr>
+              <a:t>{</a:t>
+            </a:r>
+          </a:p>
+          <a:p>
+            <a:r>
+              <a:rPr lang="en-US" sz="1400" dirty="0">
+                <a:solidFill>
+                  <a:srgbClr val="000000"/>
+                </a:solidFill>
+                <a:latin typeface="Consolas" panose="020B0609020204030204" pitchFamily="49" charset="0"/>
+              </a:rPr>
+              <a:t>    </a:t>
+            </a:r>
+            <a:r>
+              <a:rPr lang="en-US" sz="1400" dirty="0">
+                <a:solidFill>
+                  <a:srgbClr val="0000FF"/>
+                </a:solidFill>
+                <a:latin typeface="Consolas" panose="020B0609020204030204" pitchFamily="49" charset="0"/>
+              </a:rPr>
+              <a:t>bool</a:t>
+            </a:r>
+            <a:r>
+              <a:rPr lang="en-US" sz="1400" dirty="0">
+                <a:solidFill>
+                  <a:srgbClr val="000000"/>
+                </a:solidFill>
+                <a:latin typeface="Consolas" panose="020B0609020204030204" pitchFamily="49" charset="0"/>
+              </a:rPr>
+              <a:t> Success { </a:t>
+            </a:r>
+            <a:r>
+              <a:rPr lang="en-US" sz="1400" dirty="0">
+                <a:solidFill>
+                  <a:srgbClr val="0000FF"/>
+                </a:solidFill>
+                <a:latin typeface="Consolas" panose="020B0609020204030204" pitchFamily="49" charset="0"/>
+              </a:rPr>
+              <a:t>get</a:t>
+            </a:r>
+            <a:r>
+              <a:rPr lang="en-US" sz="1400" dirty="0">
+                <a:solidFill>
+                  <a:srgbClr val="000000"/>
+                </a:solidFill>
+                <a:latin typeface="Consolas" panose="020B0609020204030204" pitchFamily="49" charset="0"/>
+              </a:rPr>
+              <a:t>; }</a:t>
+            </a:r>
+          </a:p>
+          <a:p>
+            <a:r>
+              <a:rPr lang="en-US" sz="1400" dirty="0">
+                <a:solidFill>
+                  <a:srgbClr val="000000"/>
+                </a:solidFill>
+                <a:latin typeface="Consolas" panose="020B0609020204030204" pitchFamily="49" charset="0"/>
+              </a:rPr>
+              <a:t>    </a:t>
+            </a:r>
+            <a:r>
+              <a:rPr lang="en-US" sz="1400" dirty="0">
+                <a:solidFill>
+                  <a:srgbClr val="0000FF"/>
+                </a:solidFill>
+                <a:latin typeface="Consolas" panose="020B0609020204030204" pitchFamily="49" charset="0"/>
+              </a:rPr>
+              <a:t>string</a:t>
+            </a:r>
+            <a:r>
+              <a:rPr lang="en-US" sz="1400" dirty="0">
+                <a:solidFill>
+                  <a:srgbClr val="000000"/>
+                </a:solidFill>
+                <a:latin typeface="Consolas" panose="020B0609020204030204" pitchFamily="49" charset="0"/>
+              </a:rPr>
+              <a:t> Message { </a:t>
+            </a:r>
+            <a:r>
+              <a:rPr lang="en-US" sz="1400" dirty="0">
+                <a:solidFill>
+                  <a:srgbClr val="0000FF"/>
+                </a:solidFill>
+                <a:latin typeface="Consolas" panose="020B0609020204030204" pitchFamily="49" charset="0"/>
+              </a:rPr>
+              <a:t>get</a:t>
+            </a:r>
+            <a:r>
+              <a:rPr lang="en-US" sz="1400" dirty="0">
+                <a:solidFill>
+                  <a:srgbClr val="000000"/>
+                </a:solidFill>
+                <a:latin typeface="Consolas" panose="020B0609020204030204" pitchFamily="49" charset="0"/>
+              </a:rPr>
+              <a:t>; }</a:t>
+            </a:r>
+          </a:p>
+          <a:p>
+            <a:r>
+              <a:rPr lang="en-US" sz="1400" dirty="0">
+                <a:solidFill>
+                  <a:srgbClr val="000000"/>
+                </a:solidFill>
+                <a:latin typeface="Consolas" panose="020B0609020204030204" pitchFamily="49" charset="0"/>
+              </a:rPr>
+              <a:t>    </a:t>
+            </a:r>
+            <a:r>
+              <a:rPr lang="en-US" sz="1400" dirty="0">
+                <a:solidFill>
+                  <a:srgbClr val="2B91AF"/>
+                </a:solidFill>
+                <a:latin typeface="Consolas" panose="020B0609020204030204" pitchFamily="49" charset="0"/>
+              </a:rPr>
+              <a:t>Exception</a:t>
+            </a:r>
+            <a:r>
+              <a:rPr lang="en-US" sz="1400" dirty="0">
+                <a:solidFill>
+                  <a:srgbClr val="000000"/>
+                </a:solidFill>
+                <a:latin typeface="Consolas" panose="020B0609020204030204" pitchFamily="49" charset="0"/>
+              </a:rPr>
+              <a:t> </a:t>
+            </a:r>
+            <a:r>
+              <a:rPr lang="en-US" sz="1400" dirty="0" err="1">
+                <a:solidFill>
+                  <a:srgbClr val="000000"/>
+                </a:solidFill>
+                <a:latin typeface="Consolas" panose="020B0609020204030204" pitchFamily="49" charset="0"/>
+              </a:rPr>
+              <a:t>Exception</a:t>
+            </a:r>
+            <a:r>
+              <a:rPr lang="en-US" sz="1400" dirty="0">
+                <a:solidFill>
+                  <a:srgbClr val="000000"/>
+                </a:solidFill>
+                <a:latin typeface="Consolas" panose="020B0609020204030204" pitchFamily="49" charset="0"/>
+              </a:rPr>
+              <a:t> { </a:t>
+            </a:r>
+            <a:r>
+              <a:rPr lang="en-US" sz="1400" dirty="0">
+                <a:solidFill>
+                  <a:srgbClr val="0000FF"/>
+                </a:solidFill>
+                <a:latin typeface="Consolas" panose="020B0609020204030204" pitchFamily="49" charset="0"/>
+              </a:rPr>
+              <a:t>get</a:t>
+            </a:r>
+            <a:r>
+              <a:rPr lang="en-US" sz="1400" dirty="0">
+                <a:solidFill>
+                  <a:srgbClr val="000000"/>
+                </a:solidFill>
+                <a:latin typeface="Consolas" panose="020B0609020204030204" pitchFamily="49" charset="0"/>
+              </a:rPr>
+              <a:t>; }</a:t>
+            </a:r>
+          </a:p>
+          <a:p>
+            <a:r>
+              <a:rPr lang="en-US" sz="1400" dirty="0">
+                <a:solidFill>
+                  <a:srgbClr val="000000"/>
+                </a:solidFill>
+                <a:latin typeface="Consolas" panose="020B0609020204030204" pitchFamily="49" charset="0"/>
+              </a:rPr>
+              <a:t>}</a:t>
+            </a:r>
+            <a:endParaRPr lang="en-US" sz="3600" dirty="0"/>
+          </a:p>
+        </p:txBody>
+      </p:sp>
+      <p:sp>
+        <p:nvSpPr>
+          <p:cNvPr id="5" name="Rectangle 4"/>
+          <p:cNvSpPr/>
+          <p:nvPr/>
+        </p:nvSpPr>
+        <p:spPr>
+          <a:xfrm>
+            <a:off x="352425" y="2600772"/>
+            <a:ext cx="3714750" cy="784830"/>
+          </a:xfrm>
+          <a:prstGeom prst="rect">
+            <a:avLst/>
+          </a:prstGeom>
+          <a:ln w="15875">
+            <a:solidFill>
+              <a:schemeClr val="accent1"/>
+            </a:solidFill>
+          </a:ln>
+        </p:spPr>
+        <p:txBody>
+          <a:bodyPr wrap="square">
+            <a:spAutoFit/>
+          </a:bodyPr>
+          <a:lstStyle/>
+          <a:p>
+            <a:r>
+              <a:rPr lang="en-US" sz="900" dirty="0">
+                <a:solidFill>
+                  <a:srgbClr val="0000FF"/>
+                </a:solidFill>
+                <a:latin typeface="Consolas" panose="020B0609020204030204" pitchFamily="49" charset="0"/>
+              </a:rPr>
+              <a:t>public</a:t>
+            </a:r>
+            <a:r>
+              <a:rPr lang="en-US" sz="900" dirty="0">
+                <a:solidFill>
+                  <a:srgbClr val="000000"/>
+                </a:solidFill>
+                <a:latin typeface="Consolas" panose="020B0609020204030204" pitchFamily="49" charset="0"/>
+              </a:rPr>
+              <a:t> </a:t>
+            </a:r>
+            <a:r>
+              <a:rPr lang="en-US" sz="900" dirty="0">
+                <a:solidFill>
+                  <a:srgbClr val="0000FF"/>
+                </a:solidFill>
+                <a:latin typeface="Consolas" panose="020B0609020204030204" pitchFamily="49" charset="0"/>
+              </a:rPr>
+              <a:t>interface</a:t>
+            </a:r>
+            <a:r>
+              <a:rPr lang="en-US" sz="900" dirty="0">
+                <a:solidFill>
+                  <a:srgbClr val="000000"/>
+                </a:solidFill>
+                <a:latin typeface="Consolas" panose="020B0609020204030204" pitchFamily="49" charset="0"/>
+              </a:rPr>
+              <a:t> </a:t>
+            </a:r>
+            <a:r>
+              <a:rPr lang="en-US" sz="900" dirty="0" err="1">
+                <a:solidFill>
+                  <a:srgbClr val="2B91AF"/>
+                </a:solidFill>
+                <a:latin typeface="Consolas" panose="020B0609020204030204" pitchFamily="49" charset="0"/>
+              </a:rPr>
+              <a:t>IDocumentResult</a:t>
+            </a:r>
+            <a:r>
+              <a:rPr lang="en-US" sz="900" dirty="0">
+                <a:solidFill>
+                  <a:srgbClr val="000000"/>
+                </a:solidFill>
+                <a:latin typeface="Consolas" panose="020B0609020204030204" pitchFamily="49" charset="0"/>
+              </a:rPr>
+              <a:t> : </a:t>
+            </a:r>
+            <a:r>
+              <a:rPr lang="en-US" sz="900" dirty="0" err="1">
+                <a:solidFill>
+                  <a:srgbClr val="2B91AF"/>
+                </a:solidFill>
+                <a:latin typeface="Consolas" panose="020B0609020204030204" pitchFamily="49" charset="0"/>
+              </a:rPr>
+              <a:t>IResult</a:t>
+            </a:r>
+            <a:endParaRPr lang="en-US" sz="900" dirty="0">
+              <a:solidFill>
+                <a:srgbClr val="000000"/>
+              </a:solidFill>
+              <a:latin typeface="Consolas" panose="020B0609020204030204" pitchFamily="49" charset="0"/>
+            </a:endParaRPr>
+          </a:p>
+          <a:p>
+            <a:r>
+              <a:rPr lang="en-US" sz="900" dirty="0">
+                <a:solidFill>
+                  <a:srgbClr val="000000"/>
+                </a:solidFill>
+                <a:latin typeface="Consolas" panose="020B0609020204030204" pitchFamily="49" charset="0"/>
+              </a:rPr>
+              <a:t>{</a:t>
+            </a:r>
+          </a:p>
+          <a:p>
+            <a:r>
+              <a:rPr lang="en-US" sz="900" dirty="0">
+                <a:solidFill>
+                  <a:srgbClr val="000000"/>
+                </a:solidFill>
+                <a:latin typeface="Consolas" panose="020B0609020204030204" pitchFamily="49" charset="0"/>
+              </a:rPr>
+              <a:t>    </a:t>
+            </a:r>
+            <a:r>
+              <a:rPr lang="en-US" sz="900" dirty="0" err="1">
+                <a:solidFill>
+                  <a:srgbClr val="2B91AF"/>
+                </a:solidFill>
+                <a:latin typeface="Consolas" panose="020B0609020204030204" pitchFamily="49" charset="0"/>
+              </a:rPr>
+              <a:t>ResponseStatus</a:t>
+            </a:r>
+            <a:r>
+              <a:rPr lang="en-US" sz="900" dirty="0">
+                <a:solidFill>
+                  <a:srgbClr val="000000"/>
+                </a:solidFill>
+                <a:latin typeface="Consolas" panose="020B0609020204030204" pitchFamily="49" charset="0"/>
+              </a:rPr>
+              <a:t> Status { </a:t>
+            </a:r>
+            <a:r>
+              <a:rPr lang="en-US" sz="900" dirty="0">
+                <a:solidFill>
+                  <a:srgbClr val="0000FF"/>
+                </a:solidFill>
+                <a:latin typeface="Consolas" panose="020B0609020204030204" pitchFamily="49" charset="0"/>
+              </a:rPr>
+              <a:t>get</a:t>
+            </a:r>
+            <a:r>
+              <a:rPr lang="en-US" sz="900" dirty="0">
+                <a:solidFill>
+                  <a:srgbClr val="000000"/>
+                </a:solidFill>
+                <a:latin typeface="Consolas" panose="020B0609020204030204" pitchFamily="49" charset="0"/>
+              </a:rPr>
+              <a:t>; }</a:t>
+            </a:r>
+          </a:p>
+          <a:p>
+            <a:r>
+              <a:rPr lang="en-US" sz="900" dirty="0">
+                <a:solidFill>
+                  <a:srgbClr val="000000"/>
+                </a:solidFill>
+                <a:latin typeface="Consolas" panose="020B0609020204030204" pitchFamily="49" charset="0"/>
+              </a:rPr>
+              <a:t>    </a:t>
+            </a:r>
+            <a:r>
+              <a:rPr lang="en-US" sz="900" dirty="0">
+                <a:solidFill>
+                  <a:srgbClr val="0000FF"/>
+                </a:solidFill>
+                <a:latin typeface="Consolas" panose="020B0609020204030204" pitchFamily="49" charset="0"/>
+              </a:rPr>
+              <a:t>string</a:t>
+            </a:r>
+            <a:r>
+              <a:rPr lang="en-US" sz="900" dirty="0">
+                <a:solidFill>
+                  <a:srgbClr val="000000"/>
+                </a:solidFill>
+                <a:latin typeface="Consolas" panose="020B0609020204030204" pitchFamily="49" charset="0"/>
+              </a:rPr>
+              <a:t> Id { </a:t>
+            </a:r>
+            <a:r>
+              <a:rPr lang="en-US" sz="900" dirty="0">
+                <a:solidFill>
+                  <a:srgbClr val="0000FF"/>
+                </a:solidFill>
+                <a:latin typeface="Consolas" panose="020B0609020204030204" pitchFamily="49" charset="0"/>
+              </a:rPr>
+              <a:t>get</a:t>
+            </a:r>
+            <a:r>
+              <a:rPr lang="en-US" sz="900" dirty="0">
+                <a:solidFill>
+                  <a:srgbClr val="000000"/>
+                </a:solidFill>
+                <a:latin typeface="Consolas" panose="020B0609020204030204" pitchFamily="49" charset="0"/>
+              </a:rPr>
+              <a:t>; }</a:t>
+            </a:r>
+          </a:p>
+          <a:p>
+            <a:r>
+              <a:rPr lang="en-US" sz="900" dirty="0">
+                <a:solidFill>
+                  <a:srgbClr val="000000"/>
+                </a:solidFill>
+                <a:latin typeface="Consolas" panose="020B0609020204030204" pitchFamily="49" charset="0"/>
+              </a:rPr>
+              <a:t>}</a:t>
+            </a:r>
+            <a:endParaRPr lang="en-US" dirty="0"/>
+          </a:p>
+        </p:txBody>
+      </p:sp>
+      <p:sp>
+        <p:nvSpPr>
+          <p:cNvPr id="6" name="Rectangle 5"/>
+          <p:cNvSpPr/>
+          <p:nvPr/>
+        </p:nvSpPr>
+        <p:spPr>
+          <a:xfrm>
+            <a:off x="352425" y="3756006"/>
+            <a:ext cx="3714750" cy="784830"/>
+          </a:xfrm>
+          <a:prstGeom prst="rect">
+            <a:avLst/>
+          </a:prstGeom>
+          <a:ln w="15875">
+            <a:solidFill>
+              <a:schemeClr val="accent1"/>
+            </a:solidFill>
+          </a:ln>
+        </p:spPr>
+        <p:txBody>
+          <a:bodyPr wrap="square">
+            <a:spAutoFit/>
+          </a:bodyPr>
+          <a:lstStyle/>
+          <a:p>
+            <a:r>
+              <a:rPr lang="en-US" sz="900" dirty="0">
+                <a:solidFill>
+                  <a:srgbClr val="0000FF"/>
+                </a:solidFill>
+                <a:latin typeface="Consolas" panose="020B0609020204030204" pitchFamily="49" charset="0"/>
+              </a:rPr>
+              <a:t>public</a:t>
+            </a:r>
+            <a:r>
+              <a:rPr lang="en-US" sz="900" dirty="0">
+                <a:solidFill>
+                  <a:srgbClr val="000000"/>
+                </a:solidFill>
+                <a:latin typeface="Consolas" panose="020B0609020204030204" pitchFamily="49" charset="0"/>
+              </a:rPr>
+              <a:t> </a:t>
+            </a:r>
+            <a:r>
+              <a:rPr lang="en-US" sz="900" dirty="0">
+                <a:solidFill>
+                  <a:srgbClr val="0000FF"/>
+                </a:solidFill>
+                <a:latin typeface="Consolas" panose="020B0609020204030204" pitchFamily="49" charset="0"/>
+              </a:rPr>
+              <a:t>interface</a:t>
+            </a:r>
+            <a:r>
+              <a:rPr lang="en-US" sz="900" dirty="0">
+                <a:solidFill>
+                  <a:srgbClr val="000000"/>
+                </a:solidFill>
+                <a:latin typeface="Consolas" panose="020B0609020204030204" pitchFamily="49" charset="0"/>
+              </a:rPr>
+              <a:t> </a:t>
+            </a:r>
+            <a:r>
+              <a:rPr lang="en-US" sz="900" dirty="0" err="1">
+                <a:solidFill>
+                  <a:srgbClr val="2B91AF"/>
+                </a:solidFill>
+                <a:latin typeface="Consolas" panose="020B0609020204030204" pitchFamily="49" charset="0"/>
+              </a:rPr>
+              <a:t>IDocumentResult</a:t>
+            </a:r>
+            <a:r>
+              <a:rPr lang="en-US" sz="900" dirty="0">
+                <a:solidFill>
+                  <a:srgbClr val="000000"/>
+                </a:solidFill>
+                <a:latin typeface="Consolas" panose="020B0609020204030204" pitchFamily="49" charset="0"/>
+              </a:rPr>
+              <a:t>&lt;</a:t>
+            </a:r>
+            <a:r>
+              <a:rPr lang="en-US" sz="900" dirty="0">
+                <a:solidFill>
+                  <a:srgbClr val="2B91AF"/>
+                </a:solidFill>
+                <a:latin typeface="Consolas" panose="020B0609020204030204" pitchFamily="49" charset="0"/>
+              </a:rPr>
+              <a:t>T</a:t>
+            </a:r>
+            <a:r>
+              <a:rPr lang="en-US" sz="900" dirty="0">
+                <a:solidFill>
+                  <a:srgbClr val="000000"/>
+                </a:solidFill>
+                <a:latin typeface="Consolas" panose="020B0609020204030204" pitchFamily="49" charset="0"/>
+              </a:rPr>
+              <a:t>&gt; : </a:t>
+            </a:r>
+            <a:r>
+              <a:rPr lang="en-US" sz="900" dirty="0" err="1">
+                <a:solidFill>
+                  <a:srgbClr val="2B91AF"/>
+                </a:solidFill>
+                <a:latin typeface="Consolas" panose="020B0609020204030204" pitchFamily="49" charset="0"/>
+              </a:rPr>
+              <a:t>IDocumentResult</a:t>
+            </a:r>
+            <a:endParaRPr lang="en-US" sz="900" dirty="0">
+              <a:solidFill>
+                <a:srgbClr val="000000"/>
+              </a:solidFill>
+              <a:latin typeface="Consolas" panose="020B0609020204030204" pitchFamily="49" charset="0"/>
+            </a:endParaRPr>
+          </a:p>
+          <a:p>
+            <a:r>
+              <a:rPr lang="en-US" sz="900" dirty="0">
+                <a:solidFill>
+                  <a:srgbClr val="000000"/>
+                </a:solidFill>
+                <a:latin typeface="Consolas" panose="020B0609020204030204" pitchFamily="49" charset="0"/>
+              </a:rPr>
+              <a:t>{</a:t>
+            </a:r>
+          </a:p>
+          <a:p>
+            <a:r>
+              <a:rPr lang="en-US" sz="900" dirty="0">
+                <a:solidFill>
+                  <a:srgbClr val="000000"/>
+                </a:solidFill>
+                <a:latin typeface="Consolas" panose="020B0609020204030204" pitchFamily="49" charset="0"/>
+              </a:rPr>
+              <a:t>    </a:t>
+            </a:r>
+            <a:r>
+              <a:rPr lang="en-US" sz="900" dirty="0">
+                <a:solidFill>
+                  <a:srgbClr val="2B91AF"/>
+                </a:solidFill>
+                <a:latin typeface="Consolas" panose="020B0609020204030204" pitchFamily="49" charset="0"/>
+              </a:rPr>
+              <a:t>Document</a:t>
+            </a:r>
+            <a:r>
+              <a:rPr lang="en-US" sz="900" dirty="0">
+                <a:solidFill>
+                  <a:srgbClr val="000000"/>
+                </a:solidFill>
+                <a:latin typeface="Consolas" panose="020B0609020204030204" pitchFamily="49" charset="0"/>
+              </a:rPr>
+              <a:t>&lt;</a:t>
+            </a:r>
+            <a:r>
+              <a:rPr lang="en-US" sz="900" dirty="0">
+                <a:solidFill>
+                  <a:srgbClr val="2B91AF"/>
+                </a:solidFill>
+                <a:latin typeface="Consolas" panose="020B0609020204030204" pitchFamily="49" charset="0"/>
+              </a:rPr>
+              <a:t>T</a:t>
+            </a:r>
+            <a:r>
+              <a:rPr lang="en-US" sz="900" dirty="0">
+                <a:solidFill>
+                  <a:srgbClr val="000000"/>
+                </a:solidFill>
+                <a:latin typeface="Consolas" panose="020B0609020204030204" pitchFamily="49" charset="0"/>
+              </a:rPr>
+              <a:t>&gt; Document { </a:t>
+            </a:r>
+            <a:r>
+              <a:rPr lang="en-US" sz="900" dirty="0">
+                <a:solidFill>
+                  <a:srgbClr val="0000FF"/>
+                </a:solidFill>
+                <a:latin typeface="Consolas" panose="020B0609020204030204" pitchFamily="49" charset="0"/>
+              </a:rPr>
+              <a:t>get</a:t>
+            </a:r>
+            <a:r>
+              <a:rPr lang="en-US" sz="900" dirty="0">
+                <a:solidFill>
+                  <a:srgbClr val="000000"/>
+                </a:solidFill>
+                <a:latin typeface="Consolas" panose="020B0609020204030204" pitchFamily="49" charset="0"/>
+              </a:rPr>
+              <a:t>; }</a:t>
+            </a:r>
+          </a:p>
+          <a:p>
+            <a:r>
+              <a:rPr lang="en-US" sz="900" dirty="0">
+                <a:solidFill>
+                  <a:srgbClr val="000000"/>
+                </a:solidFill>
+                <a:latin typeface="Consolas" panose="020B0609020204030204" pitchFamily="49" charset="0"/>
+              </a:rPr>
+              <a:t>    </a:t>
+            </a:r>
+            <a:r>
+              <a:rPr lang="en-US" sz="900" dirty="0">
+                <a:solidFill>
+                  <a:srgbClr val="2B91AF"/>
+                </a:solidFill>
+                <a:latin typeface="Consolas" panose="020B0609020204030204" pitchFamily="49" charset="0"/>
+              </a:rPr>
+              <a:t>T</a:t>
+            </a:r>
+            <a:r>
+              <a:rPr lang="en-US" sz="900" dirty="0">
+                <a:solidFill>
+                  <a:srgbClr val="000000"/>
+                </a:solidFill>
+                <a:latin typeface="Consolas" panose="020B0609020204030204" pitchFamily="49" charset="0"/>
+              </a:rPr>
+              <a:t> Content { </a:t>
+            </a:r>
+            <a:r>
+              <a:rPr lang="en-US" sz="900" dirty="0">
+                <a:solidFill>
+                  <a:srgbClr val="0000FF"/>
+                </a:solidFill>
+                <a:latin typeface="Consolas" panose="020B0609020204030204" pitchFamily="49" charset="0"/>
+              </a:rPr>
+              <a:t>get</a:t>
+            </a:r>
+            <a:r>
+              <a:rPr lang="en-US" sz="900" dirty="0">
+                <a:solidFill>
+                  <a:srgbClr val="000000"/>
+                </a:solidFill>
+                <a:latin typeface="Consolas" panose="020B0609020204030204" pitchFamily="49" charset="0"/>
+              </a:rPr>
+              <a:t>; }</a:t>
+            </a:r>
+          </a:p>
+          <a:p>
+            <a:r>
+              <a:rPr lang="en-US" sz="900" dirty="0">
+                <a:solidFill>
+                  <a:srgbClr val="000000"/>
+                </a:solidFill>
+                <a:latin typeface="Consolas" panose="020B0609020204030204" pitchFamily="49" charset="0"/>
+              </a:rPr>
+              <a:t>}</a:t>
+            </a:r>
+            <a:endParaRPr lang="en-US" dirty="0"/>
+          </a:p>
+        </p:txBody>
+      </p:sp>
+      <p:sp>
+        <p:nvSpPr>
+          <p:cNvPr id="7" name="Rectangle 6"/>
+          <p:cNvSpPr/>
+          <p:nvPr/>
+        </p:nvSpPr>
+        <p:spPr>
+          <a:xfrm>
+            <a:off x="4752975" y="2600772"/>
+            <a:ext cx="4086225" cy="923330"/>
+          </a:xfrm>
+          <a:prstGeom prst="rect">
+            <a:avLst/>
+          </a:prstGeom>
+          <a:ln w="15875">
+            <a:solidFill>
+              <a:schemeClr val="accent1"/>
+            </a:solidFill>
+          </a:ln>
+        </p:spPr>
+        <p:txBody>
+          <a:bodyPr wrap="square">
+            <a:spAutoFit/>
+          </a:bodyPr>
+          <a:lstStyle/>
+          <a:p>
+            <a:r>
+              <a:rPr lang="en-US" sz="900" dirty="0">
+                <a:solidFill>
+                  <a:srgbClr val="0000FF"/>
+                </a:solidFill>
+                <a:latin typeface="Consolas" panose="020B0609020204030204" pitchFamily="49" charset="0"/>
+              </a:rPr>
+              <a:t>public</a:t>
+            </a:r>
+            <a:r>
+              <a:rPr lang="en-US" sz="900" dirty="0">
+                <a:solidFill>
+                  <a:srgbClr val="000000"/>
+                </a:solidFill>
+                <a:latin typeface="Consolas" panose="020B0609020204030204" pitchFamily="49" charset="0"/>
+              </a:rPr>
+              <a:t> </a:t>
+            </a:r>
+            <a:r>
+              <a:rPr lang="en-US" sz="900" dirty="0">
+                <a:solidFill>
+                  <a:srgbClr val="0000FF"/>
+                </a:solidFill>
+                <a:latin typeface="Consolas" panose="020B0609020204030204" pitchFamily="49" charset="0"/>
+              </a:rPr>
+              <a:t>interface</a:t>
+            </a:r>
+            <a:r>
+              <a:rPr lang="en-US" sz="900" dirty="0">
+                <a:solidFill>
+                  <a:srgbClr val="000000"/>
+                </a:solidFill>
+                <a:latin typeface="Consolas" panose="020B0609020204030204" pitchFamily="49" charset="0"/>
+              </a:rPr>
+              <a:t> </a:t>
+            </a:r>
+            <a:r>
+              <a:rPr lang="en-US" sz="900" dirty="0" err="1">
+                <a:solidFill>
+                  <a:srgbClr val="2B91AF"/>
+                </a:solidFill>
+                <a:latin typeface="Consolas" panose="020B0609020204030204" pitchFamily="49" charset="0"/>
+              </a:rPr>
+              <a:t>IOperationResult</a:t>
+            </a:r>
+            <a:r>
+              <a:rPr lang="en-US" sz="900" dirty="0">
+                <a:solidFill>
+                  <a:srgbClr val="000000"/>
+                </a:solidFill>
+                <a:latin typeface="Consolas" panose="020B0609020204030204" pitchFamily="49" charset="0"/>
+              </a:rPr>
+              <a:t> : </a:t>
+            </a:r>
+            <a:r>
+              <a:rPr lang="en-US" sz="900" dirty="0" err="1">
+                <a:solidFill>
+                  <a:srgbClr val="2B91AF"/>
+                </a:solidFill>
+                <a:latin typeface="Consolas" panose="020B0609020204030204" pitchFamily="49" charset="0"/>
+              </a:rPr>
+              <a:t>IResult</a:t>
+            </a:r>
+            <a:endParaRPr lang="en-US" sz="900" dirty="0">
+              <a:solidFill>
+                <a:srgbClr val="000000"/>
+              </a:solidFill>
+              <a:latin typeface="Consolas" panose="020B0609020204030204" pitchFamily="49" charset="0"/>
+            </a:endParaRPr>
+          </a:p>
+          <a:p>
+            <a:r>
+              <a:rPr lang="en-US" sz="900" dirty="0">
+                <a:solidFill>
+                  <a:srgbClr val="000000"/>
+                </a:solidFill>
+                <a:latin typeface="Consolas" panose="020B0609020204030204" pitchFamily="49" charset="0"/>
+              </a:rPr>
+              <a:t>{</a:t>
+            </a:r>
+          </a:p>
+          <a:p>
+            <a:r>
+              <a:rPr lang="en-US" sz="900" dirty="0">
+                <a:solidFill>
+                  <a:srgbClr val="000000"/>
+                </a:solidFill>
+                <a:latin typeface="Consolas" panose="020B0609020204030204" pitchFamily="49" charset="0"/>
+              </a:rPr>
+              <a:t>    </a:t>
+            </a:r>
+            <a:r>
+              <a:rPr lang="en-US" sz="900" dirty="0" err="1">
+                <a:solidFill>
+                  <a:srgbClr val="0000FF"/>
+                </a:solidFill>
+                <a:latin typeface="Consolas" panose="020B0609020204030204" pitchFamily="49" charset="0"/>
+              </a:rPr>
+              <a:t>ulong</a:t>
+            </a:r>
+            <a:r>
+              <a:rPr lang="en-US" sz="900" dirty="0">
+                <a:solidFill>
+                  <a:srgbClr val="000000"/>
+                </a:solidFill>
+                <a:latin typeface="Consolas" panose="020B0609020204030204" pitchFamily="49" charset="0"/>
+              </a:rPr>
+              <a:t> Cas { </a:t>
+            </a:r>
+            <a:r>
+              <a:rPr lang="en-US" sz="900" dirty="0">
+                <a:solidFill>
+                  <a:srgbClr val="0000FF"/>
+                </a:solidFill>
+                <a:latin typeface="Consolas" panose="020B0609020204030204" pitchFamily="49" charset="0"/>
+              </a:rPr>
+              <a:t>get</a:t>
+            </a:r>
+            <a:r>
+              <a:rPr lang="en-US" sz="900" dirty="0">
+                <a:solidFill>
+                  <a:srgbClr val="000000"/>
+                </a:solidFill>
+                <a:latin typeface="Consolas" panose="020B0609020204030204" pitchFamily="49" charset="0"/>
+              </a:rPr>
+              <a:t>; }</a:t>
+            </a:r>
+          </a:p>
+          <a:p>
+            <a:r>
+              <a:rPr lang="en-US" sz="900" dirty="0">
+                <a:solidFill>
+                  <a:srgbClr val="000000"/>
+                </a:solidFill>
+                <a:latin typeface="Consolas" panose="020B0609020204030204" pitchFamily="49" charset="0"/>
+              </a:rPr>
+              <a:t>    </a:t>
+            </a:r>
+            <a:r>
+              <a:rPr lang="en-US" sz="900" dirty="0" err="1">
+                <a:solidFill>
+                  <a:srgbClr val="2B91AF"/>
+                </a:solidFill>
+                <a:latin typeface="Consolas" panose="020B0609020204030204" pitchFamily="49" charset="0"/>
+              </a:rPr>
+              <a:t>ResponseStatus</a:t>
+            </a:r>
+            <a:r>
+              <a:rPr lang="en-US" sz="900" dirty="0">
+                <a:solidFill>
+                  <a:srgbClr val="000000"/>
+                </a:solidFill>
+                <a:latin typeface="Consolas" panose="020B0609020204030204" pitchFamily="49" charset="0"/>
+              </a:rPr>
+              <a:t> Status { </a:t>
+            </a:r>
+            <a:r>
+              <a:rPr lang="en-US" sz="900" dirty="0">
+                <a:solidFill>
+                  <a:srgbClr val="0000FF"/>
+                </a:solidFill>
+                <a:latin typeface="Consolas" panose="020B0609020204030204" pitchFamily="49" charset="0"/>
+              </a:rPr>
+              <a:t>get</a:t>
+            </a:r>
+            <a:r>
+              <a:rPr lang="en-US" sz="900" dirty="0">
+                <a:solidFill>
+                  <a:srgbClr val="000000"/>
+                </a:solidFill>
+                <a:latin typeface="Consolas" panose="020B0609020204030204" pitchFamily="49" charset="0"/>
+              </a:rPr>
+              <a:t>; }</a:t>
+            </a:r>
+          </a:p>
+          <a:p>
+            <a:r>
+              <a:rPr lang="en-US" sz="900" dirty="0">
+                <a:solidFill>
+                  <a:srgbClr val="000000"/>
+                </a:solidFill>
+                <a:latin typeface="Consolas" panose="020B0609020204030204" pitchFamily="49" charset="0"/>
+              </a:rPr>
+              <a:t>    </a:t>
+            </a:r>
+            <a:r>
+              <a:rPr lang="en-US" sz="900" dirty="0">
+                <a:solidFill>
+                  <a:srgbClr val="0000FF"/>
+                </a:solidFill>
+                <a:latin typeface="Consolas" panose="020B0609020204030204" pitchFamily="49" charset="0"/>
+              </a:rPr>
+              <a:t>string</a:t>
+            </a:r>
+            <a:r>
+              <a:rPr lang="en-US" sz="900" dirty="0">
+                <a:solidFill>
+                  <a:srgbClr val="000000"/>
+                </a:solidFill>
+                <a:latin typeface="Consolas" panose="020B0609020204030204" pitchFamily="49" charset="0"/>
+              </a:rPr>
+              <a:t> Id { </a:t>
+            </a:r>
+            <a:r>
+              <a:rPr lang="en-US" sz="900" dirty="0">
+                <a:solidFill>
+                  <a:srgbClr val="0000FF"/>
+                </a:solidFill>
+                <a:latin typeface="Consolas" panose="020B0609020204030204" pitchFamily="49" charset="0"/>
+              </a:rPr>
+              <a:t>get</a:t>
+            </a:r>
+            <a:r>
+              <a:rPr lang="en-US" sz="900" dirty="0">
+                <a:solidFill>
+                  <a:srgbClr val="000000"/>
+                </a:solidFill>
+                <a:latin typeface="Consolas" panose="020B0609020204030204" pitchFamily="49" charset="0"/>
+              </a:rPr>
+              <a:t>; }</a:t>
+            </a:r>
+          </a:p>
+          <a:p>
+            <a:r>
+              <a:rPr lang="en-US" sz="900" dirty="0">
+                <a:solidFill>
+                  <a:srgbClr val="000000"/>
+                </a:solidFill>
+                <a:latin typeface="Consolas" panose="020B0609020204030204" pitchFamily="49" charset="0"/>
+              </a:rPr>
+              <a:t>}</a:t>
+            </a:r>
+            <a:endParaRPr lang="en-US" dirty="0"/>
+          </a:p>
+        </p:txBody>
+      </p:sp>
+      <p:sp>
+        <p:nvSpPr>
+          <p:cNvPr id="9" name="Rectangle 8"/>
+          <p:cNvSpPr/>
+          <p:nvPr/>
+        </p:nvSpPr>
+        <p:spPr>
+          <a:xfrm>
+            <a:off x="4752975" y="3894505"/>
+            <a:ext cx="4086225" cy="646331"/>
+          </a:xfrm>
+          <a:prstGeom prst="rect">
+            <a:avLst/>
+          </a:prstGeom>
+          <a:ln w="15875">
+            <a:solidFill>
+              <a:schemeClr val="accent1"/>
+            </a:solidFill>
+          </a:ln>
+        </p:spPr>
+        <p:txBody>
+          <a:bodyPr wrap="square">
+            <a:spAutoFit/>
+          </a:bodyPr>
+          <a:lstStyle/>
+          <a:p>
+            <a:r>
+              <a:rPr lang="en-US" sz="900" dirty="0">
+                <a:solidFill>
+                  <a:srgbClr val="0000FF"/>
+                </a:solidFill>
+                <a:latin typeface="Consolas" panose="020B0609020204030204" pitchFamily="49" charset="0"/>
+              </a:rPr>
+              <a:t>public</a:t>
+            </a:r>
+            <a:r>
+              <a:rPr lang="en-US" sz="900" dirty="0">
+                <a:solidFill>
+                  <a:srgbClr val="000000"/>
+                </a:solidFill>
+                <a:latin typeface="Consolas" panose="020B0609020204030204" pitchFamily="49" charset="0"/>
+              </a:rPr>
+              <a:t> </a:t>
+            </a:r>
+            <a:r>
+              <a:rPr lang="en-US" sz="900" dirty="0">
+                <a:solidFill>
+                  <a:srgbClr val="0000FF"/>
+                </a:solidFill>
+                <a:latin typeface="Consolas" panose="020B0609020204030204" pitchFamily="49" charset="0"/>
+              </a:rPr>
+              <a:t>interface</a:t>
+            </a:r>
+            <a:r>
+              <a:rPr lang="en-US" sz="900" dirty="0">
+                <a:solidFill>
+                  <a:srgbClr val="000000"/>
+                </a:solidFill>
+                <a:latin typeface="Consolas" panose="020B0609020204030204" pitchFamily="49" charset="0"/>
+              </a:rPr>
+              <a:t> </a:t>
+            </a:r>
+            <a:r>
+              <a:rPr lang="en-US" sz="900" dirty="0" err="1">
+                <a:solidFill>
+                  <a:srgbClr val="2B91AF"/>
+                </a:solidFill>
+                <a:latin typeface="Consolas" panose="020B0609020204030204" pitchFamily="49" charset="0"/>
+              </a:rPr>
+              <a:t>IOperationResult</a:t>
+            </a:r>
+            <a:r>
+              <a:rPr lang="en-US" sz="900" dirty="0">
+                <a:solidFill>
+                  <a:srgbClr val="000000"/>
+                </a:solidFill>
+                <a:latin typeface="Consolas" panose="020B0609020204030204" pitchFamily="49" charset="0"/>
+              </a:rPr>
+              <a:t>&lt;</a:t>
+            </a:r>
+            <a:r>
+              <a:rPr lang="en-US" sz="900" dirty="0">
+                <a:solidFill>
+                  <a:srgbClr val="0000FF"/>
+                </a:solidFill>
+                <a:latin typeface="Consolas" panose="020B0609020204030204" pitchFamily="49" charset="0"/>
+              </a:rPr>
+              <a:t>out</a:t>
+            </a:r>
+            <a:r>
+              <a:rPr lang="en-US" sz="900" dirty="0">
+                <a:solidFill>
+                  <a:srgbClr val="000000"/>
+                </a:solidFill>
+                <a:latin typeface="Consolas" panose="020B0609020204030204" pitchFamily="49" charset="0"/>
+              </a:rPr>
+              <a:t> </a:t>
+            </a:r>
+            <a:r>
+              <a:rPr lang="en-US" sz="900" dirty="0">
+                <a:solidFill>
+                  <a:srgbClr val="2B91AF"/>
+                </a:solidFill>
+                <a:latin typeface="Consolas" panose="020B0609020204030204" pitchFamily="49" charset="0"/>
+              </a:rPr>
+              <a:t>T</a:t>
+            </a:r>
+            <a:r>
+              <a:rPr lang="en-US" sz="900" dirty="0">
+                <a:solidFill>
+                  <a:srgbClr val="000000"/>
+                </a:solidFill>
+                <a:latin typeface="Consolas" panose="020B0609020204030204" pitchFamily="49" charset="0"/>
+              </a:rPr>
+              <a:t>&gt; : </a:t>
+            </a:r>
+            <a:r>
+              <a:rPr lang="en-US" sz="900" dirty="0" err="1">
+                <a:solidFill>
+                  <a:srgbClr val="2B91AF"/>
+                </a:solidFill>
+                <a:latin typeface="Consolas" panose="020B0609020204030204" pitchFamily="49" charset="0"/>
+              </a:rPr>
+              <a:t>IOperationResult</a:t>
+            </a:r>
+            <a:endParaRPr lang="en-US" sz="900" dirty="0">
+              <a:solidFill>
+                <a:srgbClr val="000000"/>
+              </a:solidFill>
+              <a:latin typeface="Consolas" panose="020B0609020204030204" pitchFamily="49" charset="0"/>
+            </a:endParaRPr>
+          </a:p>
+          <a:p>
+            <a:r>
+              <a:rPr lang="en-US" sz="900" dirty="0">
+                <a:solidFill>
+                  <a:srgbClr val="000000"/>
+                </a:solidFill>
+                <a:latin typeface="Consolas" panose="020B0609020204030204" pitchFamily="49" charset="0"/>
+              </a:rPr>
+              <a:t>{</a:t>
+            </a:r>
+          </a:p>
+          <a:p>
+            <a:r>
+              <a:rPr lang="en-US" sz="900" dirty="0">
+                <a:solidFill>
+                  <a:srgbClr val="000000"/>
+                </a:solidFill>
+                <a:latin typeface="Consolas" panose="020B0609020204030204" pitchFamily="49" charset="0"/>
+              </a:rPr>
+              <a:t>    </a:t>
+            </a:r>
+            <a:r>
+              <a:rPr lang="en-US" sz="900" dirty="0">
+                <a:solidFill>
+                  <a:srgbClr val="2B91AF"/>
+                </a:solidFill>
+                <a:latin typeface="Consolas" panose="020B0609020204030204" pitchFamily="49" charset="0"/>
+              </a:rPr>
+              <a:t>T</a:t>
+            </a:r>
+            <a:r>
+              <a:rPr lang="en-US" sz="900" dirty="0">
+                <a:solidFill>
+                  <a:srgbClr val="000000"/>
+                </a:solidFill>
+                <a:latin typeface="Consolas" panose="020B0609020204030204" pitchFamily="49" charset="0"/>
+              </a:rPr>
+              <a:t> Value { </a:t>
+            </a:r>
+            <a:r>
+              <a:rPr lang="en-US" sz="900" dirty="0">
+                <a:solidFill>
+                  <a:srgbClr val="0000FF"/>
+                </a:solidFill>
+                <a:latin typeface="Consolas" panose="020B0609020204030204" pitchFamily="49" charset="0"/>
+              </a:rPr>
+              <a:t>get</a:t>
+            </a:r>
+            <a:r>
+              <a:rPr lang="en-US" sz="900" dirty="0">
+                <a:solidFill>
+                  <a:srgbClr val="000000"/>
+                </a:solidFill>
+                <a:latin typeface="Consolas" panose="020B0609020204030204" pitchFamily="49" charset="0"/>
+              </a:rPr>
+              <a:t>; }</a:t>
+            </a:r>
+          </a:p>
+          <a:p>
+            <a:r>
+              <a:rPr lang="en-US" sz="900" dirty="0">
+                <a:solidFill>
+                  <a:srgbClr val="000000"/>
+                </a:solidFill>
+                <a:latin typeface="Consolas" panose="020B0609020204030204" pitchFamily="49" charset="0"/>
+              </a:rPr>
+              <a:t>}</a:t>
+            </a:r>
+            <a:endParaRPr lang="en-US" dirty="0"/>
+          </a:p>
+        </p:txBody>
+      </p:sp>
+      <p:sp>
+        <p:nvSpPr>
+          <p:cNvPr id="10" name="TextBox 9"/>
+          <p:cNvSpPr txBox="1"/>
+          <p:nvPr/>
+        </p:nvSpPr>
+        <p:spPr>
+          <a:xfrm>
+            <a:off x="1051979" y="2307045"/>
+            <a:ext cx="1855829" cy="307777"/>
+          </a:xfrm>
+          <a:prstGeom prst="rect">
+            <a:avLst/>
+          </a:prstGeom>
+          <a:noFill/>
+        </p:spPr>
+        <p:txBody>
+          <a:bodyPr wrap="none" rtlCol="0">
+            <a:spAutoFit/>
+          </a:bodyPr>
+          <a:lstStyle/>
+          <a:p>
+            <a:r>
+              <a:rPr lang="en-US" sz="1400" dirty="0"/>
+              <a:t>Insert, Replace, </a:t>
+            </a:r>
+            <a:r>
+              <a:rPr lang="en-US" sz="1400" dirty="0" err="1"/>
+              <a:t>Upsert</a:t>
+            </a:r>
+            <a:endParaRPr lang="en-US" sz="1400" dirty="0"/>
+          </a:p>
+        </p:txBody>
+      </p:sp>
+      <p:sp>
+        <p:nvSpPr>
+          <p:cNvPr id="11" name="TextBox 10"/>
+          <p:cNvSpPr txBox="1"/>
+          <p:nvPr/>
+        </p:nvSpPr>
+        <p:spPr>
+          <a:xfrm>
+            <a:off x="6401172" y="2294514"/>
+            <a:ext cx="457176" cy="307777"/>
+          </a:xfrm>
+          <a:prstGeom prst="rect">
+            <a:avLst/>
+          </a:prstGeom>
+          <a:noFill/>
+        </p:spPr>
+        <p:txBody>
+          <a:bodyPr wrap="none" rtlCol="0">
+            <a:spAutoFit/>
+          </a:bodyPr>
+          <a:lstStyle/>
+          <a:p>
+            <a:r>
+              <a:rPr lang="en-US" sz="1400" dirty="0"/>
+              <a:t>Get</a:t>
+            </a:r>
+          </a:p>
+        </p:txBody>
+      </p:sp>
+    </p:spTree>
+    <p:extLst>
+      <p:ext uri="{BB962C8B-B14F-4D97-AF65-F5344CB8AC3E}">
+        <p14:creationId xmlns:p14="http://schemas.microsoft.com/office/powerpoint/2010/main" val="2572713762"/>
+      </p:ext>
+    </p:extLst>
+  </p:cSld>
+  <p:clrMapOvr>
+    <a:masterClrMapping/>
+  </p:clrMapOvr>
+</p:sld>
+</file>
+
+<file path=ppt/slides/slide19.xml><?xml version="1.0" encoding="utf-8"?>
 <p:sld xmlns:a="http://schemas.openxmlformats.org/drawingml/2006/main" xmlns:r="http://schemas.openxmlformats.org/officeDocument/2006/relationships" xmlns:p="http://schemas.openxmlformats.org/presentationml/2006/main">
   <p:cSld>
     <p:spTree>
@@ -9112,13 +12841,8 @@
             </a:pPr>
             <a:r>
               <a:rPr lang="en-US" dirty="0"/>
-              <a:t>Using the </a:t>
-            </a:r>
-            <a:r>
-              <a:rPr lang="en-US" dirty="0" smtClean="0"/>
-              <a:t>.NET SDK</a:t>
-            </a:r>
-            <a:endParaRPr lang="en-US" dirty="0"/>
+              <a:t>Using the .NET SDK</a:t>
+            </a:r>
           </a:p>
           <a:p>
             <a:endParaRPr lang="en-US" dirty="0"/>
@@ -9232,15 +12956,9 @@
               <a:rPr lang="en-US" dirty="0">
                 <a:hlinkClick r:id="rId3"/>
               </a:rPr>
-              <a:t>https://</a:t>
-            </a:r>
-            <a:r>
-              <a:rPr lang="en-US" dirty="0" smtClean="0">
-                <a:hlinkClick r:id="rId3"/>
-              </a:rPr>
-              <a:t>github.com/couchbaselabs/aspnet-nosql-workshop</a:t>
-            </a:r>
-            <a:endParaRPr lang="en-US" dirty="0" smtClean="0"/>
+              <a:t>https://github.com/couchbaselabs/aspnet-nosql-workshop</a:t>
+            </a:r>
+            <a:endParaRPr lang="en-US" dirty="0"/>
           </a:p>
           <a:p>
             <a:pPr marL="342900" indent="-342900">
@@ -10061,15 +13779,9 @@
               <a:rPr lang="en-US" dirty="0">
                 <a:hlinkClick r:id="rId3"/>
               </a:rPr>
-              <a:t>https://</a:t>
-            </a:r>
-            <a:r>
-              <a:rPr lang="en-US" dirty="0" smtClean="0">
-                <a:hlinkClick r:id="rId3"/>
-              </a:rPr>
-              <a:t>developer.couchbase.com/documentation/server/current/rest-api/rest-intro.html</a:t>
-            </a:r>
-            <a:endParaRPr lang="en-US" dirty="0" smtClean="0"/>
+              <a:t>https://developer.couchbase.com/documentation/server/current/rest-api/rest-intro.html</a:t>
+            </a:r>
+            <a:endParaRPr lang="en-US" dirty="0"/>
           </a:p>
           <a:p>
             <a:pPr marL="342900" indent="-342900">

--- a/02/02.pptx
+++ b/02/02.pptx
@@ -277,7 +277,7 @@
           <a:p>
             <a:fld id="{B5389E1E-C654-E943-9883-792E99AD7287}" type="datetimeFigureOut">
               <a:rPr lang="en-US" smtClean="0"/>
-              <a:t>3/17/2017</a:t>
+              <a:t>3/22/2017</a:t>
             </a:fld>
             <a:endParaRPr lang="en-US"/>
           </a:p>
@@ -443,7 +443,7 @@
           <a:p>
             <a:fld id="{9920D99B-2862-464A-984E-65BFC5FC0BBC}" type="datetimeFigureOut">
               <a:rPr lang="en-US" smtClean="0"/>
-              <a:t>3/17/2017</a:t>
+              <a:t>3/22/2017</a:t>
             </a:fld>
             <a:endParaRPr lang="en-US"/>
           </a:p>
@@ -1151,7 +1151,6 @@
               <a:rPr lang="en-US"/>
               <a:t>Just look for the TODOs</a:t>
             </a:r>
-            <a:endParaRPr lang="en-US"/>
           </a:p>
         </p:txBody>
       </p:sp>
@@ -7958,12 +7957,8 @@
           <a:lstStyle/>
           <a:p>
             <a:r>
-              <a:rPr lang="en-US" sz="3600"/>
-              <a:t>Workshop B </a:t>
-            </a:r>
-            <a:r>
               <a:rPr lang="en-US" sz="3600" dirty="0"/>
-              <a:t>– Using </a:t>
+              <a:t>Workshop 2 – Using </a:t>
             </a:r>
             <a:r>
               <a:rPr lang="en-US" sz="3600" dirty="0" err="1"/>

--- a/02/02.pptx
+++ b/02/02.pptx
@@ -26,12 +26,12 @@
     <p:sldId id="490" r:id="rId14"/>
     <p:sldId id="500" r:id="rId15"/>
     <p:sldId id="501" r:id="rId16"/>
-    <p:sldId id="503" r:id="rId17"/>
-    <p:sldId id="502" r:id="rId18"/>
-    <p:sldId id="504" r:id="rId19"/>
-    <p:sldId id="484" r:id="rId20"/>
-    <p:sldId id="510" r:id="rId21"/>
-    <p:sldId id="511" r:id="rId22"/>
+    <p:sldId id="502" r:id="rId17"/>
+    <p:sldId id="504" r:id="rId18"/>
+    <p:sldId id="515" r:id="rId19"/>
+    <p:sldId id="510" r:id="rId20"/>
+    <p:sldId id="511" r:id="rId21"/>
+    <p:sldId id="484" r:id="rId22"/>
   </p:sldIdLst>
   <p:sldSz cx="9144000" cy="5143500" type="screen16x9"/>
   <p:notesSz cx="6858000" cy="9144000"/>
@@ -149,12 +149,12 @@
             <p14:sldId id="490"/>
             <p14:sldId id="500"/>
             <p14:sldId id="501"/>
-            <p14:sldId id="503"/>
             <p14:sldId id="502"/>
             <p14:sldId id="504"/>
-            <p14:sldId id="484"/>
+            <p14:sldId id="515"/>
             <p14:sldId id="510"/>
             <p14:sldId id="511"/>
+            <p14:sldId id="484"/>
           </p14:sldIdLst>
         </p14:section>
       </p14:sectionLst>
@@ -199,6 +199,10 @@
     </p:ext>
   </p:extLst>
 </p:presentation>
+</file>
+
+<file path=ppt/revisionInfo.xml><?xml version="1.0" encoding="utf-8"?>
+<p1510:revInfo xmlns:a="http://schemas.openxmlformats.org/drawingml/2006/main" xmlns:r="http://schemas.openxmlformats.org/officeDocument/2006/relationships" xmlns:p1510="http://schemas.microsoft.com/office/powerpoint/2015/10/main"/>
 </file>
 
 <file path=ppt/handoutMasters/handoutMaster1.xml><?xml version="1.0" encoding="utf-8"?>
@@ -283,7 +287,7 @@
           <a:p>
             <a:fld id="{B5389E1E-C654-E943-9883-792E99AD7287}" type="datetimeFigureOut">
               <a:rPr lang="en-US" smtClean="0"/>
-              <a:t>3/22/2017</a:t>
+              <a:t>11/2/2017</a:t>
             </a:fld>
             <a:endParaRPr lang="en-US"/>
           </a:p>
@@ -449,7 +453,7 @@
           <a:p>
             <a:fld id="{9920D99B-2862-464A-984E-65BFC5FC0BBC}" type="datetimeFigureOut">
               <a:rPr lang="en-US" smtClean="0"/>
-              <a:t>3/22/2017</a:t>
+              <a:t>11/2/2017</a:t>
             </a:fld>
             <a:endParaRPr lang="en-US"/>
           </a:p>
@@ -976,55 +980,26 @@
           <a:p>
             <a:r>
               <a:rPr lang="en-US" dirty="0"/>
-              <a:t>Insert creates a new document, fails if it already exists.</a:t>
-            </a:r>
-          </a:p>
-          <a:p>
-            <a:r>
-              <a:rPr lang="en-US" dirty="0" err="1"/>
-              <a:t>Upsert</a:t>
-            </a:r>
+              <a:t>Use the Get&lt;T&gt; to get a document by key. It will be serialized into an object of they type you specify.</a:t>
+            </a:r>
+          </a:p>
+          <a:p>
             <a:r>
               <a:rPr lang="en-US" dirty="0"/>
-              <a:t> creates a new document, or updates existing document if it already exists</a:t>
-            </a:r>
+              <a:t>I’m using dynamic to be lazy</a:t>
+            </a:r>
+          </a:p>
+          <a:p>
+            <a:endParaRPr lang="en-US" dirty="0"/>
           </a:p>
           <a:p>
             <a:r>
               <a:rPr lang="en-US" dirty="0"/>
-              <a:t>Replace updates existing document, fails if it doesn’t exist.</a:t>
+              <a:t>You can also get multiple documents at once by specifying multiple keys. The result will be a Dictionary of key and object.</a:t>
             </a:r>
           </a:p>
           <a:p>
             <a:endParaRPr lang="en-US" dirty="0"/>
-          </a:p>
-          <a:p>
-            <a:r>
-              <a:rPr lang="en-US" dirty="0"/>
-              <a:t>There are also </a:t>
-            </a:r>
-            <a:r>
-              <a:rPr lang="en-US" dirty="0" err="1"/>
-              <a:t>async</a:t>
-            </a:r>
-            <a:r>
-              <a:rPr lang="en-US" dirty="0"/>
-              <a:t> versions</a:t>
-            </a:r>
-          </a:p>
-          <a:p>
-            <a:r>
-              <a:rPr lang="en-US" dirty="0"/>
-              <a:t>And with </a:t>
-            </a:r>
-            <a:r>
-              <a:rPr lang="en-US" dirty="0" err="1"/>
-              <a:t>async</a:t>
-            </a:r>
-            <a:r>
-              <a:rPr lang="en-US" dirty="0"/>
-              <a:t> you can perform the operation on multiple documents</a:t>
-            </a:r>
           </a:p>
         </p:txBody>
       </p:sp>
@@ -1054,7 +1029,7 @@
     </p:spTree>
     <p:extLst>
       <p:ext uri="{BB962C8B-B14F-4D97-AF65-F5344CB8AC3E}">
-        <p14:creationId xmlns:p14="http://schemas.microsoft.com/office/powerpoint/2010/main" val="1225975531"/>
+        <p14:creationId xmlns:p14="http://schemas.microsoft.com/office/powerpoint/2010/main" val="3668588615"/>
       </p:ext>
     </p:extLst>
   </p:cSld>
@@ -1110,13 +1085,13 @@
           <a:p>
             <a:r>
               <a:rPr lang="en-US" dirty="0"/>
-              <a:t>Use the Get&lt;T&gt; to get a document by key. It will be serialized into an object of they type you specify.</a:t>
+              <a:t>These are results of the operations.</a:t>
             </a:r>
           </a:p>
           <a:p>
             <a:r>
               <a:rPr lang="en-US" dirty="0"/>
-              <a:t>I’m using dynamic to be lazy</a:t>
+              <a:t>In this lab we’re not going to use all of these. I’ve also omitted some properties to make things a little simpler.</a:t>
             </a:r>
           </a:p>
           <a:p>
@@ -1124,8 +1099,58 @@
           </a:p>
           <a:p>
             <a:r>
+              <a:rPr lang="en-US" dirty="0" err="1"/>
+              <a:t>IResult</a:t>
+            </a:r>
+            <a:r>
               <a:rPr lang="en-US" dirty="0"/>
-              <a:t>You can also get multiple documents at once by specifying multiple keys. The result will be a Dictionary of key and object.</a:t>
+              <a:t> is the base interface for all results. </a:t>
+            </a:r>
+            <a:r>
+              <a:rPr lang="en-US" dirty="0" err="1"/>
+              <a:t>Success,Message,Exception</a:t>
+            </a:r>
+            <a:r>
+              <a:rPr lang="en-US" dirty="0"/>
+              <a:t> can be examined to see what went wrong, if anything</a:t>
+            </a:r>
+          </a:p>
+          <a:p>
+            <a:endParaRPr lang="en-US" dirty="0"/>
+          </a:p>
+          <a:p>
+            <a:r>
+              <a:rPr lang="en-US" dirty="0" err="1"/>
+              <a:t>IDocumentResult</a:t>
+            </a:r>
+            <a:r>
+              <a:rPr lang="en-US" dirty="0"/>
+              <a:t> isn’t terribly interesting, except for maybe Status</a:t>
+            </a:r>
+          </a:p>
+          <a:p>
+            <a:endParaRPr lang="en-US" dirty="0"/>
+          </a:p>
+          <a:p>
+            <a:r>
+              <a:rPr lang="en-US" dirty="0"/>
+              <a:t>For gets, again the Status might be useful. The Cas value is “check and set”, this is useful for locking. “Cas” might be a </a:t>
+            </a:r>
+            <a:r>
+              <a:rPr lang="en-US" dirty="0" err="1"/>
+              <a:t>couchbase</a:t>
+            </a:r>
+            <a:r>
+              <a:rPr lang="en-US" dirty="0"/>
+              <a:t> specific name, but other </a:t>
+            </a:r>
+            <a:r>
+              <a:rPr lang="en-US" dirty="0" err="1"/>
+              <a:t>nosql</a:t>
+            </a:r>
+            <a:r>
+              <a:rPr lang="en-US" dirty="0"/>
+              <a:t> database usually have something similar.</a:t>
             </a:r>
           </a:p>
           <a:p>
@@ -1159,7 +1184,7 @@
     </p:spTree>
     <p:extLst>
       <p:ext uri="{BB962C8B-B14F-4D97-AF65-F5344CB8AC3E}">
-        <p14:creationId xmlns:p14="http://schemas.microsoft.com/office/powerpoint/2010/main" val="3668588615"/>
+        <p14:creationId xmlns:p14="http://schemas.microsoft.com/office/powerpoint/2010/main" val="2698174761"/>
       </p:ext>
     </p:extLst>
   </p:cSld>
@@ -1215,13 +1240,21 @@
           <a:p>
             <a:r>
               <a:rPr lang="en-US" dirty="0"/>
-              <a:t>These are results of the operations.</a:t>
-            </a:r>
-          </a:p>
-          <a:p>
+              <a:t>In </a:t>
+            </a:r>
+            <a:r>
+              <a:rPr lang="en-US" dirty="0" err="1"/>
+              <a:t>Couchbase</a:t>
+            </a:r>
             <a:r>
               <a:rPr lang="en-US" dirty="0"/>
-              <a:t>In this lab we’re not going to use all of these. I’ve also omitted some properties to make things a little simpler.</a:t>
+              <a:t>, Buckets have no indexing to start with. So N1QL queries won't work.</a:t>
+            </a:r>
+          </a:p>
+          <a:p>
+            <a:r>
+              <a:rPr lang="en-US" dirty="0"/>
+              <a:t>We can create a PRIMARY INDEX to enable all SQL queries. Note that this is basically like a table scan, so it's only recommended for development</a:t>
             </a:r>
           </a:p>
           <a:p>
@@ -1229,20 +1262,17 @@
           </a:p>
           <a:p>
             <a:r>
-              <a:rPr lang="en-US" dirty="0" err="1"/>
-              <a:t>IResult</a:t>
-            </a:r>
-            <a:r>
               <a:rPr lang="en-US" dirty="0"/>
-              <a:t> is the base interface for all results. </a:t>
-            </a:r>
-            <a:r>
-              <a:rPr lang="en-US" dirty="0" err="1"/>
-              <a:t>Success,Message,Exception</a:t>
-            </a:r>
+              <a:t>Create a document in the web console</a:t>
+            </a:r>
+          </a:p>
+          <a:p>
+            <a:endParaRPr lang="en-US" dirty="0"/>
+          </a:p>
+          <a:p>
             <a:r>
               <a:rPr lang="en-US" dirty="0"/>
-              <a:t> can be examined to see what went wrong, if anything</a:t>
+              <a:t>Select document(s) from a bucket</a:t>
             </a:r>
           </a:p>
           <a:p>
@@ -1250,41 +1280,9 @@
           </a:p>
           <a:p>
             <a:r>
-              <a:rPr lang="en-US" dirty="0" err="1"/>
-              <a:t>IDocumentResult</a:t>
-            </a:r>
-            <a:r>
               <a:rPr lang="en-US" dirty="0"/>
-              <a:t> isn’t terribly interesting, except for maybe Status</a:t>
-            </a:r>
-          </a:p>
-          <a:p>
-            <a:endParaRPr lang="en-US" dirty="0"/>
-          </a:p>
-          <a:p>
-            <a:r>
-              <a:rPr lang="en-US" dirty="0"/>
-              <a:t>For gets, again the Status might be useful. The Cas value is “check and set”, this is useful for locking. “Cas” might be a </a:t>
-            </a:r>
-            <a:r>
-              <a:rPr lang="en-US" dirty="0" err="1"/>
-              <a:t>couchbase</a:t>
-            </a:r>
-            <a:r>
-              <a:rPr lang="en-US" dirty="0"/>
-              <a:t> specific name, but other </a:t>
-            </a:r>
-            <a:r>
-              <a:rPr lang="en-US" dirty="0" err="1"/>
-              <a:t>nosql</a:t>
-            </a:r>
-            <a:r>
-              <a:rPr lang="en-US" dirty="0"/>
-              <a:t> database usually have something similar.</a:t>
-            </a:r>
-          </a:p>
-          <a:p>
-            <a:endParaRPr lang="en-US" dirty="0"/>
+              <a:t>[demonstrate]</a:t>
+            </a:r>
           </a:p>
         </p:txBody>
       </p:sp>
@@ -1305,7 +1303,7 @@
           <a:p>
             <a:fld id="{F39351FC-18D6-4741-8EEB-9FDB1F020AAC}" type="slidenum">
               <a:rPr lang="en-US" smtClean="0"/>
-              <a:t>17</a:t>
+              <a:t>18</a:t>
             </a:fld>
             <a:endParaRPr lang="en-US"/>
           </a:p>
@@ -1314,7 +1312,7 @@
     </p:spTree>
     <p:extLst>
       <p:ext uri="{BB962C8B-B14F-4D97-AF65-F5344CB8AC3E}">
-        <p14:creationId xmlns:p14="http://schemas.microsoft.com/office/powerpoint/2010/main" val="2698174761"/>
+        <p14:creationId xmlns:p14="http://schemas.microsoft.com/office/powerpoint/2010/main" val="1004905252"/>
       </p:ext>
     </p:extLst>
   </p:cSld>
@@ -1370,39 +1368,38 @@
           <a:p>
             <a:r>
               <a:rPr lang="en-US" dirty="0"/>
-              <a:t>In </a:t>
+              <a:t>Write a console program to do these things</a:t>
+            </a:r>
+          </a:p>
+          <a:p>
+            <a:endParaRPr lang="en-US" dirty="0"/>
+          </a:p>
+          <a:p>
+            <a:r>
+              <a:rPr lang="en-US" dirty="0"/>
+              <a:t>To make things a little easier, I've given you a fill-in-the-blank version in </a:t>
             </a:r>
             <a:r>
               <a:rPr lang="en-US" dirty="0" err="1"/>
-              <a:t>Couchbase</a:t>
+              <a:t>dotnet_workshop</a:t>
             </a:r>
             <a:r>
               <a:rPr lang="en-US" dirty="0"/>
-              <a:t>, Buckets have no indexing to start with. So N1QL queries won't work.</a:t>
-            </a:r>
+              <a:t> and </a:t>
+            </a:r>
+            <a:r>
+              <a:rPr lang="en-US" dirty="0" err="1"/>
+              <a:t>dotnetcore_workshop</a:t>
+            </a:r>
+            <a:endParaRPr lang="en-US" dirty="0"/>
+          </a:p>
+          <a:p>
+            <a:endParaRPr lang="en-US" dirty="0"/>
           </a:p>
           <a:p>
             <a:r>
               <a:rPr lang="en-US" dirty="0"/>
-              <a:t>We can create a PRIMARY INDEX to enable all SQL queries. Note that this is basically like a table scan, so it's only recommended for development</a:t>
-            </a:r>
-          </a:p>
-          <a:p>
-            <a:endParaRPr lang="en-US" dirty="0"/>
-          </a:p>
-          <a:p>
-            <a:r>
-              <a:rPr lang="en-US" dirty="0"/>
-              <a:t>Create a document in the web console</a:t>
-            </a:r>
-          </a:p>
-          <a:p>
-            <a:endParaRPr lang="en-US" dirty="0"/>
-          </a:p>
-          <a:p>
-            <a:r>
-              <a:rPr lang="en-US" dirty="0"/>
-              <a:t>Select document(s) from a bucket</a:t>
+              <a:t>Just look for the TODOs</a:t>
             </a:r>
           </a:p>
           <a:p>
@@ -1434,133 +1431,6 @@
             <a:fld id="{F39351FC-18D6-4741-8EEB-9FDB1F020AAC}" type="slidenum">
               <a:rPr lang="en-US" smtClean="0"/>
               <a:t>19</a:t>
-            </a:fld>
-            <a:endParaRPr lang="en-US"/>
-          </a:p>
-        </p:txBody>
-      </p:sp>
-    </p:spTree>
-    <p:extLst>
-      <p:ext uri="{BB962C8B-B14F-4D97-AF65-F5344CB8AC3E}">
-        <p14:creationId xmlns:p14="http://schemas.microsoft.com/office/powerpoint/2010/main" val="1004905252"/>
-      </p:ext>
-    </p:extLst>
-  </p:cSld>
-  <p:clrMapOvr>
-    <a:masterClrMapping/>
-  </p:clrMapOvr>
-</p:notes>
-</file>
-
-<file path=ppt/notesSlides/notesSlide15.xml><?xml version="1.0" encoding="utf-8"?>
-<p:notes xmlns:a="http://schemas.openxmlformats.org/drawingml/2006/main" xmlns:r="http://schemas.openxmlformats.org/officeDocument/2006/relationships" xmlns:p="http://schemas.openxmlformats.org/presentationml/2006/main">
-  <p:cSld>
-    <p:spTree>
-      <p:nvGrpSpPr>
-        <p:cNvPr id="1" name=""/>
-        <p:cNvGrpSpPr/>
-        <p:nvPr/>
-      </p:nvGrpSpPr>
-      <p:grpSpPr>
-        <a:xfrm>
-          <a:off x="0" y="0"/>
-          <a:ext cx="0" cy="0"/>
-          <a:chOff x="0" y="0"/>
-          <a:chExt cx="0" cy="0"/>
-        </a:xfrm>
-      </p:grpSpPr>
-      <p:sp>
-        <p:nvSpPr>
-          <p:cNvPr id="2" name="Slide Image Placeholder 1"/>
-          <p:cNvSpPr>
-            <a:spLocks noGrp="1" noRot="1" noChangeAspect="1"/>
-          </p:cNvSpPr>
-          <p:nvPr>
-            <p:ph type="sldImg"/>
-          </p:nvPr>
-        </p:nvSpPr>
-        <p:spPr/>
-      </p:sp>
-      <p:sp>
-        <p:nvSpPr>
-          <p:cNvPr id="3" name="Notes Placeholder 2"/>
-          <p:cNvSpPr>
-            <a:spLocks noGrp="1"/>
-          </p:cNvSpPr>
-          <p:nvPr>
-            <p:ph type="body" idx="1"/>
-          </p:nvPr>
-        </p:nvSpPr>
-        <p:spPr/>
-        <p:txBody>
-          <a:bodyPr/>
-          <a:lstStyle/>
-          <a:p>
-            <a:r>
-              <a:rPr lang="en-US" dirty="0"/>
-              <a:t>Write a console program to do these things</a:t>
-            </a:r>
-          </a:p>
-          <a:p>
-            <a:endParaRPr lang="en-US" dirty="0"/>
-          </a:p>
-          <a:p>
-            <a:r>
-              <a:rPr lang="en-US" dirty="0"/>
-              <a:t>To make things a little easier, I've given you a fill-in-the-blank version in </a:t>
-            </a:r>
-            <a:r>
-              <a:rPr lang="en-US" dirty="0" err="1"/>
-              <a:t>dotnet_workshop</a:t>
-            </a:r>
-            <a:r>
-              <a:rPr lang="en-US" dirty="0"/>
-              <a:t> and </a:t>
-            </a:r>
-            <a:r>
-              <a:rPr lang="en-US" dirty="0" err="1"/>
-              <a:t>dotnetcore_workshop</a:t>
-            </a:r>
-            <a:endParaRPr lang="en-US" dirty="0"/>
-          </a:p>
-          <a:p>
-            <a:endParaRPr lang="en-US" dirty="0"/>
-          </a:p>
-          <a:p>
-            <a:r>
-              <a:rPr lang="en-US" dirty="0"/>
-              <a:t>Just look for the TODOs</a:t>
-            </a:r>
-          </a:p>
-          <a:p>
-            <a:endParaRPr lang="en-US" dirty="0"/>
-          </a:p>
-          <a:p>
-            <a:r>
-              <a:rPr lang="en-US"/>
-              <a:t>[demonstrate]</a:t>
-            </a:r>
-          </a:p>
-        </p:txBody>
-      </p:sp>
-      <p:sp>
-        <p:nvSpPr>
-          <p:cNvPr id="4" name="Slide Number Placeholder 3"/>
-          <p:cNvSpPr>
-            <a:spLocks noGrp="1"/>
-          </p:cNvSpPr>
-          <p:nvPr>
-            <p:ph type="sldNum" sz="quarter" idx="10"/>
-          </p:nvPr>
-        </p:nvSpPr>
-        <p:spPr/>
-        <p:txBody>
-          <a:bodyPr/>
-          <a:lstStyle/>
-          <a:p>
-            <a:fld id="{F39351FC-18D6-4741-8EEB-9FDB1F020AAC}" type="slidenum">
-              <a:rPr lang="en-US" smtClean="0"/>
-              <a:t>20</a:t>
             </a:fld>
             <a:endParaRPr lang="en-US"/>
           </a:p>
@@ -2553,7 +2423,7 @@
           <a:p>
             <a:r>
               <a:rPr lang="en-US" dirty="0"/>
-              <a:t>Get the bucket by name, password if you set one</a:t>
+              <a:t>Get the bucket by name</a:t>
             </a:r>
           </a:p>
         </p:txBody>
@@ -8555,7 +8425,13 @@
       </p:sp>
       <p:pic>
         <p:nvPicPr>
-          <p:cNvPr id="3" name="Picture 2"/>
+          <p:cNvPr id="4" name="Picture 3">
+            <a:extLst>
+              <a:ext uri="{FF2B5EF4-FFF2-40B4-BE49-F238E27FC236}">
+                <a16:creationId xmlns:a16="http://schemas.microsoft.com/office/drawing/2014/main" id="{32B73E70-2A04-4C4E-99BF-C37C54187E6F}"/>
+              </a:ext>
+            </a:extLst>
+          </p:cNvPr>
           <p:cNvPicPr>
             <a:picLocks noChangeAspect="1"/>
           </p:cNvPicPr>
@@ -8569,8 +8445,8 @@
         </p:blipFill>
         <p:spPr>
           <a:xfrm>
-            <a:off x="504825" y="907836"/>
-            <a:ext cx="8182196" cy="3702210"/>
+            <a:off x="0" y="907836"/>
+            <a:ext cx="9144000" cy="3758944"/>
           </a:xfrm>
           <a:prstGeom prst="rect">
             <a:avLst/>
@@ -8984,14 +8860,20 @@
       </p:sp>
       <p:sp>
         <p:nvSpPr>
-          <p:cNvPr id="5" name="Rectangle 4"/>
+          <p:cNvPr id="3" name="Rectangle 2">
+            <a:extLst>
+              <a:ext uri="{FF2B5EF4-FFF2-40B4-BE49-F238E27FC236}">
+                <a16:creationId xmlns:a16="http://schemas.microsoft.com/office/drawing/2014/main" id="{EF43E07E-83B9-4C9C-825B-70CCF20BA484}"/>
+              </a:ext>
+            </a:extLst>
+          </p:cNvPr>
           <p:cNvSpPr/>
           <p:nvPr/>
         </p:nvSpPr>
         <p:spPr>
           <a:xfrm>
-            <a:off x="581024" y="1191220"/>
-            <a:ext cx="8161531" cy="2862322"/>
+            <a:off x="488731" y="1561564"/>
+            <a:ext cx="8018342" cy="1815882"/>
           </a:xfrm>
           <a:prstGeom prst="rect">
             <a:avLst/>
@@ -9004,7 +8886,7 @@
           <a:lstStyle/>
           <a:p>
             <a:r>
-              <a:rPr lang="en-US" sz="2000" dirty="0" err="1">
+              <a:rPr lang="en-US" sz="1600" dirty="0" err="1">
                 <a:solidFill>
                   <a:srgbClr val="0000FF"/>
                 </a:solidFill>
@@ -9013,7 +8895,7 @@
               <a:t>var</a:t>
             </a:r>
             <a:r>
-              <a:rPr lang="en-US" sz="2000" dirty="0">
+              <a:rPr lang="en-US" sz="1600" dirty="0">
                 <a:solidFill>
                   <a:srgbClr val="000000"/>
                 </a:solidFill>
@@ -9022,7 +8904,7 @@
               <a:t> config = </a:t>
             </a:r>
             <a:r>
-              <a:rPr lang="en-US" sz="2000" dirty="0">
+              <a:rPr lang="en-US" sz="1600" dirty="0">
                 <a:solidFill>
                   <a:srgbClr val="0000FF"/>
                 </a:solidFill>
@@ -9031,7 +8913,7 @@
               <a:t>new</a:t>
             </a:r>
             <a:r>
-              <a:rPr lang="en-US" sz="2000" dirty="0">
+              <a:rPr lang="en-US" sz="1600" dirty="0">
                 <a:solidFill>
                   <a:srgbClr val="000000"/>
                 </a:solidFill>
@@ -9040,16 +8922,16 @@
               <a:t> </a:t>
             </a:r>
             <a:r>
-              <a:rPr lang="en-US" sz="2000" dirty="0" err="1">
-                <a:solidFill>
-                  <a:srgbClr val="2B91AF"/>
+              <a:rPr lang="en-US" sz="1600" dirty="0" err="1">
+                <a:solidFill>
+                  <a:srgbClr val="000000"/>
                 </a:solidFill>
                 <a:latin typeface="Consolas" panose="020B0609020204030204" pitchFamily="49" charset="0"/>
               </a:rPr>
               <a:t>ClientConfiguration</a:t>
             </a:r>
             <a:r>
-              <a:rPr lang="en-US" sz="2000" dirty="0">
+              <a:rPr lang="en-US" sz="1600" dirty="0">
                 <a:solidFill>
                   <a:srgbClr val="000000"/>
                 </a:solidFill>
@@ -9060,7 +8942,7 @@
           </a:p>
           <a:p>
             <a:r>
-              <a:rPr lang="en-US" sz="2000" dirty="0" err="1">
+              <a:rPr lang="en-US" sz="1600" dirty="0" err="1">
                 <a:solidFill>
                   <a:srgbClr val="000000"/>
                 </a:solidFill>
@@ -9069,7 +8951,7 @@
               <a:t>config.Servers</a:t>
             </a:r>
             <a:r>
-              <a:rPr lang="en-US" sz="2000" dirty="0">
+              <a:rPr lang="en-US" sz="1600" dirty="0">
                 <a:solidFill>
                   <a:srgbClr val="000000"/>
                 </a:solidFill>
@@ -9078,7 +8960,7 @@
               <a:t> = </a:t>
             </a:r>
             <a:r>
-              <a:rPr lang="en-US" sz="2000" dirty="0">
+              <a:rPr lang="en-US" sz="1600" dirty="0">
                 <a:solidFill>
                   <a:srgbClr val="0000FF"/>
                 </a:solidFill>
@@ -9087,290 +8969,286 @@
               <a:t>new</a:t>
             </a:r>
             <a:r>
-              <a:rPr lang="en-US" sz="2000" dirty="0">
+              <a:rPr lang="en-US" sz="1600" dirty="0">
                 <a:solidFill>
                   <a:srgbClr val="000000"/>
                 </a:solidFill>
                 <a:latin typeface="Consolas" panose="020B0609020204030204" pitchFamily="49" charset="0"/>
               </a:rPr>
+              <a:t> List&lt;Uri&gt; {</a:t>
+            </a:r>
+          </a:p>
+          <a:p>
+            <a:r>
+              <a:rPr lang="en-US" sz="1600" dirty="0">
+                <a:solidFill>
+                  <a:srgbClr val="000000"/>
+                </a:solidFill>
+                <a:latin typeface="Consolas" panose="020B0609020204030204" pitchFamily="49" charset="0"/>
+              </a:rPr>
+              <a:t>    </a:t>
+            </a:r>
+            <a:r>
+              <a:rPr lang="en-US" sz="1600" dirty="0">
+                <a:solidFill>
+                  <a:srgbClr val="0000FF"/>
+                </a:solidFill>
+                <a:latin typeface="Consolas" panose="020B0609020204030204" pitchFamily="49" charset="0"/>
+              </a:rPr>
+              <a:t>new</a:t>
+            </a:r>
+            <a:r>
+              <a:rPr lang="en-US" sz="1600" dirty="0">
+                <a:solidFill>
+                  <a:srgbClr val="000000"/>
+                </a:solidFill>
+                <a:latin typeface="Consolas" panose="020B0609020204030204" pitchFamily="49" charset="0"/>
+              </a:rPr>
+              <a:t> Uri(</a:t>
+            </a:r>
+            <a:r>
+              <a:rPr lang="en-US" sz="1600" dirty="0">
+                <a:solidFill>
+                  <a:srgbClr val="A31515"/>
+                </a:solidFill>
+                <a:latin typeface="Consolas" panose="020B0609020204030204" pitchFamily="49" charset="0"/>
+              </a:rPr>
+              <a:t>"</a:t>
+            </a:r>
+            <a:r>
+              <a:rPr lang="en-US" sz="1600" dirty="0" err="1">
+                <a:solidFill>
+                  <a:srgbClr val="A31515"/>
+                </a:solidFill>
+                <a:latin typeface="Consolas" panose="020B0609020204030204" pitchFamily="49" charset="0"/>
+              </a:rPr>
+              <a:t>couchbase</a:t>
+            </a:r>
+            <a:r>
+              <a:rPr lang="en-US" sz="1600" dirty="0">
+                <a:solidFill>
+                  <a:srgbClr val="A31515"/>
+                </a:solidFill>
+                <a:latin typeface="Consolas" panose="020B0609020204030204" pitchFamily="49" charset="0"/>
+              </a:rPr>
+              <a:t>://localhost"</a:t>
+            </a:r>
+            <a:r>
+              <a:rPr lang="en-US" sz="1600" dirty="0">
+                <a:solidFill>
+                  <a:srgbClr val="000000"/>
+                </a:solidFill>
+                <a:latin typeface="Consolas" panose="020B0609020204030204" pitchFamily="49" charset="0"/>
+              </a:rPr>
+              <a:t>)</a:t>
+            </a:r>
+          </a:p>
+          <a:p>
+            <a:r>
+              <a:rPr lang="en-US" sz="1600" dirty="0">
+                <a:solidFill>
+                  <a:srgbClr val="000000"/>
+                </a:solidFill>
+                <a:latin typeface="Consolas" panose="020B0609020204030204" pitchFamily="49" charset="0"/>
+              </a:rPr>
+              <a:t>};</a:t>
+            </a:r>
+          </a:p>
+          <a:p>
+            <a:r>
+              <a:rPr lang="en-US" sz="1600" dirty="0">
+                <a:solidFill>
+                  <a:srgbClr val="000000"/>
+                </a:solidFill>
+                <a:latin typeface="Consolas" panose="020B0609020204030204" pitchFamily="49" charset="0"/>
+              </a:rPr>
+              <a:t>_cluster = </a:t>
+            </a:r>
+            <a:r>
+              <a:rPr lang="en-US" sz="1600" dirty="0">
+                <a:solidFill>
+                  <a:srgbClr val="0000FF"/>
+                </a:solidFill>
+                <a:latin typeface="Consolas" panose="020B0609020204030204" pitchFamily="49" charset="0"/>
+              </a:rPr>
+              <a:t>new</a:t>
+            </a:r>
+            <a:r>
+              <a:rPr lang="en-US" sz="1600" dirty="0">
+                <a:solidFill>
+                  <a:srgbClr val="000000"/>
+                </a:solidFill>
+                <a:latin typeface="Consolas" panose="020B0609020204030204" pitchFamily="49" charset="0"/>
+              </a:rPr>
+              <a:t> Cluster(config);</a:t>
+            </a:r>
+          </a:p>
+          <a:p>
+            <a:r>
+              <a:rPr lang="en-US" sz="1600" dirty="0">
+                <a:solidFill>
+                  <a:srgbClr val="000000"/>
+                </a:solidFill>
+                <a:latin typeface="Consolas" panose="020B0609020204030204" pitchFamily="49" charset="0"/>
+              </a:rPr>
+              <a:t>_</a:t>
+            </a:r>
+            <a:r>
+              <a:rPr lang="en-US" sz="1600" dirty="0" err="1">
+                <a:solidFill>
+                  <a:srgbClr val="000000"/>
+                </a:solidFill>
+                <a:latin typeface="Consolas" panose="020B0609020204030204" pitchFamily="49" charset="0"/>
+              </a:rPr>
+              <a:t>cluster.Authenticate</a:t>
+            </a:r>
+            <a:r>
+              <a:rPr lang="en-US" sz="1600" dirty="0">
+                <a:solidFill>
+                  <a:srgbClr val="000000"/>
+                </a:solidFill>
+                <a:latin typeface="Consolas" panose="020B0609020204030204" pitchFamily="49" charset="0"/>
+              </a:rPr>
+              <a:t>(</a:t>
+            </a:r>
+            <a:r>
+              <a:rPr lang="en-US" sz="1600" dirty="0">
+                <a:solidFill>
+                  <a:srgbClr val="0000FF"/>
+                </a:solidFill>
+                <a:latin typeface="Consolas" panose="020B0609020204030204" pitchFamily="49" charset="0"/>
+              </a:rPr>
+              <a:t>new</a:t>
+            </a:r>
+            <a:r>
+              <a:rPr lang="en-US" sz="1600" dirty="0">
+                <a:solidFill>
+                  <a:srgbClr val="000000"/>
+                </a:solidFill>
+                <a:latin typeface="Consolas" panose="020B0609020204030204" pitchFamily="49" charset="0"/>
+              </a:rPr>
               <a:t> </a:t>
             </a:r>
             <a:r>
-              <a:rPr lang="en-US" sz="2000" dirty="0">
-                <a:solidFill>
-                  <a:srgbClr val="2B91AF"/>
-                </a:solidFill>
-                <a:latin typeface="Consolas" panose="020B0609020204030204" pitchFamily="49" charset="0"/>
-              </a:rPr>
-              <a:t>List</a:t>
-            </a:r>
-            <a:r>
-              <a:rPr lang="en-US" sz="2000" dirty="0">
+              <a:rPr lang="en-US" sz="1600" dirty="0" err="1">
                 <a:solidFill>
                   <a:srgbClr val="000000"/>
                 </a:solidFill>
                 <a:latin typeface="Consolas" panose="020B0609020204030204" pitchFamily="49" charset="0"/>
               </a:rPr>
-              <a:t>&lt;</a:t>
-            </a:r>
-            <a:r>
-              <a:rPr lang="en-US" sz="2000" dirty="0">
-                <a:solidFill>
-                  <a:srgbClr val="2B91AF"/>
-                </a:solidFill>
-                <a:latin typeface="Consolas" panose="020B0609020204030204" pitchFamily="49" charset="0"/>
-              </a:rPr>
-              <a:t>Uri</a:t>
-            </a:r>
-            <a:r>
-              <a:rPr lang="en-US" sz="2000" dirty="0">
+              <a:t>PasswordAuthenticator</a:t>
+            </a:r>
+            <a:r>
+              <a:rPr lang="en-US" sz="1600" dirty="0">
                 <a:solidFill>
                   <a:srgbClr val="000000"/>
                 </a:solidFill>
                 <a:latin typeface="Consolas" panose="020B0609020204030204" pitchFamily="49" charset="0"/>
               </a:rPr>
-              <a:t>&gt; {</a:t>
-            </a:r>
-          </a:p>
-          <a:p>
-            <a:r>
-              <a:rPr lang="en-US" sz="2000" dirty="0">
+              <a:t>(</a:t>
+            </a:r>
+            <a:r>
+              <a:rPr lang="en-US" sz="1600" dirty="0">
+                <a:solidFill>
+                  <a:srgbClr val="A31515"/>
+                </a:solidFill>
+                <a:latin typeface="Consolas" panose="020B0609020204030204" pitchFamily="49" charset="0"/>
+              </a:rPr>
+              <a:t>"</a:t>
+            </a:r>
+            <a:r>
+              <a:rPr lang="en-US" sz="1600" dirty="0" err="1">
+                <a:solidFill>
+                  <a:srgbClr val="A31515"/>
+                </a:solidFill>
+                <a:latin typeface="Consolas" panose="020B0609020204030204" pitchFamily="49" charset="0"/>
+              </a:rPr>
+              <a:t>matt"</a:t>
+            </a:r>
+            <a:r>
+              <a:rPr lang="en-US" sz="1600" dirty="0" err="1">
                 <a:solidFill>
                   <a:srgbClr val="000000"/>
                 </a:solidFill>
                 <a:latin typeface="Consolas" panose="020B0609020204030204" pitchFamily="49" charset="0"/>
               </a:rPr>
-              <a:t>    </a:t>
-            </a:r>
-            <a:r>
-              <a:rPr lang="en-US" sz="2000" dirty="0">
-                <a:solidFill>
-                  <a:srgbClr val="0000FF"/>
-                </a:solidFill>
-                <a:latin typeface="Consolas" panose="020B0609020204030204" pitchFamily="49" charset="0"/>
-              </a:rPr>
-              <a:t>new</a:t>
-            </a:r>
-            <a:r>
-              <a:rPr lang="en-US" sz="2000" dirty="0">
+              <a:t>,</a:t>
+            </a:r>
+            <a:r>
+              <a:rPr lang="en-US" sz="1600" dirty="0" err="1">
+                <a:solidFill>
+                  <a:srgbClr val="A31515"/>
+                </a:solidFill>
+                <a:latin typeface="Consolas" panose="020B0609020204030204" pitchFamily="49" charset="0"/>
+              </a:rPr>
+              <a:t>"password</a:t>
+            </a:r>
+            <a:r>
+              <a:rPr lang="en-US" sz="1600" dirty="0">
+                <a:solidFill>
+                  <a:srgbClr val="A31515"/>
+                </a:solidFill>
+                <a:latin typeface="Consolas" panose="020B0609020204030204" pitchFamily="49" charset="0"/>
+              </a:rPr>
+              <a:t>"</a:t>
+            </a:r>
+            <a:r>
+              <a:rPr lang="en-US" sz="1600" dirty="0">
                 <a:solidFill>
                   <a:srgbClr val="000000"/>
                 </a:solidFill>
                 <a:latin typeface="Consolas" panose="020B0609020204030204" pitchFamily="49" charset="0"/>
               </a:rPr>
-              <a:t> </a:t>
-            </a:r>
-            <a:r>
-              <a:rPr lang="en-US" sz="2000" dirty="0">
-                <a:solidFill>
-                  <a:srgbClr val="2B91AF"/>
-                </a:solidFill>
-                <a:latin typeface="Consolas" panose="020B0609020204030204" pitchFamily="49" charset="0"/>
-              </a:rPr>
-              <a:t>Uri</a:t>
-            </a:r>
-            <a:r>
-              <a:rPr lang="en-US" sz="2000" dirty="0">
+              <a:t>));</a:t>
+            </a:r>
+          </a:p>
+          <a:p>
+            <a:r>
+              <a:rPr lang="en-US" sz="1600" dirty="0">
                 <a:solidFill>
                   <a:srgbClr val="000000"/>
                 </a:solidFill>
                 <a:latin typeface="Consolas" panose="020B0609020204030204" pitchFamily="49" charset="0"/>
               </a:rPr>
+              <a:t>_bucket = _</a:t>
+            </a:r>
+            <a:r>
+              <a:rPr lang="en-US" sz="1600" dirty="0" err="1">
+                <a:solidFill>
+                  <a:srgbClr val="000000"/>
+                </a:solidFill>
+                <a:latin typeface="Consolas" panose="020B0609020204030204" pitchFamily="49" charset="0"/>
+              </a:rPr>
+              <a:t>cluster.OpenBucket</a:t>
+            </a:r>
+            <a:r>
+              <a:rPr lang="en-US" sz="1600" dirty="0">
+                <a:solidFill>
+                  <a:srgbClr val="000000"/>
+                </a:solidFill>
+                <a:latin typeface="Consolas" panose="020B0609020204030204" pitchFamily="49" charset="0"/>
+              </a:rPr>
               <a:t>(</a:t>
             </a:r>
             <a:r>
-              <a:rPr lang="en-US" sz="2000" dirty="0">
+              <a:rPr lang="en-US" sz="1600" dirty="0">
                 <a:solidFill>
                   <a:srgbClr val="A31515"/>
                 </a:solidFill>
                 <a:latin typeface="Consolas" panose="020B0609020204030204" pitchFamily="49" charset="0"/>
               </a:rPr>
-              <a:t>"</a:t>
-            </a:r>
-            <a:r>
-              <a:rPr lang="en-US" sz="2000" dirty="0" err="1">
-                <a:solidFill>
-                  <a:srgbClr val="A31515"/>
-                </a:solidFill>
-                <a:latin typeface="Consolas" panose="020B0609020204030204" pitchFamily="49" charset="0"/>
-              </a:rPr>
-              <a:t>couchbase</a:t>
-            </a:r>
-            <a:r>
-              <a:rPr lang="en-US" sz="2000" dirty="0">
-                <a:solidFill>
-                  <a:srgbClr val="A31515"/>
-                </a:solidFill>
-                <a:latin typeface="Consolas" panose="020B0609020204030204" pitchFamily="49" charset="0"/>
-              </a:rPr>
-              <a:t>://localhost"</a:t>
-            </a:r>
-            <a:r>
-              <a:rPr lang="en-US" sz="2000" dirty="0">
+              <a:t>"workshop"</a:t>
+            </a:r>
+            <a:r>
+              <a:rPr lang="en-US" sz="1600" dirty="0">
                 <a:solidFill>
                   <a:srgbClr val="000000"/>
                 </a:solidFill>
                 <a:latin typeface="Consolas" panose="020B0609020204030204" pitchFamily="49" charset="0"/>
               </a:rPr>
-              <a:t>)</a:t>
-            </a:r>
-          </a:p>
-          <a:p>
-            <a:r>
-              <a:rPr lang="en-US" sz="2000" dirty="0">
-                <a:solidFill>
-                  <a:srgbClr val="000000"/>
-                </a:solidFill>
-                <a:latin typeface="Consolas" panose="020B0609020204030204" pitchFamily="49" charset="0"/>
-              </a:rPr>
-              <a:t>};</a:t>
-            </a:r>
-          </a:p>
-          <a:p>
-            <a:r>
-              <a:rPr lang="en-US" sz="2000" dirty="0" err="1">
-                <a:solidFill>
-                  <a:srgbClr val="2B91AF"/>
-                </a:solidFill>
-                <a:latin typeface="Consolas" panose="020B0609020204030204" pitchFamily="49" charset="0"/>
-              </a:rPr>
-              <a:t>ClusterHelper</a:t>
-            </a:r>
-            <a:r>
-              <a:rPr lang="en-US" sz="2000" dirty="0" err="1">
-                <a:solidFill>
-                  <a:srgbClr val="000000"/>
-                </a:solidFill>
-                <a:latin typeface="Consolas" panose="020B0609020204030204" pitchFamily="49" charset="0"/>
-              </a:rPr>
-              <a:t>.Initialize</a:t>
-            </a:r>
-            <a:r>
-              <a:rPr lang="en-US" sz="2000" dirty="0">
-                <a:solidFill>
-                  <a:srgbClr val="000000"/>
-                </a:solidFill>
-                <a:latin typeface="Consolas" panose="020B0609020204030204" pitchFamily="49" charset="0"/>
-              </a:rPr>
-              <a:t>(config);</a:t>
-            </a:r>
-          </a:p>
-          <a:p>
-            <a:endParaRPr lang="en-US" sz="2000" dirty="0">
-              <a:solidFill>
-                <a:srgbClr val="000000"/>
-              </a:solidFill>
-              <a:latin typeface="Consolas" panose="020B0609020204030204" pitchFamily="49" charset="0"/>
-            </a:endParaRPr>
-          </a:p>
-          <a:p>
-            <a:endParaRPr lang="en-US" sz="2000" dirty="0">
-              <a:solidFill>
-                <a:srgbClr val="000000"/>
-              </a:solidFill>
-              <a:latin typeface="Consolas" panose="020B0609020204030204" pitchFamily="49" charset="0"/>
-            </a:endParaRPr>
-          </a:p>
-          <a:p>
-            <a:endParaRPr lang="en-US" sz="2000" dirty="0">
-              <a:solidFill>
-                <a:srgbClr val="000000"/>
-              </a:solidFill>
-              <a:latin typeface="Consolas" panose="020B0609020204030204" pitchFamily="49" charset="0"/>
-            </a:endParaRPr>
-          </a:p>
-          <a:p>
-            <a:r>
-              <a:rPr lang="en-US" sz="2000" dirty="0" err="1">
-                <a:solidFill>
-                  <a:srgbClr val="2B91AF"/>
-                </a:solidFill>
-                <a:latin typeface="Consolas" panose="020B0609020204030204" pitchFamily="49" charset="0"/>
-              </a:rPr>
-              <a:t>IBucket</a:t>
-            </a:r>
-            <a:r>
-              <a:rPr lang="en-US" sz="2000" dirty="0">
-                <a:solidFill>
-                  <a:srgbClr val="2B91AF"/>
-                </a:solidFill>
-                <a:latin typeface="Consolas" panose="020B0609020204030204" pitchFamily="49" charset="0"/>
-              </a:rPr>
-              <a:t> </a:t>
-            </a:r>
-            <a:r>
-              <a:rPr lang="en-US" sz="2000" dirty="0">
-                <a:solidFill>
-                  <a:srgbClr val="000000"/>
-                </a:solidFill>
-                <a:latin typeface="Consolas" panose="020B0609020204030204" pitchFamily="49" charset="0"/>
-              </a:rPr>
-              <a:t>_bucket = </a:t>
-            </a:r>
-            <a:r>
-              <a:rPr lang="en-US" sz="2000" dirty="0" err="1">
-                <a:solidFill>
-                  <a:srgbClr val="2B91AF"/>
-                </a:solidFill>
-                <a:latin typeface="Consolas" panose="020B0609020204030204" pitchFamily="49" charset="0"/>
-              </a:rPr>
-              <a:t>ClusterHelper</a:t>
-            </a:r>
-            <a:r>
-              <a:rPr lang="en-US" sz="2000" dirty="0" err="1">
-                <a:solidFill>
-                  <a:srgbClr val="000000"/>
-                </a:solidFill>
-                <a:latin typeface="Consolas" panose="020B0609020204030204" pitchFamily="49" charset="0"/>
-              </a:rPr>
-              <a:t>.GetBucket</a:t>
-            </a:r>
-            <a:r>
-              <a:rPr lang="en-US" sz="2000" dirty="0">
-                <a:solidFill>
-                  <a:srgbClr val="000000"/>
-                </a:solidFill>
-                <a:latin typeface="Consolas" panose="020B0609020204030204" pitchFamily="49" charset="0"/>
-              </a:rPr>
-              <a:t>(</a:t>
-            </a:r>
-            <a:r>
-              <a:rPr lang="en-US" sz="2000" dirty="0">
-                <a:solidFill>
-                  <a:srgbClr val="A31515"/>
-                </a:solidFill>
-                <a:latin typeface="Consolas" panose="020B0609020204030204" pitchFamily="49" charset="0"/>
-              </a:rPr>
-              <a:t>"</a:t>
-            </a:r>
-            <a:r>
-              <a:rPr lang="en-US" sz="2000" dirty="0" err="1">
-                <a:solidFill>
-                  <a:srgbClr val="A31515"/>
-                </a:solidFill>
-                <a:latin typeface="Consolas" panose="020B0609020204030204" pitchFamily="49" charset="0"/>
-              </a:rPr>
-              <a:t>bucketname</a:t>
-            </a:r>
-            <a:r>
-              <a:rPr lang="en-US" sz="2000" dirty="0">
-                <a:solidFill>
-                  <a:srgbClr val="A31515"/>
-                </a:solidFill>
-                <a:latin typeface="Consolas" panose="020B0609020204030204" pitchFamily="49" charset="0"/>
-              </a:rPr>
-              <a:t>"</a:t>
-            </a:r>
-            <a:r>
-              <a:rPr lang="en-US" sz="2000" dirty="0">
-                <a:solidFill>
-                  <a:srgbClr val="000000"/>
-                </a:solidFill>
-                <a:latin typeface="Consolas" panose="020B0609020204030204" pitchFamily="49" charset="0"/>
-              </a:rPr>
               <a:t>);</a:t>
             </a:r>
-            <a:endParaRPr lang="en-US" sz="4800" dirty="0"/>
+            <a:endParaRPr lang="en-US" sz="4000" dirty="0"/>
           </a:p>
         </p:txBody>
       </p:sp>
@@ -9939,949 +9817,6 @@
             <p:ph type="title"/>
           </p:nvPr>
         </p:nvSpPr>
-        <p:spPr/>
-        <p:txBody>
-          <a:bodyPr/>
-          <a:lstStyle/>
-          <a:p>
-            <a:r>
-              <a:rPr lang="en-US" dirty="0"/>
-              <a:t>Insert, Replace, </a:t>
-            </a:r>
-            <a:r>
-              <a:rPr lang="en-US" dirty="0" err="1"/>
-              <a:t>Upsert</a:t>
-            </a:r>
-            <a:endParaRPr lang="en-US" dirty="0"/>
-          </a:p>
-        </p:txBody>
-      </p:sp>
-      <p:sp>
-        <p:nvSpPr>
-          <p:cNvPr id="3" name="Rectangle 2"/>
-          <p:cNvSpPr/>
-          <p:nvPr/>
-        </p:nvSpPr>
-        <p:spPr>
-          <a:xfrm>
-            <a:off x="352424" y="936710"/>
-            <a:ext cx="8391525" cy="923330"/>
-          </a:xfrm>
-          <a:prstGeom prst="rect">
-            <a:avLst/>
-          </a:prstGeom>
-        </p:spPr>
-        <p:txBody>
-          <a:bodyPr wrap="square">
-            <a:spAutoFit/>
-          </a:bodyPr>
-          <a:lstStyle/>
-          <a:p>
-            <a:r>
-              <a:rPr lang="en-US" dirty="0" err="1">
-                <a:solidFill>
-                  <a:srgbClr val="2B91AF"/>
-                </a:solidFill>
-                <a:latin typeface="Consolas" panose="020B0609020204030204" pitchFamily="49" charset="0"/>
-              </a:rPr>
-              <a:t>IDocumentResult</a:t>
-            </a:r>
-            <a:r>
-              <a:rPr lang="en-US" dirty="0">
-                <a:solidFill>
-                  <a:srgbClr val="000000"/>
-                </a:solidFill>
-                <a:latin typeface="Consolas" panose="020B0609020204030204" pitchFamily="49" charset="0"/>
-              </a:rPr>
-              <a:t>&lt;</a:t>
-            </a:r>
-            <a:r>
-              <a:rPr lang="en-US" dirty="0">
-                <a:solidFill>
-                  <a:srgbClr val="0000FF"/>
-                </a:solidFill>
-                <a:latin typeface="Consolas" panose="020B0609020204030204" pitchFamily="49" charset="0"/>
-              </a:rPr>
-              <a:t>dynamic</a:t>
-            </a:r>
-            <a:r>
-              <a:rPr lang="en-US" dirty="0">
-                <a:solidFill>
-                  <a:srgbClr val="000000"/>
-                </a:solidFill>
-                <a:latin typeface="Consolas" panose="020B0609020204030204" pitchFamily="49" charset="0"/>
-              </a:rPr>
-              <a:t>&gt; result1 = _</a:t>
-            </a:r>
-            <a:r>
-              <a:rPr lang="en-US" dirty="0" err="1">
-                <a:solidFill>
-                  <a:srgbClr val="000000"/>
-                </a:solidFill>
-                <a:latin typeface="Consolas" panose="020B0609020204030204" pitchFamily="49" charset="0"/>
-              </a:rPr>
-              <a:t>bucket.Insert</a:t>
-            </a:r>
-            <a:r>
-              <a:rPr lang="en-US" dirty="0">
-                <a:solidFill>
-                  <a:srgbClr val="000000"/>
-                </a:solidFill>
-                <a:latin typeface="Consolas" panose="020B0609020204030204" pitchFamily="49" charset="0"/>
-              </a:rPr>
-              <a:t>(document);</a:t>
-            </a:r>
-          </a:p>
-          <a:p>
-            <a:r>
-              <a:rPr lang="en-US" dirty="0" err="1">
-                <a:solidFill>
-                  <a:srgbClr val="2B91AF"/>
-                </a:solidFill>
-                <a:latin typeface="Consolas" panose="020B0609020204030204" pitchFamily="49" charset="0"/>
-              </a:rPr>
-              <a:t>IDocumentResult</a:t>
-            </a:r>
-            <a:r>
-              <a:rPr lang="en-US" dirty="0">
-                <a:solidFill>
-                  <a:srgbClr val="000000"/>
-                </a:solidFill>
-                <a:latin typeface="Consolas" panose="020B0609020204030204" pitchFamily="49" charset="0"/>
-              </a:rPr>
-              <a:t>&lt;</a:t>
-            </a:r>
-            <a:r>
-              <a:rPr lang="en-US" dirty="0">
-                <a:solidFill>
-                  <a:srgbClr val="0000FF"/>
-                </a:solidFill>
-                <a:latin typeface="Consolas" panose="020B0609020204030204" pitchFamily="49" charset="0"/>
-              </a:rPr>
-              <a:t>dynamic</a:t>
-            </a:r>
-            <a:r>
-              <a:rPr lang="en-US" dirty="0">
-                <a:solidFill>
-                  <a:srgbClr val="000000"/>
-                </a:solidFill>
-                <a:latin typeface="Consolas" panose="020B0609020204030204" pitchFamily="49" charset="0"/>
-              </a:rPr>
-              <a:t>&gt; result2 = _</a:t>
-            </a:r>
-            <a:r>
-              <a:rPr lang="en-US" dirty="0" err="1">
-                <a:solidFill>
-                  <a:srgbClr val="000000"/>
-                </a:solidFill>
-                <a:latin typeface="Consolas" panose="020B0609020204030204" pitchFamily="49" charset="0"/>
-              </a:rPr>
-              <a:t>bucket.Upsert</a:t>
-            </a:r>
-            <a:r>
-              <a:rPr lang="en-US" dirty="0">
-                <a:solidFill>
-                  <a:srgbClr val="000000"/>
-                </a:solidFill>
-                <a:latin typeface="Consolas" panose="020B0609020204030204" pitchFamily="49" charset="0"/>
-              </a:rPr>
-              <a:t>(document);</a:t>
-            </a:r>
-          </a:p>
-          <a:p>
-            <a:r>
-              <a:rPr lang="en-US" dirty="0" err="1">
-                <a:solidFill>
-                  <a:srgbClr val="2B91AF"/>
-                </a:solidFill>
-                <a:latin typeface="Consolas" panose="020B0609020204030204" pitchFamily="49" charset="0"/>
-              </a:rPr>
-              <a:t>IDocumentResult</a:t>
-            </a:r>
-            <a:r>
-              <a:rPr lang="en-US" dirty="0">
-                <a:solidFill>
-                  <a:srgbClr val="000000"/>
-                </a:solidFill>
-                <a:latin typeface="Consolas" panose="020B0609020204030204" pitchFamily="49" charset="0"/>
-              </a:rPr>
-              <a:t>&lt;</a:t>
-            </a:r>
-            <a:r>
-              <a:rPr lang="en-US" dirty="0">
-                <a:solidFill>
-                  <a:srgbClr val="0000FF"/>
-                </a:solidFill>
-                <a:latin typeface="Consolas" panose="020B0609020204030204" pitchFamily="49" charset="0"/>
-              </a:rPr>
-              <a:t>dynamic</a:t>
-            </a:r>
-            <a:r>
-              <a:rPr lang="en-US" dirty="0">
-                <a:solidFill>
-                  <a:srgbClr val="000000"/>
-                </a:solidFill>
-                <a:latin typeface="Consolas" panose="020B0609020204030204" pitchFamily="49" charset="0"/>
-              </a:rPr>
-              <a:t>&gt; result3 = _</a:t>
-            </a:r>
-            <a:r>
-              <a:rPr lang="en-US" dirty="0" err="1">
-                <a:solidFill>
-                  <a:srgbClr val="000000"/>
-                </a:solidFill>
-                <a:latin typeface="Consolas" panose="020B0609020204030204" pitchFamily="49" charset="0"/>
-              </a:rPr>
-              <a:t>bucket.Replace</a:t>
-            </a:r>
-            <a:r>
-              <a:rPr lang="en-US" dirty="0">
-                <a:solidFill>
-                  <a:srgbClr val="000000"/>
-                </a:solidFill>
-                <a:latin typeface="Consolas" panose="020B0609020204030204" pitchFamily="49" charset="0"/>
-              </a:rPr>
-              <a:t>(document);</a:t>
-            </a:r>
-          </a:p>
-        </p:txBody>
-      </p:sp>
-      <p:sp>
-        <p:nvSpPr>
-          <p:cNvPr id="4" name="Rectangle 3"/>
-          <p:cNvSpPr/>
-          <p:nvPr/>
-        </p:nvSpPr>
-        <p:spPr>
-          <a:xfrm>
-            <a:off x="352423" y="2002529"/>
-            <a:ext cx="8391525" cy="2446824"/>
-          </a:xfrm>
-          <a:prstGeom prst="rect">
-            <a:avLst/>
-          </a:prstGeom>
-        </p:spPr>
-        <p:txBody>
-          <a:bodyPr wrap="square">
-            <a:spAutoFit/>
-          </a:bodyPr>
-          <a:lstStyle/>
-          <a:p>
-            <a:r>
-              <a:rPr lang="en-US" sz="1600" dirty="0">
-                <a:solidFill>
-                  <a:srgbClr val="2B91AF"/>
-                </a:solidFill>
-                <a:latin typeface="Consolas" panose="020B0609020204030204" pitchFamily="49" charset="0"/>
-              </a:rPr>
-              <a:t>Task</a:t>
-            </a:r>
-            <a:r>
-              <a:rPr lang="en-US" sz="1600" dirty="0">
-                <a:solidFill>
-                  <a:srgbClr val="000000"/>
-                </a:solidFill>
-                <a:latin typeface="Consolas" panose="020B0609020204030204" pitchFamily="49" charset="0"/>
-              </a:rPr>
-              <a:t>&lt;</a:t>
-            </a:r>
-            <a:r>
-              <a:rPr lang="en-US" sz="1600" dirty="0" err="1">
-                <a:solidFill>
-                  <a:srgbClr val="2B91AF"/>
-                </a:solidFill>
-                <a:latin typeface="Consolas" panose="020B0609020204030204" pitchFamily="49" charset="0"/>
-              </a:rPr>
-              <a:t>IDocumentResult</a:t>
-            </a:r>
-            <a:r>
-              <a:rPr lang="en-US" sz="1600" dirty="0">
-                <a:solidFill>
-                  <a:srgbClr val="000000"/>
-                </a:solidFill>
-                <a:latin typeface="Consolas" panose="020B0609020204030204" pitchFamily="49" charset="0"/>
-              </a:rPr>
-              <a:t>&lt;</a:t>
-            </a:r>
-            <a:r>
-              <a:rPr lang="en-US" sz="1600" dirty="0">
-                <a:solidFill>
-                  <a:srgbClr val="0000FF"/>
-                </a:solidFill>
-                <a:latin typeface="Consolas" panose="020B0609020204030204" pitchFamily="49" charset="0"/>
-              </a:rPr>
-              <a:t>dynamic</a:t>
-            </a:r>
-            <a:r>
-              <a:rPr lang="en-US" sz="1600" dirty="0">
-                <a:solidFill>
-                  <a:srgbClr val="000000"/>
-                </a:solidFill>
-                <a:latin typeface="Consolas" panose="020B0609020204030204" pitchFamily="49" charset="0"/>
-              </a:rPr>
-              <a:t>&gt;&gt; result4 = _</a:t>
-            </a:r>
-            <a:r>
-              <a:rPr lang="en-US" sz="1600" dirty="0" err="1">
-                <a:solidFill>
-                  <a:srgbClr val="000000"/>
-                </a:solidFill>
-                <a:latin typeface="Consolas" panose="020B0609020204030204" pitchFamily="49" charset="0"/>
-              </a:rPr>
-              <a:t>bucket.InsertAsync</a:t>
-            </a:r>
-            <a:r>
-              <a:rPr lang="en-US" sz="1600" dirty="0">
-                <a:solidFill>
-                  <a:srgbClr val="000000"/>
-                </a:solidFill>
-                <a:latin typeface="Consolas" panose="020B0609020204030204" pitchFamily="49" charset="0"/>
-              </a:rPr>
-              <a:t>(document);</a:t>
-            </a:r>
-          </a:p>
-          <a:p>
-            <a:r>
-              <a:rPr lang="en-US" sz="1600" dirty="0">
-                <a:solidFill>
-                  <a:srgbClr val="2B91AF"/>
-                </a:solidFill>
-                <a:latin typeface="Consolas" panose="020B0609020204030204" pitchFamily="49" charset="0"/>
-              </a:rPr>
-              <a:t>Task</a:t>
-            </a:r>
-            <a:r>
-              <a:rPr lang="en-US" sz="1600" dirty="0">
-                <a:solidFill>
-                  <a:srgbClr val="000000"/>
-                </a:solidFill>
-                <a:latin typeface="Consolas" panose="020B0609020204030204" pitchFamily="49" charset="0"/>
-              </a:rPr>
-              <a:t>&lt;</a:t>
-            </a:r>
-            <a:r>
-              <a:rPr lang="en-US" sz="1600" dirty="0" err="1">
-                <a:solidFill>
-                  <a:srgbClr val="2B91AF"/>
-                </a:solidFill>
-                <a:latin typeface="Consolas" panose="020B0609020204030204" pitchFamily="49" charset="0"/>
-              </a:rPr>
-              <a:t>IDocumentResult</a:t>
-            </a:r>
-            <a:r>
-              <a:rPr lang="en-US" sz="1600" dirty="0">
-                <a:solidFill>
-                  <a:srgbClr val="000000"/>
-                </a:solidFill>
-                <a:latin typeface="Consolas" panose="020B0609020204030204" pitchFamily="49" charset="0"/>
-              </a:rPr>
-              <a:t>&lt;</a:t>
-            </a:r>
-            <a:r>
-              <a:rPr lang="en-US" sz="1600" dirty="0">
-                <a:solidFill>
-                  <a:srgbClr val="0000FF"/>
-                </a:solidFill>
-                <a:latin typeface="Consolas" panose="020B0609020204030204" pitchFamily="49" charset="0"/>
-              </a:rPr>
-              <a:t>dynamic</a:t>
-            </a:r>
-            <a:r>
-              <a:rPr lang="en-US" sz="1600" dirty="0">
-                <a:solidFill>
-                  <a:srgbClr val="000000"/>
-                </a:solidFill>
-                <a:latin typeface="Consolas" panose="020B0609020204030204" pitchFamily="49" charset="0"/>
-              </a:rPr>
-              <a:t>&gt;&gt; result5 = _</a:t>
-            </a:r>
-            <a:r>
-              <a:rPr lang="en-US" sz="1600" dirty="0" err="1">
-                <a:solidFill>
-                  <a:srgbClr val="000000"/>
-                </a:solidFill>
-                <a:latin typeface="Consolas" panose="020B0609020204030204" pitchFamily="49" charset="0"/>
-              </a:rPr>
-              <a:t>bucket.UpsertAsync</a:t>
-            </a:r>
-            <a:r>
-              <a:rPr lang="en-US" sz="1600" dirty="0">
-                <a:solidFill>
-                  <a:srgbClr val="000000"/>
-                </a:solidFill>
-                <a:latin typeface="Consolas" panose="020B0609020204030204" pitchFamily="49" charset="0"/>
-              </a:rPr>
-              <a:t>(document);</a:t>
-            </a:r>
-          </a:p>
-          <a:p>
-            <a:r>
-              <a:rPr lang="en-US" sz="1600" dirty="0">
-                <a:solidFill>
-                  <a:srgbClr val="2B91AF"/>
-                </a:solidFill>
-                <a:latin typeface="Consolas" panose="020B0609020204030204" pitchFamily="49" charset="0"/>
-              </a:rPr>
-              <a:t>Task</a:t>
-            </a:r>
-            <a:r>
-              <a:rPr lang="en-US" sz="1600" dirty="0">
-                <a:solidFill>
-                  <a:srgbClr val="000000"/>
-                </a:solidFill>
-                <a:latin typeface="Consolas" panose="020B0609020204030204" pitchFamily="49" charset="0"/>
-              </a:rPr>
-              <a:t>&lt;</a:t>
-            </a:r>
-            <a:r>
-              <a:rPr lang="en-US" sz="1600" dirty="0" err="1">
-                <a:solidFill>
-                  <a:srgbClr val="2B91AF"/>
-                </a:solidFill>
-                <a:latin typeface="Consolas" panose="020B0609020204030204" pitchFamily="49" charset="0"/>
-              </a:rPr>
-              <a:t>IDocumentResult</a:t>
-            </a:r>
-            <a:r>
-              <a:rPr lang="en-US" sz="1600" dirty="0">
-                <a:solidFill>
-                  <a:srgbClr val="000000"/>
-                </a:solidFill>
-                <a:latin typeface="Consolas" panose="020B0609020204030204" pitchFamily="49" charset="0"/>
-              </a:rPr>
-              <a:t>&lt;</a:t>
-            </a:r>
-            <a:r>
-              <a:rPr lang="en-US" sz="1600" dirty="0">
-                <a:solidFill>
-                  <a:srgbClr val="0000FF"/>
-                </a:solidFill>
-                <a:latin typeface="Consolas" panose="020B0609020204030204" pitchFamily="49" charset="0"/>
-              </a:rPr>
-              <a:t>dynamic</a:t>
-            </a:r>
-            <a:r>
-              <a:rPr lang="en-US" sz="1600" dirty="0">
-                <a:solidFill>
-                  <a:srgbClr val="000000"/>
-                </a:solidFill>
-                <a:latin typeface="Consolas" panose="020B0609020204030204" pitchFamily="49" charset="0"/>
-              </a:rPr>
-              <a:t>&gt;&gt; result6 = _</a:t>
-            </a:r>
-            <a:r>
-              <a:rPr lang="en-US" sz="1600" dirty="0" err="1">
-                <a:solidFill>
-                  <a:srgbClr val="000000"/>
-                </a:solidFill>
-                <a:latin typeface="Consolas" panose="020B0609020204030204" pitchFamily="49" charset="0"/>
-              </a:rPr>
-              <a:t>bucket.ReplaceAsync</a:t>
-            </a:r>
-            <a:r>
-              <a:rPr lang="en-US" sz="1600" dirty="0">
-                <a:solidFill>
-                  <a:srgbClr val="000000"/>
-                </a:solidFill>
-                <a:latin typeface="Consolas" panose="020B0609020204030204" pitchFamily="49" charset="0"/>
-              </a:rPr>
-              <a:t>(document);</a:t>
-            </a:r>
-          </a:p>
-          <a:p>
-            <a:endParaRPr lang="en-US" sz="900" dirty="0">
-              <a:solidFill>
-                <a:srgbClr val="000000"/>
-              </a:solidFill>
-              <a:latin typeface="Consolas" panose="020B0609020204030204" pitchFamily="49" charset="0"/>
-            </a:endParaRPr>
-          </a:p>
-          <a:p>
-            <a:r>
-              <a:rPr lang="en-US" sz="1600" dirty="0">
-                <a:solidFill>
-                  <a:srgbClr val="2B91AF"/>
-                </a:solidFill>
-                <a:latin typeface="Consolas" panose="020B0609020204030204" pitchFamily="49" charset="0"/>
-              </a:rPr>
-              <a:t>Task</a:t>
-            </a:r>
-            <a:r>
-              <a:rPr lang="en-US" sz="1600" dirty="0">
-                <a:solidFill>
-                  <a:srgbClr val="000000"/>
-                </a:solidFill>
-                <a:latin typeface="Consolas" panose="020B0609020204030204" pitchFamily="49" charset="0"/>
-              </a:rPr>
-              <a:t>&lt;</a:t>
-            </a:r>
-            <a:r>
-              <a:rPr lang="en-US" sz="1600" dirty="0" err="1">
-                <a:solidFill>
-                  <a:srgbClr val="2B91AF"/>
-                </a:solidFill>
-                <a:latin typeface="Consolas" panose="020B0609020204030204" pitchFamily="49" charset="0"/>
-              </a:rPr>
-              <a:t>IDocumentResult</a:t>
-            </a:r>
-            <a:r>
-              <a:rPr lang="en-US" sz="1600" dirty="0">
-                <a:solidFill>
-                  <a:srgbClr val="000000"/>
-                </a:solidFill>
-                <a:latin typeface="Consolas" panose="020B0609020204030204" pitchFamily="49" charset="0"/>
-              </a:rPr>
-              <a:t>&lt;</a:t>
-            </a:r>
-            <a:r>
-              <a:rPr lang="en-US" sz="1600" dirty="0">
-                <a:solidFill>
-                  <a:srgbClr val="0000FF"/>
-                </a:solidFill>
-                <a:latin typeface="Consolas" panose="020B0609020204030204" pitchFamily="49" charset="0"/>
-              </a:rPr>
-              <a:t>dynamic</a:t>
-            </a:r>
-            <a:r>
-              <a:rPr lang="en-US" sz="1600" dirty="0">
-                <a:solidFill>
-                  <a:srgbClr val="000000"/>
-                </a:solidFill>
-                <a:latin typeface="Consolas" panose="020B0609020204030204" pitchFamily="49" charset="0"/>
-              </a:rPr>
-              <a:t>&gt;[]&gt; result7 = _</a:t>
-            </a:r>
-            <a:r>
-              <a:rPr lang="en-US" sz="1600" dirty="0" err="1">
-                <a:solidFill>
-                  <a:srgbClr val="000000"/>
-                </a:solidFill>
-                <a:latin typeface="Consolas" panose="020B0609020204030204" pitchFamily="49" charset="0"/>
-              </a:rPr>
-              <a:t>bucket.InsertAsync</a:t>
-            </a:r>
-            <a:r>
-              <a:rPr lang="en-US" sz="1600" dirty="0">
-                <a:solidFill>
-                  <a:srgbClr val="000000"/>
-                </a:solidFill>
-                <a:latin typeface="Consolas" panose="020B0609020204030204" pitchFamily="49" charset="0"/>
-              </a:rPr>
-              <a:t>(</a:t>
-            </a:r>
-          </a:p>
-          <a:p>
-            <a:r>
-              <a:rPr lang="en-US" sz="1600" dirty="0">
-                <a:solidFill>
-                  <a:srgbClr val="0000FF"/>
-                </a:solidFill>
-                <a:latin typeface="Consolas" panose="020B0609020204030204" pitchFamily="49" charset="0"/>
-              </a:rPr>
-              <a:t>	new</a:t>
-            </a:r>
-            <a:r>
-              <a:rPr lang="en-US" sz="1600" dirty="0">
-                <a:solidFill>
-                  <a:srgbClr val="000000"/>
-                </a:solidFill>
-                <a:latin typeface="Consolas" panose="020B0609020204030204" pitchFamily="49" charset="0"/>
-              </a:rPr>
-              <a:t> </a:t>
-            </a:r>
-            <a:r>
-              <a:rPr lang="en-US" sz="1600" dirty="0">
-                <a:solidFill>
-                  <a:srgbClr val="2B91AF"/>
-                </a:solidFill>
-                <a:latin typeface="Consolas" panose="020B0609020204030204" pitchFamily="49" charset="0"/>
-              </a:rPr>
-              <a:t>List</a:t>
-            </a:r>
-            <a:r>
-              <a:rPr lang="en-US" sz="1600" dirty="0">
-                <a:solidFill>
-                  <a:srgbClr val="000000"/>
-                </a:solidFill>
-                <a:latin typeface="Consolas" panose="020B0609020204030204" pitchFamily="49" charset="0"/>
-              </a:rPr>
-              <a:t>&lt;</a:t>
-            </a:r>
-            <a:r>
-              <a:rPr lang="en-US" sz="1600" dirty="0" err="1">
-                <a:solidFill>
-                  <a:srgbClr val="2B91AF"/>
-                </a:solidFill>
-                <a:latin typeface="Consolas" panose="020B0609020204030204" pitchFamily="49" charset="0"/>
-              </a:rPr>
-              <a:t>IDocument</a:t>
-            </a:r>
-            <a:r>
-              <a:rPr lang="en-US" sz="1600" dirty="0">
-                <a:solidFill>
-                  <a:srgbClr val="000000"/>
-                </a:solidFill>
-                <a:latin typeface="Consolas" panose="020B0609020204030204" pitchFamily="49" charset="0"/>
-              </a:rPr>
-              <a:t>&lt;</a:t>
-            </a:r>
-            <a:r>
-              <a:rPr lang="en-US" sz="1600" dirty="0">
-                <a:solidFill>
-                  <a:srgbClr val="0000FF"/>
-                </a:solidFill>
-                <a:latin typeface="Consolas" panose="020B0609020204030204" pitchFamily="49" charset="0"/>
-              </a:rPr>
-              <a:t>dynamic</a:t>
-            </a:r>
-            <a:r>
-              <a:rPr lang="en-US" sz="1600" dirty="0">
-                <a:solidFill>
-                  <a:srgbClr val="000000"/>
-                </a:solidFill>
-                <a:latin typeface="Consolas" panose="020B0609020204030204" pitchFamily="49" charset="0"/>
-              </a:rPr>
-              <a:t>&gt;&gt; { document, document2 });</a:t>
-            </a:r>
-          </a:p>
-          <a:p>
-            <a:r>
-              <a:rPr lang="en-US" sz="1600" dirty="0">
-                <a:solidFill>
-                  <a:srgbClr val="2B91AF"/>
-                </a:solidFill>
-                <a:latin typeface="Consolas" panose="020B0609020204030204" pitchFamily="49" charset="0"/>
-              </a:rPr>
-              <a:t>Task</a:t>
-            </a:r>
-            <a:r>
-              <a:rPr lang="en-US" sz="1600" dirty="0">
-                <a:solidFill>
-                  <a:srgbClr val="000000"/>
-                </a:solidFill>
-                <a:latin typeface="Consolas" panose="020B0609020204030204" pitchFamily="49" charset="0"/>
-              </a:rPr>
-              <a:t>&lt;</a:t>
-            </a:r>
-            <a:r>
-              <a:rPr lang="en-US" sz="1600" dirty="0" err="1">
-                <a:solidFill>
-                  <a:srgbClr val="2B91AF"/>
-                </a:solidFill>
-                <a:latin typeface="Consolas" panose="020B0609020204030204" pitchFamily="49" charset="0"/>
-              </a:rPr>
-              <a:t>IDocumentResult</a:t>
-            </a:r>
-            <a:r>
-              <a:rPr lang="en-US" sz="1600" dirty="0">
-                <a:solidFill>
-                  <a:srgbClr val="000000"/>
-                </a:solidFill>
-                <a:latin typeface="Consolas" panose="020B0609020204030204" pitchFamily="49" charset="0"/>
-              </a:rPr>
-              <a:t>&lt;</a:t>
-            </a:r>
-            <a:r>
-              <a:rPr lang="en-US" sz="1600" dirty="0">
-                <a:solidFill>
-                  <a:srgbClr val="0000FF"/>
-                </a:solidFill>
-                <a:latin typeface="Consolas" panose="020B0609020204030204" pitchFamily="49" charset="0"/>
-              </a:rPr>
-              <a:t>dynamic</a:t>
-            </a:r>
-            <a:r>
-              <a:rPr lang="en-US" sz="1600" dirty="0">
-                <a:solidFill>
-                  <a:srgbClr val="000000"/>
-                </a:solidFill>
-                <a:latin typeface="Consolas" panose="020B0609020204030204" pitchFamily="49" charset="0"/>
-              </a:rPr>
-              <a:t>&gt;[]&gt; result8 = _</a:t>
-            </a:r>
-            <a:r>
-              <a:rPr lang="en-US" sz="1600" dirty="0" err="1">
-                <a:solidFill>
-                  <a:srgbClr val="000000"/>
-                </a:solidFill>
-                <a:latin typeface="Consolas" panose="020B0609020204030204" pitchFamily="49" charset="0"/>
-              </a:rPr>
-              <a:t>bucket.UpsertAsync</a:t>
-            </a:r>
-            <a:r>
-              <a:rPr lang="en-US" sz="1600" dirty="0">
-                <a:solidFill>
-                  <a:srgbClr val="000000"/>
-                </a:solidFill>
-                <a:latin typeface="Consolas" panose="020B0609020204030204" pitchFamily="49" charset="0"/>
-              </a:rPr>
-              <a:t>(</a:t>
-            </a:r>
-          </a:p>
-          <a:p>
-            <a:r>
-              <a:rPr lang="en-US" sz="1600" dirty="0">
-                <a:solidFill>
-                  <a:srgbClr val="0000FF"/>
-                </a:solidFill>
-                <a:latin typeface="Consolas" panose="020B0609020204030204" pitchFamily="49" charset="0"/>
-              </a:rPr>
-              <a:t>	new</a:t>
-            </a:r>
-            <a:r>
-              <a:rPr lang="en-US" sz="1600" dirty="0">
-                <a:solidFill>
-                  <a:srgbClr val="000000"/>
-                </a:solidFill>
-                <a:latin typeface="Consolas" panose="020B0609020204030204" pitchFamily="49" charset="0"/>
-              </a:rPr>
-              <a:t> </a:t>
-            </a:r>
-            <a:r>
-              <a:rPr lang="en-US" sz="1600" dirty="0">
-                <a:solidFill>
-                  <a:srgbClr val="2B91AF"/>
-                </a:solidFill>
-                <a:latin typeface="Consolas" panose="020B0609020204030204" pitchFamily="49" charset="0"/>
-              </a:rPr>
-              <a:t>List</a:t>
-            </a:r>
-            <a:r>
-              <a:rPr lang="en-US" sz="1600" dirty="0">
-                <a:solidFill>
-                  <a:srgbClr val="000000"/>
-                </a:solidFill>
-                <a:latin typeface="Consolas" panose="020B0609020204030204" pitchFamily="49" charset="0"/>
-              </a:rPr>
-              <a:t>&lt;</a:t>
-            </a:r>
-            <a:r>
-              <a:rPr lang="en-US" sz="1600" dirty="0" err="1">
-                <a:solidFill>
-                  <a:srgbClr val="2B91AF"/>
-                </a:solidFill>
-                <a:latin typeface="Consolas" panose="020B0609020204030204" pitchFamily="49" charset="0"/>
-              </a:rPr>
-              <a:t>IDocument</a:t>
-            </a:r>
-            <a:r>
-              <a:rPr lang="en-US" sz="1600" dirty="0">
-                <a:solidFill>
-                  <a:srgbClr val="000000"/>
-                </a:solidFill>
-                <a:latin typeface="Consolas" panose="020B0609020204030204" pitchFamily="49" charset="0"/>
-              </a:rPr>
-              <a:t>&lt;</a:t>
-            </a:r>
-            <a:r>
-              <a:rPr lang="en-US" sz="1600" dirty="0">
-                <a:solidFill>
-                  <a:srgbClr val="0000FF"/>
-                </a:solidFill>
-                <a:latin typeface="Consolas" panose="020B0609020204030204" pitchFamily="49" charset="0"/>
-              </a:rPr>
-              <a:t>dynamic</a:t>
-            </a:r>
-            <a:r>
-              <a:rPr lang="en-US" sz="1600" dirty="0">
-                <a:solidFill>
-                  <a:srgbClr val="000000"/>
-                </a:solidFill>
-                <a:latin typeface="Consolas" panose="020B0609020204030204" pitchFamily="49" charset="0"/>
-              </a:rPr>
-              <a:t>&gt;&gt; { document, document2 });</a:t>
-            </a:r>
-          </a:p>
-          <a:p>
-            <a:r>
-              <a:rPr lang="en-US" sz="1600" dirty="0">
-                <a:solidFill>
-                  <a:srgbClr val="2B91AF"/>
-                </a:solidFill>
-                <a:latin typeface="Consolas" panose="020B0609020204030204" pitchFamily="49" charset="0"/>
-              </a:rPr>
-              <a:t>Task</a:t>
-            </a:r>
-            <a:r>
-              <a:rPr lang="en-US" sz="1600" dirty="0">
-                <a:solidFill>
-                  <a:srgbClr val="000000"/>
-                </a:solidFill>
-                <a:latin typeface="Consolas" panose="020B0609020204030204" pitchFamily="49" charset="0"/>
-              </a:rPr>
-              <a:t>&lt;</a:t>
-            </a:r>
-            <a:r>
-              <a:rPr lang="en-US" sz="1600" dirty="0" err="1">
-                <a:solidFill>
-                  <a:srgbClr val="2B91AF"/>
-                </a:solidFill>
-                <a:latin typeface="Consolas" panose="020B0609020204030204" pitchFamily="49" charset="0"/>
-              </a:rPr>
-              <a:t>IDocumentResult</a:t>
-            </a:r>
-            <a:r>
-              <a:rPr lang="en-US" sz="1600" dirty="0">
-                <a:solidFill>
-                  <a:srgbClr val="000000"/>
-                </a:solidFill>
-                <a:latin typeface="Consolas" panose="020B0609020204030204" pitchFamily="49" charset="0"/>
-              </a:rPr>
-              <a:t>&lt;</a:t>
-            </a:r>
-            <a:r>
-              <a:rPr lang="en-US" sz="1600" dirty="0">
-                <a:solidFill>
-                  <a:srgbClr val="0000FF"/>
-                </a:solidFill>
-                <a:latin typeface="Consolas" panose="020B0609020204030204" pitchFamily="49" charset="0"/>
-              </a:rPr>
-              <a:t>dynamic</a:t>
-            </a:r>
-            <a:r>
-              <a:rPr lang="en-US" sz="1600" dirty="0">
-                <a:solidFill>
-                  <a:srgbClr val="000000"/>
-                </a:solidFill>
-                <a:latin typeface="Consolas" panose="020B0609020204030204" pitchFamily="49" charset="0"/>
-              </a:rPr>
-              <a:t>&gt;[]&gt; result9 = _</a:t>
-            </a:r>
-            <a:r>
-              <a:rPr lang="en-US" sz="1600" dirty="0" err="1">
-                <a:solidFill>
-                  <a:srgbClr val="000000"/>
-                </a:solidFill>
-                <a:latin typeface="Consolas" panose="020B0609020204030204" pitchFamily="49" charset="0"/>
-              </a:rPr>
-              <a:t>bucket.ReplaceAsync</a:t>
-            </a:r>
-            <a:r>
-              <a:rPr lang="en-US" sz="1600" dirty="0">
-                <a:solidFill>
-                  <a:srgbClr val="000000"/>
-                </a:solidFill>
-                <a:latin typeface="Consolas" panose="020B0609020204030204" pitchFamily="49" charset="0"/>
-              </a:rPr>
-              <a:t>(</a:t>
-            </a:r>
-          </a:p>
-          <a:p>
-            <a:r>
-              <a:rPr lang="en-US" sz="1600" dirty="0">
-                <a:solidFill>
-                  <a:srgbClr val="0000FF"/>
-                </a:solidFill>
-                <a:latin typeface="Consolas" panose="020B0609020204030204" pitchFamily="49" charset="0"/>
-              </a:rPr>
-              <a:t>	new</a:t>
-            </a:r>
-            <a:r>
-              <a:rPr lang="en-US" sz="1600" dirty="0">
-                <a:solidFill>
-                  <a:srgbClr val="000000"/>
-                </a:solidFill>
-                <a:latin typeface="Consolas" panose="020B0609020204030204" pitchFamily="49" charset="0"/>
-              </a:rPr>
-              <a:t> </a:t>
-            </a:r>
-            <a:r>
-              <a:rPr lang="en-US" sz="1600" dirty="0">
-                <a:solidFill>
-                  <a:srgbClr val="2B91AF"/>
-                </a:solidFill>
-                <a:latin typeface="Consolas" panose="020B0609020204030204" pitchFamily="49" charset="0"/>
-              </a:rPr>
-              <a:t>List</a:t>
-            </a:r>
-            <a:r>
-              <a:rPr lang="en-US" sz="1600" dirty="0">
-                <a:solidFill>
-                  <a:srgbClr val="000000"/>
-                </a:solidFill>
-                <a:latin typeface="Consolas" panose="020B0609020204030204" pitchFamily="49" charset="0"/>
-              </a:rPr>
-              <a:t>&lt;</a:t>
-            </a:r>
-            <a:r>
-              <a:rPr lang="en-US" sz="1600" dirty="0" err="1">
-                <a:solidFill>
-                  <a:srgbClr val="2B91AF"/>
-                </a:solidFill>
-                <a:latin typeface="Consolas" panose="020B0609020204030204" pitchFamily="49" charset="0"/>
-              </a:rPr>
-              <a:t>IDocument</a:t>
-            </a:r>
-            <a:r>
-              <a:rPr lang="en-US" sz="1600" dirty="0">
-                <a:solidFill>
-                  <a:srgbClr val="000000"/>
-                </a:solidFill>
-                <a:latin typeface="Consolas" panose="020B0609020204030204" pitchFamily="49" charset="0"/>
-              </a:rPr>
-              <a:t>&lt;</a:t>
-            </a:r>
-            <a:r>
-              <a:rPr lang="en-US" sz="1600" dirty="0">
-                <a:solidFill>
-                  <a:srgbClr val="0000FF"/>
-                </a:solidFill>
-                <a:latin typeface="Consolas" panose="020B0609020204030204" pitchFamily="49" charset="0"/>
-              </a:rPr>
-              <a:t>dynamic</a:t>
-            </a:r>
-            <a:r>
-              <a:rPr lang="en-US" sz="1600" dirty="0">
-                <a:solidFill>
-                  <a:srgbClr val="000000"/>
-                </a:solidFill>
-                <a:latin typeface="Consolas" panose="020B0609020204030204" pitchFamily="49" charset="0"/>
-              </a:rPr>
-              <a:t>&gt;&gt; { document, document2 });</a:t>
-            </a:r>
-          </a:p>
-        </p:txBody>
-      </p:sp>
-    </p:spTree>
-    <p:extLst>
-      <p:ext uri="{BB962C8B-B14F-4D97-AF65-F5344CB8AC3E}">
-        <p14:creationId xmlns:p14="http://schemas.microsoft.com/office/powerpoint/2010/main" val="337283719"/>
-      </p:ext>
-    </p:extLst>
-  </p:cSld>
-  <p:clrMapOvr>
-    <a:masterClrMapping/>
-  </p:clrMapOvr>
-</p:sld>
-</file>
-
-<file path=ppt/slides/slide16.xml><?xml version="1.0" encoding="utf-8"?>
-<p:sld xmlns:a="http://schemas.openxmlformats.org/drawingml/2006/main" xmlns:r="http://schemas.openxmlformats.org/officeDocument/2006/relationships" xmlns:p="http://schemas.openxmlformats.org/presentationml/2006/main">
-  <p:cSld>
-    <p:spTree>
-      <p:nvGrpSpPr>
-        <p:cNvPr id="1" name=""/>
-        <p:cNvGrpSpPr/>
-        <p:nvPr/>
-      </p:nvGrpSpPr>
-      <p:grpSpPr>
-        <a:xfrm>
-          <a:off x="0" y="0"/>
-          <a:ext cx="0" cy="0"/>
-          <a:chOff x="0" y="0"/>
-          <a:chExt cx="0" cy="0"/>
-        </a:xfrm>
-      </p:grpSpPr>
-      <p:sp>
-        <p:nvSpPr>
-          <p:cNvPr id="2" name="Title 1"/>
-          <p:cNvSpPr>
-            <a:spLocks noGrp="1"/>
-          </p:cNvSpPr>
-          <p:nvPr>
-            <p:ph type="title"/>
-          </p:nvPr>
-        </p:nvSpPr>
         <p:spPr>
           <a:xfrm>
             <a:off x="198157" y="47334"/>
@@ -11171,7 +10106,7 @@
             <a:r>
               <a:rPr lang="en-US" sz="1400" dirty="0" err="1">
                 <a:solidFill>
-                  <a:srgbClr val="2B91AF"/>
+                  <a:schemeClr val="bg1"/>
                 </a:solidFill>
                 <a:latin typeface="Consolas" panose="020B0609020204030204" pitchFamily="49" charset="0"/>
               </a:rPr>
@@ -11180,251 +10115,93 @@
             <a:r>
               <a:rPr lang="en-US" sz="1400" dirty="0">
                 <a:solidFill>
-                  <a:srgbClr val="000000"/>
-                </a:solidFill>
-                <a:latin typeface="Consolas" panose="020B0609020204030204" pitchFamily="49" charset="0"/>
-              </a:rPr>
-              <a:t>&lt;</a:t>
+                  <a:schemeClr val="bg1"/>
+                </a:solidFill>
+                <a:latin typeface="Consolas" panose="020B0609020204030204" pitchFamily="49" charset="0"/>
+              </a:rPr>
+              <a:t>&lt;string, </a:t>
+            </a:r>
+            <a:r>
+              <a:rPr lang="en-US" sz="1400" dirty="0" err="1">
+                <a:solidFill>
+                  <a:schemeClr val="bg1"/>
+                </a:solidFill>
+                <a:latin typeface="Consolas" panose="020B0609020204030204" pitchFamily="49" charset="0"/>
+              </a:rPr>
+              <a:t>IOperationResult</a:t>
             </a:r>
             <a:r>
               <a:rPr lang="en-US" sz="1400" dirty="0">
                 <a:solidFill>
-                  <a:srgbClr val="0000FF"/>
-                </a:solidFill>
-                <a:latin typeface="Consolas" panose="020B0609020204030204" pitchFamily="49" charset="0"/>
-              </a:rPr>
-              <a:t>string</a:t>
+                  <a:schemeClr val="bg1"/>
+                </a:solidFill>
+                <a:latin typeface="Consolas" panose="020B0609020204030204" pitchFamily="49" charset="0"/>
+              </a:rPr>
+              <a:t>&lt;dynamic&gt;&gt; </a:t>
+            </a:r>
+            <a:r>
+              <a:rPr lang="en-US" sz="1400" dirty="0" err="1">
+                <a:solidFill>
+                  <a:schemeClr val="bg1"/>
+                </a:solidFill>
+                <a:latin typeface="Consolas" panose="020B0609020204030204" pitchFamily="49" charset="0"/>
+              </a:rPr>
+              <a:t>multipleDocuments</a:t>
             </a:r>
             <a:r>
               <a:rPr lang="en-US" sz="1400" dirty="0">
                 <a:solidFill>
-                  <a:srgbClr val="000000"/>
-                </a:solidFill>
-                <a:latin typeface="Consolas" panose="020B0609020204030204" pitchFamily="49" charset="0"/>
-              </a:rPr>
-              <a:t>, </a:t>
+                  <a:schemeClr val="bg1"/>
+                </a:solidFill>
+                <a:latin typeface="Consolas" panose="020B0609020204030204" pitchFamily="49" charset="0"/>
+              </a:rPr>
+              <a:t> = _</a:t>
             </a:r>
             <a:r>
               <a:rPr lang="en-US" sz="1400" dirty="0" err="1">
                 <a:solidFill>
-                  <a:srgbClr val="2B91AF"/>
-                </a:solidFill>
-                <a:latin typeface="Consolas" panose="020B0609020204030204" pitchFamily="49" charset="0"/>
-              </a:rPr>
-              <a:t>IOperationResult</a:t>
+                  <a:schemeClr val="bg1"/>
+                </a:solidFill>
+                <a:latin typeface="Consolas" panose="020B0609020204030204" pitchFamily="49" charset="0"/>
+              </a:rPr>
+              <a:t>bucket.Get</a:t>
             </a:r>
             <a:r>
               <a:rPr lang="en-US" sz="1400" dirty="0">
                 <a:solidFill>
-                  <a:srgbClr val="000000"/>
-                </a:solidFill>
-                <a:latin typeface="Consolas" panose="020B0609020204030204" pitchFamily="49" charset="0"/>
-              </a:rPr>
-              <a:t>&lt;</a:t>
-            </a:r>
+                  <a:schemeClr val="bg1"/>
+                </a:solidFill>
+                <a:latin typeface="Consolas" panose="020B0609020204030204" pitchFamily="49" charset="0"/>
+              </a:rPr>
+              <a:t>&lt;dynamic&gt;(</a:t>
+            </a:r>
+          </a:p>
+          <a:p>
             <a:r>
               <a:rPr lang="en-US" sz="1400" dirty="0">
                 <a:solidFill>
-                  <a:srgbClr val="0000FF"/>
-                </a:solidFill>
-                <a:latin typeface="Consolas" panose="020B0609020204030204" pitchFamily="49" charset="0"/>
-              </a:rPr>
-              <a:t>dynamic</a:t>
-            </a:r>
+                  <a:schemeClr val="bg1"/>
+                </a:solidFill>
+                <a:latin typeface="Consolas" panose="020B0609020204030204" pitchFamily="49" charset="0"/>
+              </a:rPr>
+              <a:t>    new List&lt;string&gt; {"key1", "key2", "key3"}</a:t>
+            </a:r>
+          </a:p>
+          <a:p>
             <a:r>
               <a:rPr lang="en-US" sz="1400" dirty="0">
                 <a:solidFill>
-                  <a:srgbClr val="000000"/>
-                </a:solidFill>
-                <a:latin typeface="Consolas" panose="020B0609020204030204" pitchFamily="49" charset="0"/>
-              </a:rPr>
-              <a:t>&gt;&gt; </a:t>
-            </a:r>
-            <a:r>
-              <a:rPr lang="en-US" sz="1400" dirty="0" err="1">
-                <a:solidFill>
-                  <a:srgbClr val="000000"/>
-                </a:solidFill>
-                <a:latin typeface="Consolas" panose="020B0609020204030204" pitchFamily="49" charset="0"/>
-              </a:rPr>
-              <a:t>multipleDocuments</a:t>
-            </a:r>
-            <a:r>
-              <a:rPr lang="en-US" sz="1400" dirty="0">
-                <a:solidFill>
-                  <a:srgbClr val="000000"/>
-                </a:solidFill>
-                <a:latin typeface="Consolas" panose="020B0609020204030204" pitchFamily="49" charset="0"/>
-              </a:rPr>
-              <a:t> = _</a:t>
-            </a:r>
-            <a:r>
-              <a:rPr lang="en-US" sz="1400" dirty="0" err="1">
-                <a:solidFill>
-                  <a:srgbClr val="000000"/>
-                </a:solidFill>
-                <a:latin typeface="Consolas" panose="020B0609020204030204" pitchFamily="49" charset="0"/>
-              </a:rPr>
-              <a:t>bucket.Get</a:t>
-            </a:r>
-            <a:r>
-              <a:rPr lang="en-US" sz="1400" dirty="0">
-                <a:solidFill>
-                  <a:srgbClr val="000000"/>
-                </a:solidFill>
-                <a:latin typeface="Consolas" panose="020B0609020204030204" pitchFamily="49" charset="0"/>
-              </a:rPr>
-              <a:t>&lt;</a:t>
-            </a:r>
-            <a:r>
-              <a:rPr lang="en-US" sz="1400" dirty="0">
-                <a:solidFill>
-                  <a:srgbClr val="0000FF"/>
-                </a:solidFill>
-                <a:latin typeface="Consolas" panose="020B0609020204030204" pitchFamily="49" charset="0"/>
-              </a:rPr>
-              <a:t>dynamic</a:t>
-            </a:r>
-            <a:r>
-              <a:rPr lang="en-US" sz="1400" dirty="0">
-                <a:solidFill>
-                  <a:srgbClr val="000000"/>
-                </a:solidFill>
-                <a:latin typeface="Consolas" panose="020B0609020204030204" pitchFamily="49" charset="0"/>
-              </a:rPr>
-              <a:t>&gt;(</a:t>
-            </a:r>
-          </a:p>
-          <a:p>
-            <a:r>
-              <a:rPr lang="en-US" sz="1400" dirty="0">
-                <a:solidFill>
-                  <a:srgbClr val="000000"/>
-                </a:solidFill>
-                <a:latin typeface="Consolas" panose="020B0609020204030204" pitchFamily="49" charset="0"/>
-              </a:rPr>
-              <a:t>    </a:t>
-            </a:r>
-            <a:r>
-              <a:rPr lang="en-US" sz="1400" dirty="0">
-                <a:solidFill>
-                  <a:srgbClr val="0000FF"/>
-                </a:solidFill>
-                <a:latin typeface="Consolas" panose="020B0609020204030204" pitchFamily="49" charset="0"/>
-              </a:rPr>
-              <a:t>new</a:t>
-            </a:r>
-            <a:r>
-              <a:rPr lang="en-US" sz="1400" dirty="0">
-                <a:solidFill>
-                  <a:srgbClr val="000000"/>
-                </a:solidFill>
-                <a:latin typeface="Consolas" panose="020B0609020204030204" pitchFamily="49" charset="0"/>
-              </a:rPr>
-              <a:t> </a:t>
-            </a:r>
-            <a:r>
-              <a:rPr lang="en-US" sz="1400" dirty="0">
-                <a:solidFill>
-                  <a:srgbClr val="2B91AF"/>
-                </a:solidFill>
-                <a:latin typeface="Consolas" panose="020B0609020204030204" pitchFamily="49" charset="0"/>
-              </a:rPr>
-              <a:t>List</a:t>
-            </a:r>
-            <a:r>
-              <a:rPr lang="en-US" sz="1400" dirty="0">
-                <a:solidFill>
-                  <a:srgbClr val="000000"/>
-                </a:solidFill>
-                <a:latin typeface="Consolas" panose="020B0609020204030204" pitchFamily="49" charset="0"/>
-              </a:rPr>
-              <a:t>&lt;</a:t>
-            </a:r>
-            <a:r>
-              <a:rPr lang="en-US" sz="1400" dirty="0">
-                <a:solidFill>
-                  <a:srgbClr val="0000FF"/>
-                </a:solidFill>
-                <a:latin typeface="Consolas" panose="020B0609020204030204" pitchFamily="49" charset="0"/>
-              </a:rPr>
-              <a:t>string</a:t>
-            </a:r>
-            <a:r>
-              <a:rPr lang="en-US" sz="1400" dirty="0">
-                <a:solidFill>
-                  <a:srgbClr val="000000"/>
-                </a:solidFill>
-                <a:latin typeface="Consolas" panose="020B0609020204030204" pitchFamily="49" charset="0"/>
-              </a:rPr>
-              <a:t>&gt; {</a:t>
-            </a:r>
-            <a:r>
-              <a:rPr lang="en-US" sz="1400" dirty="0">
-                <a:solidFill>
-                  <a:srgbClr val="A31515"/>
-                </a:solidFill>
-                <a:latin typeface="Consolas" panose="020B0609020204030204" pitchFamily="49" charset="0"/>
-              </a:rPr>
-              <a:t>"key1"</a:t>
-            </a:r>
-            <a:r>
-              <a:rPr lang="en-US" sz="1400" dirty="0">
-                <a:solidFill>
-                  <a:srgbClr val="000000"/>
-                </a:solidFill>
-                <a:latin typeface="Consolas" panose="020B0609020204030204" pitchFamily="49" charset="0"/>
-              </a:rPr>
-              <a:t>, </a:t>
-            </a:r>
-            <a:r>
-              <a:rPr lang="en-US" sz="1400" dirty="0">
-                <a:solidFill>
-                  <a:srgbClr val="A31515"/>
-                </a:solidFill>
-                <a:latin typeface="Consolas" panose="020B0609020204030204" pitchFamily="49" charset="0"/>
-              </a:rPr>
-              <a:t>"key2"</a:t>
-            </a:r>
-            <a:r>
-              <a:rPr lang="en-US" sz="1400" dirty="0">
-                <a:solidFill>
-                  <a:srgbClr val="000000"/>
-                </a:solidFill>
-                <a:latin typeface="Consolas" panose="020B0609020204030204" pitchFamily="49" charset="0"/>
-              </a:rPr>
-              <a:t>, </a:t>
-            </a:r>
-            <a:r>
-              <a:rPr lang="en-US" sz="1400" dirty="0">
-                <a:solidFill>
-                  <a:srgbClr val="A31515"/>
-                </a:solidFill>
-                <a:latin typeface="Consolas" panose="020B0609020204030204" pitchFamily="49" charset="0"/>
-              </a:rPr>
-              <a:t>"key3"</a:t>
-            </a:r>
-            <a:r>
-              <a:rPr lang="en-US" sz="1400" dirty="0">
-                <a:solidFill>
-                  <a:srgbClr val="000000"/>
-                </a:solidFill>
-                <a:latin typeface="Consolas" panose="020B0609020204030204" pitchFamily="49" charset="0"/>
-              </a:rPr>
-              <a:t>}</a:t>
-            </a:r>
-          </a:p>
-          <a:p>
-            <a:r>
-              <a:rPr lang="en-US" sz="1400" dirty="0">
-                <a:solidFill>
-                  <a:srgbClr val="000000"/>
+                  <a:schemeClr val="bg1"/>
                 </a:solidFill>
                 <a:latin typeface="Consolas" panose="020B0609020204030204" pitchFamily="49" charset="0"/>
               </a:rPr>
               <a:t>);</a:t>
             </a:r>
-            <a:endParaRPr lang="en-US" sz="3600" dirty="0"/>
+            <a:endParaRPr lang="en-US" sz="3600" dirty="0">
+              <a:solidFill>
+                <a:schemeClr val="bg1"/>
+              </a:solidFill>
+            </a:endParaRPr>
           </a:p>
         </p:txBody>
       </p:sp>
@@ -11441,8 +10218,8 @@
 </p:sld>
 </file>
 
-<file path=ppt/slides/slide17.xml><?xml version="1.0" encoding="utf-8"?>
-<p:sld xmlns:a="http://schemas.openxmlformats.org/drawingml/2006/main" xmlns:r="http://schemas.openxmlformats.org/officeDocument/2006/relationships" xmlns:p="http://schemas.openxmlformats.org/presentationml/2006/main">
+<file path=ppt/slides/slide16.xml><?xml version="1.0" encoding="utf-8"?>
+<p:sld xmlns:a="http://schemas.openxmlformats.org/drawingml/2006/main" xmlns:r="http://schemas.openxmlformats.org/officeDocument/2006/relationships" xmlns:p="http://schemas.openxmlformats.org/presentationml/2006/main" show="0">
   <p:cSld>
     <p:spTree>
       <p:nvGrpSpPr>
@@ -12750,7 +11527,7 @@
 </p:sld>
 </file>
 
-<file path=ppt/slides/slide18.xml><?xml version="1.0" encoding="utf-8"?>
+<file path=ppt/slides/slide17.xml><?xml version="1.0" encoding="utf-8"?>
 <p:sld xmlns:a="http://schemas.openxmlformats.org/drawingml/2006/main" xmlns:r="http://schemas.openxmlformats.org/officeDocument/2006/relationships" xmlns:p="http://schemas.openxmlformats.org/presentationml/2006/main">
   <p:cSld>
     <p:spTree>
@@ -12789,7 +11566,7 @@
           <a:p>
             <a:r>
               <a:rPr lang="en-US" sz="3600" dirty="0"/>
-              <a:t>Questions</a:t>
+              <a:t>Demo</a:t>
             </a:r>
           </a:p>
         </p:txBody>
@@ -12797,7 +11574,739 @@
     </p:spTree>
     <p:extLst>
       <p:ext uri="{BB962C8B-B14F-4D97-AF65-F5344CB8AC3E}">
-        <p14:creationId xmlns:p14="http://schemas.microsoft.com/office/powerpoint/2010/main" val="3620921753"/>
+        <p14:creationId xmlns:p14="http://schemas.microsoft.com/office/powerpoint/2010/main" val="3674768603"/>
+      </p:ext>
+    </p:extLst>
+  </p:cSld>
+  <p:clrMapOvr>
+    <a:masterClrMapping/>
+  </p:clrMapOvr>
+</p:sld>
+</file>
+
+<file path=ppt/slides/slide18.xml><?xml version="1.0" encoding="utf-8"?>
+<p:sld xmlns:a="http://schemas.openxmlformats.org/drawingml/2006/main" xmlns:r="http://schemas.openxmlformats.org/officeDocument/2006/relationships" xmlns:p="http://schemas.openxmlformats.org/presentationml/2006/main">
+  <p:cSld>
+    <p:spTree>
+      <p:nvGrpSpPr>
+        <p:cNvPr id="1" name=""/>
+        <p:cNvGrpSpPr/>
+        <p:nvPr/>
+      </p:nvGrpSpPr>
+      <p:grpSpPr>
+        <a:xfrm>
+          <a:off x="0" y="0"/>
+          <a:ext cx="0" cy="0"/>
+          <a:chOff x="0" y="0"/>
+          <a:chExt cx="0" cy="0"/>
+        </a:xfrm>
+      </p:grpSpPr>
+      <p:sp>
+        <p:nvSpPr>
+          <p:cNvPr id="2" name="Title 1"/>
+          <p:cNvSpPr>
+            <a:spLocks noGrp="1"/>
+          </p:cNvSpPr>
+          <p:nvPr>
+            <p:ph type="title"/>
+          </p:nvPr>
+        </p:nvSpPr>
+        <p:spPr/>
+        <p:txBody>
+          <a:bodyPr/>
+          <a:lstStyle/>
+          <a:p>
+            <a:r>
+              <a:rPr lang="en-US" dirty="0"/>
+              <a:t>Workshop 1: N1QL</a:t>
+            </a:r>
+          </a:p>
+        </p:txBody>
+      </p:sp>
+      <p:sp>
+        <p:nvSpPr>
+          <p:cNvPr id="3" name="Content Placeholder 2"/>
+          <p:cNvSpPr txBox="1">
+            <a:spLocks/>
+          </p:cNvSpPr>
+          <p:nvPr/>
+        </p:nvSpPr>
+        <p:spPr>
+          <a:xfrm>
+            <a:off x="609600" y="838200"/>
+            <a:ext cx="8007739" cy="3394472"/>
+          </a:xfrm>
+          <a:prstGeom prst="rect">
+            <a:avLst/>
+          </a:prstGeom>
+        </p:spPr>
+        <p:txBody>
+          <a:bodyPr/>
+          <a:lstStyle>
+            <a:lvl1pPr marL="228600" indent="-228600" algn="l" defTabSz="457200" rtl="0" eaLnBrk="1" latinLnBrk="0" hangingPunct="1">
+              <a:spcBef>
+                <a:spcPts val="0"/>
+              </a:spcBef>
+              <a:buClr>
+                <a:schemeClr val="accent1"/>
+              </a:buClr>
+              <a:buFont typeface="Wingdings" charset="2"/>
+              <a:buChar char="§"/>
+              <a:defRPr sz="2400" kern="1200">
+                <a:solidFill>
+                  <a:schemeClr val="tx1"/>
+                </a:solidFill>
+                <a:latin typeface="+mn-lt"/>
+                <a:ea typeface="+mn-ea"/>
+                <a:cs typeface="+mn-cs"/>
+              </a:defRPr>
+            </a:lvl1pPr>
+            <a:lvl2pPr marL="455613" indent="-227013" algn="l" defTabSz="457200" rtl="0" eaLnBrk="1" latinLnBrk="0" hangingPunct="1">
+              <a:spcBef>
+                <a:spcPts val="0"/>
+              </a:spcBef>
+              <a:buClr>
+                <a:srgbClr val="262626"/>
+              </a:buClr>
+              <a:buFont typeface="Wingdings" charset="2"/>
+              <a:buChar char="§"/>
+              <a:defRPr sz="2000" kern="1200">
+                <a:solidFill>
+                  <a:schemeClr val="tx1"/>
+                </a:solidFill>
+                <a:latin typeface="+mn-lt"/>
+                <a:ea typeface="+mn-ea"/>
+                <a:cs typeface="+mn-cs"/>
+              </a:defRPr>
+            </a:lvl2pPr>
+            <a:lvl3pPr marL="455613" indent="-228600" algn="l" defTabSz="457200" rtl="0" eaLnBrk="1" latinLnBrk="0" hangingPunct="1">
+              <a:spcBef>
+                <a:spcPts val="0"/>
+              </a:spcBef>
+              <a:buClr>
+                <a:srgbClr val="262626"/>
+              </a:buClr>
+              <a:buFont typeface="Wingdings" charset="2"/>
+              <a:buChar char="§"/>
+              <a:defRPr sz="2000" kern="1200">
+                <a:solidFill>
+                  <a:schemeClr val="tx1"/>
+                </a:solidFill>
+                <a:latin typeface="+mn-lt"/>
+                <a:ea typeface="+mn-ea"/>
+                <a:cs typeface="+mn-cs"/>
+              </a:defRPr>
+            </a:lvl3pPr>
+            <a:lvl4pPr marL="455613" indent="-228600" algn="l" defTabSz="457200" rtl="0" eaLnBrk="1" latinLnBrk="0" hangingPunct="1">
+              <a:spcBef>
+                <a:spcPts val="0"/>
+              </a:spcBef>
+              <a:buClr>
+                <a:srgbClr val="262626"/>
+              </a:buClr>
+              <a:buFont typeface="Wingdings" charset="2"/>
+              <a:buChar char="§"/>
+              <a:defRPr sz="2000" kern="1200">
+                <a:solidFill>
+                  <a:schemeClr val="tx1"/>
+                </a:solidFill>
+                <a:latin typeface="+mn-lt"/>
+                <a:ea typeface="+mn-ea"/>
+                <a:cs typeface="+mn-cs"/>
+              </a:defRPr>
+            </a:lvl4pPr>
+            <a:lvl5pPr marL="455613" indent="-228600" algn="l" defTabSz="457200" rtl="0" eaLnBrk="1" latinLnBrk="0" hangingPunct="1">
+              <a:spcBef>
+                <a:spcPts val="200"/>
+              </a:spcBef>
+              <a:buClr>
+                <a:srgbClr val="262626"/>
+              </a:buClr>
+              <a:buFont typeface="Wingdings" charset="2"/>
+              <a:buChar char="§"/>
+              <a:defRPr sz="2000" kern="1200">
+                <a:solidFill>
+                  <a:schemeClr val="tx1"/>
+                </a:solidFill>
+                <a:latin typeface="+mn-lt"/>
+                <a:ea typeface="+mn-ea"/>
+                <a:cs typeface="+mn-cs"/>
+              </a:defRPr>
+            </a:lvl5pPr>
+            <a:lvl6pPr marL="2514600" indent="-228600" algn="l" defTabSz="457200" rtl="0" eaLnBrk="1" latinLnBrk="0" hangingPunct="1">
+              <a:spcBef>
+                <a:spcPct val="20000"/>
+              </a:spcBef>
+              <a:buFont typeface="Arial"/>
+              <a:buChar char="•"/>
+              <a:defRPr sz="2000" kern="1200">
+                <a:solidFill>
+                  <a:schemeClr val="tx1"/>
+                </a:solidFill>
+                <a:latin typeface="+mn-lt"/>
+                <a:ea typeface="+mn-ea"/>
+                <a:cs typeface="+mn-cs"/>
+              </a:defRPr>
+            </a:lvl6pPr>
+            <a:lvl7pPr marL="2971800" indent="-228600" algn="l" defTabSz="457200" rtl="0" eaLnBrk="1" latinLnBrk="0" hangingPunct="1">
+              <a:spcBef>
+                <a:spcPct val="20000"/>
+              </a:spcBef>
+              <a:buFont typeface="Arial"/>
+              <a:buChar char="•"/>
+              <a:defRPr sz="2000" kern="1200">
+                <a:solidFill>
+                  <a:schemeClr val="tx1"/>
+                </a:solidFill>
+                <a:latin typeface="+mn-lt"/>
+                <a:ea typeface="+mn-ea"/>
+                <a:cs typeface="+mn-cs"/>
+              </a:defRPr>
+            </a:lvl7pPr>
+            <a:lvl8pPr marL="3429000" indent="-228600" algn="l" defTabSz="457200" rtl="0" eaLnBrk="1" latinLnBrk="0" hangingPunct="1">
+              <a:spcBef>
+                <a:spcPct val="20000"/>
+              </a:spcBef>
+              <a:buFont typeface="Arial"/>
+              <a:buChar char="•"/>
+              <a:defRPr sz="2000" kern="1200">
+                <a:solidFill>
+                  <a:schemeClr val="tx1"/>
+                </a:solidFill>
+                <a:latin typeface="+mn-lt"/>
+                <a:ea typeface="+mn-ea"/>
+                <a:cs typeface="+mn-cs"/>
+              </a:defRPr>
+            </a:lvl8pPr>
+            <a:lvl9pPr marL="3886200" indent="-228600" algn="l" defTabSz="457200" rtl="0" eaLnBrk="1" latinLnBrk="0" hangingPunct="1">
+              <a:spcBef>
+                <a:spcPct val="20000"/>
+              </a:spcBef>
+              <a:buFont typeface="Arial"/>
+              <a:buChar char="•"/>
+              <a:defRPr sz="2000" kern="1200">
+                <a:solidFill>
+                  <a:schemeClr val="tx1"/>
+                </a:solidFill>
+                <a:latin typeface="+mn-lt"/>
+                <a:ea typeface="+mn-ea"/>
+                <a:cs typeface="+mn-cs"/>
+              </a:defRPr>
+            </a:lvl9pPr>
+          </a:lstStyle>
+          <a:p>
+            <a:pPr marL="342900" marR="0" lvl="0" indent="-342900" algn="l" defTabSz="457200" rtl="0" eaLnBrk="1" fontAlgn="auto" latinLnBrk="0" hangingPunct="1">
+              <a:lnSpc>
+                <a:spcPct val="100000"/>
+              </a:lnSpc>
+              <a:spcBef>
+                <a:spcPts val="0"/>
+              </a:spcBef>
+              <a:spcAft>
+                <a:spcPts val="0"/>
+              </a:spcAft>
+              <a:buClr>
+                <a:srgbClr val="178ADB"/>
+              </a:buClr>
+              <a:buSzTx/>
+              <a:buFont typeface="Arial" charset="0"/>
+              <a:buChar char="•"/>
+              <a:tabLst/>
+              <a:defRPr/>
+            </a:pPr>
+            <a:r>
+              <a:rPr kumimoji="0" lang="en-US" sz="2400" b="0" i="0" u="none" strike="noStrike" kern="1200" cap="none" spc="0" normalizeH="0" baseline="0" noProof="0" dirty="0">
+                <a:ln>
+                  <a:noFill/>
+                </a:ln>
+                <a:solidFill>
+                  <a:srgbClr val="1E1C1C"/>
+                </a:solidFill>
+                <a:effectLst/>
+                <a:uLnTx/>
+                <a:uFillTx/>
+                <a:latin typeface="Corbel"/>
+                <a:ea typeface="+mn-ea"/>
+                <a:cs typeface="+mn-cs"/>
+              </a:rPr>
+              <a:t>Create a primary index on default bucket</a:t>
+            </a:r>
+          </a:p>
+          <a:p>
+            <a:pPr marL="342900" marR="0" lvl="0" indent="-342900" algn="l" defTabSz="457200" rtl="0" eaLnBrk="1" fontAlgn="auto" latinLnBrk="0" hangingPunct="1">
+              <a:lnSpc>
+                <a:spcPct val="100000"/>
+              </a:lnSpc>
+              <a:spcBef>
+                <a:spcPts val="0"/>
+              </a:spcBef>
+              <a:spcAft>
+                <a:spcPts val="0"/>
+              </a:spcAft>
+              <a:buClr>
+                <a:srgbClr val="178ADB"/>
+              </a:buClr>
+              <a:buSzTx/>
+              <a:buFont typeface="Arial" charset="0"/>
+              <a:buChar char="•"/>
+              <a:tabLst/>
+              <a:defRPr/>
+            </a:pPr>
+            <a:endParaRPr kumimoji="0" lang="en-US" sz="2400" b="0" i="0" u="none" strike="noStrike" kern="1200" cap="none" spc="0" normalizeH="0" baseline="0" noProof="0" dirty="0">
+              <a:ln>
+                <a:noFill/>
+              </a:ln>
+              <a:solidFill>
+                <a:srgbClr val="1E1C1C"/>
+              </a:solidFill>
+              <a:effectLst/>
+              <a:uLnTx/>
+              <a:uFillTx/>
+              <a:latin typeface="Corbel"/>
+              <a:ea typeface="+mn-ea"/>
+              <a:cs typeface="+mn-cs"/>
+            </a:endParaRPr>
+          </a:p>
+          <a:p>
+            <a:pPr marL="227013" marR="0" lvl="1" indent="0" algn="l" defTabSz="457200" rtl="0" eaLnBrk="1" fontAlgn="auto" latinLnBrk="0" hangingPunct="1">
+              <a:lnSpc>
+                <a:spcPct val="100000"/>
+              </a:lnSpc>
+              <a:spcBef>
+                <a:spcPts val="0"/>
+              </a:spcBef>
+              <a:spcAft>
+                <a:spcPts val="0"/>
+              </a:spcAft>
+              <a:buClr>
+                <a:srgbClr val="262626"/>
+              </a:buClr>
+              <a:buSzTx/>
+              <a:buFont typeface="Wingdings" charset="2"/>
+              <a:buNone/>
+              <a:tabLst/>
+              <a:defRPr/>
+            </a:pPr>
+            <a:r>
+              <a:rPr kumimoji="0" lang="en-US" sz="2000" b="0" i="0" u="none" strike="noStrike" kern="1200" cap="none" spc="0" normalizeH="0" baseline="0" noProof="0" dirty="0">
+                <a:ln>
+                  <a:noFill/>
+                </a:ln>
+                <a:solidFill>
+                  <a:srgbClr val="1E1C1C"/>
+                </a:solidFill>
+                <a:effectLst/>
+                <a:uLnTx/>
+                <a:uFillTx/>
+                <a:latin typeface="Corbel"/>
+                <a:ea typeface="+mn-ea"/>
+                <a:cs typeface="+mn-cs"/>
+              </a:rPr>
+              <a:t>          CREATE PRIMARY INDEX on `default`</a:t>
+            </a:r>
+          </a:p>
+          <a:p>
+            <a:pPr marL="342900" marR="0" lvl="0" indent="-342900" algn="l" defTabSz="457200" rtl="0" eaLnBrk="1" fontAlgn="auto" latinLnBrk="0" hangingPunct="1">
+              <a:lnSpc>
+                <a:spcPct val="100000"/>
+              </a:lnSpc>
+              <a:spcBef>
+                <a:spcPts val="0"/>
+              </a:spcBef>
+              <a:spcAft>
+                <a:spcPts val="0"/>
+              </a:spcAft>
+              <a:buClr>
+                <a:srgbClr val="178ADB"/>
+              </a:buClr>
+              <a:buSzTx/>
+              <a:buFont typeface="Arial" charset="0"/>
+              <a:buChar char="•"/>
+              <a:tabLst/>
+              <a:defRPr/>
+            </a:pPr>
+            <a:endParaRPr kumimoji="0" lang="en-US" sz="2400" b="0" i="0" u="none" strike="noStrike" kern="1200" cap="none" spc="0" normalizeH="0" baseline="0" noProof="0" dirty="0">
+              <a:ln>
+                <a:noFill/>
+              </a:ln>
+              <a:solidFill>
+                <a:srgbClr val="1E1C1C"/>
+              </a:solidFill>
+              <a:effectLst/>
+              <a:uLnTx/>
+              <a:uFillTx/>
+              <a:latin typeface="Corbel"/>
+              <a:ea typeface="+mn-ea"/>
+              <a:cs typeface="+mn-cs"/>
+            </a:endParaRPr>
+          </a:p>
+          <a:p>
+            <a:pPr marL="342900" marR="0" lvl="0" indent="-342900" algn="l" defTabSz="457200" rtl="0" eaLnBrk="1" fontAlgn="auto" latinLnBrk="0" hangingPunct="1">
+              <a:lnSpc>
+                <a:spcPct val="100000"/>
+              </a:lnSpc>
+              <a:spcBef>
+                <a:spcPts val="0"/>
+              </a:spcBef>
+              <a:spcAft>
+                <a:spcPts val="0"/>
+              </a:spcAft>
+              <a:buClr>
+                <a:srgbClr val="178ADB"/>
+              </a:buClr>
+              <a:buSzTx/>
+              <a:buFont typeface="Arial" charset="0"/>
+              <a:buChar char="•"/>
+              <a:tabLst/>
+              <a:defRPr/>
+            </a:pPr>
+            <a:r>
+              <a:rPr kumimoji="0" lang="en-US" sz="2400" b="0" i="0" u="none" strike="noStrike" kern="1200" cap="none" spc="0" normalizeH="0" baseline="0" noProof="0" dirty="0">
+                <a:ln>
+                  <a:noFill/>
+                </a:ln>
+                <a:solidFill>
+                  <a:srgbClr val="1E1C1C"/>
+                </a:solidFill>
+                <a:effectLst/>
+                <a:uLnTx/>
+                <a:uFillTx/>
+                <a:latin typeface="Corbel"/>
+                <a:ea typeface="+mn-ea"/>
+                <a:cs typeface="+mn-cs"/>
+              </a:rPr>
+              <a:t>Add document(s) to default bucket</a:t>
+            </a:r>
+          </a:p>
+          <a:p>
+            <a:pPr marL="342900" marR="0" lvl="0" indent="-342900" algn="l" defTabSz="457200" rtl="0" eaLnBrk="1" fontAlgn="auto" latinLnBrk="0" hangingPunct="1">
+              <a:lnSpc>
+                <a:spcPct val="100000"/>
+              </a:lnSpc>
+              <a:spcBef>
+                <a:spcPts val="0"/>
+              </a:spcBef>
+              <a:spcAft>
+                <a:spcPts val="0"/>
+              </a:spcAft>
+              <a:buClr>
+                <a:srgbClr val="178ADB"/>
+              </a:buClr>
+              <a:buSzTx/>
+              <a:buFont typeface="Arial" charset="0"/>
+              <a:buChar char="•"/>
+              <a:tabLst/>
+              <a:defRPr/>
+            </a:pPr>
+            <a:endParaRPr kumimoji="0" lang="en-US" sz="2400" b="0" i="0" u="none" strike="noStrike" kern="1200" cap="none" spc="0" normalizeH="0" baseline="0" noProof="0" dirty="0">
+              <a:ln>
+                <a:noFill/>
+              </a:ln>
+              <a:solidFill>
+                <a:srgbClr val="1E1C1C"/>
+              </a:solidFill>
+              <a:effectLst/>
+              <a:uLnTx/>
+              <a:uFillTx/>
+              <a:latin typeface="Corbel"/>
+              <a:ea typeface="+mn-ea"/>
+              <a:cs typeface="+mn-cs"/>
+            </a:endParaRPr>
+          </a:p>
+          <a:p>
+            <a:pPr marL="569913" marR="0" lvl="1" indent="-342900" algn="l" defTabSz="457200" rtl="0" eaLnBrk="1" fontAlgn="auto" latinLnBrk="0" hangingPunct="1">
+              <a:lnSpc>
+                <a:spcPct val="100000"/>
+              </a:lnSpc>
+              <a:spcBef>
+                <a:spcPts val="0"/>
+              </a:spcBef>
+              <a:spcAft>
+                <a:spcPts val="0"/>
+              </a:spcAft>
+              <a:buClr>
+                <a:srgbClr val="262626"/>
+              </a:buClr>
+              <a:buSzTx/>
+              <a:buFont typeface="Arial" charset="0"/>
+              <a:buChar char="•"/>
+              <a:tabLst/>
+              <a:defRPr/>
+            </a:pPr>
+            <a:r>
+              <a:rPr kumimoji="0" lang="en-US" sz="2000" b="0" i="0" u="none" strike="noStrike" kern="1200" cap="none" spc="0" normalizeH="0" baseline="0" noProof="0" dirty="0">
+                <a:ln>
+                  <a:noFill/>
+                </a:ln>
+                <a:solidFill>
+                  <a:srgbClr val="1E1C1C"/>
+                </a:solidFill>
+                <a:effectLst/>
+                <a:uLnTx/>
+                <a:uFillTx/>
+                <a:latin typeface="Corbel"/>
+                <a:ea typeface="+mn-ea"/>
+                <a:cs typeface="+mn-cs"/>
+              </a:rPr>
+              <a:t>Use “Create Document” button in Documents view</a:t>
+            </a:r>
+          </a:p>
+          <a:p>
+            <a:pPr marL="342900" marR="0" lvl="0" indent="-342900" algn="l" defTabSz="457200" rtl="0" eaLnBrk="1" fontAlgn="auto" latinLnBrk="0" hangingPunct="1">
+              <a:lnSpc>
+                <a:spcPct val="100000"/>
+              </a:lnSpc>
+              <a:spcBef>
+                <a:spcPts val="0"/>
+              </a:spcBef>
+              <a:spcAft>
+                <a:spcPts val="0"/>
+              </a:spcAft>
+              <a:buClr>
+                <a:srgbClr val="178ADB"/>
+              </a:buClr>
+              <a:buSzTx/>
+              <a:buFont typeface="Arial" charset="0"/>
+              <a:buChar char="•"/>
+              <a:tabLst/>
+              <a:defRPr/>
+            </a:pPr>
+            <a:endParaRPr kumimoji="0" lang="en-US" sz="2400" b="0" i="0" u="none" strike="noStrike" kern="1200" cap="none" spc="0" normalizeH="0" baseline="0" noProof="0" dirty="0">
+              <a:ln>
+                <a:noFill/>
+              </a:ln>
+              <a:solidFill>
+                <a:srgbClr val="1E1C1C"/>
+              </a:solidFill>
+              <a:effectLst/>
+              <a:uLnTx/>
+              <a:uFillTx/>
+              <a:latin typeface="Corbel"/>
+              <a:ea typeface="+mn-ea"/>
+              <a:cs typeface="+mn-cs"/>
+            </a:endParaRPr>
+          </a:p>
+          <a:p>
+            <a:pPr marL="342900" marR="0" lvl="0" indent="-342900" algn="l" defTabSz="457200" rtl="0" eaLnBrk="1" fontAlgn="auto" latinLnBrk="0" hangingPunct="1">
+              <a:lnSpc>
+                <a:spcPct val="100000"/>
+              </a:lnSpc>
+              <a:spcBef>
+                <a:spcPts val="0"/>
+              </a:spcBef>
+              <a:spcAft>
+                <a:spcPts val="0"/>
+              </a:spcAft>
+              <a:buClr>
+                <a:srgbClr val="178ADB"/>
+              </a:buClr>
+              <a:buSzTx/>
+              <a:buFont typeface="Arial" charset="0"/>
+              <a:buChar char="•"/>
+              <a:tabLst/>
+              <a:defRPr/>
+            </a:pPr>
+            <a:r>
+              <a:rPr kumimoji="0" lang="en-US" sz="2400" b="0" i="0" u="none" strike="noStrike" kern="1200" cap="none" spc="0" normalizeH="0" baseline="0" noProof="0" dirty="0">
+                <a:ln>
+                  <a:noFill/>
+                </a:ln>
+                <a:solidFill>
+                  <a:srgbClr val="1E1C1C"/>
+                </a:solidFill>
+                <a:effectLst/>
+                <a:uLnTx/>
+                <a:uFillTx/>
+                <a:latin typeface="Corbel"/>
+                <a:ea typeface="+mn-ea"/>
+                <a:cs typeface="+mn-cs"/>
+              </a:rPr>
+              <a:t>SELECT documents</a:t>
+            </a:r>
+          </a:p>
+          <a:p>
+            <a:pPr marL="342900" marR="0" lvl="0" indent="-342900" algn="l" defTabSz="457200" rtl="0" eaLnBrk="1" fontAlgn="auto" latinLnBrk="0" hangingPunct="1">
+              <a:lnSpc>
+                <a:spcPct val="100000"/>
+              </a:lnSpc>
+              <a:spcBef>
+                <a:spcPts val="0"/>
+              </a:spcBef>
+              <a:spcAft>
+                <a:spcPts val="0"/>
+              </a:spcAft>
+              <a:buClr>
+                <a:srgbClr val="178ADB"/>
+              </a:buClr>
+              <a:buSzTx/>
+              <a:buFont typeface="Arial" charset="0"/>
+              <a:buChar char="•"/>
+              <a:tabLst/>
+              <a:defRPr/>
+            </a:pPr>
+            <a:endParaRPr kumimoji="0" lang="en-US" sz="2400" b="0" i="0" u="none" strike="noStrike" kern="1200" cap="none" spc="0" normalizeH="0" baseline="0" noProof="0" dirty="0">
+              <a:ln>
+                <a:noFill/>
+              </a:ln>
+              <a:solidFill>
+                <a:srgbClr val="1E1C1C"/>
+              </a:solidFill>
+              <a:effectLst/>
+              <a:uLnTx/>
+              <a:uFillTx/>
+              <a:latin typeface="Corbel"/>
+              <a:ea typeface="+mn-ea"/>
+              <a:cs typeface="+mn-cs"/>
+            </a:endParaRPr>
+          </a:p>
+          <a:p>
+            <a:pPr marL="227013" marR="0" lvl="1" indent="0" algn="l" defTabSz="457200" rtl="0" eaLnBrk="1" fontAlgn="auto" latinLnBrk="0" hangingPunct="1">
+              <a:lnSpc>
+                <a:spcPct val="100000"/>
+              </a:lnSpc>
+              <a:spcBef>
+                <a:spcPts val="0"/>
+              </a:spcBef>
+              <a:spcAft>
+                <a:spcPts val="0"/>
+              </a:spcAft>
+              <a:buClr>
+                <a:srgbClr val="262626"/>
+              </a:buClr>
+              <a:buSzTx/>
+              <a:buFont typeface="Wingdings" charset="2"/>
+              <a:buNone/>
+              <a:tabLst/>
+              <a:defRPr/>
+            </a:pPr>
+            <a:r>
+              <a:rPr kumimoji="0" lang="en-US" sz="2000" b="0" i="0" u="none" strike="noStrike" kern="1200" cap="none" spc="0" normalizeH="0" baseline="0" noProof="0" dirty="0">
+                <a:ln>
+                  <a:noFill/>
+                </a:ln>
+                <a:solidFill>
+                  <a:srgbClr val="1E1C1C"/>
+                </a:solidFill>
+                <a:effectLst/>
+                <a:uLnTx/>
+                <a:uFillTx/>
+                <a:latin typeface="Corbel"/>
+                <a:ea typeface="+mn-ea"/>
+                <a:cs typeface="+mn-cs"/>
+              </a:rPr>
+              <a:t>          SELECT d.* FROM `</a:t>
+            </a:r>
+            <a:r>
+              <a:rPr kumimoji="0" lang="en-US" sz="2000" b="0" i="0" u="none" strike="noStrike" kern="1200" cap="none" spc="0" normalizeH="0" baseline="0" noProof="0" dirty="0" err="1">
+                <a:ln>
+                  <a:noFill/>
+                </a:ln>
+                <a:solidFill>
+                  <a:srgbClr val="1E1C1C"/>
+                </a:solidFill>
+                <a:effectLst/>
+                <a:uLnTx/>
+                <a:uFillTx/>
+                <a:latin typeface="Corbel"/>
+                <a:ea typeface="+mn-ea"/>
+                <a:cs typeface="+mn-cs"/>
+              </a:rPr>
+              <a:t>bucketname</a:t>
+            </a:r>
+            <a:r>
+              <a:rPr kumimoji="0" lang="en-US" sz="2000" b="0" i="0" u="none" strike="noStrike" kern="1200" cap="none" spc="0" normalizeH="0" baseline="0" noProof="0" dirty="0">
+                <a:ln>
+                  <a:noFill/>
+                </a:ln>
+                <a:solidFill>
+                  <a:srgbClr val="1E1C1C"/>
+                </a:solidFill>
+                <a:effectLst/>
+                <a:uLnTx/>
+                <a:uFillTx/>
+                <a:latin typeface="Corbel"/>
+                <a:ea typeface="+mn-ea"/>
+                <a:cs typeface="+mn-cs"/>
+              </a:rPr>
+              <a:t>` d</a:t>
+            </a:r>
+          </a:p>
+          <a:p>
+            <a:pPr marL="342900" marR="0" lvl="0" indent="-342900" algn="l" defTabSz="457200" rtl="0" eaLnBrk="1" fontAlgn="auto" latinLnBrk="0" hangingPunct="1">
+              <a:lnSpc>
+                <a:spcPct val="100000"/>
+              </a:lnSpc>
+              <a:spcBef>
+                <a:spcPts val="0"/>
+              </a:spcBef>
+              <a:spcAft>
+                <a:spcPts val="0"/>
+              </a:spcAft>
+              <a:buClr>
+                <a:srgbClr val="178ADB"/>
+              </a:buClr>
+              <a:buSzTx/>
+              <a:buFont typeface="Arial" charset="0"/>
+              <a:buChar char="•"/>
+              <a:tabLst/>
+              <a:defRPr/>
+            </a:pPr>
+            <a:endParaRPr kumimoji="0" lang="en-US" sz="2400" b="0" i="0" u="none" strike="noStrike" kern="1200" cap="none" spc="0" normalizeH="0" baseline="0" noProof="0" dirty="0">
+              <a:ln>
+                <a:noFill/>
+              </a:ln>
+              <a:solidFill>
+                <a:srgbClr val="1E1C1C"/>
+              </a:solidFill>
+              <a:effectLst/>
+              <a:uLnTx/>
+              <a:uFillTx/>
+              <a:latin typeface="Corbel"/>
+              <a:ea typeface="+mn-ea"/>
+              <a:cs typeface="+mn-cs"/>
+            </a:endParaRPr>
+          </a:p>
+          <a:p>
+            <a:pPr marL="228600" marR="0" lvl="0" indent="-228600" algn="l" defTabSz="457200" rtl="0" eaLnBrk="1" fontAlgn="auto" latinLnBrk="0" hangingPunct="1">
+              <a:lnSpc>
+                <a:spcPct val="100000"/>
+              </a:lnSpc>
+              <a:spcBef>
+                <a:spcPts val="0"/>
+              </a:spcBef>
+              <a:spcAft>
+                <a:spcPts val="0"/>
+              </a:spcAft>
+              <a:buClr>
+                <a:srgbClr val="178ADB"/>
+              </a:buClr>
+              <a:buSzTx/>
+              <a:buFont typeface="Wingdings" charset="2"/>
+              <a:buChar char="§"/>
+              <a:tabLst/>
+              <a:defRPr/>
+            </a:pPr>
+            <a:endParaRPr kumimoji="0" lang="en-US" sz="2400" b="0" i="0" u="none" strike="noStrike" kern="1200" cap="none" spc="0" normalizeH="0" baseline="0" noProof="0" dirty="0">
+              <a:ln>
+                <a:noFill/>
+              </a:ln>
+              <a:solidFill>
+                <a:srgbClr val="1E1C1C"/>
+              </a:solidFill>
+              <a:effectLst/>
+              <a:uLnTx/>
+              <a:uFillTx/>
+              <a:latin typeface="Corbel"/>
+              <a:ea typeface="+mn-ea"/>
+              <a:cs typeface="+mn-cs"/>
+            </a:endParaRPr>
+          </a:p>
+        </p:txBody>
+      </p:sp>
+    </p:spTree>
+    <p:extLst>
+      <p:ext uri="{BB962C8B-B14F-4D97-AF65-F5344CB8AC3E}">
+        <p14:creationId xmlns:p14="http://schemas.microsoft.com/office/powerpoint/2010/main" val="4131121896"/>
       </p:ext>
     </p:extLst>
   </p:cSld>
@@ -12841,7 +12350,7 @@
           <a:p>
             <a:r>
               <a:rPr lang="en-US" dirty="0"/>
-              <a:t>Workshop 1: N1QL</a:t>
+              <a:t>Workshop 2: Using SDK in "Hello World"</a:t>
             </a:r>
           </a:p>
         </p:txBody>
@@ -12856,8 +12365,8 @@
         </p:nvSpPr>
         <p:spPr>
           <a:xfrm>
-            <a:off x="609600" y="838200"/>
-            <a:ext cx="8007739" cy="3394472"/>
+            <a:off x="198158" y="838200"/>
+            <a:ext cx="8717242" cy="3394472"/>
           </a:xfrm>
           <a:prstGeom prst="rect">
             <a:avLst/>
@@ -13052,7 +12561,68 @@
                 <a:ea typeface="+mn-ea"/>
                 <a:cs typeface="+mn-cs"/>
               </a:rPr>
-              <a:t>Create a primary index on default bucket</a:t>
+              <a:t>Write a console </a:t>
+            </a:r>
+            <a:r>
+              <a:rPr lang="en-US" dirty="0">
+                <a:solidFill>
+                  <a:srgbClr val="1E1C1C"/>
+                </a:solidFill>
+                <a:latin typeface="Corbel"/>
+              </a:rPr>
+              <a:t>program that:</a:t>
+            </a:r>
+          </a:p>
+          <a:p>
+            <a:pPr marL="569913" lvl="1" indent="-342900">
+              <a:buClr>
+                <a:srgbClr val="178ADB"/>
+              </a:buClr>
+              <a:buFont typeface="Arial" charset="0"/>
+              <a:buChar char="•"/>
+            </a:pPr>
+            <a:r>
+              <a:rPr kumimoji="0" lang="en-US" sz="2400" b="0" i="0" u="none" strike="noStrike" kern="1200" cap="none" spc="0" normalizeH="0" baseline="0" noProof="0" dirty="0">
+                <a:ln>
+                  <a:noFill/>
+                </a:ln>
+                <a:solidFill>
+                  <a:srgbClr val="1E1C1C"/>
+                </a:solidFill>
+                <a:effectLst/>
+                <a:uLnTx/>
+                <a:uFillTx/>
+                <a:latin typeface="Corbel"/>
+                <a:ea typeface="+mn-ea"/>
+                <a:cs typeface="+mn-cs"/>
+              </a:rPr>
+              <a:t>Insert document(s)</a:t>
+            </a:r>
+          </a:p>
+          <a:p>
+            <a:pPr marL="569913" lvl="1" indent="-342900">
+              <a:buClr>
+                <a:srgbClr val="178ADB"/>
+              </a:buClr>
+              <a:buFont typeface="Arial" charset="0"/>
+              <a:buChar char="•"/>
+            </a:pPr>
+            <a:r>
+              <a:rPr kumimoji="0" lang="en-US" sz="2400" b="0" i="0" u="none" strike="noStrike" kern="1200" cap="none" spc="0" normalizeH="0" baseline="0" noProof="0" dirty="0">
+                <a:ln>
+                  <a:noFill/>
+                </a:ln>
+                <a:solidFill>
+                  <a:srgbClr val="1E1C1C"/>
+                </a:solidFill>
+                <a:effectLst/>
+                <a:uLnTx/>
+                <a:uFillTx/>
+                <a:latin typeface="Corbel"/>
+                <a:ea typeface="+mn-ea"/>
+                <a:cs typeface="+mn-cs"/>
+              </a:rPr>
+              <a:t>Select documents with N1QL</a:t>
             </a:r>
           </a:p>
           <a:p>
@@ -13090,446 +12660,12 @@
               <a:cs typeface="+mn-cs"/>
             </a:endParaRPr>
           </a:p>
-          <a:p>
-            <a:pPr marL="227013" marR="0" lvl="1" indent="0" algn="l" defTabSz="457200" rtl="0" eaLnBrk="1" fontAlgn="auto" latinLnBrk="0" hangingPunct="1">
-              <a:lnSpc>
-                <a:spcPct val="100000"/>
-              </a:lnSpc>
-              <a:spcBef>
-                <a:spcPts val="0"/>
-              </a:spcBef>
-              <a:spcAft>
-                <a:spcPts val="0"/>
-              </a:spcAft>
-              <a:buClr>
-                <a:srgbClr val="262626"/>
-              </a:buClr>
-              <a:buSzTx/>
-              <a:buFont typeface="Wingdings" charset="2"/>
-              <a:buNone/>
-              <a:tabLst/>
-              <a:defRPr/>
-            </a:pPr>
-            <a:r>
-              <a:rPr kumimoji="0" lang="en-US" sz="2000" b="0" i="0" u="none" strike="noStrike" kern="1200" cap="none" spc="0" normalizeH="0" baseline="0" noProof="0" dirty="0">
-                <a:ln>
-                  <a:noFill/>
-                </a:ln>
-                <a:solidFill>
-                  <a:srgbClr val="1E1C1C"/>
-                </a:solidFill>
-                <a:effectLst/>
-                <a:uLnTx/>
-                <a:uFillTx/>
-                <a:latin typeface="Corbel"/>
-                <a:ea typeface="+mn-ea"/>
-                <a:cs typeface="+mn-cs"/>
-              </a:rPr>
-              <a:t>          CREATE PRIMARY INDEX on `default`</a:t>
-            </a:r>
-          </a:p>
-          <a:p>
-            <a:pPr marL="342900" marR="0" lvl="0" indent="-342900" algn="l" defTabSz="457200" rtl="0" eaLnBrk="1" fontAlgn="auto" latinLnBrk="0" hangingPunct="1">
-              <a:lnSpc>
-                <a:spcPct val="100000"/>
-              </a:lnSpc>
-              <a:spcBef>
-                <a:spcPts val="0"/>
-              </a:spcBef>
-              <a:spcAft>
-                <a:spcPts val="0"/>
-              </a:spcAft>
-              <a:buClr>
-                <a:srgbClr val="178ADB"/>
-              </a:buClr>
-              <a:buSzTx/>
-              <a:buFont typeface="Arial" charset="0"/>
-              <a:buChar char="•"/>
-              <a:tabLst/>
-              <a:defRPr/>
-            </a:pPr>
-            <a:endParaRPr kumimoji="0" lang="en-US" sz="2400" b="0" i="0" u="none" strike="noStrike" kern="1200" cap="none" spc="0" normalizeH="0" baseline="0" noProof="0" dirty="0">
-              <a:ln>
-                <a:noFill/>
-              </a:ln>
-              <a:solidFill>
-                <a:srgbClr val="1E1C1C"/>
-              </a:solidFill>
-              <a:effectLst/>
-              <a:uLnTx/>
-              <a:uFillTx/>
-              <a:latin typeface="Corbel"/>
-              <a:ea typeface="+mn-ea"/>
-              <a:cs typeface="+mn-cs"/>
-            </a:endParaRPr>
-          </a:p>
-          <a:p>
-            <a:pPr marL="342900" marR="0" lvl="0" indent="-342900" algn="l" defTabSz="457200" rtl="0" eaLnBrk="1" fontAlgn="auto" latinLnBrk="0" hangingPunct="1">
-              <a:lnSpc>
-                <a:spcPct val="100000"/>
-              </a:lnSpc>
-              <a:spcBef>
-                <a:spcPts val="0"/>
-              </a:spcBef>
-              <a:spcAft>
-                <a:spcPts val="0"/>
-              </a:spcAft>
-              <a:buClr>
-                <a:srgbClr val="178ADB"/>
-              </a:buClr>
-              <a:buSzTx/>
-              <a:buFont typeface="Arial" charset="0"/>
-              <a:buChar char="•"/>
-              <a:tabLst/>
-              <a:defRPr/>
-            </a:pPr>
-            <a:r>
-              <a:rPr kumimoji="0" lang="en-US" sz="2400" b="0" i="0" u="none" strike="noStrike" kern="1200" cap="none" spc="0" normalizeH="0" baseline="0" noProof="0" dirty="0">
-                <a:ln>
-                  <a:noFill/>
-                </a:ln>
-                <a:solidFill>
-                  <a:srgbClr val="1E1C1C"/>
-                </a:solidFill>
-                <a:effectLst/>
-                <a:uLnTx/>
-                <a:uFillTx/>
-                <a:latin typeface="Corbel"/>
-                <a:ea typeface="+mn-ea"/>
-                <a:cs typeface="+mn-cs"/>
-              </a:rPr>
-              <a:t>Add document(s) to default bucket</a:t>
-            </a:r>
-          </a:p>
-          <a:p>
-            <a:pPr marL="342900" marR="0" lvl="0" indent="-342900" algn="l" defTabSz="457200" rtl="0" eaLnBrk="1" fontAlgn="auto" latinLnBrk="0" hangingPunct="1">
-              <a:lnSpc>
-                <a:spcPct val="100000"/>
-              </a:lnSpc>
-              <a:spcBef>
-                <a:spcPts val="0"/>
-              </a:spcBef>
-              <a:spcAft>
-                <a:spcPts val="0"/>
-              </a:spcAft>
-              <a:buClr>
-                <a:srgbClr val="178ADB"/>
-              </a:buClr>
-              <a:buSzTx/>
-              <a:buFont typeface="Arial" charset="0"/>
-              <a:buChar char="•"/>
-              <a:tabLst/>
-              <a:defRPr/>
-            </a:pPr>
-            <a:endParaRPr kumimoji="0" lang="en-US" sz="2400" b="0" i="0" u="none" strike="noStrike" kern="1200" cap="none" spc="0" normalizeH="0" baseline="0" noProof="0" dirty="0">
-              <a:ln>
-                <a:noFill/>
-              </a:ln>
-              <a:solidFill>
-                <a:srgbClr val="1E1C1C"/>
-              </a:solidFill>
-              <a:effectLst/>
-              <a:uLnTx/>
-              <a:uFillTx/>
-              <a:latin typeface="Corbel"/>
-              <a:ea typeface="+mn-ea"/>
-              <a:cs typeface="+mn-cs"/>
-            </a:endParaRPr>
-          </a:p>
-          <a:p>
-            <a:pPr marL="569913" marR="0" lvl="1" indent="-342900" algn="l" defTabSz="457200" rtl="0" eaLnBrk="1" fontAlgn="auto" latinLnBrk="0" hangingPunct="1">
-              <a:lnSpc>
-                <a:spcPct val="100000"/>
-              </a:lnSpc>
-              <a:spcBef>
-                <a:spcPts val="0"/>
-              </a:spcBef>
-              <a:spcAft>
-                <a:spcPts val="0"/>
-              </a:spcAft>
-              <a:buClr>
-                <a:srgbClr val="262626"/>
-              </a:buClr>
-              <a:buSzTx/>
-              <a:buFont typeface="Arial" charset="0"/>
-              <a:buChar char="•"/>
-              <a:tabLst/>
-              <a:defRPr/>
-            </a:pPr>
-            <a:r>
-              <a:rPr kumimoji="0" lang="en-US" sz="2000" b="0" i="0" u="none" strike="noStrike" kern="1200" cap="none" spc="0" normalizeH="0" baseline="0" noProof="0" dirty="0">
-                <a:ln>
-                  <a:noFill/>
-                </a:ln>
-                <a:solidFill>
-                  <a:srgbClr val="1E1C1C"/>
-                </a:solidFill>
-                <a:effectLst/>
-                <a:uLnTx/>
-                <a:uFillTx/>
-                <a:latin typeface="Corbel"/>
-                <a:ea typeface="+mn-ea"/>
-                <a:cs typeface="+mn-cs"/>
-              </a:rPr>
-              <a:t>Use “Create Document” button in Documents view</a:t>
-            </a:r>
-          </a:p>
-          <a:p>
-            <a:pPr marL="342900" marR="0" lvl="0" indent="-342900" algn="l" defTabSz="457200" rtl="0" eaLnBrk="1" fontAlgn="auto" latinLnBrk="0" hangingPunct="1">
-              <a:lnSpc>
-                <a:spcPct val="100000"/>
-              </a:lnSpc>
-              <a:spcBef>
-                <a:spcPts val="0"/>
-              </a:spcBef>
-              <a:spcAft>
-                <a:spcPts val="0"/>
-              </a:spcAft>
-              <a:buClr>
-                <a:srgbClr val="178ADB"/>
-              </a:buClr>
-              <a:buSzTx/>
-              <a:buFont typeface="Arial" charset="0"/>
-              <a:buChar char="•"/>
-              <a:tabLst/>
-              <a:defRPr/>
-            </a:pPr>
-            <a:endParaRPr kumimoji="0" lang="en-US" sz="2400" b="0" i="0" u="none" strike="noStrike" kern="1200" cap="none" spc="0" normalizeH="0" baseline="0" noProof="0" dirty="0">
-              <a:ln>
-                <a:noFill/>
-              </a:ln>
-              <a:solidFill>
-                <a:srgbClr val="1E1C1C"/>
-              </a:solidFill>
-              <a:effectLst/>
-              <a:uLnTx/>
-              <a:uFillTx/>
-              <a:latin typeface="Corbel"/>
-              <a:ea typeface="+mn-ea"/>
-              <a:cs typeface="+mn-cs"/>
-            </a:endParaRPr>
-          </a:p>
-          <a:p>
-            <a:pPr marL="342900" marR="0" lvl="0" indent="-342900" algn="l" defTabSz="457200" rtl="0" eaLnBrk="1" fontAlgn="auto" latinLnBrk="0" hangingPunct="1">
-              <a:lnSpc>
-                <a:spcPct val="100000"/>
-              </a:lnSpc>
-              <a:spcBef>
-                <a:spcPts val="0"/>
-              </a:spcBef>
-              <a:spcAft>
-                <a:spcPts val="0"/>
-              </a:spcAft>
-              <a:buClr>
-                <a:srgbClr val="178ADB"/>
-              </a:buClr>
-              <a:buSzTx/>
-              <a:buFont typeface="Arial" charset="0"/>
-              <a:buChar char="•"/>
-              <a:tabLst/>
-              <a:defRPr/>
-            </a:pPr>
-            <a:r>
-              <a:rPr kumimoji="0" lang="en-US" sz="2400" b="0" i="0" u="none" strike="noStrike" kern="1200" cap="none" spc="0" normalizeH="0" baseline="0" noProof="0" dirty="0">
-                <a:ln>
-                  <a:noFill/>
-                </a:ln>
-                <a:solidFill>
-                  <a:srgbClr val="1E1C1C"/>
-                </a:solidFill>
-                <a:effectLst/>
-                <a:uLnTx/>
-                <a:uFillTx/>
-                <a:latin typeface="Corbel"/>
-                <a:ea typeface="+mn-ea"/>
-                <a:cs typeface="+mn-cs"/>
-              </a:rPr>
-              <a:t>SELECT documents</a:t>
-            </a:r>
-          </a:p>
-          <a:p>
-            <a:pPr marL="342900" marR="0" lvl="0" indent="-342900" algn="l" defTabSz="457200" rtl="0" eaLnBrk="1" fontAlgn="auto" latinLnBrk="0" hangingPunct="1">
-              <a:lnSpc>
-                <a:spcPct val="100000"/>
-              </a:lnSpc>
-              <a:spcBef>
-                <a:spcPts val="0"/>
-              </a:spcBef>
-              <a:spcAft>
-                <a:spcPts val="0"/>
-              </a:spcAft>
-              <a:buClr>
-                <a:srgbClr val="178ADB"/>
-              </a:buClr>
-              <a:buSzTx/>
-              <a:buFont typeface="Arial" charset="0"/>
-              <a:buChar char="•"/>
-              <a:tabLst/>
-              <a:defRPr/>
-            </a:pPr>
-            <a:endParaRPr kumimoji="0" lang="en-US" sz="2400" b="0" i="0" u="none" strike="noStrike" kern="1200" cap="none" spc="0" normalizeH="0" baseline="0" noProof="0" dirty="0">
-              <a:ln>
-                <a:noFill/>
-              </a:ln>
-              <a:solidFill>
-                <a:srgbClr val="1E1C1C"/>
-              </a:solidFill>
-              <a:effectLst/>
-              <a:uLnTx/>
-              <a:uFillTx/>
-              <a:latin typeface="Corbel"/>
-              <a:ea typeface="+mn-ea"/>
-              <a:cs typeface="+mn-cs"/>
-            </a:endParaRPr>
-          </a:p>
-          <a:p>
-            <a:pPr marL="227013" marR="0" lvl="1" indent="0" algn="l" defTabSz="457200" rtl="0" eaLnBrk="1" fontAlgn="auto" latinLnBrk="0" hangingPunct="1">
-              <a:lnSpc>
-                <a:spcPct val="100000"/>
-              </a:lnSpc>
-              <a:spcBef>
-                <a:spcPts val="0"/>
-              </a:spcBef>
-              <a:spcAft>
-                <a:spcPts val="0"/>
-              </a:spcAft>
-              <a:buClr>
-                <a:srgbClr val="262626"/>
-              </a:buClr>
-              <a:buSzTx/>
-              <a:buFont typeface="Wingdings" charset="2"/>
-              <a:buNone/>
-              <a:tabLst/>
-              <a:defRPr/>
-            </a:pPr>
-            <a:r>
-              <a:rPr kumimoji="0" lang="en-US" sz="2000" b="0" i="0" u="none" strike="noStrike" kern="1200" cap="none" spc="0" normalizeH="0" baseline="0" noProof="0" dirty="0">
-                <a:ln>
-                  <a:noFill/>
-                </a:ln>
-                <a:solidFill>
-                  <a:srgbClr val="1E1C1C"/>
-                </a:solidFill>
-                <a:effectLst/>
-                <a:uLnTx/>
-                <a:uFillTx/>
-                <a:latin typeface="Corbel"/>
-                <a:ea typeface="+mn-ea"/>
-                <a:cs typeface="+mn-cs"/>
-              </a:rPr>
-              <a:t>          SELECT d.* FROM `</a:t>
-            </a:r>
-            <a:r>
-              <a:rPr kumimoji="0" lang="en-US" sz="2000" b="0" i="0" u="none" strike="noStrike" kern="1200" cap="none" spc="0" normalizeH="0" baseline="0" noProof="0" dirty="0" err="1">
-                <a:ln>
-                  <a:noFill/>
-                </a:ln>
-                <a:solidFill>
-                  <a:srgbClr val="1E1C1C"/>
-                </a:solidFill>
-                <a:effectLst/>
-                <a:uLnTx/>
-                <a:uFillTx/>
-                <a:latin typeface="Corbel"/>
-                <a:ea typeface="+mn-ea"/>
-                <a:cs typeface="+mn-cs"/>
-              </a:rPr>
-              <a:t>bucketname</a:t>
-            </a:r>
-            <a:r>
-              <a:rPr kumimoji="0" lang="en-US" sz="2000" b="0" i="0" u="none" strike="noStrike" kern="1200" cap="none" spc="0" normalizeH="0" baseline="0" noProof="0" dirty="0">
-                <a:ln>
-                  <a:noFill/>
-                </a:ln>
-                <a:solidFill>
-                  <a:srgbClr val="1E1C1C"/>
-                </a:solidFill>
-                <a:effectLst/>
-                <a:uLnTx/>
-                <a:uFillTx/>
-                <a:latin typeface="Corbel"/>
-                <a:ea typeface="+mn-ea"/>
-                <a:cs typeface="+mn-cs"/>
-              </a:rPr>
-              <a:t>` d</a:t>
-            </a:r>
-          </a:p>
-          <a:p>
-            <a:pPr marL="342900" marR="0" lvl="0" indent="-342900" algn="l" defTabSz="457200" rtl="0" eaLnBrk="1" fontAlgn="auto" latinLnBrk="0" hangingPunct="1">
-              <a:lnSpc>
-                <a:spcPct val="100000"/>
-              </a:lnSpc>
-              <a:spcBef>
-                <a:spcPts val="0"/>
-              </a:spcBef>
-              <a:spcAft>
-                <a:spcPts val="0"/>
-              </a:spcAft>
-              <a:buClr>
-                <a:srgbClr val="178ADB"/>
-              </a:buClr>
-              <a:buSzTx/>
-              <a:buFont typeface="Arial" charset="0"/>
-              <a:buChar char="•"/>
-              <a:tabLst/>
-              <a:defRPr/>
-            </a:pPr>
-            <a:endParaRPr kumimoji="0" lang="en-US" sz="2400" b="0" i="0" u="none" strike="noStrike" kern="1200" cap="none" spc="0" normalizeH="0" baseline="0" noProof="0" dirty="0">
-              <a:ln>
-                <a:noFill/>
-              </a:ln>
-              <a:solidFill>
-                <a:srgbClr val="1E1C1C"/>
-              </a:solidFill>
-              <a:effectLst/>
-              <a:uLnTx/>
-              <a:uFillTx/>
-              <a:latin typeface="Corbel"/>
-              <a:ea typeface="+mn-ea"/>
-              <a:cs typeface="+mn-cs"/>
-            </a:endParaRPr>
-          </a:p>
-          <a:p>
-            <a:pPr marL="228600" marR="0" lvl="0" indent="-228600" algn="l" defTabSz="457200" rtl="0" eaLnBrk="1" fontAlgn="auto" latinLnBrk="0" hangingPunct="1">
-              <a:lnSpc>
-                <a:spcPct val="100000"/>
-              </a:lnSpc>
-              <a:spcBef>
-                <a:spcPts val="0"/>
-              </a:spcBef>
-              <a:spcAft>
-                <a:spcPts val="0"/>
-              </a:spcAft>
-              <a:buClr>
-                <a:srgbClr val="178ADB"/>
-              </a:buClr>
-              <a:buSzTx/>
-              <a:buFont typeface="Wingdings" charset="2"/>
-              <a:buChar char="§"/>
-              <a:tabLst/>
-              <a:defRPr/>
-            </a:pPr>
-            <a:endParaRPr kumimoji="0" lang="en-US" sz="2400" b="0" i="0" u="none" strike="noStrike" kern="1200" cap="none" spc="0" normalizeH="0" baseline="0" noProof="0" dirty="0">
-              <a:ln>
-                <a:noFill/>
-              </a:ln>
-              <a:solidFill>
-                <a:srgbClr val="1E1C1C"/>
-              </a:solidFill>
-              <a:effectLst/>
-              <a:uLnTx/>
-              <a:uFillTx/>
-              <a:latin typeface="Corbel"/>
-              <a:ea typeface="+mn-ea"/>
-              <a:cs typeface="+mn-cs"/>
-            </a:endParaRPr>
-          </a:p>
         </p:txBody>
       </p:sp>
     </p:spTree>
     <p:extLst>
       <p:ext uri="{BB962C8B-B14F-4D97-AF65-F5344CB8AC3E}">
-        <p14:creationId xmlns:p14="http://schemas.microsoft.com/office/powerpoint/2010/main" val="4131121896"/>
+        <p14:creationId xmlns:p14="http://schemas.microsoft.com/office/powerpoint/2010/main" val="3386954043"/>
       </p:ext>
     </p:extLst>
   </p:cSld>
@@ -13621,7 +12757,6 @@
               <a:rPr lang="en-US" dirty="0"/>
               <a:t>Why NoSQL?</a:t>
             </a:r>
-            <a:endParaRPr lang="en-US" dirty="0"/>
           </a:p>
           <a:p>
             <a:pPr marL="342900" indent="-342900">
@@ -13712,499 +12847,30 @@
             <a:spLocks noGrp="1"/>
           </p:cNvSpPr>
           <p:nvPr>
-            <p:ph type="title"/>
+            <p:ph type="ctrTitle"/>
           </p:nvPr>
         </p:nvSpPr>
-        <p:spPr/>
+        <p:spPr>
+          <a:xfrm>
+            <a:off x="685800" y="925974"/>
+            <a:ext cx="7772400" cy="2338001"/>
+          </a:xfrm>
+        </p:spPr>
         <p:txBody>
           <a:bodyPr/>
           <a:lstStyle/>
           <a:p>
             <a:r>
-              <a:rPr lang="en-US" dirty="0"/>
-              <a:t>Workshop 2: Using SDK in "Hello World"</a:t>
-            </a:r>
-          </a:p>
-        </p:txBody>
-      </p:sp>
-      <p:sp>
-        <p:nvSpPr>
-          <p:cNvPr id="3" name="Content Placeholder 2"/>
-          <p:cNvSpPr txBox="1">
-            <a:spLocks/>
-          </p:cNvSpPr>
-          <p:nvPr/>
-        </p:nvSpPr>
-        <p:spPr>
-          <a:xfrm>
-            <a:off x="198158" y="838200"/>
-            <a:ext cx="8717242" cy="3394472"/>
-          </a:xfrm>
-          <a:prstGeom prst="rect">
-            <a:avLst/>
-          </a:prstGeom>
-        </p:spPr>
-        <p:txBody>
-          <a:bodyPr/>
-          <a:lstStyle>
-            <a:lvl1pPr marL="228600" indent="-228600" algn="l" defTabSz="457200" rtl="0" eaLnBrk="1" latinLnBrk="0" hangingPunct="1">
-              <a:spcBef>
-                <a:spcPts val="0"/>
-              </a:spcBef>
-              <a:buClr>
-                <a:schemeClr val="accent1"/>
-              </a:buClr>
-              <a:buFont typeface="Wingdings" charset="2"/>
-              <a:buChar char="§"/>
-              <a:defRPr sz="2400" kern="1200">
-                <a:solidFill>
-                  <a:schemeClr val="tx1"/>
-                </a:solidFill>
-                <a:latin typeface="+mn-lt"/>
-                <a:ea typeface="+mn-ea"/>
-                <a:cs typeface="+mn-cs"/>
-              </a:defRPr>
-            </a:lvl1pPr>
-            <a:lvl2pPr marL="455613" indent="-227013" algn="l" defTabSz="457200" rtl="0" eaLnBrk="1" latinLnBrk="0" hangingPunct="1">
-              <a:spcBef>
-                <a:spcPts val="0"/>
-              </a:spcBef>
-              <a:buClr>
-                <a:srgbClr val="262626"/>
-              </a:buClr>
-              <a:buFont typeface="Wingdings" charset="2"/>
-              <a:buChar char="§"/>
-              <a:defRPr sz="2000" kern="1200">
-                <a:solidFill>
-                  <a:schemeClr val="tx1"/>
-                </a:solidFill>
-                <a:latin typeface="+mn-lt"/>
-                <a:ea typeface="+mn-ea"/>
-                <a:cs typeface="+mn-cs"/>
-              </a:defRPr>
-            </a:lvl2pPr>
-            <a:lvl3pPr marL="455613" indent="-228600" algn="l" defTabSz="457200" rtl="0" eaLnBrk="1" latinLnBrk="0" hangingPunct="1">
-              <a:spcBef>
-                <a:spcPts val="0"/>
-              </a:spcBef>
-              <a:buClr>
-                <a:srgbClr val="262626"/>
-              </a:buClr>
-              <a:buFont typeface="Wingdings" charset="2"/>
-              <a:buChar char="§"/>
-              <a:defRPr sz="2000" kern="1200">
-                <a:solidFill>
-                  <a:schemeClr val="tx1"/>
-                </a:solidFill>
-                <a:latin typeface="+mn-lt"/>
-                <a:ea typeface="+mn-ea"/>
-                <a:cs typeface="+mn-cs"/>
-              </a:defRPr>
-            </a:lvl3pPr>
-            <a:lvl4pPr marL="455613" indent="-228600" algn="l" defTabSz="457200" rtl="0" eaLnBrk="1" latinLnBrk="0" hangingPunct="1">
-              <a:spcBef>
-                <a:spcPts val="0"/>
-              </a:spcBef>
-              <a:buClr>
-                <a:srgbClr val="262626"/>
-              </a:buClr>
-              <a:buFont typeface="Wingdings" charset="2"/>
-              <a:buChar char="§"/>
-              <a:defRPr sz="2000" kern="1200">
-                <a:solidFill>
-                  <a:schemeClr val="tx1"/>
-                </a:solidFill>
-                <a:latin typeface="+mn-lt"/>
-                <a:ea typeface="+mn-ea"/>
-                <a:cs typeface="+mn-cs"/>
-              </a:defRPr>
-            </a:lvl4pPr>
-            <a:lvl5pPr marL="455613" indent="-228600" algn="l" defTabSz="457200" rtl="0" eaLnBrk="1" latinLnBrk="0" hangingPunct="1">
-              <a:spcBef>
-                <a:spcPts val="200"/>
-              </a:spcBef>
-              <a:buClr>
-                <a:srgbClr val="262626"/>
-              </a:buClr>
-              <a:buFont typeface="Wingdings" charset="2"/>
-              <a:buChar char="§"/>
-              <a:defRPr sz="2000" kern="1200">
-                <a:solidFill>
-                  <a:schemeClr val="tx1"/>
-                </a:solidFill>
-                <a:latin typeface="+mn-lt"/>
-                <a:ea typeface="+mn-ea"/>
-                <a:cs typeface="+mn-cs"/>
-              </a:defRPr>
-            </a:lvl5pPr>
-            <a:lvl6pPr marL="2514600" indent="-228600" algn="l" defTabSz="457200" rtl="0" eaLnBrk="1" latinLnBrk="0" hangingPunct="1">
-              <a:spcBef>
-                <a:spcPct val="20000"/>
-              </a:spcBef>
-              <a:buFont typeface="Arial"/>
-              <a:buChar char="•"/>
-              <a:defRPr sz="2000" kern="1200">
-                <a:solidFill>
-                  <a:schemeClr val="tx1"/>
-                </a:solidFill>
-                <a:latin typeface="+mn-lt"/>
-                <a:ea typeface="+mn-ea"/>
-                <a:cs typeface="+mn-cs"/>
-              </a:defRPr>
-            </a:lvl6pPr>
-            <a:lvl7pPr marL="2971800" indent="-228600" algn="l" defTabSz="457200" rtl="0" eaLnBrk="1" latinLnBrk="0" hangingPunct="1">
-              <a:spcBef>
-                <a:spcPct val="20000"/>
-              </a:spcBef>
-              <a:buFont typeface="Arial"/>
-              <a:buChar char="•"/>
-              <a:defRPr sz="2000" kern="1200">
-                <a:solidFill>
-                  <a:schemeClr val="tx1"/>
-                </a:solidFill>
-                <a:latin typeface="+mn-lt"/>
-                <a:ea typeface="+mn-ea"/>
-                <a:cs typeface="+mn-cs"/>
-              </a:defRPr>
-            </a:lvl7pPr>
-            <a:lvl8pPr marL="3429000" indent="-228600" algn="l" defTabSz="457200" rtl="0" eaLnBrk="1" latinLnBrk="0" hangingPunct="1">
-              <a:spcBef>
-                <a:spcPct val="20000"/>
-              </a:spcBef>
-              <a:buFont typeface="Arial"/>
-              <a:buChar char="•"/>
-              <a:defRPr sz="2000" kern="1200">
-                <a:solidFill>
-                  <a:schemeClr val="tx1"/>
-                </a:solidFill>
-                <a:latin typeface="+mn-lt"/>
-                <a:ea typeface="+mn-ea"/>
-                <a:cs typeface="+mn-cs"/>
-              </a:defRPr>
-            </a:lvl8pPr>
-            <a:lvl9pPr marL="3886200" indent="-228600" algn="l" defTabSz="457200" rtl="0" eaLnBrk="1" latinLnBrk="0" hangingPunct="1">
-              <a:spcBef>
-                <a:spcPct val="20000"/>
-              </a:spcBef>
-              <a:buFont typeface="Arial"/>
-              <a:buChar char="•"/>
-              <a:defRPr sz="2000" kern="1200">
-                <a:solidFill>
-                  <a:schemeClr val="tx1"/>
-                </a:solidFill>
-                <a:latin typeface="+mn-lt"/>
-                <a:ea typeface="+mn-ea"/>
-                <a:cs typeface="+mn-cs"/>
-              </a:defRPr>
-            </a:lvl9pPr>
-          </a:lstStyle>
-          <a:p>
-            <a:pPr marL="342900" marR="0" lvl="0" indent="-342900" algn="l" defTabSz="457200" rtl="0" eaLnBrk="1" fontAlgn="auto" latinLnBrk="0" hangingPunct="1">
-              <a:lnSpc>
-                <a:spcPct val="100000"/>
-              </a:lnSpc>
-              <a:spcBef>
-                <a:spcPts val="0"/>
-              </a:spcBef>
-              <a:spcAft>
-                <a:spcPts val="0"/>
-              </a:spcAft>
-              <a:buClr>
-                <a:srgbClr val="178ADB"/>
-              </a:buClr>
-              <a:buSzTx/>
-              <a:buFont typeface="Arial" charset="0"/>
-              <a:buChar char="•"/>
-              <a:tabLst/>
-              <a:defRPr/>
-            </a:pPr>
-            <a:r>
-              <a:rPr kumimoji="0" lang="en-US" sz="2400" b="0" i="0" u="none" strike="noStrike" kern="1200" cap="none" spc="0" normalizeH="0" baseline="0" noProof="0" dirty="0">
-                <a:ln>
-                  <a:noFill/>
-                </a:ln>
-                <a:solidFill>
-                  <a:srgbClr val="1E1C1C"/>
-                </a:solidFill>
-                <a:effectLst/>
-                <a:uLnTx/>
-                <a:uFillTx/>
-                <a:latin typeface="Corbel"/>
-                <a:ea typeface="+mn-ea"/>
-                <a:cs typeface="+mn-cs"/>
-              </a:rPr>
-              <a:t>Write a console </a:t>
-            </a:r>
-            <a:r>
-              <a:rPr lang="en-US" dirty="0">
-                <a:solidFill>
-                  <a:srgbClr val="1E1C1C"/>
-                </a:solidFill>
-                <a:latin typeface="Corbel"/>
-              </a:rPr>
-              <a:t>program that:</a:t>
-            </a:r>
-          </a:p>
-          <a:p>
-            <a:pPr marL="569913" lvl="1" indent="-342900">
-              <a:buClr>
-                <a:srgbClr val="178ADB"/>
-              </a:buClr>
-              <a:buFont typeface="Arial" charset="0"/>
-              <a:buChar char="•"/>
-            </a:pPr>
-            <a:r>
-              <a:rPr kumimoji="0" lang="en-US" sz="2400" b="0" i="0" u="none" strike="noStrike" kern="1200" cap="none" spc="0" normalizeH="0" baseline="0" noProof="0" dirty="0">
-                <a:ln>
-                  <a:noFill/>
-                </a:ln>
-                <a:solidFill>
-                  <a:srgbClr val="1E1C1C"/>
-                </a:solidFill>
-                <a:effectLst/>
-                <a:uLnTx/>
-                <a:uFillTx/>
-                <a:latin typeface="Corbel"/>
-                <a:ea typeface="+mn-ea"/>
-                <a:cs typeface="+mn-cs"/>
-              </a:rPr>
-              <a:t>Insert document(s)</a:t>
-            </a:r>
-          </a:p>
-          <a:p>
-            <a:pPr marL="569913" lvl="1" indent="-342900">
-              <a:buClr>
-                <a:srgbClr val="178ADB"/>
-              </a:buClr>
-              <a:buFont typeface="Arial" charset="0"/>
-              <a:buChar char="•"/>
-            </a:pPr>
-            <a:r>
-              <a:rPr kumimoji="0" lang="en-US" sz="2400" b="0" i="0" u="none" strike="noStrike" kern="1200" cap="none" spc="0" normalizeH="0" baseline="0" noProof="0" dirty="0">
-                <a:ln>
-                  <a:noFill/>
-                </a:ln>
-                <a:solidFill>
-                  <a:srgbClr val="1E1C1C"/>
-                </a:solidFill>
-                <a:effectLst/>
-                <a:uLnTx/>
-                <a:uFillTx/>
-                <a:latin typeface="Corbel"/>
-                <a:ea typeface="+mn-ea"/>
-                <a:cs typeface="+mn-cs"/>
-              </a:rPr>
-              <a:t>Select documents with N1QL</a:t>
-            </a:r>
-          </a:p>
-          <a:p>
-            <a:pPr marL="342900" marR="0" lvl="0" indent="-342900" algn="l" defTabSz="457200" rtl="0" eaLnBrk="1" fontAlgn="auto" latinLnBrk="0" hangingPunct="1">
-              <a:lnSpc>
-                <a:spcPct val="100000"/>
-              </a:lnSpc>
-              <a:spcBef>
-                <a:spcPts val="0"/>
-              </a:spcBef>
-              <a:spcAft>
-                <a:spcPts val="0"/>
-              </a:spcAft>
-              <a:buClr>
-                <a:srgbClr val="178ADB"/>
-              </a:buClr>
-              <a:buSzTx/>
-              <a:buFont typeface="Arial" charset="0"/>
-              <a:buChar char="•"/>
-              <a:tabLst/>
-              <a:defRPr/>
-            </a:pPr>
-            <a:endParaRPr kumimoji="0" lang="en-US" sz="2400" b="0" i="0" u="none" strike="noStrike" kern="1200" cap="none" spc="0" normalizeH="0" baseline="0" noProof="0" dirty="0">
-              <a:ln>
-                <a:noFill/>
-              </a:ln>
-              <a:solidFill>
-                <a:srgbClr val="1E1C1C"/>
-              </a:solidFill>
-              <a:effectLst/>
-              <a:uLnTx/>
-              <a:uFillTx/>
-              <a:latin typeface="Corbel"/>
-              <a:ea typeface="+mn-ea"/>
-              <a:cs typeface="+mn-cs"/>
-            </a:endParaRPr>
-          </a:p>
-          <a:p>
-            <a:pPr marL="342900" marR="0" lvl="0" indent="-342900" algn="l" defTabSz="457200" rtl="0" eaLnBrk="1" fontAlgn="auto" latinLnBrk="0" hangingPunct="1">
-              <a:lnSpc>
-                <a:spcPct val="100000"/>
-              </a:lnSpc>
-              <a:spcBef>
-                <a:spcPts val="0"/>
-              </a:spcBef>
-              <a:spcAft>
-                <a:spcPts val="0"/>
-              </a:spcAft>
-              <a:buClr>
-                <a:srgbClr val="178ADB"/>
-              </a:buClr>
-              <a:buSzTx/>
-              <a:buFont typeface="Arial" charset="0"/>
-              <a:buChar char="•"/>
-              <a:tabLst/>
-              <a:defRPr/>
-            </a:pPr>
-            <a:r>
-              <a:rPr kumimoji="0" lang="en-US" sz="2400" b="0" i="0" u="none" strike="noStrike" kern="1200" cap="none" spc="0" normalizeH="0" baseline="0" noProof="0" dirty="0">
-                <a:ln>
-                  <a:noFill/>
-                </a:ln>
-                <a:solidFill>
-                  <a:srgbClr val="1E1C1C"/>
-                </a:solidFill>
-                <a:effectLst/>
-                <a:uLnTx/>
-                <a:uFillTx/>
-                <a:latin typeface="Corbel"/>
-                <a:ea typeface="+mn-ea"/>
-                <a:cs typeface="+mn-cs"/>
-              </a:rPr>
-              <a:t>Start with </a:t>
-            </a:r>
-            <a:r>
-              <a:rPr kumimoji="0" lang="en-US" sz="2400" b="0" i="0" u="none" strike="noStrike" kern="1200" cap="none" spc="0" normalizeH="0" baseline="0" noProof="0" dirty="0" err="1">
-                <a:ln>
-                  <a:noFill/>
-                </a:ln>
-                <a:solidFill>
-                  <a:srgbClr val="1E1C1C"/>
-                </a:solidFill>
-                <a:effectLst/>
-                <a:uLnTx/>
-                <a:uFillTx/>
-                <a:latin typeface="Corbel"/>
-                <a:ea typeface="+mn-ea"/>
-                <a:cs typeface="+mn-cs"/>
-              </a:rPr>
-              <a:t>dotnet_workshop</a:t>
-            </a:r>
-            <a:r>
-              <a:rPr kumimoji="0" lang="en-US" sz="2400" b="0" i="0" u="none" strike="noStrike" kern="1200" cap="none" spc="0" normalizeH="0" baseline="0" noProof="0" dirty="0">
-                <a:ln>
-                  <a:noFill/>
-                </a:ln>
-                <a:solidFill>
-                  <a:srgbClr val="1E1C1C"/>
-                </a:solidFill>
-                <a:effectLst/>
-                <a:uLnTx/>
-                <a:uFillTx/>
-                <a:latin typeface="Corbel"/>
-                <a:ea typeface="+mn-ea"/>
-                <a:cs typeface="+mn-cs"/>
-              </a:rPr>
-              <a:t> / </a:t>
-            </a:r>
-            <a:r>
-              <a:rPr kumimoji="0" lang="en-US" sz="2400" b="0" i="0" u="none" strike="noStrike" kern="1200" cap="none" spc="0" normalizeH="0" baseline="0" noProof="0" dirty="0" err="1">
-                <a:ln>
-                  <a:noFill/>
-                </a:ln>
-                <a:solidFill>
-                  <a:srgbClr val="1E1C1C"/>
-                </a:solidFill>
-                <a:effectLst/>
-                <a:uLnTx/>
-                <a:uFillTx/>
-                <a:latin typeface="Corbel"/>
-                <a:ea typeface="+mn-ea"/>
-                <a:cs typeface="+mn-cs"/>
-              </a:rPr>
-              <a:t>dotnetcore_workshop</a:t>
-            </a:r>
-            <a:r>
-              <a:rPr kumimoji="0" lang="en-US" sz="2400" b="0" i="0" u="none" strike="noStrike" kern="1200" cap="none" spc="0" normalizeH="0" baseline="0" noProof="0" dirty="0">
-                <a:ln>
-                  <a:noFill/>
-                </a:ln>
-                <a:solidFill>
-                  <a:srgbClr val="1E1C1C"/>
-                </a:solidFill>
-                <a:effectLst/>
-                <a:uLnTx/>
-                <a:uFillTx/>
-                <a:latin typeface="Corbel"/>
-                <a:ea typeface="+mn-ea"/>
-                <a:cs typeface="+mn-cs"/>
-              </a:rPr>
-              <a:t> folders</a:t>
-            </a:r>
-          </a:p>
-          <a:p>
-            <a:pPr marL="569913" lvl="1" indent="-342900">
-              <a:buClr>
-                <a:srgbClr val="178ADB"/>
-              </a:buClr>
-              <a:buFont typeface="Arial" charset="0"/>
-              <a:buChar char="•"/>
-            </a:pPr>
-            <a:r>
-              <a:rPr kumimoji="0" lang="en-US" sz="2400" b="0" i="0" u="none" strike="noStrike" kern="1200" cap="none" spc="0" normalizeH="0" baseline="0" noProof="0" dirty="0">
-                <a:ln>
-                  <a:noFill/>
-                </a:ln>
-                <a:solidFill>
-                  <a:srgbClr val="1E1C1C"/>
-                </a:solidFill>
-                <a:effectLst/>
-                <a:uLnTx/>
-                <a:uFillTx/>
-                <a:latin typeface="Corbel"/>
-                <a:ea typeface="+mn-ea"/>
-                <a:cs typeface="+mn-cs"/>
-              </a:rPr>
-              <a:t>Fill in the blanks: look for “TODO”</a:t>
-            </a:r>
-          </a:p>
-          <a:p>
-            <a:pPr marL="228600" marR="0" lvl="0" indent="-228600" algn="l" defTabSz="457200" rtl="0" eaLnBrk="1" fontAlgn="auto" latinLnBrk="0" hangingPunct="1">
-              <a:lnSpc>
-                <a:spcPct val="100000"/>
-              </a:lnSpc>
-              <a:spcBef>
-                <a:spcPts val="0"/>
-              </a:spcBef>
-              <a:spcAft>
-                <a:spcPts val="0"/>
-              </a:spcAft>
-              <a:buClr>
-                <a:srgbClr val="178ADB"/>
-              </a:buClr>
-              <a:buSzTx/>
-              <a:buFont typeface="Wingdings" charset="2"/>
-              <a:buChar char="§"/>
-              <a:tabLst/>
-              <a:defRPr/>
-            </a:pPr>
-            <a:endParaRPr kumimoji="0" lang="en-US" sz="2400" b="0" i="0" u="none" strike="noStrike" kern="1200" cap="none" spc="0" normalizeH="0" baseline="0" noProof="0" dirty="0">
-              <a:ln>
-                <a:noFill/>
-              </a:ln>
-              <a:solidFill>
-                <a:srgbClr val="1E1C1C"/>
-              </a:solidFill>
-              <a:effectLst/>
-              <a:uLnTx/>
-              <a:uFillTx/>
-              <a:latin typeface="Corbel"/>
-              <a:ea typeface="+mn-ea"/>
-              <a:cs typeface="+mn-cs"/>
-            </a:endParaRPr>
+              <a:rPr lang="en-US" sz="3600" dirty="0"/>
+              <a:t>Questions</a:t>
+            </a:r>
           </a:p>
         </p:txBody>
       </p:sp>
     </p:spTree>
     <p:extLst>
       <p:ext uri="{BB962C8B-B14F-4D97-AF65-F5344CB8AC3E}">
-        <p14:creationId xmlns:p14="http://schemas.microsoft.com/office/powerpoint/2010/main" val="3386954043"/>
+        <p14:creationId xmlns:p14="http://schemas.microsoft.com/office/powerpoint/2010/main" val="3620921753"/>
       </p:ext>
     </p:extLst>
   </p:cSld>
@@ -15253,37 +13919,7 @@
             </a:r>
           </a:p>
           <a:p>
-            <a:pPr marL="573088" lvl="1" indent="-342900">
-              <a:buFont typeface="Arial" panose="020B0604020202020204" pitchFamily="34" charset="0"/>
-              <a:buChar char="•"/>
-            </a:pPr>
-            <a:endParaRPr lang="en-US" sz="2400" dirty="0"/>
-          </a:p>
-          <a:p>
-            <a:pPr marL="342900" indent="-342900">
-              <a:buFont typeface="Arial" panose="020B0604020202020204" pitchFamily="34" charset="0"/>
-              <a:buChar char="•"/>
-            </a:pPr>
-            <a:r>
-              <a:rPr lang="en-US" sz="3200" dirty="0"/>
-              <a:t>Views/indexes</a:t>
-            </a:r>
-          </a:p>
-          <a:p>
-            <a:pPr marL="573088" lvl="1" indent="-342900">
-              <a:buFont typeface="Arial" panose="020B0604020202020204" pitchFamily="34" charset="0"/>
-              <a:buChar char="•"/>
-            </a:pPr>
-            <a:r>
-              <a:rPr lang="en-US" sz="2400" dirty="0"/>
-              <a:t>Map/Reduce</a:t>
-            </a:r>
-          </a:p>
-          <a:p>
-            <a:pPr marL="573088" lvl="1" indent="-342900">
-              <a:buFont typeface="Arial" panose="020B0604020202020204" pitchFamily="34" charset="0"/>
-              <a:buChar char="•"/>
-            </a:pPr>
+            <a:pPr lvl="1"/>
             <a:endParaRPr lang="en-US" sz="2400" dirty="0"/>
           </a:p>
           <a:p>
